--- a/Introduction_to_Linux/M2-Introduction-to-linux.pptx
+++ b/Introduction_to_Linux/M2-Introduction-to-linux.pptx
@@ -5,7 +5,7 @@
     <p:sldMasterId id="2147483648" r:id="rId1"/>
   </p:sldMasterIdLst>
   <p:notesMasterIdLst>
-    <p:notesMasterId r:id="rId44"/>
+    <p:notesMasterId r:id="rId46"/>
   </p:notesMasterIdLst>
   <p:sldIdLst>
     <p:sldId id="256" r:id="rId2"/>
@@ -34,22 +34,24 @@
     <p:sldId id="323" r:id="rId25"/>
     <p:sldId id="302" r:id="rId26"/>
     <p:sldId id="303" r:id="rId27"/>
-    <p:sldId id="304" r:id="rId28"/>
-    <p:sldId id="305" r:id="rId29"/>
-    <p:sldId id="306" r:id="rId30"/>
-    <p:sldId id="307" r:id="rId31"/>
-    <p:sldId id="308" r:id="rId32"/>
-    <p:sldId id="309" r:id="rId33"/>
-    <p:sldId id="310" r:id="rId34"/>
-    <p:sldId id="314" r:id="rId35"/>
-    <p:sldId id="316" r:id="rId36"/>
-    <p:sldId id="315" r:id="rId37"/>
-    <p:sldId id="318" r:id="rId38"/>
-    <p:sldId id="319" r:id="rId39"/>
-    <p:sldId id="320" r:id="rId40"/>
-    <p:sldId id="321" r:id="rId41"/>
-    <p:sldId id="322" r:id="rId42"/>
-    <p:sldId id="324" r:id="rId43"/>
+    <p:sldId id="326" r:id="rId28"/>
+    <p:sldId id="304" r:id="rId29"/>
+    <p:sldId id="305" r:id="rId30"/>
+    <p:sldId id="306" r:id="rId31"/>
+    <p:sldId id="307" r:id="rId32"/>
+    <p:sldId id="308" r:id="rId33"/>
+    <p:sldId id="309" r:id="rId34"/>
+    <p:sldId id="310" r:id="rId35"/>
+    <p:sldId id="327" r:id="rId36"/>
+    <p:sldId id="314" r:id="rId37"/>
+    <p:sldId id="316" r:id="rId38"/>
+    <p:sldId id="315" r:id="rId39"/>
+    <p:sldId id="318" r:id="rId40"/>
+    <p:sldId id="319" r:id="rId41"/>
+    <p:sldId id="320" r:id="rId42"/>
+    <p:sldId id="321" r:id="rId43"/>
+    <p:sldId id="322" r:id="rId44"/>
+    <p:sldId id="324" r:id="rId45"/>
   </p:sldIdLst>
   <p:sldSz cx="12192000" cy="6858000"/>
   <p:notesSz cx="6858000" cy="9144000"/>
@@ -8540,7 +8542,7 @@
         </p:nvSpPr>
         <p:spPr>
           <a:xfrm>
-            <a:off x="4887882" y="2197894"/>
+            <a:off x="4887882" y="1539323"/>
             <a:ext cx="6198524" cy="369332"/>
           </a:xfrm>
           <a:prstGeom prst="rect">
@@ -8593,8 +8595,8 @@
         </p:nvSpPr>
         <p:spPr>
           <a:xfrm>
-            <a:off x="4887882" y="2967335"/>
-            <a:ext cx="6198524" cy="1200329"/>
+            <a:off x="4887882" y="2308764"/>
+            <a:ext cx="6198524" cy="1754326"/>
           </a:xfrm>
           <a:prstGeom prst="rect">
             <a:avLst/>
@@ -8613,7 +8615,7 @@
                 <a:latin typeface="Arial" panose="020B0604020202020204" pitchFamily="34" charset="0"/>
                 <a:cs typeface="Arial" panose="020B0604020202020204" pitchFamily="34" charset="0"/>
               </a:rPr>
-              <a:t>To see options and syntax</a:t>
+              <a:t>To see options and syntax for the command</a:t>
             </a:r>
           </a:p>
           <a:p>
@@ -8628,6 +8630,13 @@
           </a:p>
           <a:p>
             <a:pPr algn="ctr"/>
+            <a:endParaRPr lang="en-US" dirty="0">
+              <a:latin typeface="Courier New" panose="02070309020205020404" pitchFamily="49" charset="0"/>
+              <a:cs typeface="Courier New" panose="02070309020205020404" pitchFamily="49" charset="0"/>
+            </a:endParaRPr>
+          </a:p>
+          <a:p>
+            <a:pPr algn="ctr"/>
             <a:r>
               <a:rPr lang="en-US" b="1" u="sng" dirty="0">
                 <a:latin typeface="Arial" panose="020B0604020202020204" pitchFamily="34" charset="0"/>
@@ -8635,6 +8644,13 @@
               </a:rPr>
               <a:t>OR</a:t>
             </a:r>
+          </a:p>
+          <a:p>
+            <a:pPr algn="ctr"/>
+            <a:endParaRPr lang="en-US" b="1" u="sng" dirty="0">
+              <a:latin typeface="Arial" panose="020B0604020202020204" pitchFamily="34" charset="0"/>
+              <a:cs typeface="Arial" panose="020B0604020202020204" pitchFamily="34" charset="0"/>
+            </a:endParaRPr>
           </a:p>
           <a:p>
             <a:pPr algn="ctr"/>
@@ -8783,6 +8799,141 @@
           </a:p>
         </p:txBody>
       </p:sp>
+    </p:spTree>
+    <p:extLst>
+      <p:ext uri="{BB962C8B-B14F-4D97-AF65-F5344CB8AC3E}">
+        <p14:creationId xmlns:p14="http://schemas.microsoft.com/office/powerpoint/2010/main" val="3279152838"/>
+      </p:ext>
+    </p:extLst>
+  </p:cSld>
+  <p:clrMapOvr>
+    <a:masterClrMapping/>
+  </p:clrMapOvr>
+</p:sld>
+</file>
+
+<file path=ppt/slides/slide27.xml><?xml version="1.0" encoding="utf-8"?>
+<p:sld xmlns:a="http://schemas.openxmlformats.org/drawingml/2006/main" xmlns:r="http://schemas.openxmlformats.org/officeDocument/2006/relationships" xmlns:p="http://schemas.openxmlformats.org/presentationml/2006/main">
+  <p:cSld>
+    <p:spTree>
+      <p:nvGrpSpPr>
+        <p:cNvPr id="1" name=""/>
+        <p:cNvGrpSpPr/>
+        <p:nvPr/>
+      </p:nvGrpSpPr>
+      <p:grpSpPr>
+        <a:xfrm>
+          <a:off x="0" y="0"/>
+          <a:ext cx="0" cy="0"/>
+          <a:chOff x="0" y="0"/>
+          <a:chExt cx="0" cy="0"/>
+        </a:xfrm>
+      </p:grpSpPr>
+      <p:sp>
+        <p:nvSpPr>
+          <p:cNvPr id="2" name="TextBox 1">
+            <a:extLst>
+              <a:ext uri="{FF2B5EF4-FFF2-40B4-BE49-F238E27FC236}">
+                <a16:creationId xmlns:a16="http://schemas.microsoft.com/office/drawing/2014/main" id="{30DFB4F8-02E9-3172-BBD6-CA79A76EC796}"/>
+              </a:ext>
+            </a:extLst>
+          </p:cNvPr>
+          <p:cNvSpPr txBox="1"/>
+          <p:nvPr/>
+        </p:nvSpPr>
+        <p:spPr>
+          <a:xfrm>
+            <a:off x="0" y="441"/>
+            <a:ext cx="12192000" cy="584775"/>
+          </a:xfrm>
+          <a:prstGeom prst="rect">
+            <a:avLst/>
+          </a:prstGeom>
+          <a:noFill/>
+        </p:spPr>
+        <p:txBody>
+          <a:bodyPr wrap="square" rtlCol="0">
+            <a:spAutoFit/>
+          </a:bodyPr>
+          <a:lstStyle/>
+          <a:p>
+            <a:pPr algn="ctr"/>
+            <a:r>
+              <a:rPr lang="en-US" sz="3200" u="sng" dirty="0">
+                <a:latin typeface="Arial" panose="020B0604020202020204" pitchFamily="34" charset="0"/>
+                <a:cs typeface="Arial" panose="020B0604020202020204" pitchFamily="34" charset="0"/>
+              </a:rPr>
+              <a:t>An overview of paths and directory structures</a:t>
+            </a:r>
+          </a:p>
+        </p:txBody>
+      </p:sp>
+      <p:sp>
+        <p:nvSpPr>
+          <p:cNvPr id="4" name="TextBox 3">
+            <a:extLst>
+              <a:ext uri="{FF2B5EF4-FFF2-40B4-BE49-F238E27FC236}">
+                <a16:creationId xmlns:a16="http://schemas.microsoft.com/office/drawing/2014/main" id="{248FC763-C18E-2F50-269A-6EC59B2E486E}"/>
+              </a:ext>
+            </a:extLst>
+          </p:cNvPr>
+          <p:cNvSpPr txBox="1"/>
+          <p:nvPr/>
+        </p:nvSpPr>
+        <p:spPr>
+          <a:xfrm>
+            <a:off x="0" y="684968"/>
+            <a:ext cx="12192000" cy="923330"/>
+          </a:xfrm>
+          <a:prstGeom prst="rect">
+            <a:avLst/>
+          </a:prstGeom>
+          <a:noFill/>
+        </p:spPr>
+        <p:txBody>
+          <a:bodyPr wrap="square">
+            <a:spAutoFit/>
+          </a:bodyPr>
+          <a:lstStyle/>
+          <a:p>
+            <a:pPr algn="ctr"/>
+            <a:r>
+              <a:rPr lang="en-US" dirty="0">
+                <a:latin typeface="Arial" panose="020B0604020202020204" pitchFamily="34" charset="0"/>
+                <a:cs typeface="Arial" panose="020B0604020202020204" pitchFamily="34" charset="0"/>
+              </a:rPr>
+              <a:t>There are two types of pathnames</a:t>
+            </a:r>
+          </a:p>
+          <a:p>
+            <a:pPr lvl="1" algn="ctr"/>
+            <a:r>
+              <a:rPr lang="en-US" dirty="0">
+                <a:latin typeface="Arial" panose="020B0604020202020204" pitchFamily="34" charset="0"/>
+                <a:cs typeface="Arial" panose="020B0604020202020204" pitchFamily="34" charset="0"/>
+              </a:rPr>
+              <a:t>Absolute (Abs) – the full path to a directory or file; begins with the root symbol </a:t>
+            </a:r>
+            <a:r>
+              <a:rPr lang="en-US" b="1" dirty="0">
+                <a:latin typeface="Arial" panose="020B0604020202020204" pitchFamily="34" charset="0"/>
+                <a:cs typeface="Arial" panose="020B0604020202020204" pitchFamily="34" charset="0"/>
+              </a:rPr>
+              <a:t>/</a:t>
+            </a:r>
+          </a:p>
+          <a:p>
+            <a:pPr lvl="1" algn="ctr"/>
+            <a:r>
+              <a:rPr lang="en-US" dirty="0">
+                <a:latin typeface="Arial" panose="020B0604020202020204" pitchFamily="34" charset="0"/>
+                <a:cs typeface="Arial" panose="020B0604020202020204" pitchFamily="34" charset="0"/>
+              </a:rPr>
+              <a:t>Relative (Rel) – a partial path that is relative to the current working directory</a:t>
+            </a:r>
+          </a:p>
+        </p:txBody>
+      </p:sp>
       <p:sp>
         <p:nvSpPr>
           <p:cNvPr id="3" name="TextBox 2">
@@ -9097,7 +9248,7 @@
     </p:spTree>
     <p:extLst>
       <p:ext uri="{BB962C8B-B14F-4D97-AF65-F5344CB8AC3E}">
-        <p14:creationId xmlns:p14="http://schemas.microsoft.com/office/powerpoint/2010/main" val="3279152838"/>
+        <p14:creationId xmlns:p14="http://schemas.microsoft.com/office/powerpoint/2010/main" val="1877601664"/>
       </p:ext>
     </p:extLst>
   </p:cSld>
@@ -9107,7 +9258,7 @@
 </p:sld>
 </file>
 
-<file path=ppt/slides/slide27.xml><?xml version="1.0" encoding="utf-8"?>
+<file path=ppt/slides/slide28.xml><?xml version="1.0" encoding="utf-8"?>
 <p:sld xmlns:a="http://schemas.openxmlformats.org/drawingml/2006/main" xmlns:r="http://schemas.openxmlformats.org/officeDocument/2006/relationships" xmlns:p="http://schemas.openxmlformats.org/presentationml/2006/main">
   <p:cSld>
     <p:spTree>
@@ -9586,398 +9737,6 @@
 </p:sld>
 </file>
 
-<file path=ppt/slides/slide28.xml><?xml version="1.0" encoding="utf-8"?>
-<p:sld xmlns:a="http://schemas.openxmlformats.org/drawingml/2006/main" xmlns:r="http://schemas.openxmlformats.org/officeDocument/2006/relationships" xmlns:p="http://schemas.openxmlformats.org/presentationml/2006/main">
-  <p:cSld>
-    <p:spTree>
-      <p:nvGrpSpPr>
-        <p:cNvPr id="1" name=""/>
-        <p:cNvGrpSpPr/>
-        <p:nvPr/>
-      </p:nvGrpSpPr>
-      <p:grpSpPr>
-        <a:xfrm>
-          <a:off x="0" y="0"/>
-          <a:ext cx="0" cy="0"/>
-          <a:chOff x="0" y="0"/>
-          <a:chExt cx="0" cy="0"/>
-        </a:xfrm>
-      </p:grpSpPr>
-      <p:sp>
-        <p:nvSpPr>
-          <p:cNvPr id="2" name="TextBox 1">
-            <a:extLst>
-              <a:ext uri="{FF2B5EF4-FFF2-40B4-BE49-F238E27FC236}">
-                <a16:creationId xmlns:a16="http://schemas.microsoft.com/office/drawing/2014/main" id="{30DFB4F8-02E9-3172-BBD6-CA79A76EC796}"/>
-              </a:ext>
-            </a:extLst>
-          </p:cNvPr>
-          <p:cNvSpPr txBox="1"/>
-          <p:nvPr/>
-        </p:nvSpPr>
-        <p:spPr>
-          <a:xfrm>
-            <a:off x="0" y="441"/>
-            <a:ext cx="12192000" cy="584775"/>
-          </a:xfrm>
-          <a:prstGeom prst="rect">
-            <a:avLst/>
-          </a:prstGeom>
-          <a:noFill/>
-        </p:spPr>
-        <p:txBody>
-          <a:bodyPr wrap="square" rtlCol="0">
-            <a:spAutoFit/>
-          </a:bodyPr>
-          <a:lstStyle/>
-          <a:p>
-            <a:pPr algn="ctr"/>
-            <a:r>
-              <a:rPr lang="en-US" sz="3200" u="sng" dirty="0">
-                <a:latin typeface="Arial" panose="020B0604020202020204" pitchFamily="34" charset="0"/>
-                <a:cs typeface="Arial" panose="020B0604020202020204" pitchFamily="34" charset="0"/>
-              </a:rPr>
-              <a:t>Check and create new files and directories</a:t>
-            </a:r>
-          </a:p>
-        </p:txBody>
-      </p:sp>
-      <p:sp>
-        <p:nvSpPr>
-          <p:cNvPr id="5" name="TextBox 4">
-            <a:extLst>
-              <a:ext uri="{FF2B5EF4-FFF2-40B4-BE49-F238E27FC236}">
-                <a16:creationId xmlns:a16="http://schemas.microsoft.com/office/drawing/2014/main" id="{0053786F-1429-8EE4-3D6F-B89AE583545A}"/>
-              </a:ext>
-            </a:extLst>
-          </p:cNvPr>
-          <p:cNvSpPr txBox="1"/>
-          <p:nvPr/>
-        </p:nvSpPr>
-        <p:spPr>
-          <a:xfrm>
-            <a:off x="0" y="1494122"/>
-            <a:ext cx="4347410" cy="5078313"/>
-          </a:xfrm>
-          <a:prstGeom prst="rect">
-            <a:avLst/>
-          </a:prstGeom>
-          <a:noFill/>
-        </p:spPr>
-        <p:txBody>
-          <a:bodyPr wrap="square">
-            <a:spAutoFit/>
-          </a:bodyPr>
-          <a:lstStyle/>
-          <a:p>
-            <a:r>
-              <a:rPr lang="en-US" dirty="0">
-                <a:latin typeface="Arial" panose="020B0604020202020204" pitchFamily="34" charset="0"/>
-                <a:cs typeface="Arial" panose="020B0604020202020204" pitchFamily="34" charset="0"/>
-              </a:rPr>
-              <a:t>List all files in current directory</a:t>
-            </a:r>
-          </a:p>
-          <a:p>
-            <a:r>
-              <a:rPr lang="en-US" dirty="0">
-                <a:latin typeface="Courier New" panose="02070309020205020404" pitchFamily="49" charset="0"/>
-                <a:cs typeface="Courier New" panose="02070309020205020404" pitchFamily="49" charset="0"/>
-              </a:rPr>
-              <a:t>ls</a:t>
-            </a:r>
-          </a:p>
-          <a:p>
-            <a:endParaRPr lang="en-US" dirty="0">
-              <a:latin typeface="Arial" panose="020B0604020202020204" pitchFamily="34" charset="0"/>
-              <a:cs typeface="Arial" panose="020B0604020202020204" pitchFamily="34" charset="0"/>
-            </a:endParaRPr>
-          </a:p>
-          <a:p>
-            <a:r>
-              <a:rPr lang="en-US" dirty="0">
-                <a:latin typeface="Arial" panose="020B0604020202020204" pitchFamily="34" charset="0"/>
-                <a:cs typeface="Arial" panose="020B0604020202020204" pitchFamily="34" charset="0"/>
-              </a:rPr>
-              <a:t>View all options for ls and use some options</a:t>
-            </a:r>
-          </a:p>
-          <a:p>
-            <a:r>
-              <a:rPr lang="en-US" dirty="0">
-                <a:latin typeface="Courier New" panose="02070309020205020404" pitchFamily="49" charset="0"/>
-                <a:cs typeface="Courier New" panose="02070309020205020404" pitchFamily="49" charset="0"/>
-              </a:rPr>
-              <a:t>ls –-help</a:t>
-            </a:r>
-          </a:p>
-          <a:p>
-            <a:r>
-              <a:rPr lang="en-US" dirty="0">
-                <a:latin typeface="Courier New" panose="02070309020205020404" pitchFamily="49" charset="0"/>
-                <a:cs typeface="Courier New" panose="02070309020205020404" pitchFamily="49" charset="0"/>
-              </a:rPr>
-              <a:t>ls -a</a:t>
-            </a:r>
-          </a:p>
-          <a:p>
-            <a:endParaRPr lang="en-US" dirty="0">
-              <a:latin typeface="Courier New" panose="02070309020205020404" pitchFamily="49" charset="0"/>
-              <a:cs typeface="Courier New" panose="02070309020205020404" pitchFamily="49" charset="0"/>
-            </a:endParaRPr>
-          </a:p>
-          <a:p>
-            <a:r>
-              <a:rPr lang="en-US" dirty="0">
-                <a:latin typeface="Arial" panose="020B0604020202020204" pitchFamily="34" charset="0"/>
-                <a:cs typeface="Arial" panose="020B0604020202020204" pitchFamily="34" charset="0"/>
-              </a:rPr>
-              <a:t>Create files</a:t>
-            </a:r>
-          </a:p>
-          <a:p>
-            <a:r>
-              <a:rPr lang="en-US" dirty="0">
-                <a:latin typeface="Courier New" panose="02070309020205020404" pitchFamily="49" charset="0"/>
-                <a:cs typeface="Courier New" panose="02070309020205020404" pitchFamily="49" charset="0"/>
-              </a:rPr>
-              <a:t>touch file1.txt</a:t>
-            </a:r>
-          </a:p>
-          <a:p>
-            <a:r>
-              <a:rPr lang="en-US" dirty="0">
-                <a:latin typeface="Courier New" panose="02070309020205020404" pitchFamily="49" charset="0"/>
-                <a:cs typeface="Courier New" panose="02070309020205020404" pitchFamily="49" charset="0"/>
-              </a:rPr>
-              <a:t>ls</a:t>
-            </a:r>
-          </a:p>
-          <a:p>
-            <a:r>
-              <a:rPr lang="en-US" dirty="0">
-                <a:latin typeface="Courier New" panose="02070309020205020404" pitchFamily="49" charset="0"/>
-                <a:cs typeface="Courier New" panose="02070309020205020404" pitchFamily="49" charset="0"/>
-              </a:rPr>
-              <a:t>touch file2.txt file3.txt</a:t>
-            </a:r>
-          </a:p>
-          <a:p>
-            <a:r>
-              <a:rPr lang="en-US" dirty="0">
-                <a:latin typeface="Courier New" panose="02070309020205020404" pitchFamily="49" charset="0"/>
-                <a:cs typeface="Courier New" panose="02070309020205020404" pitchFamily="49" charset="0"/>
-              </a:rPr>
-              <a:t>ls</a:t>
-            </a:r>
-          </a:p>
-          <a:p>
-            <a:endParaRPr lang="en-US" dirty="0">
-              <a:latin typeface="Courier New" panose="02070309020205020404" pitchFamily="49" charset="0"/>
-              <a:cs typeface="Courier New" panose="02070309020205020404" pitchFamily="49" charset="0"/>
-            </a:endParaRPr>
-          </a:p>
-          <a:p>
-            <a:r>
-              <a:rPr lang="en-US" dirty="0">
-                <a:latin typeface="Arial" panose="020B0604020202020204" pitchFamily="34" charset="0"/>
-                <a:cs typeface="Arial" panose="020B0604020202020204" pitchFamily="34" charset="0"/>
-              </a:rPr>
-              <a:t>Create new directory</a:t>
-            </a:r>
-          </a:p>
-          <a:p>
-            <a:r>
-              <a:rPr lang="en-US" dirty="0" err="1">
-                <a:latin typeface="Courier New" panose="02070309020205020404" pitchFamily="49" charset="0"/>
-                <a:cs typeface="Courier New" panose="02070309020205020404" pitchFamily="49" charset="0"/>
-              </a:rPr>
-              <a:t>mkdir</a:t>
-            </a:r>
-            <a:r>
-              <a:rPr lang="en-US" dirty="0">
-                <a:latin typeface="Courier New" panose="02070309020205020404" pitchFamily="49" charset="0"/>
-                <a:cs typeface="Courier New" panose="02070309020205020404" pitchFamily="49" charset="0"/>
-              </a:rPr>
-              <a:t> dir1</a:t>
-            </a:r>
-          </a:p>
-          <a:p>
-            <a:r>
-              <a:rPr lang="en-US" dirty="0">
-                <a:latin typeface="Courier New" panose="02070309020205020404" pitchFamily="49" charset="0"/>
-                <a:cs typeface="Courier New" panose="02070309020205020404" pitchFamily="49" charset="0"/>
-              </a:rPr>
-              <a:t>ls</a:t>
-            </a:r>
-          </a:p>
-          <a:p>
-            <a:r>
-              <a:rPr lang="en-US" dirty="0">
-                <a:latin typeface="Courier New" panose="02070309020205020404" pitchFamily="49" charset="0"/>
-                <a:cs typeface="Courier New" panose="02070309020205020404" pitchFamily="49" charset="0"/>
-              </a:rPr>
-              <a:t>ls -l</a:t>
-            </a:r>
-          </a:p>
-        </p:txBody>
-      </p:sp>
-      <p:sp>
-        <p:nvSpPr>
-          <p:cNvPr id="6" name="TextBox 5">
-            <a:extLst>
-              <a:ext uri="{FF2B5EF4-FFF2-40B4-BE49-F238E27FC236}">
-                <a16:creationId xmlns:a16="http://schemas.microsoft.com/office/drawing/2014/main" id="{3900ABC1-FF2B-1688-9DB2-CC057D9D7D30}"/>
-              </a:ext>
-            </a:extLst>
-          </p:cNvPr>
-          <p:cNvSpPr txBox="1"/>
-          <p:nvPr/>
-        </p:nvSpPr>
-        <p:spPr>
-          <a:xfrm>
-            <a:off x="4628148" y="1494122"/>
-            <a:ext cx="4347410" cy="3416320"/>
-          </a:xfrm>
-          <a:prstGeom prst="rect">
-            <a:avLst/>
-          </a:prstGeom>
-          <a:noFill/>
-        </p:spPr>
-        <p:txBody>
-          <a:bodyPr wrap="square">
-            <a:spAutoFit/>
-          </a:bodyPr>
-          <a:lstStyle/>
-          <a:p>
-            <a:r>
-              <a:rPr lang="en-US" dirty="0">
-                <a:latin typeface="Arial" panose="020B0604020202020204" pitchFamily="34" charset="0"/>
-                <a:cs typeface="Arial" panose="020B0604020202020204" pitchFamily="34" charset="0"/>
-              </a:rPr>
-              <a:t>View current path</a:t>
-            </a:r>
-          </a:p>
-          <a:p>
-            <a:r>
-              <a:rPr lang="en-US" dirty="0" err="1">
-                <a:latin typeface="Courier New" panose="02070309020205020404" pitchFamily="49" charset="0"/>
-                <a:cs typeface="Courier New" panose="02070309020205020404" pitchFamily="49" charset="0"/>
-              </a:rPr>
-              <a:t>pwd</a:t>
-            </a:r>
-            <a:endParaRPr lang="en-US" dirty="0">
-              <a:latin typeface="Courier New" panose="02070309020205020404" pitchFamily="49" charset="0"/>
-              <a:cs typeface="Courier New" panose="02070309020205020404" pitchFamily="49" charset="0"/>
-            </a:endParaRPr>
-          </a:p>
-          <a:p>
-            <a:endParaRPr lang="en-US" dirty="0">
-              <a:latin typeface="Arial" panose="020B0604020202020204" pitchFamily="34" charset="0"/>
-              <a:cs typeface="Arial" panose="020B0604020202020204" pitchFamily="34" charset="0"/>
-            </a:endParaRPr>
-          </a:p>
-          <a:p>
-            <a:r>
-              <a:rPr lang="en-US" dirty="0">
-                <a:latin typeface="Arial" panose="020B0604020202020204" pitchFamily="34" charset="0"/>
-                <a:cs typeface="Arial" panose="020B0604020202020204" pitchFamily="34" charset="0"/>
-              </a:rPr>
-              <a:t>Change into new directory</a:t>
-            </a:r>
-          </a:p>
-          <a:p>
-            <a:r>
-              <a:rPr lang="en-US" dirty="0">
-                <a:latin typeface="Courier New" panose="02070309020205020404" pitchFamily="49" charset="0"/>
-                <a:cs typeface="Courier New" panose="02070309020205020404" pitchFamily="49" charset="0"/>
-              </a:rPr>
-              <a:t>cd dir1</a:t>
-            </a:r>
-          </a:p>
-          <a:p>
-            <a:r>
-              <a:rPr lang="en-US" dirty="0">
-                <a:latin typeface="Courier New" panose="02070309020205020404" pitchFamily="49" charset="0"/>
-                <a:cs typeface="Courier New" panose="02070309020205020404" pitchFamily="49" charset="0"/>
-              </a:rPr>
-              <a:t>ls</a:t>
-            </a:r>
-          </a:p>
-          <a:p>
-            <a:r>
-              <a:rPr lang="en-US" dirty="0" err="1">
-                <a:latin typeface="Courier New" panose="02070309020205020404" pitchFamily="49" charset="0"/>
-                <a:cs typeface="Courier New" panose="02070309020205020404" pitchFamily="49" charset="0"/>
-              </a:rPr>
-              <a:t>pwd</a:t>
-            </a:r>
-            <a:endParaRPr lang="en-US" dirty="0">
-              <a:latin typeface="Courier New" panose="02070309020205020404" pitchFamily="49" charset="0"/>
-              <a:cs typeface="Courier New" panose="02070309020205020404" pitchFamily="49" charset="0"/>
-            </a:endParaRPr>
-          </a:p>
-          <a:p>
-            <a:endParaRPr lang="en-US" dirty="0">
-              <a:latin typeface="Arial" panose="020B0604020202020204" pitchFamily="34" charset="0"/>
-              <a:cs typeface="Arial" panose="020B0604020202020204" pitchFamily="34" charset="0"/>
-            </a:endParaRPr>
-          </a:p>
-          <a:p>
-            <a:r>
-              <a:rPr lang="en-US" dirty="0">
-                <a:latin typeface="Arial" panose="020B0604020202020204" pitchFamily="34" charset="0"/>
-                <a:cs typeface="Arial" panose="020B0604020202020204" pitchFamily="34" charset="0"/>
-              </a:rPr>
-              <a:t>Go back to previous directory</a:t>
-            </a:r>
-          </a:p>
-          <a:p>
-            <a:r>
-              <a:rPr lang="en-US" dirty="0">
-                <a:latin typeface="Courier New" panose="02070309020205020404" pitchFamily="49" charset="0"/>
-                <a:cs typeface="Courier New" panose="02070309020205020404" pitchFamily="49" charset="0"/>
-              </a:rPr>
-              <a:t>cd ..</a:t>
-            </a:r>
-          </a:p>
-          <a:p>
-            <a:r>
-              <a:rPr lang="en-US" dirty="0" err="1">
-                <a:latin typeface="Courier New" panose="02070309020205020404" pitchFamily="49" charset="0"/>
-                <a:cs typeface="Courier New" panose="02070309020205020404" pitchFamily="49" charset="0"/>
-              </a:rPr>
-              <a:t>pwd</a:t>
-            </a:r>
-            <a:endParaRPr lang="en-US" dirty="0">
-              <a:latin typeface="Courier New" panose="02070309020205020404" pitchFamily="49" charset="0"/>
-              <a:cs typeface="Courier New" panose="02070309020205020404" pitchFamily="49" charset="0"/>
-            </a:endParaRPr>
-          </a:p>
-          <a:p>
-            <a:r>
-              <a:rPr lang="en-US" dirty="0">
-                <a:latin typeface="Courier New" panose="02070309020205020404" pitchFamily="49" charset="0"/>
-                <a:cs typeface="Courier New" panose="02070309020205020404" pitchFamily="49" charset="0"/>
-              </a:rPr>
-              <a:t>ls</a:t>
-            </a:r>
-          </a:p>
-        </p:txBody>
-      </p:sp>
-    </p:spTree>
-    <p:extLst>
-      <p:ext uri="{BB962C8B-B14F-4D97-AF65-F5344CB8AC3E}">
-        <p14:creationId xmlns:p14="http://schemas.microsoft.com/office/powerpoint/2010/main" val="795640844"/>
-      </p:ext>
-    </p:extLst>
-  </p:cSld>
-  <p:clrMapOvr>
-    <a:masterClrMapping/>
-  </p:clrMapOvr>
-</p:sld>
-</file>
-
 <file path=ppt/slides/slide29.xml><?xml version="1.0" encoding="utf-8"?>
 <p:sld xmlns:a="http://schemas.openxmlformats.org/drawingml/2006/main" xmlns:r="http://schemas.openxmlformats.org/officeDocument/2006/relationships" xmlns:p="http://schemas.openxmlformats.org/presentationml/2006/main">
   <p:cSld>
@@ -10029,7 +9788,7 @@
                 <a:latin typeface="Arial" panose="020B0604020202020204" pitchFamily="34" charset="0"/>
                 <a:cs typeface="Arial" panose="020B0604020202020204" pitchFamily="34" charset="0"/>
               </a:rPr>
-              <a:t>Exercise</a:t>
+              <a:t>Check and create new files and directories</a:t>
             </a:r>
           </a:p>
         </p:txBody>
@@ -10048,8 +9807,8 @@
         </p:nvSpPr>
         <p:spPr>
           <a:xfrm>
-            <a:off x="0" y="1253490"/>
-            <a:ext cx="11518232" cy="1477328"/>
+            <a:off x="0" y="1494122"/>
+            <a:ext cx="4347410" cy="5078313"/>
           </a:xfrm>
           <a:prstGeom prst="rect">
             <a:avLst/>
@@ -10067,58 +9826,16 @@
                 <a:latin typeface="Arial" panose="020B0604020202020204" pitchFamily="34" charset="0"/>
                 <a:cs typeface="Arial" panose="020B0604020202020204" pitchFamily="34" charset="0"/>
               </a:rPr>
-              <a:t>Task 1: Create a new directory within </a:t>
-            </a:r>
+              <a:t>List all files in current directory</a:t>
+            </a:r>
+          </a:p>
+          <a:p>
             <a:r>
               <a:rPr lang="en-US" dirty="0">
                 <a:latin typeface="Courier New" panose="02070309020205020404" pitchFamily="49" charset="0"/>
                 <a:cs typeface="Courier New" panose="02070309020205020404" pitchFamily="49" charset="0"/>
               </a:rPr>
-              <a:t>dir1</a:t>
-            </a:r>
-            <a:r>
-              <a:rPr lang="en-US" dirty="0">
-                <a:latin typeface="Arial" panose="020B0604020202020204" pitchFamily="34" charset="0"/>
-                <a:cs typeface="Arial" panose="020B0604020202020204" pitchFamily="34" charset="0"/>
-              </a:rPr>
-              <a:t> and then create a file within this new directory</a:t>
-            </a:r>
-          </a:p>
-          <a:p>
-            <a:r>
-              <a:rPr lang="en-US" dirty="0">
-                <a:latin typeface="Arial" panose="020B0604020202020204" pitchFamily="34" charset="0"/>
-                <a:cs typeface="Arial" panose="020B0604020202020204" pitchFamily="34" charset="0"/>
-              </a:rPr>
-              <a:t>Task 2: Navigate yourself back to </a:t>
-            </a:r>
-            <a:r>
-              <a:rPr lang="en-US" dirty="0">
-                <a:latin typeface="Courier New" panose="02070309020205020404" pitchFamily="49" charset="0"/>
-                <a:cs typeface="Courier New" panose="02070309020205020404" pitchFamily="49" charset="0"/>
-              </a:rPr>
-              <a:t>/home/user </a:t>
-            </a:r>
-            <a:r>
-              <a:rPr lang="en-US" dirty="0">
-                <a:latin typeface="Arial" panose="020B0604020202020204" pitchFamily="34" charset="0"/>
-                <a:cs typeface="Arial" panose="020B0604020202020204" pitchFamily="34" charset="0"/>
-              </a:rPr>
-              <a:t>and then use the command </a:t>
-            </a:r>
-            <a:r>
-              <a:rPr lang="en-US" dirty="0">
-                <a:latin typeface="Courier New" panose="02070309020205020404" pitchFamily="49" charset="0"/>
-                <a:cs typeface="Courier New" panose="02070309020205020404" pitchFamily="49" charset="0"/>
-              </a:rPr>
-              <a:t>tree</a:t>
-            </a:r>
-            <a:r>
-              <a:rPr lang="en-US" dirty="0">
-                <a:latin typeface="Arial" panose="020B0604020202020204" pitchFamily="34" charset="0"/>
-                <a:cs typeface="Arial" panose="020B0604020202020204" pitchFamily="34" charset="0"/>
-              </a:rPr>
-              <a:t> to view the directory structure</a:t>
+              <a:t>ls</a:t>
             </a:r>
           </a:p>
           <a:p>
@@ -10133,28 +9850,268 @@
                 <a:latin typeface="Arial" panose="020B0604020202020204" pitchFamily="34" charset="0"/>
                 <a:cs typeface="Arial" panose="020B0604020202020204" pitchFamily="34" charset="0"/>
               </a:rPr>
-              <a:t>Bonus: Create a file within </a:t>
-            </a:r>
+              <a:t>View all options for ls and use some options</a:t>
+            </a:r>
+          </a:p>
+          <a:p>
             <a:r>
               <a:rPr lang="en-US" dirty="0">
                 <a:latin typeface="Courier New" panose="02070309020205020404" pitchFamily="49" charset="0"/>
                 <a:cs typeface="Courier New" panose="02070309020205020404" pitchFamily="49" charset="0"/>
               </a:rPr>
-              <a:t>dir1</a:t>
-            </a:r>
-            <a:r>
-              <a:rPr lang="en-US" dirty="0">
-                <a:latin typeface="Arial" panose="020B0604020202020204" pitchFamily="34" charset="0"/>
-                <a:cs typeface="Arial" panose="020B0604020202020204" pitchFamily="34" charset="0"/>
-              </a:rPr>
-              <a:t> while your working directory is </a:t>
-            </a:r>
+              <a:t>ls –-help</a:t>
+            </a:r>
+          </a:p>
+          <a:p>
             <a:r>
               <a:rPr lang="en-US" dirty="0">
                 <a:latin typeface="Courier New" panose="02070309020205020404" pitchFamily="49" charset="0"/>
                 <a:cs typeface="Courier New" panose="02070309020205020404" pitchFamily="49" charset="0"/>
               </a:rPr>
-              <a:t>/home/user</a:t>
+              <a:t>ls -a</a:t>
+            </a:r>
+          </a:p>
+          <a:p>
+            <a:endParaRPr lang="en-US" dirty="0">
+              <a:latin typeface="Courier New" panose="02070309020205020404" pitchFamily="49" charset="0"/>
+              <a:cs typeface="Courier New" panose="02070309020205020404" pitchFamily="49" charset="0"/>
+            </a:endParaRPr>
+          </a:p>
+          <a:p>
+            <a:r>
+              <a:rPr lang="en-US" dirty="0">
+                <a:latin typeface="Arial" panose="020B0604020202020204" pitchFamily="34" charset="0"/>
+                <a:cs typeface="Arial" panose="020B0604020202020204" pitchFamily="34" charset="0"/>
+              </a:rPr>
+              <a:t>Create files</a:t>
+            </a:r>
+          </a:p>
+          <a:p>
+            <a:r>
+              <a:rPr lang="en-US" dirty="0">
+                <a:latin typeface="Courier New" panose="02070309020205020404" pitchFamily="49" charset="0"/>
+                <a:cs typeface="Courier New" panose="02070309020205020404" pitchFamily="49" charset="0"/>
+              </a:rPr>
+              <a:t>touch file1.txt</a:t>
+            </a:r>
+          </a:p>
+          <a:p>
+            <a:r>
+              <a:rPr lang="en-US" dirty="0">
+                <a:latin typeface="Courier New" panose="02070309020205020404" pitchFamily="49" charset="0"/>
+                <a:cs typeface="Courier New" panose="02070309020205020404" pitchFamily="49" charset="0"/>
+              </a:rPr>
+              <a:t>ls</a:t>
+            </a:r>
+          </a:p>
+          <a:p>
+            <a:r>
+              <a:rPr lang="en-US" dirty="0">
+                <a:latin typeface="Courier New" panose="02070309020205020404" pitchFamily="49" charset="0"/>
+                <a:cs typeface="Courier New" panose="02070309020205020404" pitchFamily="49" charset="0"/>
+              </a:rPr>
+              <a:t>touch file2.txt file3.txt</a:t>
+            </a:r>
+          </a:p>
+          <a:p>
+            <a:r>
+              <a:rPr lang="en-US" dirty="0">
+                <a:latin typeface="Courier New" panose="02070309020205020404" pitchFamily="49" charset="0"/>
+                <a:cs typeface="Courier New" panose="02070309020205020404" pitchFamily="49" charset="0"/>
+              </a:rPr>
+              <a:t>ls</a:t>
+            </a:r>
+          </a:p>
+          <a:p>
+            <a:endParaRPr lang="en-US" dirty="0">
+              <a:latin typeface="Courier New" panose="02070309020205020404" pitchFamily="49" charset="0"/>
+              <a:cs typeface="Courier New" panose="02070309020205020404" pitchFamily="49" charset="0"/>
+            </a:endParaRPr>
+          </a:p>
+          <a:p>
+            <a:r>
+              <a:rPr lang="en-US" dirty="0">
+                <a:latin typeface="Arial" panose="020B0604020202020204" pitchFamily="34" charset="0"/>
+                <a:cs typeface="Arial" panose="020B0604020202020204" pitchFamily="34" charset="0"/>
+              </a:rPr>
+              <a:t>Create new directory</a:t>
+            </a:r>
+          </a:p>
+          <a:p>
+            <a:r>
+              <a:rPr lang="en-US" dirty="0" err="1">
+                <a:latin typeface="Courier New" panose="02070309020205020404" pitchFamily="49" charset="0"/>
+                <a:cs typeface="Courier New" panose="02070309020205020404" pitchFamily="49" charset="0"/>
+              </a:rPr>
+              <a:t>mkdir</a:t>
+            </a:r>
+            <a:r>
+              <a:rPr lang="en-US" dirty="0">
+                <a:latin typeface="Courier New" panose="02070309020205020404" pitchFamily="49" charset="0"/>
+                <a:cs typeface="Courier New" panose="02070309020205020404" pitchFamily="49" charset="0"/>
+              </a:rPr>
+              <a:t> dir1</a:t>
+            </a:r>
+          </a:p>
+          <a:p>
+            <a:r>
+              <a:rPr lang="en-US" dirty="0">
+                <a:latin typeface="Courier New" panose="02070309020205020404" pitchFamily="49" charset="0"/>
+                <a:cs typeface="Courier New" panose="02070309020205020404" pitchFamily="49" charset="0"/>
+              </a:rPr>
+              <a:t>ls</a:t>
+            </a:r>
+          </a:p>
+          <a:p>
+            <a:r>
+              <a:rPr lang="en-US" dirty="0">
+                <a:latin typeface="Courier New" panose="02070309020205020404" pitchFamily="49" charset="0"/>
+                <a:cs typeface="Courier New" panose="02070309020205020404" pitchFamily="49" charset="0"/>
+              </a:rPr>
+              <a:t>ls -l</a:t>
+            </a:r>
+          </a:p>
+        </p:txBody>
+      </p:sp>
+      <p:sp>
+        <p:nvSpPr>
+          <p:cNvPr id="6" name="TextBox 5">
+            <a:extLst>
+              <a:ext uri="{FF2B5EF4-FFF2-40B4-BE49-F238E27FC236}">
+                <a16:creationId xmlns:a16="http://schemas.microsoft.com/office/drawing/2014/main" id="{3900ABC1-FF2B-1688-9DB2-CC057D9D7D30}"/>
+              </a:ext>
+            </a:extLst>
+          </p:cNvPr>
+          <p:cNvSpPr txBox="1"/>
+          <p:nvPr/>
+        </p:nvSpPr>
+        <p:spPr>
+          <a:xfrm>
+            <a:off x="4628148" y="1494122"/>
+            <a:ext cx="4347410" cy="3416320"/>
+          </a:xfrm>
+          <a:prstGeom prst="rect">
+            <a:avLst/>
+          </a:prstGeom>
+          <a:noFill/>
+        </p:spPr>
+        <p:txBody>
+          <a:bodyPr wrap="square">
+            <a:spAutoFit/>
+          </a:bodyPr>
+          <a:lstStyle/>
+          <a:p>
+            <a:r>
+              <a:rPr lang="en-US" dirty="0">
+                <a:latin typeface="Arial" panose="020B0604020202020204" pitchFamily="34" charset="0"/>
+                <a:cs typeface="Arial" panose="020B0604020202020204" pitchFamily="34" charset="0"/>
+              </a:rPr>
+              <a:t>View current path</a:t>
+            </a:r>
+          </a:p>
+          <a:p>
+            <a:r>
+              <a:rPr lang="en-US" dirty="0" err="1">
+                <a:latin typeface="Courier New" panose="02070309020205020404" pitchFamily="49" charset="0"/>
+                <a:cs typeface="Courier New" panose="02070309020205020404" pitchFamily="49" charset="0"/>
+              </a:rPr>
+              <a:t>pwd</a:t>
+            </a:r>
+            <a:endParaRPr lang="en-US" dirty="0">
+              <a:latin typeface="Courier New" panose="02070309020205020404" pitchFamily="49" charset="0"/>
+              <a:cs typeface="Courier New" panose="02070309020205020404" pitchFamily="49" charset="0"/>
+            </a:endParaRPr>
+          </a:p>
+          <a:p>
+            <a:endParaRPr lang="en-US" dirty="0">
+              <a:latin typeface="Arial" panose="020B0604020202020204" pitchFamily="34" charset="0"/>
+              <a:cs typeface="Arial" panose="020B0604020202020204" pitchFamily="34" charset="0"/>
+            </a:endParaRPr>
+          </a:p>
+          <a:p>
+            <a:r>
+              <a:rPr lang="en-US" dirty="0">
+                <a:latin typeface="Arial" panose="020B0604020202020204" pitchFamily="34" charset="0"/>
+                <a:cs typeface="Arial" panose="020B0604020202020204" pitchFamily="34" charset="0"/>
+              </a:rPr>
+              <a:t>Change into new directory</a:t>
+            </a:r>
+          </a:p>
+          <a:p>
+            <a:r>
+              <a:rPr lang="en-US" dirty="0">
+                <a:latin typeface="Courier New" panose="02070309020205020404" pitchFamily="49" charset="0"/>
+                <a:cs typeface="Courier New" panose="02070309020205020404" pitchFamily="49" charset="0"/>
+              </a:rPr>
+              <a:t>cd dir1</a:t>
+            </a:r>
+          </a:p>
+          <a:p>
+            <a:r>
+              <a:rPr lang="en-US" dirty="0">
+                <a:latin typeface="Courier New" panose="02070309020205020404" pitchFamily="49" charset="0"/>
+                <a:cs typeface="Courier New" panose="02070309020205020404" pitchFamily="49" charset="0"/>
+              </a:rPr>
+              <a:t>ls</a:t>
+            </a:r>
+          </a:p>
+          <a:p>
+            <a:r>
+              <a:rPr lang="en-US" dirty="0" err="1">
+                <a:latin typeface="Courier New" panose="02070309020205020404" pitchFamily="49" charset="0"/>
+                <a:cs typeface="Courier New" panose="02070309020205020404" pitchFamily="49" charset="0"/>
+              </a:rPr>
+              <a:t>pwd</a:t>
+            </a:r>
+            <a:endParaRPr lang="en-US" dirty="0">
+              <a:latin typeface="Courier New" panose="02070309020205020404" pitchFamily="49" charset="0"/>
+              <a:cs typeface="Courier New" panose="02070309020205020404" pitchFamily="49" charset="0"/>
+            </a:endParaRPr>
+          </a:p>
+          <a:p>
+            <a:endParaRPr lang="en-US" dirty="0">
+              <a:latin typeface="Arial" panose="020B0604020202020204" pitchFamily="34" charset="0"/>
+              <a:cs typeface="Arial" panose="020B0604020202020204" pitchFamily="34" charset="0"/>
+            </a:endParaRPr>
+          </a:p>
+          <a:p>
+            <a:r>
+              <a:rPr lang="en-US" dirty="0">
+                <a:latin typeface="Arial" panose="020B0604020202020204" pitchFamily="34" charset="0"/>
+                <a:cs typeface="Arial" panose="020B0604020202020204" pitchFamily="34" charset="0"/>
+              </a:rPr>
+              <a:t>Go back to previous directory</a:t>
+            </a:r>
+          </a:p>
+          <a:p>
+            <a:r>
+              <a:rPr lang="en-US" dirty="0">
+                <a:latin typeface="Courier New" panose="02070309020205020404" pitchFamily="49" charset="0"/>
+                <a:cs typeface="Courier New" panose="02070309020205020404" pitchFamily="49" charset="0"/>
+              </a:rPr>
+              <a:t>cd ..</a:t>
+            </a:r>
+          </a:p>
+          <a:p>
+            <a:r>
+              <a:rPr lang="en-US" dirty="0" err="1">
+                <a:latin typeface="Courier New" panose="02070309020205020404" pitchFamily="49" charset="0"/>
+                <a:cs typeface="Courier New" panose="02070309020205020404" pitchFamily="49" charset="0"/>
+              </a:rPr>
+              <a:t>pwd</a:t>
+            </a:r>
+            <a:endParaRPr lang="en-US" dirty="0">
+              <a:latin typeface="Courier New" panose="02070309020205020404" pitchFamily="49" charset="0"/>
+              <a:cs typeface="Courier New" panose="02070309020205020404" pitchFamily="49" charset="0"/>
+            </a:endParaRPr>
+          </a:p>
+          <a:p>
+            <a:r>
+              <a:rPr lang="en-US" dirty="0">
+                <a:latin typeface="Courier New" panose="02070309020205020404" pitchFamily="49" charset="0"/>
+                <a:cs typeface="Courier New" panose="02070309020205020404" pitchFamily="49" charset="0"/>
+              </a:rPr>
+              <a:t>ls</a:t>
             </a:r>
           </a:p>
         </p:txBody>
@@ -10162,7 +10119,7 @@
     </p:spTree>
     <p:extLst>
       <p:ext uri="{BB962C8B-B14F-4D97-AF65-F5344CB8AC3E}">
-        <p14:creationId xmlns:p14="http://schemas.microsoft.com/office/powerpoint/2010/main" val="1413544063"/>
+        <p14:creationId xmlns:p14="http://schemas.microsoft.com/office/powerpoint/2010/main" val="795640844"/>
       </p:ext>
     </p:extLst>
   </p:cSld>
@@ -10469,6 +10426,248 @@
                 <a:latin typeface="Arial" panose="020B0604020202020204" pitchFamily="34" charset="0"/>
                 <a:cs typeface="Arial" panose="020B0604020202020204" pitchFamily="34" charset="0"/>
               </a:rPr>
+              <a:t>Exercise</a:t>
+            </a:r>
+          </a:p>
+        </p:txBody>
+      </p:sp>
+      <p:sp>
+        <p:nvSpPr>
+          <p:cNvPr id="5" name="TextBox 4">
+            <a:extLst>
+              <a:ext uri="{FF2B5EF4-FFF2-40B4-BE49-F238E27FC236}">
+                <a16:creationId xmlns:a16="http://schemas.microsoft.com/office/drawing/2014/main" id="{0053786F-1429-8EE4-3D6F-B89AE583545A}"/>
+              </a:ext>
+            </a:extLst>
+          </p:cNvPr>
+          <p:cNvSpPr txBox="1"/>
+          <p:nvPr/>
+        </p:nvSpPr>
+        <p:spPr>
+          <a:xfrm>
+            <a:off x="0" y="1253490"/>
+            <a:ext cx="11518232" cy="1754326"/>
+          </a:xfrm>
+          <a:prstGeom prst="rect">
+            <a:avLst/>
+          </a:prstGeom>
+          <a:noFill/>
+        </p:spPr>
+        <p:txBody>
+          <a:bodyPr wrap="square">
+            <a:spAutoFit/>
+          </a:bodyPr>
+          <a:lstStyle/>
+          <a:p>
+            <a:r>
+              <a:rPr lang="en-US" dirty="0">
+                <a:latin typeface="Arial" panose="020B0604020202020204" pitchFamily="34" charset="0"/>
+                <a:cs typeface="Arial" panose="020B0604020202020204" pitchFamily="34" charset="0"/>
+              </a:rPr>
+              <a:t>Task 1: Create a new directory within </a:t>
+            </a:r>
+            <a:r>
+              <a:rPr lang="en-US" b="1" dirty="0">
+                <a:latin typeface="Arial" panose="020B0604020202020204" pitchFamily="34" charset="0"/>
+                <a:cs typeface="Arial" panose="020B0604020202020204" pitchFamily="34" charset="0"/>
+              </a:rPr>
+              <a:t>dir1</a:t>
+            </a:r>
+            <a:r>
+              <a:rPr lang="en-US" dirty="0">
+                <a:latin typeface="Arial" panose="020B0604020202020204" pitchFamily="34" charset="0"/>
+                <a:cs typeface="Arial" panose="020B0604020202020204" pitchFamily="34" charset="0"/>
+              </a:rPr>
+              <a:t> with the name </a:t>
+            </a:r>
+            <a:r>
+              <a:rPr lang="en-US" b="1" dirty="0">
+                <a:latin typeface="Arial" panose="020B0604020202020204" pitchFamily="34" charset="0"/>
+                <a:cs typeface="Arial" panose="020B0604020202020204" pitchFamily="34" charset="0"/>
+              </a:rPr>
+              <a:t>dir2</a:t>
+            </a:r>
+            <a:r>
+              <a:rPr lang="en-US" dirty="0">
+                <a:latin typeface="Arial" panose="020B0604020202020204" pitchFamily="34" charset="0"/>
+                <a:cs typeface="Arial" panose="020B0604020202020204" pitchFamily="34" charset="0"/>
+              </a:rPr>
+              <a:t> and then create a file named </a:t>
+            </a:r>
+            <a:r>
+              <a:rPr lang="en-US" b="1" dirty="0">
+                <a:latin typeface="Arial" panose="020B0604020202020204" pitchFamily="34" charset="0"/>
+                <a:cs typeface="Arial" panose="020B0604020202020204" pitchFamily="34" charset="0"/>
+              </a:rPr>
+              <a:t>file1.txt </a:t>
+            </a:r>
+            <a:r>
+              <a:rPr lang="en-US" dirty="0">
+                <a:latin typeface="Arial" panose="020B0604020202020204" pitchFamily="34" charset="0"/>
+                <a:cs typeface="Arial" panose="020B0604020202020204" pitchFamily="34" charset="0"/>
+              </a:rPr>
+              <a:t>within this new directory</a:t>
+            </a:r>
+          </a:p>
+          <a:p>
+            <a:endParaRPr lang="en-US" dirty="0">
+              <a:latin typeface="Arial" panose="020B0604020202020204" pitchFamily="34" charset="0"/>
+              <a:cs typeface="Arial" panose="020B0604020202020204" pitchFamily="34" charset="0"/>
+            </a:endParaRPr>
+          </a:p>
+          <a:p>
+            <a:r>
+              <a:rPr lang="en-US" dirty="0">
+                <a:latin typeface="Arial" panose="020B0604020202020204" pitchFamily="34" charset="0"/>
+                <a:cs typeface="Arial" panose="020B0604020202020204" pitchFamily="34" charset="0"/>
+              </a:rPr>
+              <a:t>Task 2: Navigate yourself back to </a:t>
+            </a:r>
+            <a:r>
+              <a:rPr lang="en-US" b="1" dirty="0">
+                <a:latin typeface="Arial" panose="020B0604020202020204" pitchFamily="34" charset="0"/>
+                <a:cs typeface="Arial" panose="020B0604020202020204" pitchFamily="34" charset="0"/>
+              </a:rPr>
+              <a:t>/home/user </a:t>
+            </a:r>
+            <a:r>
+              <a:rPr lang="en-US" dirty="0">
+                <a:latin typeface="Arial" panose="020B0604020202020204" pitchFamily="34" charset="0"/>
+                <a:cs typeface="Arial" panose="020B0604020202020204" pitchFamily="34" charset="0"/>
+              </a:rPr>
+              <a:t>and then use the command </a:t>
+            </a:r>
+            <a:r>
+              <a:rPr lang="en-US" b="1" dirty="0">
+                <a:latin typeface="Arial" panose="020B0604020202020204" pitchFamily="34" charset="0"/>
+                <a:cs typeface="Arial" panose="020B0604020202020204" pitchFamily="34" charset="0"/>
+              </a:rPr>
+              <a:t>tree</a:t>
+            </a:r>
+            <a:r>
+              <a:rPr lang="en-US" dirty="0">
+                <a:latin typeface="Arial" panose="020B0604020202020204" pitchFamily="34" charset="0"/>
+                <a:cs typeface="Arial" panose="020B0604020202020204" pitchFamily="34" charset="0"/>
+              </a:rPr>
+              <a:t> to view the directory structure</a:t>
+            </a:r>
+          </a:p>
+          <a:p>
+            <a:endParaRPr lang="en-US" dirty="0">
+              <a:latin typeface="Arial" panose="020B0604020202020204" pitchFamily="34" charset="0"/>
+              <a:cs typeface="Arial" panose="020B0604020202020204" pitchFamily="34" charset="0"/>
+            </a:endParaRPr>
+          </a:p>
+          <a:p>
+            <a:r>
+              <a:rPr lang="en-US" dirty="0">
+                <a:latin typeface="Arial" panose="020B0604020202020204" pitchFamily="34" charset="0"/>
+                <a:cs typeface="Arial" panose="020B0604020202020204" pitchFamily="34" charset="0"/>
+              </a:rPr>
+              <a:t>Bonus: Create a new directory within </a:t>
+            </a:r>
+            <a:r>
+              <a:rPr lang="en-US" b="1" dirty="0">
+                <a:latin typeface="Arial" panose="020B0604020202020204" pitchFamily="34" charset="0"/>
+                <a:cs typeface="Arial" panose="020B0604020202020204" pitchFamily="34" charset="0"/>
+              </a:rPr>
+              <a:t>dir1</a:t>
+            </a:r>
+            <a:r>
+              <a:rPr lang="en-US" dirty="0">
+                <a:latin typeface="Arial" panose="020B0604020202020204" pitchFamily="34" charset="0"/>
+                <a:cs typeface="Arial" panose="020B0604020202020204" pitchFamily="34" charset="0"/>
+              </a:rPr>
+              <a:t> called </a:t>
+            </a:r>
+            <a:r>
+              <a:rPr lang="en-US" b="1" dirty="0">
+                <a:latin typeface="Arial" panose="020B0604020202020204" pitchFamily="34" charset="0"/>
+                <a:cs typeface="Arial" panose="020B0604020202020204" pitchFamily="34" charset="0"/>
+              </a:rPr>
+              <a:t>dir3</a:t>
+            </a:r>
+            <a:r>
+              <a:rPr lang="en-US" dirty="0">
+                <a:latin typeface="Arial" panose="020B0604020202020204" pitchFamily="34" charset="0"/>
+                <a:cs typeface="Arial" panose="020B0604020202020204" pitchFamily="34" charset="0"/>
+              </a:rPr>
+              <a:t> while your working directory is </a:t>
+            </a:r>
+            <a:r>
+              <a:rPr lang="en-US" b="1" dirty="0">
+                <a:latin typeface="Arial" panose="020B0604020202020204" pitchFamily="34" charset="0"/>
+                <a:cs typeface="Arial" panose="020B0604020202020204" pitchFamily="34" charset="0"/>
+              </a:rPr>
+              <a:t>/home/user</a:t>
+            </a:r>
+          </a:p>
+        </p:txBody>
+      </p:sp>
+    </p:spTree>
+    <p:extLst>
+      <p:ext uri="{BB962C8B-B14F-4D97-AF65-F5344CB8AC3E}">
+        <p14:creationId xmlns:p14="http://schemas.microsoft.com/office/powerpoint/2010/main" val="1413544063"/>
+      </p:ext>
+    </p:extLst>
+  </p:cSld>
+  <p:clrMapOvr>
+    <a:masterClrMapping/>
+  </p:clrMapOvr>
+</p:sld>
+</file>
+
+<file path=ppt/slides/slide31.xml><?xml version="1.0" encoding="utf-8"?>
+<p:sld xmlns:a="http://schemas.openxmlformats.org/drawingml/2006/main" xmlns:r="http://schemas.openxmlformats.org/officeDocument/2006/relationships" xmlns:p="http://schemas.openxmlformats.org/presentationml/2006/main">
+  <p:cSld>
+    <p:spTree>
+      <p:nvGrpSpPr>
+        <p:cNvPr id="1" name=""/>
+        <p:cNvGrpSpPr/>
+        <p:nvPr/>
+      </p:nvGrpSpPr>
+      <p:grpSpPr>
+        <a:xfrm>
+          <a:off x="0" y="0"/>
+          <a:ext cx="0" cy="0"/>
+          <a:chOff x="0" y="0"/>
+          <a:chExt cx="0" cy="0"/>
+        </a:xfrm>
+      </p:grpSpPr>
+      <p:sp>
+        <p:nvSpPr>
+          <p:cNvPr id="2" name="TextBox 1">
+            <a:extLst>
+              <a:ext uri="{FF2B5EF4-FFF2-40B4-BE49-F238E27FC236}">
+                <a16:creationId xmlns:a16="http://schemas.microsoft.com/office/drawing/2014/main" id="{30DFB4F8-02E9-3172-BBD6-CA79A76EC796}"/>
+              </a:ext>
+            </a:extLst>
+          </p:cNvPr>
+          <p:cNvSpPr txBox="1"/>
+          <p:nvPr/>
+        </p:nvSpPr>
+        <p:spPr>
+          <a:xfrm>
+            <a:off x="0" y="441"/>
+            <a:ext cx="12192000" cy="584775"/>
+          </a:xfrm>
+          <a:prstGeom prst="rect">
+            <a:avLst/>
+          </a:prstGeom>
+          <a:noFill/>
+        </p:spPr>
+        <p:txBody>
+          <a:bodyPr wrap="square" rtlCol="0">
+            <a:spAutoFit/>
+          </a:bodyPr>
+          <a:lstStyle/>
+          <a:p>
+            <a:pPr algn="ctr"/>
+            <a:r>
+              <a:rPr lang="en-US" sz="3200" u="sng" dirty="0">
+                <a:latin typeface="Arial" panose="020B0604020202020204" pitchFamily="34" charset="0"/>
+                <a:cs typeface="Arial" panose="020B0604020202020204" pitchFamily="34" charset="0"/>
+              </a:rPr>
               <a:t>Copying, moving and deleting files and directories</a:t>
             </a:r>
           </a:p>
@@ -10719,32 +10918,11 @@
                 <a:latin typeface="Arial" panose="020B0604020202020204" pitchFamily="34" charset="0"/>
                 <a:cs typeface="Arial" panose="020B0604020202020204" pitchFamily="34" charset="0"/>
               </a:rPr>
-              <a:t>Delete </a:t>
-            </a:r>
-            <a:r>
-              <a:rPr lang="en-US" dirty="0">
-                <a:latin typeface="Courier New" panose="02070309020205020404" pitchFamily="49" charset="0"/>
-                <a:cs typeface="Courier New" panose="02070309020205020404" pitchFamily="49" charset="0"/>
-              </a:rPr>
-              <a:t>file3.txt</a:t>
-            </a:r>
-            <a:r>
-              <a:rPr lang="en-US" dirty="0">
-                <a:latin typeface="Arial" panose="020B0604020202020204" pitchFamily="34" charset="0"/>
-                <a:cs typeface="Arial" panose="020B0604020202020204" pitchFamily="34" charset="0"/>
-              </a:rPr>
-              <a:t> and delete </a:t>
-            </a:r>
-            <a:r>
-              <a:rPr lang="en-US" dirty="0">
-                <a:latin typeface="Courier New" panose="02070309020205020404" pitchFamily="49" charset="0"/>
-                <a:cs typeface="Courier New" panose="02070309020205020404" pitchFamily="49" charset="0"/>
-              </a:rPr>
-              <a:t>dir4</a:t>
+              <a:t>Delete file3.txt and delete dir4</a:t>
             </a:r>
             <a:endParaRPr lang="en-US" sz="1800" dirty="0">
-              <a:latin typeface="Courier New" panose="02070309020205020404" pitchFamily="49" charset="0"/>
-              <a:cs typeface="Courier New" panose="02070309020205020404" pitchFamily="49" charset="0"/>
+              <a:latin typeface="Arial" panose="020B0604020202020204" pitchFamily="34" charset="0"/>
+              <a:cs typeface="Arial" panose="020B0604020202020204" pitchFamily="34" charset="0"/>
             </a:endParaRPr>
           </a:p>
           <a:p>
@@ -10847,216 +11025,6 @@
     <p:extLst>
       <p:ext uri="{BB962C8B-B14F-4D97-AF65-F5344CB8AC3E}">
         <p14:creationId xmlns:p14="http://schemas.microsoft.com/office/powerpoint/2010/main" val="3858723116"/>
-      </p:ext>
-    </p:extLst>
-  </p:cSld>
-  <p:clrMapOvr>
-    <a:masterClrMapping/>
-  </p:clrMapOvr>
-</p:sld>
-</file>
-
-<file path=ppt/slides/slide31.xml><?xml version="1.0" encoding="utf-8"?>
-<p:sld xmlns:a="http://schemas.openxmlformats.org/drawingml/2006/main" xmlns:r="http://schemas.openxmlformats.org/officeDocument/2006/relationships" xmlns:p="http://schemas.openxmlformats.org/presentationml/2006/main">
-  <p:cSld>
-    <p:spTree>
-      <p:nvGrpSpPr>
-        <p:cNvPr id="1" name=""/>
-        <p:cNvGrpSpPr/>
-        <p:nvPr/>
-      </p:nvGrpSpPr>
-      <p:grpSpPr>
-        <a:xfrm>
-          <a:off x="0" y="0"/>
-          <a:ext cx="0" cy="0"/>
-          <a:chOff x="0" y="0"/>
-          <a:chExt cx="0" cy="0"/>
-        </a:xfrm>
-      </p:grpSpPr>
-      <p:sp>
-        <p:nvSpPr>
-          <p:cNvPr id="2" name="TextBox 1">
-            <a:extLst>
-              <a:ext uri="{FF2B5EF4-FFF2-40B4-BE49-F238E27FC236}">
-                <a16:creationId xmlns:a16="http://schemas.microsoft.com/office/drawing/2014/main" id="{30DFB4F8-02E9-3172-BBD6-CA79A76EC796}"/>
-              </a:ext>
-            </a:extLst>
-          </p:cNvPr>
-          <p:cNvSpPr txBox="1"/>
-          <p:nvPr/>
-        </p:nvSpPr>
-        <p:spPr>
-          <a:xfrm>
-            <a:off x="0" y="441"/>
-            <a:ext cx="12192000" cy="584775"/>
-          </a:xfrm>
-          <a:prstGeom prst="rect">
-            <a:avLst/>
-          </a:prstGeom>
-          <a:noFill/>
-        </p:spPr>
-        <p:txBody>
-          <a:bodyPr wrap="square" rtlCol="0">
-            <a:spAutoFit/>
-          </a:bodyPr>
-          <a:lstStyle/>
-          <a:p>
-            <a:pPr algn="ctr"/>
-            <a:r>
-              <a:rPr lang="en-US" sz="3200" u="sng" dirty="0">
-                <a:latin typeface="Arial" panose="020B0604020202020204" pitchFamily="34" charset="0"/>
-                <a:cs typeface="Arial" panose="020B0604020202020204" pitchFamily="34" charset="0"/>
-              </a:rPr>
-              <a:t>Using wildcards</a:t>
-            </a:r>
-          </a:p>
-        </p:txBody>
-      </p:sp>
-      <p:sp>
-        <p:nvSpPr>
-          <p:cNvPr id="8" name="TextBox 7">
-            <a:extLst>
-              <a:ext uri="{FF2B5EF4-FFF2-40B4-BE49-F238E27FC236}">
-                <a16:creationId xmlns:a16="http://schemas.microsoft.com/office/drawing/2014/main" id="{5470EBD9-6115-793F-BFF8-7A41483B2275}"/>
-              </a:ext>
-            </a:extLst>
-          </p:cNvPr>
-          <p:cNvSpPr txBox="1"/>
-          <p:nvPr/>
-        </p:nvSpPr>
-        <p:spPr>
-          <a:xfrm>
-            <a:off x="109303" y="888915"/>
-            <a:ext cx="8181474" cy="3631763"/>
-          </a:xfrm>
-          <a:prstGeom prst="rect">
-            <a:avLst/>
-          </a:prstGeom>
-          <a:noFill/>
-        </p:spPr>
-        <p:txBody>
-          <a:bodyPr wrap="square">
-            <a:spAutoFit/>
-          </a:bodyPr>
-          <a:lstStyle/>
-          <a:p>
-            <a:r>
-              <a:rPr lang="en-US" dirty="0">
-                <a:latin typeface="Arial" panose="020B0604020202020204" pitchFamily="34" charset="0"/>
-                <a:cs typeface="Arial" panose="020B0604020202020204" pitchFamily="34" charset="0"/>
-              </a:rPr>
-              <a:t>Create the following files</a:t>
-            </a:r>
-          </a:p>
-          <a:p>
-            <a:r>
-              <a:rPr lang="en-US" dirty="0">
-                <a:latin typeface="Courier New" panose="02070309020205020404" pitchFamily="49" charset="0"/>
-                <a:cs typeface="Courier New" panose="02070309020205020404" pitchFamily="49" charset="0"/>
-              </a:rPr>
-              <a:t>touch test1.txt test2.txt file5.csv file6.csv</a:t>
-            </a:r>
-          </a:p>
-          <a:p>
-            <a:r>
-              <a:rPr lang="en-US" dirty="0">
-                <a:latin typeface="Courier New" panose="02070309020205020404" pitchFamily="49" charset="0"/>
-                <a:cs typeface="Courier New" panose="02070309020205020404" pitchFamily="49" charset="0"/>
-              </a:rPr>
-              <a:t>ls</a:t>
-            </a:r>
-          </a:p>
-          <a:p>
-            <a:endParaRPr lang="en-US" dirty="0">
-              <a:latin typeface="Arial" panose="020B0604020202020204" pitchFamily="34" charset="0"/>
-              <a:cs typeface="Arial" panose="020B0604020202020204" pitchFamily="34" charset="0"/>
-            </a:endParaRPr>
-          </a:p>
-          <a:p>
-            <a:r>
-              <a:rPr lang="en-US" dirty="0">
-                <a:latin typeface="Arial" panose="020B0604020202020204" pitchFamily="34" charset="0"/>
-                <a:cs typeface="Arial" panose="020B0604020202020204" pitchFamily="34" charset="0"/>
-              </a:rPr>
-              <a:t>View all files that starts with test </a:t>
-            </a:r>
-          </a:p>
-          <a:p>
-            <a:r>
-              <a:rPr lang="en-US" dirty="0">
-                <a:latin typeface="Courier New" panose="02070309020205020404" pitchFamily="49" charset="0"/>
-                <a:cs typeface="Courier New" panose="02070309020205020404" pitchFamily="49" charset="0"/>
-              </a:rPr>
-              <a:t>ls test*</a:t>
-            </a:r>
-          </a:p>
-          <a:p>
-            <a:endParaRPr lang="en-US" sz="1400" dirty="0">
-              <a:latin typeface="Arial" panose="020B0604020202020204" pitchFamily="34" charset="0"/>
-              <a:cs typeface="Arial" panose="020B0604020202020204" pitchFamily="34" charset="0"/>
-            </a:endParaRPr>
-          </a:p>
-          <a:p>
-            <a:r>
-              <a:rPr lang="en-US" dirty="0">
-                <a:latin typeface="Arial" panose="020B0604020202020204" pitchFamily="34" charset="0"/>
-                <a:cs typeface="Arial" panose="020B0604020202020204" pitchFamily="34" charset="0"/>
-              </a:rPr>
-              <a:t>View all files that ends with csv</a:t>
-            </a:r>
-          </a:p>
-          <a:p>
-            <a:r>
-              <a:rPr lang="en-US" dirty="0">
-                <a:latin typeface="Courier New" panose="02070309020205020404" pitchFamily="49" charset="0"/>
-                <a:cs typeface="Courier New" panose="02070309020205020404" pitchFamily="49" charset="0"/>
-              </a:rPr>
-              <a:t>ls *csv</a:t>
-            </a:r>
-          </a:p>
-          <a:p>
-            <a:endParaRPr lang="en-US" dirty="0">
-              <a:latin typeface="Courier New" panose="02070309020205020404" pitchFamily="49" charset="0"/>
-              <a:cs typeface="Courier New" panose="02070309020205020404" pitchFamily="49" charset="0"/>
-            </a:endParaRPr>
-          </a:p>
-          <a:p>
-            <a:r>
-              <a:rPr lang="en-US" dirty="0">
-                <a:latin typeface="Arial" panose="020B0604020202020204" pitchFamily="34" charset="0"/>
-                <a:cs typeface="Arial" panose="020B0604020202020204" pitchFamily="34" charset="0"/>
-              </a:rPr>
-              <a:t>Remove all csv and text files</a:t>
-            </a:r>
-            <a:endParaRPr lang="en-US" sz="1800" dirty="0">
-              <a:latin typeface="Courier New" panose="02070309020205020404" pitchFamily="49" charset="0"/>
-              <a:cs typeface="Courier New" panose="02070309020205020404" pitchFamily="49" charset="0"/>
-            </a:endParaRPr>
-          </a:p>
-          <a:p>
-            <a:r>
-              <a:rPr lang="en-US" dirty="0">
-                <a:latin typeface="Courier New" panose="02070309020205020404" pitchFamily="49" charset="0"/>
-                <a:cs typeface="Courier New" panose="02070309020205020404" pitchFamily="49" charset="0"/>
-              </a:rPr>
-              <a:t>rm *.csv</a:t>
-            </a:r>
-          </a:p>
-          <a:p>
-            <a:r>
-              <a:rPr lang="en-US" dirty="0">
-                <a:latin typeface="Courier New" panose="02070309020205020404" pitchFamily="49" charset="0"/>
-                <a:cs typeface="Courier New" panose="02070309020205020404" pitchFamily="49" charset="0"/>
-              </a:rPr>
-              <a:t>rm *.txt</a:t>
-            </a:r>
-          </a:p>
-        </p:txBody>
-      </p:sp>
-    </p:spTree>
-    <p:extLst>
-      <p:ext uri="{BB962C8B-B14F-4D97-AF65-F5344CB8AC3E}">
-        <p14:creationId xmlns:p14="http://schemas.microsoft.com/office/powerpoint/2010/main" val="4119652442"/>
       </p:ext>
     </p:extLst>
   </p:cSld>
@@ -11097,7 +11065,7 @@
         </p:nvSpPr>
         <p:spPr>
           <a:xfrm>
-            <a:off x="0" y="2844225"/>
+            <a:off x="0" y="441"/>
             <a:ext cx="12192000" cy="584775"/>
           </a:xfrm>
           <a:prstGeom prst="rect">
@@ -11117,7 +11085,148 @@
                 <a:latin typeface="Arial" panose="020B0604020202020204" pitchFamily="34" charset="0"/>
                 <a:cs typeface="Arial" panose="020B0604020202020204" pitchFamily="34" charset="0"/>
               </a:rPr>
-              <a:t>Break</a:t>
+              <a:t>Using wildcards</a:t>
+            </a:r>
+          </a:p>
+        </p:txBody>
+      </p:sp>
+      <p:sp>
+        <p:nvSpPr>
+          <p:cNvPr id="8" name="TextBox 7">
+            <a:extLst>
+              <a:ext uri="{FF2B5EF4-FFF2-40B4-BE49-F238E27FC236}">
+                <a16:creationId xmlns:a16="http://schemas.microsoft.com/office/drawing/2014/main" id="{5470EBD9-6115-793F-BFF8-7A41483B2275}"/>
+              </a:ext>
+            </a:extLst>
+          </p:cNvPr>
+          <p:cNvSpPr txBox="1"/>
+          <p:nvPr/>
+        </p:nvSpPr>
+        <p:spPr>
+          <a:xfrm>
+            <a:off x="109303" y="888915"/>
+            <a:ext cx="8181474" cy="3631763"/>
+          </a:xfrm>
+          <a:prstGeom prst="rect">
+            <a:avLst/>
+          </a:prstGeom>
+          <a:noFill/>
+        </p:spPr>
+        <p:txBody>
+          <a:bodyPr wrap="square">
+            <a:spAutoFit/>
+          </a:bodyPr>
+          <a:lstStyle/>
+          <a:p>
+            <a:r>
+              <a:rPr lang="en-US" dirty="0">
+                <a:latin typeface="Arial" panose="020B0604020202020204" pitchFamily="34" charset="0"/>
+                <a:cs typeface="Arial" panose="020B0604020202020204" pitchFamily="34" charset="0"/>
+              </a:rPr>
+              <a:t>Create the following files</a:t>
+            </a:r>
+          </a:p>
+          <a:p>
+            <a:r>
+              <a:rPr lang="en-US" dirty="0">
+                <a:latin typeface="Courier New" panose="02070309020205020404" pitchFamily="49" charset="0"/>
+                <a:cs typeface="Courier New" panose="02070309020205020404" pitchFamily="49" charset="0"/>
+              </a:rPr>
+              <a:t>touch test1.txt test2.txt file5.csv file6.csv</a:t>
+            </a:r>
+          </a:p>
+          <a:p>
+            <a:r>
+              <a:rPr lang="en-US" dirty="0">
+                <a:latin typeface="Courier New" panose="02070309020205020404" pitchFamily="49" charset="0"/>
+                <a:cs typeface="Courier New" panose="02070309020205020404" pitchFamily="49" charset="0"/>
+              </a:rPr>
+              <a:t>ls</a:t>
+            </a:r>
+          </a:p>
+          <a:p>
+            <a:endParaRPr lang="en-US" dirty="0">
+              <a:latin typeface="Arial" panose="020B0604020202020204" pitchFamily="34" charset="0"/>
+              <a:cs typeface="Arial" panose="020B0604020202020204" pitchFamily="34" charset="0"/>
+            </a:endParaRPr>
+          </a:p>
+          <a:p>
+            <a:r>
+              <a:rPr lang="en-US" dirty="0">
+                <a:latin typeface="Arial" panose="020B0604020202020204" pitchFamily="34" charset="0"/>
+                <a:cs typeface="Arial" panose="020B0604020202020204" pitchFamily="34" charset="0"/>
+              </a:rPr>
+              <a:t>View all files that starts with test </a:t>
+            </a:r>
+          </a:p>
+          <a:p>
+            <a:r>
+              <a:rPr lang="en-US" dirty="0">
+                <a:latin typeface="Courier New" panose="02070309020205020404" pitchFamily="49" charset="0"/>
+                <a:cs typeface="Courier New" panose="02070309020205020404" pitchFamily="49" charset="0"/>
+              </a:rPr>
+              <a:t>ls test*</a:t>
+            </a:r>
+          </a:p>
+          <a:p>
+            <a:endParaRPr lang="en-US" sz="1400" dirty="0">
+              <a:latin typeface="Arial" panose="020B0604020202020204" pitchFamily="34" charset="0"/>
+              <a:cs typeface="Arial" panose="020B0604020202020204" pitchFamily="34" charset="0"/>
+            </a:endParaRPr>
+          </a:p>
+          <a:p>
+            <a:r>
+              <a:rPr lang="en-US" dirty="0">
+                <a:latin typeface="Arial" panose="020B0604020202020204" pitchFamily="34" charset="0"/>
+                <a:cs typeface="Arial" panose="020B0604020202020204" pitchFamily="34" charset="0"/>
+              </a:rPr>
+              <a:t>View all files that ends with csv</a:t>
+            </a:r>
+          </a:p>
+          <a:p>
+            <a:r>
+              <a:rPr lang="en-US" dirty="0">
+                <a:latin typeface="Courier New" panose="02070309020205020404" pitchFamily="49" charset="0"/>
+                <a:cs typeface="Courier New" panose="02070309020205020404" pitchFamily="49" charset="0"/>
+              </a:rPr>
+              <a:t>ls *csv</a:t>
+            </a:r>
+          </a:p>
+          <a:p>
+            <a:endParaRPr lang="en-US" dirty="0">
+              <a:latin typeface="Courier New" panose="02070309020205020404" pitchFamily="49" charset="0"/>
+              <a:cs typeface="Courier New" panose="02070309020205020404" pitchFamily="49" charset="0"/>
+            </a:endParaRPr>
+          </a:p>
+          <a:p>
+            <a:r>
+              <a:rPr lang="en-US" dirty="0">
+                <a:latin typeface="Arial" panose="020B0604020202020204" pitchFamily="34" charset="0"/>
+                <a:cs typeface="Arial" panose="020B0604020202020204" pitchFamily="34" charset="0"/>
+              </a:rPr>
+              <a:t>Remove all csv and text files</a:t>
+            </a:r>
+            <a:endParaRPr lang="en-US" sz="1800" dirty="0">
+              <a:latin typeface="Courier New" panose="02070309020205020404" pitchFamily="49" charset="0"/>
+              <a:cs typeface="Courier New" panose="02070309020205020404" pitchFamily="49" charset="0"/>
+            </a:endParaRPr>
+          </a:p>
+          <a:p>
+            <a:r>
+              <a:rPr lang="en-US" dirty="0">
+                <a:latin typeface="Courier New" panose="02070309020205020404" pitchFamily="49" charset="0"/>
+                <a:cs typeface="Courier New" panose="02070309020205020404" pitchFamily="49" charset="0"/>
+              </a:rPr>
+              <a:t>rm *.csv</a:t>
+            </a:r>
+          </a:p>
+          <a:p>
+            <a:r>
+              <a:rPr lang="en-US" dirty="0">
+                <a:latin typeface="Courier New" panose="02070309020205020404" pitchFamily="49" charset="0"/>
+                <a:cs typeface="Courier New" panose="02070309020205020404" pitchFamily="49" charset="0"/>
+              </a:rPr>
+              <a:t>rm *.txt</a:t>
             </a:r>
           </a:p>
         </p:txBody>
@@ -11125,7 +11234,7 @@
     </p:spTree>
     <p:extLst>
       <p:ext uri="{BB962C8B-B14F-4D97-AF65-F5344CB8AC3E}">
-        <p14:creationId xmlns:p14="http://schemas.microsoft.com/office/powerpoint/2010/main" val="4003820184"/>
+        <p14:creationId xmlns:p14="http://schemas.microsoft.com/office/powerpoint/2010/main" val="4119652442"/>
       </p:ext>
     </p:extLst>
   </p:cSld>
@@ -11166,7 +11275,7 @@
         </p:nvSpPr>
         <p:spPr>
           <a:xfrm>
-            <a:off x="0" y="441"/>
+            <a:off x="0" y="2844225"/>
             <a:ext cx="12192000" cy="584775"/>
           </a:xfrm>
           <a:prstGeom prst="rect">
@@ -11186,232 +11295,7 @@
                 <a:latin typeface="Arial" panose="020B0604020202020204" pitchFamily="34" charset="0"/>
                 <a:cs typeface="Arial" panose="020B0604020202020204" pitchFamily="34" charset="0"/>
               </a:rPr>
-              <a:t>Viewing, editing and saving files </a:t>
-            </a:r>
-          </a:p>
-        </p:txBody>
-      </p:sp>
-      <p:sp>
-        <p:nvSpPr>
-          <p:cNvPr id="7" name="TextBox 6">
-            <a:extLst>
-              <a:ext uri="{FF2B5EF4-FFF2-40B4-BE49-F238E27FC236}">
-                <a16:creationId xmlns:a16="http://schemas.microsoft.com/office/drawing/2014/main" id="{BE2299B6-1856-2077-A93E-4E9BB2503EA5}"/>
-              </a:ext>
-            </a:extLst>
-          </p:cNvPr>
-          <p:cNvSpPr txBox="1"/>
-          <p:nvPr/>
-        </p:nvSpPr>
-        <p:spPr>
-          <a:xfrm>
-            <a:off x="0" y="852406"/>
-            <a:ext cx="12192000" cy="369332"/>
-          </a:xfrm>
-          <a:prstGeom prst="rect">
-            <a:avLst/>
-          </a:prstGeom>
-          <a:noFill/>
-        </p:spPr>
-        <p:txBody>
-          <a:bodyPr wrap="square">
-            <a:spAutoFit/>
-          </a:bodyPr>
-          <a:lstStyle/>
-          <a:p>
-            <a:r>
-              <a:rPr lang="en-US" dirty="0">
-                <a:latin typeface="Arial" panose="020B0604020202020204" pitchFamily="34" charset="0"/>
-                <a:cs typeface="Arial" panose="020B0604020202020204" pitchFamily="34" charset="0"/>
-              </a:rPr>
-              <a:t>Linux have different tools available to view and edit files. We will try and cover the most widely used programs</a:t>
-            </a:r>
-          </a:p>
-        </p:txBody>
-      </p:sp>
-      <p:sp>
-        <p:nvSpPr>
-          <p:cNvPr id="3" name="TextBox 2">
-            <a:extLst>
-              <a:ext uri="{FF2B5EF4-FFF2-40B4-BE49-F238E27FC236}">
-                <a16:creationId xmlns:a16="http://schemas.microsoft.com/office/drawing/2014/main" id="{FC672A2F-9DF5-1F29-F85F-5E8D148C0B95}"/>
-              </a:ext>
-            </a:extLst>
-          </p:cNvPr>
-          <p:cNvSpPr txBox="1"/>
-          <p:nvPr/>
-        </p:nvSpPr>
-        <p:spPr>
-          <a:xfrm>
-            <a:off x="0" y="1488928"/>
-            <a:ext cx="10306373" cy="5078313"/>
-          </a:xfrm>
-          <a:prstGeom prst="rect">
-            <a:avLst/>
-          </a:prstGeom>
-          <a:noFill/>
-        </p:spPr>
-        <p:txBody>
-          <a:bodyPr wrap="square">
-            <a:spAutoFit/>
-          </a:bodyPr>
-          <a:lstStyle/>
-          <a:p>
-            <a:r>
-              <a:rPr lang="en-US" dirty="0">
-                <a:latin typeface="Arial" panose="020B0604020202020204" pitchFamily="34" charset="0"/>
-                <a:cs typeface="Arial" panose="020B0604020202020204" pitchFamily="34" charset="0"/>
-              </a:rPr>
-              <a:t>Task 1: clear everything in your /home/user directory except for the .term files</a:t>
-            </a:r>
-          </a:p>
-          <a:p>
-            <a:endParaRPr lang="en-US" dirty="0">
-              <a:latin typeface="Arial" panose="020B0604020202020204" pitchFamily="34" charset="0"/>
-              <a:cs typeface="Arial" panose="020B0604020202020204" pitchFamily="34" charset="0"/>
-            </a:endParaRPr>
-          </a:p>
-          <a:p>
-            <a:r>
-              <a:rPr lang="en-US" dirty="0">
-                <a:latin typeface="Arial" panose="020B0604020202020204" pitchFamily="34" charset="0"/>
-                <a:cs typeface="Arial" panose="020B0604020202020204" pitchFamily="34" charset="0"/>
-              </a:rPr>
-              <a:t>Create a new text file</a:t>
-            </a:r>
-          </a:p>
-          <a:p>
-            <a:r>
-              <a:rPr lang="en-US" dirty="0">
-                <a:latin typeface="Courier New" panose="02070309020205020404" pitchFamily="49" charset="0"/>
-                <a:cs typeface="Courier New" panose="02070309020205020404" pitchFamily="49" charset="0"/>
-              </a:rPr>
-              <a:t>touch file1.txt</a:t>
-            </a:r>
-          </a:p>
-          <a:p>
-            <a:endParaRPr lang="en-US" dirty="0">
-              <a:latin typeface="Arial" panose="020B0604020202020204" pitchFamily="34" charset="0"/>
-              <a:cs typeface="Arial" panose="020B0604020202020204" pitchFamily="34" charset="0"/>
-            </a:endParaRPr>
-          </a:p>
-          <a:p>
-            <a:r>
-              <a:rPr lang="en-US" dirty="0">
-                <a:latin typeface="Arial" panose="020B0604020202020204" pitchFamily="34" charset="0"/>
-                <a:cs typeface="Arial" panose="020B0604020202020204" pitchFamily="34" charset="0"/>
-              </a:rPr>
-              <a:t>Print the contents of this file to the command line (should be nothing)</a:t>
-            </a:r>
-          </a:p>
-          <a:p>
-            <a:r>
-              <a:rPr lang="en-US" dirty="0">
-                <a:latin typeface="Courier New" panose="02070309020205020404" pitchFamily="49" charset="0"/>
-                <a:cs typeface="Courier New" panose="02070309020205020404" pitchFamily="49" charset="0"/>
-              </a:rPr>
-              <a:t>cat file1.txt</a:t>
-            </a:r>
-          </a:p>
-          <a:p>
-            <a:endParaRPr lang="en-US" dirty="0">
-              <a:latin typeface="Arial" panose="020B0604020202020204" pitchFamily="34" charset="0"/>
-              <a:cs typeface="Arial" panose="020B0604020202020204" pitchFamily="34" charset="0"/>
-            </a:endParaRPr>
-          </a:p>
-          <a:p>
-            <a:r>
-              <a:rPr lang="en-US" dirty="0">
-                <a:latin typeface="Arial" panose="020B0604020202020204" pitchFamily="34" charset="0"/>
-                <a:cs typeface="Arial" panose="020B0604020202020204" pitchFamily="34" charset="0"/>
-              </a:rPr>
-              <a:t>Open the file in nano and write 5 lines of random text</a:t>
-            </a:r>
-          </a:p>
-          <a:p>
-            <a:r>
-              <a:rPr lang="en-US" dirty="0">
-                <a:latin typeface="Courier New" panose="02070309020205020404" pitchFamily="49" charset="0"/>
-                <a:cs typeface="Courier New" panose="02070309020205020404" pitchFamily="49" charset="0"/>
-              </a:rPr>
-              <a:t>nano file1.txt</a:t>
-            </a:r>
-          </a:p>
-          <a:p>
-            <a:endParaRPr lang="en-US" dirty="0">
-              <a:latin typeface="Arial" panose="020B0604020202020204" pitchFamily="34" charset="0"/>
-              <a:cs typeface="Arial" panose="020B0604020202020204" pitchFamily="34" charset="0"/>
-            </a:endParaRPr>
-          </a:p>
-          <a:p>
-            <a:r>
-              <a:rPr lang="en-US" dirty="0">
-                <a:latin typeface="Arial" panose="020B0604020202020204" pitchFamily="34" charset="0"/>
-                <a:cs typeface="Arial" panose="020B0604020202020204" pitchFamily="34" charset="0"/>
-              </a:rPr>
-              <a:t>After you edited the file do the following to save and exit nano</a:t>
-            </a:r>
-          </a:p>
-          <a:p>
-            <a:r>
-              <a:rPr lang="en-US" dirty="0">
-                <a:latin typeface="Courier New" panose="02070309020205020404" pitchFamily="49" charset="0"/>
-                <a:cs typeface="Courier New" panose="02070309020205020404" pitchFamily="49" charset="0"/>
-              </a:rPr>
-              <a:t>Hit </a:t>
-            </a:r>
-            <a:r>
-              <a:rPr lang="en-US" dirty="0" err="1">
-                <a:latin typeface="Courier New" panose="02070309020205020404" pitchFamily="49" charset="0"/>
-                <a:cs typeface="Courier New" panose="02070309020205020404" pitchFamily="49" charset="0"/>
-              </a:rPr>
-              <a:t>Control+X</a:t>
-            </a:r>
-            <a:endParaRPr lang="en-US" dirty="0">
-              <a:latin typeface="Courier New" panose="02070309020205020404" pitchFamily="49" charset="0"/>
-              <a:cs typeface="Courier New" panose="02070309020205020404" pitchFamily="49" charset="0"/>
-            </a:endParaRPr>
-          </a:p>
-          <a:p>
-            <a:r>
-              <a:rPr lang="en-US" dirty="0">
-                <a:latin typeface="Courier New" panose="02070309020205020404" pitchFamily="49" charset="0"/>
-                <a:cs typeface="Courier New" panose="02070309020205020404" pitchFamily="49" charset="0"/>
-              </a:rPr>
-              <a:t>Type Y </a:t>
-            </a:r>
-          </a:p>
-          <a:p>
-            <a:r>
-              <a:rPr lang="en-US" dirty="0">
-                <a:latin typeface="Courier New" panose="02070309020205020404" pitchFamily="49" charset="0"/>
-                <a:cs typeface="Courier New" panose="02070309020205020404" pitchFamily="49" charset="0"/>
-              </a:rPr>
-              <a:t>Hit Enter</a:t>
-            </a:r>
-          </a:p>
-          <a:p>
-            <a:endParaRPr lang="en-US" dirty="0">
-              <a:latin typeface="Courier New" panose="02070309020205020404" pitchFamily="49" charset="0"/>
-              <a:cs typeface="Courier New" panose="02070309020205020404" pitchFamily="49" charset="0"/>
-            </a:endParaRPr>
-          </a:p>
-          <a:p>
-            <a:r>
-              <a:rPr lang="en-US" dirty="0">
-                <a:latin typeface="Arial" panose="020B0604020202020204" pitchFamily="34" charset="0"/>
-                <a:cs typeface="Arial" panose="020B0604020202020204" pitchFamily="34" charset="0"/>
-              </a:rPr>
-              <a:t>Print the contents of this file to the command line</a:t>
-            </a:r>
-          </a:p>
-          <a:p>
-            <a:r>
-              <a:rPr lang="en-US" dirty="0">
-                <a:latin typeface="Courier New" panose="02070309020205020404" pitchFamily="49" charset="0"/>
-                <a:cs typeface="Courier New" panose="02070309020205020404" pitchFamily="49" charset="0"/>
-              </a:rPr>
-              <a:t>cat file1.txt</a:t>
+              <a:t>Break</a:t>
             </a:r>
           </a:p>
         </p:txBody>
@@ -11419,7 +11303,7 @@
     </p:spTree>
     <p:extLst>
       <p:ext uri="{BB962C8B-B14F-4D97-AF65-F5344CB8AC3E}">
-        <p14:creationId xmlns:p14="http://schemas.microsoft.com/office/powerpoint/2010/main" val="2159630625"/>
+        <p14:creationId xmlns:p14="http://schemas.microsoft.com/office/powerpoint/2010/main" val="4003820184"/>
       </p:ext>
     </p:extLst>
   </p:cSld>
@@ -11461,7 +11345,7 @@
         <p:spPr>
           <a:xfrm>
             <a:off x="0" y="441"/>
-            <a:ext cx="12192000" cy="584775"/>
+            <a:ext cx="12192000" cy="954107"/>
           </a:xfrm>
           <a:prstGeom prst="rect">
             <a:avLst/>
@@ -11480,17 +11364,27 @@
                 <a:latin typeface="Arial" panose="020B0604020202020204" pitchFamily="34" charset="0"/>
                 <a:cs typeface="Arial" panose="020B0604020202020204" pitchFamily="34" charset="0"/>
               </a:rPr>
-              <a:t>Viewing, editing and saving files </a:t>
+              <a:t>Viewing, editing and saving files</a:t>
+            </a:r>
+          </a:p>
+          <a:p>
+            <a:pPr algn="ctr"/>
+            <a:r>
+              <a:rPr lang="en-US" sz="2400" u="sng" dirty="0">
+                <a:latin typeface="Arial" panose="020B0604020202020204" pitchFamily="34" charset="0"/>
+                <a:cs typeface="Arial" panose="020B0604020202020204" pitchFamily="34" charset="0"/>
+              </a:rPr>
+              <a:t>Nano </a:t>
             </a:r>
           </a:p>
         </p:txBody>
       </p:sp>
       <p:sp>
         <p:nvSpPr>
-          <p:cNvPr id="3" name="TextBox 2">
-            <a:extLst>
-              <a:ext uri="{FF2B5EF4-FFF2-40B4-BE49-F238E27FC236}">
-                <a16:creationId xmlns:a16="http://schemas.microsoft.com/office/drawing/2014/main" id="{FC672A2F-9DF5-1F29-F85F-5E8D148C0B95}"/>
+          <p:cNvPr id="7" name="TextBox 6">
+            <a:extLst>
+              <a:ext uri="{FF2B5EF4-FFF2-40B4-BE49-F238E27FC236}">
+                <a16:creationId xmlns:a16="http://schemas.microsoft.com/office/drawing/2014/main" id="{BE2299B6-1856-2077-A93E-4E9BB2503EA5}"/>
               </a:ext>
             </a:extLst>
           </p:cNvPr>
@@ -11499,8 +11393,8 @@
         </p:nvSpPr>
         <p:spPr>
           <a:xfrm>
-            <a:off x="0" y="884494"/>
-            <a:ext cx="10848814" cy="3416320"/>
+            <a:off x="0" y="994696"/>
+            <a:ext cx="12192000" cy="369332"/>
           </a:xfrm>
           <a:prstGeom prst="rect">
             <a:avLst/>
@@ -11518,16 +11412,45 @@
                 <a:latin typeface="Arial" panose="020B0604020202020204" pitchFamily="34" charset="0"/>
                 <a:cs typeface="Arial" panose="020B0604020202020204" pitchFamily="34" charset="0"/>
               </a:rPr>
-              <a:t>View the contents of file1.txt with the less command (close by hitting ‘q’)</a:t>
-            </a:r>
-          </a:p>
+              <a:t>Linux have different tools available to view and edit files. We will try and cover the most widely used programs</a:t>
+            </a:r>
+          </a:p>
+        </p:txBody>
+      </p:sp>
+      <p:sp>
+        <p:nvSpPr>
+          <p:cNvPr id="3" name="TextBox 2">
+            <a:extLst>
+              <a:ext uri="{FF2B5EF4-FFF2-40B4-BE49-F238E27FC236}">
+                <a16:creationId xmlns:a16="http://schemas.microsoft.com/office/drawing/2014/main" id="{FC672A2F-9DF5-1F29-F85F-5E8D148C0B95}"/>
+              </a:ext>
+            </a:extLst>
+          </p:cNvPr>
+          <p:cNvSpPr txBox="1"/>
+          <p:nvPr/>
+        </p:nvSpPr>
+        <p:spPr>
+          <a:xfrm>
+            <a:off x="0" y="1765927"/>
+            <a:ext cx="10306373" cy="5078313"/>
+          </a:xfrm>
+          <a:prstGeom prst="rect">
+            <a:avLst/>
+          </a:prstGeom>
+          <a:noFill/>
+        </p:spPr>
+        <p:txBody>
+          <a:bodyPr wrap="square">
+            <a:spAutoFit/>
+          </a:bodyPr>
+          <a:lstStyle/>
           <a:p>
             <a:r>
               <a:rPr lang="en-US" dirty="0">
-                <a:latin typeface="Courier New" panose="02070309020205020404" pitchFamily="49" charset="0"/>
-                <a:cs typeface="Courier New" panose="02070309020205020404" pitchFamily="49" charset="0"/>
-              </a:rPr>
-              <a:t>less file1.txt</a:t>
+                <a:latin typeface="Arial" panose="020B0604020202020204" pitchFamily="34" charset="0"/>
+                <a:cs typeface="Arial" panose="020B0604020202020204" pitchFamily="34" charset="0"/>
+              </a:rPr>
+              <a:t>Task: clear everything in your /home/user directory except for the .term files</a:t>
             </a:r>
           </a:p>
           <a:p>
@@ -11542,7 +11465,7 @@
                 <a:latin typeface="Arial" panose="020B0604020202020204" pitchFamily="34" charset="0"/>
                 <a:cs typeface="Arial" panose="020B0604020202020204" pitchFamily="34" charset="0"/>
               </a:rPr>
-              <a:t>Use head to print the first three lines of file1.txt</a:t>
+              <a:t>Create a new text file</a:t>
             </a:r>
           </a:p>
           <a:p>
@@ -11551,7 +11474,7 @@
                 <a:latin typeface="Courier New" panose="02070309020205020404" pitchFamily="49" charset="0"/>
                 <a:cs typeface="Courier New" panose="02070309020205020404" pitchFamily="49" charset="0"/>
               </a:rPr>
-              <a:t>head –n 3 file1.txt</a:t>
+              <a:t>touch file1.txt</a:t>
             </a:r>
           </a:p>
           <a:p>
@@ -11566,7 +11489,16 @@
                 <a:latin typeface="Arial" panose="020B0604020202020204" pitchFamily="34" charset="0"/>
                 <a:cs typeface="Arial" panose="020B0604020202020204" pitchFamily="34" charset="0"/>
               </a:rPr>
-              <a:t>Exercise: </a:t>
+              <a:t>Print the contents of this file to the command line (should be nothing)</a:t>
+            </a:r>
+          </a:p>
+          <a:p>
+            <a:r>
+              <a:rPr lang="en-US" dirty="0">
+                <a:latin typeface="Courier New" panose="02070309020205020404" pitchFamily="49" charset="0"/>
+                <a:cs typeface="Courier New" panose="02070309020205020404" pitchFamily="49" charset="0"/>
+              </a:rPr>
+              <a:t>cat file1.txt</a:t>
             </a:r>
           </a:p>
           <a:p>
@@ -11576,51 +11508,87 @@
             </a:endParaRPr>
           </a:p>
           <a:p>
-            <a:pPr marL="342900" indent="-342900">
-              <a:buAutoNum type="arabicPeriod"/>
-            </a:pPr>
             <a:r>
               <a:rPr lang="en-US" dirty="0">
                 <a:latin typeface="Arial" panose="020B0604020202020204" pitchFamily="34" charset="0"/>
                 <a:cs typeface="Arial" panose="020B0604020202020204" pitchFamily="34" charset="0"/>
               </a:rPr>
-              <a:t>Create a file names file2.txt and use nano to edit this file with 20 lines of random text</a:t>
-            </a:r>
-          </a:p>
-          <a:p>
-            <a:pPr marL="342900" indent="-342900">
-              <a:buAutoNum type="arabicPeriod"/>
-            </a:pPr>
+              <a:t>Open the file in nano and write 5 lines of random text</a:t>
+            </a:r>
+          </a:p>
+          <a:p>
             <a:r>
               <a:rPr lang="en-US" dirty="0">
-                <a:latin typeface="Arial" panose="020B0604020202020204" pitchFamily="34" charset="0"/>
-                <a:cs typeface="Arial" panose="020B0604020202020204" pitchFamily="34" charset="0"/>
-              </a:rPr>
-              <a:t>Use the head command to print the top lines (head file2.txt)</a:t>
-            </a:r>
-          </a:p>
-          <a:p>
-            <a:pPr marL="800100" lvl="1" indent="-342900">
-              <a:buAutoNum type="arabicPeriod"/>
-            </a:pPr>
+                <a:latin typeface="Courier New" panose="02070309020205020404" pitchFamily="49" charset="0"/>
+                <a:cs typeface="Courier New" panose="02070309020205020404" pitchFamily="49" charset="0"/>
+              </a:rPr>
+              <a:t>nano file1.txt</a:t>
+            </a:r>
+          </a:p>
+          <a:p>
+            <a:endParaRPr lang="en-US" dirty="0">
+              <a:latin typeface="Arial" panose="020B0604020202020204" pitchFamily="34" charset="0"/>
+              <a:cs typeface="Arial" panose="020B0604020202020204" pitchFamily="34" charset="0"/>
+            </a:endParaRPr>
+          </a:p>
+          <a:p>
             <a:r>
               <a:rPr lang="en-US" dirty="0">
                 <a:latin typeface="Arial" panose="020B0604020202020204" pitchFamily="34" charset="0"/>
                 <a:cs typeface="Arial" panose="020B0604020202020204" pitchFamily="34" charset="0"/>
               </a:rPr>
-              <a:t>How many lines are printed on the command line?</a:t>
-            </a:r>
-          </a:p>
-          <a:p>
-            <a:pPr marL="342900" indent="-342900">
-              <a:buAutoNum type="arabicPeriod"/>
-            </a:pPr>
+              <a:t>After you edited the file do the following to save and exit nano</a:t>
+            </a:r>
+          </a:p>
+          <a:p>
             <a:r>
               <a:rPr lang="en-US" dirty="0">
                 <a:latin typeface="Arial" panose="020B0604020202020204" pitchFamily="34" charset="0"/>
                 <a:cs typeface="Arial" panose="020B0604020202020204" pitchFamily="34" charset="0"/>
               </a:rPr>
-              <a:t>Bonus: print the last 5 lines of file2.txt (there is a command for that – look on the cheat sheet)</a:t>
+              <a:t>Hit &lt;CONTROL&gt;+X</a:t>
+            </a:r>
+          </a:p>
+          <a:p>
+            <a:r>
+              <a:rPr lang="en-US" dirty="0">
+                <a:latin typeface="Arial" panose="020B0604020202020204" pitchFamily="34" charset="0"/>
+                <a:cs typeface="Arial" panose="020B0604020202020204" pitchFamily="34" charset="0"/>
+              </a:rPr>
+              <a:t>Type Y </a:t>
+            </a:r>
+          </a:p>
+          <a:p>
+            <a:r>
+              <a:rPr lang="en-US" dirty="0">
+                <a:latin typeface="Arial" panose="020B0604020202020204" pitchFamily="34" charset="0"/>
+                <a:cs typeface="Arial" panose="020B0604020202020204" pitchFamily="34" charset="0"/>
+              </a:rPr>
+              <a:t>Hit &lt;ENTER&gt;</a:t>
+            </a:r>
+          </a:p>
+          <a:p>
+            <a:endParaRPr lang="en-US" dirty="0">
+              <a:latin typeface="Courier New" panose="02070309020205020404" pitchFamily="49" charset="0"/>
+              <a:cs typeface="Courier New" panose="02070309020205020404" pitchFamily="49" charset="0"/>
+            </a:endParaRPr>
+          </a:p>
+          <a:p>
+            <a:r>
+              <a:rPr lang="en-US" dirty="0">
+                <a:latin typeface="Arial" panose="020B0604020202020204" pitchFamily="34" charset="0"/>
+                <a:cs typeface="Arial" panose="020B0604020202020204" pitchFamily="34" charset="0"/>
+              </a:rPr>
+              <a:t>Print the contents of this file to the command line</a:t>
+            </a:r>
+          </a:p>
+          <a:p>
+            <a:r>
+              <a:rPr lang="en-US" dirty="0">
+                <a:latin typeface="Courier New" panose="02070309020205020404" pitchFamily="49" charset="0"/>
+                <a:cs typeface="Courier New" panose="02070309020205020404" pitchFamily="49" charset="0"/>
+              </a:rPr>
+              <a:t>cat file1.txt</a:t>
             </a:r>
           </a:p>
         </p:txBody>
@@ -11628,7 +11596,7 @@
     </p:spTree>
     <p:extLst>
       <p:ext uri="{BB962C8B-B14F-4D97-AF65-F5344CB8AC3E}">
-        <p14:creationId xmlns:p14="http://schemas.microsoft.com/office/powerpoint/2010/main" val="1820400183"/>
+        <p14:creationId xmlns:p14="http://schemas.microsoft.com/office/powerpoint/2010/main" val="2159630625"/>
       </p:ext>
     </p:extLst>
   </p:cSld>
@@ -11669,8 +11637,8 @@
         </p:nvSpPr>
         <p:spPr>
           <a:xfrm>
-            <a:off x="0" y="2844225"/>
-            <a:ext cx="12192000" cy="584775"/>
+            <a:off x="0" y="441"/>
+            <a:ext cx="12192000" cy="954107"/>
           </a:xfrm>
           <a:prstGeom prst="rect">
             <a:avLst/>
@@ -11689,7 +11657,248 @@
                 <a:latin typeface="Arial" panose="020B0604020202020204" pitchFamily="34" charset="0"/>
                 <a:cs typeface="Arial" panose="020B0604020202020204" pitchFamily="34" charset="0"/>
               </a:rPr>
-              <a:t>Break</a:t>
+              <a:t>Viewing, editing and saving files</a:t>
+            </a:r>
+          </a:p>
+          <a:p>
+            <a:pPr algn="ctr"/>
+            <a:r>
+              <a:rPr lang="en-US" sz="2400" u="sng" dirty="0">
+                <a:latin typeface="Arial" panose="020B0604020202020204" pitchFamily="34" charset="0"/>
+                <a:cs typeface="Arial" panose="020B0604020202020204" pitchFamily="34" charset="0"/>
+              </a:rPr>
+              <a:t>Vim </a:t>
+            </a:r>
+          </a:p>
+        </p:txBody>
+      </p:sp>
+      <p:sp>
+        <p:nvSpPr>
+          <p:cNvPr id="7" name="TextBox 6">
+            <a:extLst>
+              <a:ext uri="{FF2B5EF4-FFF2-40B4-BE49-F238E27FC236}">
+                <a16:creationId xmlns:a16="http://schemas.microsoft.com/office/drawing/2014/main" id="{BE2299B6-1856-2077-A93E-4E9BB2503EA5}"/>
+              </a:ext>
+            </a:extLst>
+          </p:cNvPr>
+          <p:cNvSpPr txBox="1"/>
+          <p:nvPr/>
+        </p:nvSpPr>
+        <p:spPr>
+          <a:xfrm>
+            <a:off x="0" y="994696"/>
+            <a:ext cx="12192000" cy="369332"/>
+          </a:xfrm>
+          <a:prstGeom prst="rect">
+            <a:avLst/>
+          </a:prstGeom>
+          <a:noFill/>
+        </p:spPr>
+        <p:txBody>
+          <a:bodyPr wrap="square">
+            <a:spAutoFit/>
+          </a:bodyPr>
+          <a:lstStyle/>
+          <a:p>
+            <a:r>
+              <a:rPr lang="en-US" dirty="0">
+                <a:latin typeface="Arial" panose="020B0604020202020204" pitchFamily="34" charset="0"/>
+                <a:cs typeface="Arial" panose="020B0604020202020204" pitchFamily="34" charset="0"/>
+              </a:rPr>
+              <a:t>Linux have different tools available to view and edit files. We will try and cover the most widely used programs</a:t>
+            </a:r>
+          </a:p>
+        </p:txBody>
+      </p:sp>
+      <p:sp>
+        <p:nvSpPr>
+          <p:cNvPr id="3" name="TextBox 2">
+            <a:extLst>
+              <a:ext uri="{FF2B5EF4-FFF2-40B4-BE49-F238E27FC236}">
+                <a16:creationId xmlns:a16="http://schemas.microsoft.com/office/drawing/2014/main" id="{FC672A2F-9DF5-1F29-F85F-5E8D148C0B95}"/>
+              </a:ext>
+            </a:extLst>
+          </p:cNvPr>
+          <p:cNvSpPr txBox="1"/>
+          <p:nvPr/>
+        </p:nvSpPr>
+        <p:spPr>
+          <a:xfrm>
+            <a:off x="0" y="1765927"/>
+            <a:ext cx="10306373" cy="4524315"/>
+          </a:xfrm>
+          <a:prstGeom prst="rect">
+            <a:avLst/>
+          </a:prstGeom>
+          <a:noFill/>
+        </p:spPr>
+        <p:txBody>
+          <a:bodyPr wrap="square">
+            <a:spAutoFit/>
+          </a:bodyPr>
+          <a:lstStyle/>
+          <a:p>
+            <a:r>
+              <a:rPr lang="en-US" dirty="0">
+                <a:latin typeface="Arial" panose="020B0604020202020204" pitchFamily="34" charset="0"/>
+                <a:cs typeface="Arial" panose="020B0604020202020204" pitchFamily="34" charset="0"/>
+              </a:rPr>
+              <a:t>Task: clear everything in your /home/user directory except for the .term files</a:t>
+            </a:r>
+          </a:p>
+          <a:p>
+            <a:endParaRPr lang="en-US" dirty="0">
+              <a:latin typeface="Arial" panose="020B0604020202020204" pitchFamily="34" charset="0"/>
+              <a:cs typeface="Arial" panose="020B0604020202020204" pitchFamily="34" charset="0"/>
+            </a:endParaRPr>
+          </a:p>
+          <a:p>
+            <a:r>
+              <a:rPr lang="en-US" dirty="0">
+                <a:latin typeface="Arial" panose="020B0604020202020204" pitchFamily="34" charset="0"/>
+                <a:cs typeface="Arial" panose="020B0604020202020204" pitchFamily="34" charset="0"/>
+              </a:rPr>
+              <a:t>Create a new text file</a:t>
+            </a:r>
+          </a:p>
+          <a:p>
+            <a:r>
+              <a:rPr lang="en-US" dirty="0">
+                <a:latin typeface="Courier New" panose="02070309020205020404" pitchFamily="49" charset="0"/>
+                <a:cs typeface="Courier New" panose="02070309020205020404" pitchFamily="49" charset="0"/>
+              </a:rPr>
+              <a:t>touch file1.txt</a:t>
+            </a:r>
+          </a:p>
+          <a:p>
+            <a:endParaRPr lang="en-US" dirty="0">
+              <a:latin typeface="Arial" panose="020B0604020202020204" pitchFamily="34" charset="0"/>
+              <a:cs typeface="Arial" panose="020B0604020202020204" pitchFamily="34" charset="0"/>
+            </a:endParaRPr>
+          </a:p>
+          <a:p>
+            <a:r>
+              <a:rPr lang="en-US" dirty="0">
+                <a:latin typeface="Arial" panose="020B0604020202020204" pitchFamily="34" charset="0"/>
+                <a:cs typeface="Arial" panose="020B0604020202020204" pitchFamily="34" charset="0"/>
+              </a:rPr>
+              <a:t>Print the contents of this file to the command line (should be nothing)</a:t>
+            </a:r>
+          </a:p>
+          <a:p>
+            <a:r>
+              <a:rPr lang="en-US" dirty="0">
+                <a:latin typeface="Courier New" panose="02070309020205020404" pitchFamily="49" charset="0"/>
+                <a:cs typeface="Courier New" panose="02070309020205020404" pitchFamily="49" charset="0"/>
+              </a:rPr>
+              <a:t>cat file1.txt</a:t>
+            </a:r>
+          </a:p>
+          <a:p>
+            <a:endParaRPr lang="en-US" dirty="0">
+              <a:latin typeface="Arial" panose="020B0604020202020204" pitchFamily="34" charset="0"/>
+              <a:cs typeface="Arial" panose="020B0604020202020204" pitchFamily="34" charset="0"/>
+            </a:endParaRPr>
+          </a:p>
+          <a:p>
+            <a:r>
+              <a:rPr lang="en-US" dirty="0">
+                <a:latin typeface="Arial" panose="020B0604020202020204" pitchFamily="34" charset="0"/>
+                <a:cs typeface="Arial" panose="020B0604020202020204" pitchFamily="34" charset="0"/>
+              </a:rPr>
+              <a:t>Open the file in vim </a:t>
+            </a:r>
+          </a:p>
+          <a:p>
+            <a:r>
+              <a:rPr lang="en-US" dirty="0">
+                <a:latin typeface="Courier New" panose="02070309020205020404" pitchFamily="49" charset="0"/>
+                <a:cs typeface="Courier New" panose="02070309020205020404" pitchFamily="49" charset="0"/>
+              </a:rPr>
+              <a:t>vi file1.txt</a:t>
+            </a:r>
+          </a:p>
+          <a:p>
+            <a:r>
+              <a:rPr lang="en-US" dirty="0">
+                <a:latin typeface="Arial" panose="020B0604020202020204" pitchFamily="34" charset="0"/>
+                <a:cs typeface="Arial" panose="020B0604020202020204" pitchFamily="34" charset="0"/>
+              </a:rPr>
+              <a:t>To edit either hit the INSERT button or &lt;SHIFT&gt;+I</a:t>
+            </a:r>
+            <a:endParaRPr lang="en-US" dirty="0">
+              <a:latin typeface="Courier New" panose="02070309020205020404" pitchFamily="49" charset="0"/>
+              <a:cs typeface="Courier New" panose="02070309020205020404" pitchFamily="49" charset="0"/>
+            </a:endParaRPr>
+          </a:p>
+          <a:p>
+            <a:r>
+              <a:rPr lang="en-US" dirty="0">
+                <a:latin typeface="Arial" panose="020B0604020202020204" pitchFamily="34" charset="0"/>
+                <a:cs typeface="Arial" panose="020B0604020202020204" pitchFamily="34" charset="0"/>
+              </a:rPr>
+              <a:t>Write five lines of random words</a:t>
+            </a:r>
+          </a:p>
+          <a:p>
+            <a:r>
+              <a:rPr lang="en-US" dirty="0">
+                <a:latin typeface="Arial" panose="020B0604020202020204" pitchFamily="34" charset="0"/>
+                <a:cs typeface="Arial" panose="020B0604020202020204" pitchFamily="34" charset="0"/>
+              </a:rPr>
+              <a:t>To close and save hit &lt;ESC&gt; and type </a:t>
+            </a:r>
+            <a:r>
+              <a:rPr lang="en-US" dirty="0">
+                <a:latin typeface="Courier New" panose="02070309020205020404" pitchFamily="49" charset="0"/>
+                <a:cs typeface="Courier New" panose="02070309020205020404" pitchFamily="49" charset="0"/>
+              </a:rPr>
+              <a:t>:</a:t>
+            </a:r>
+            <a:r>
+              <a:rPr lang="en-US" dirty="0" err="1">
+                <a:latin typeface="Courier New" panose="02070309020205020404" pitchFamily="49" charset="0"/>
+                <a:cs typeface="Courier New" panose="02070309020205020404" pitchFamily="49" charset="0"/>
+              </a:rPr>
+              <a:t>wq</a:t>
+            </a:r>
+            <a:r>
+              <a:rPr lang="en-US" dirty="0">
+                <a:latin typeface="Courier New" panose="02070309020205020404" pitchFamily="49" charset="0"/>
+                <a:cs typeface="Courier New" panose="02070309020205020404" pitchFamily="49" charset="0"/>
+              </a:rPr>
+              <a:t>! </a:t>
+            </a:r>
+            <a:r>
+              <a:rPr lang="en-US" dirty="0">
+                <a:latin typeface="Arial" panose="020B0604020202020204" pitchFamily="34" charset="0"/>
+                <a:cs typeface="Arial" panose="020B0604020202020204" pitchFamily="34" charset="0"/>
+              </a:rPr>
+              <a:t>and hit &lt;ENTER&gt;</a:t>
+            </a:r>
+          </a:p>
+          <a:p>
+            <a:endParaRPr lang="en-US" dirty="0">
+              <a:latin typeface="Courier New" panose="02070309020205020404" pitchFamily="49" charset="0"/>
+              <a:cs typeface="Courier New" panose="02070309020205020404" pitchFamily="49" charset="0"/>
+            </a:endParaRPr>
+          </a:p>
+          <a:p>
+            <a:r>
+              <a:rPr lang="en-US" dirty="0">
+                <a:latin typeface="Arial" panose="020B0604020202020204" pitchFamily="34" charset="0"/>
+                <a:cs typeface="Arial" panose="020B0604020202020204" pitchFamily="34" charset="0"/>
+              </a:rPr>
+              <a:t>Print the contents of this file to the command line</a:t>
+            </a:r>
+          </a:p>
+          <a:p>
+            <a:r>
+              <a:rPr lang="en-US" dirty="0">
+                <a:latin typeface="Courier New" panose="02070309020205020404" pitchFamily="49" charset="0"/>
+                <a:cs typeface="Courier New" panose="02070309020205020404" pitchFamily="49" charset="0"/>
+              </a:rPr>
+              <a:t>cat file1.txt</a:t>
             </a:r>
           </a:p>
         </p:txBody>
@@ -11697,7 +11906,7 @@
     </p:spTree>
     <p:extLst>
       <p:ext uri="{BB962C8B-B14F-4D97-AF65-F5344CB8AC3E}">
-        <p14:creationId xmlns:p14="http://schemas.microsoft.com/office/powerpoint/2010/main" val="14309175"/>
+        <p14:creationId xmlns:p14="http://schemas.microsoft.com/office/powerpoint/2010/main" val="2546448992"/>
       </p:ext>
     </p:extLst>
   </p:cSld>
@@ -11758,7 +11967,7 @@
                 <a:latin typeface="Arial" panose="020B0604020202020204" pitchFamily="34" charset="0"/>
                 <a:cs typeface="Arial" panose="020B0604020202020204" pitchFamily="34" charset="0"/>
               </a:rPr>
-              <a:t>More advanced commands and using pipe</a:t>
+              <a:t>Viewing, editing and saving files </a:t>
             </a:r>
           </a:p>
         </p:txBody>
@@ -11777,8 +11986,8 @@
         </p:nvSpPr>
         <p:spPr>
           <a:xfrm>
-            <a:off x="0" y="889843"/>
-            <a:ext cx="12192000" cy="2031325"/>
+            <a:off x="0" y="884494"/>
+            <a:ext cx="10848814" cy="3416320"/>
           </a:xfrm>
           <a:prstGeom prst="rect">
             <a:avLst/>
@@ -11796,30 +12005,16 @@
                 <a:latin typeface="Arial" panose="020B0604020202020204" pitchFamily="34" charset="0"/>
                 <a:cs typeface="Arial" panose="020B0604020202020204" pitchFamily="34" charset="0"/>
               </a:rPr>
-              <a:t>Task 1:</a:t>
+              <a:t>View the contents of file1.txt with the less command (close by hitting ‘q’)</a:t>
             </a:r>
           </a:p>
           <a:p>
             <a:r>
               <a:rPr lang="en-US" dirty="0">
-                <a:latin typeface="Arial" panose="020B0604020202020204" pitchFamily="34" charset="0"/>
-                <a:cs typeface="Arial" panose="020B0604020202020204" pitchFamily="34" charset="0"/>
-              </a:rPr>
-              <a:t>Create a file called </a:t>
-            </a:r>
-            <a:r>
-              <a:rPr lang="en-US" dirty="0" err="1">
-                <a:latin typeface="Arial" panose="020B0604020202020204" pitchFamily="34" charset="0"/>
-                <a:cs typeface="Arial" panose="020B0604020202020204" pitchFamily="34" charset="0"/>
-              </a:rPr>
-              <a:t>geekfile.txt</a:t>
-            </a:r>
-            <a:r>
-              <a:rPr lang="en-US" dirty="0">
-                <a:latin typeface="Arial" panose="020B0604020202020204" pitchFamily="34" charset="0"/>
-                <a:cs typeface="Arial" panose="020B0604020202020204" pitchFamily="34" charset="0"/>
-              </a:rPr>
-              <a:t> that contains the following text:</a:t>
+                <a:latin typeface="Courier New" panose="02070309020205020404" pitchFamily="49" charset="0"/>
+                <a:cs typeface="Courier New" panose="02070309020205020404" pitchFamily="49" charset="0"/>
+              </a:rPr>
+              <a:t>less file1.txt</a:t>
             </a:r>
           </a:p>
           <a:p>
@@ -11830,165 +12025,23 @@
           </a:p>
           <a:p>
             <a:r>
-              <a:rPr lang="en-GB" dirty="0" err="1">
+              <a:rPr lang="en-US" dirty="0">
+                <a:latin typeface="Arial" panose="020B0604020202020204" pitchFamily="34" charset="0"/>
+                <a:cs typeface="Arial" panose="020B0604020202020204" pitchFamily="34" charset="0"/>
+              </a:rPr>
+              <a:t>Use head to print the first three lines of file1.txt</a:t>
+            </a:r>
+          </a:p>
+          <a:p>
+            <a:r>
+              <a:rPr lang="en-US" dirty="0">
                 <a:latin typeface="Courier New" panose="02070309020205020404" pitchFamily="49" charset="0"/>
                 <a:cs typeface="Courier New" panose="02070309020205020404" pitchFamily="49" charset="0"/>
               </a:rPr>
-              <a:t>unix</a:t>
-            </a:r>
-            <a:r>
-              <a:rPr lang="en-GB" dirty="0">
-                <a:latin typeface="Courier New" panose="02070309020205020404" pitchFamily="49" charset="0"/>
-                <a:cs typeface="Courier New" panose="02070309020205020404" pitchFamily="49" charset="0"/>
-              </a:rPr>
-              <a:t> is great </a:t>
-            </a:r>
-            <a:r>
-              <a:rPr lang="en-GB" dirty="0" err="1">
-                <a:latin typeface="Courier New" panose="02070309020205020404" pitchFamily="49" charset="0"/>
-                <a:cs typeface="Courier New" panose="02070309020205020404" pitchFamily="49" charset="0"/>
-              </a:rPr>
-              <a:t>os</a:t>
-            </a:r>
-            <a:r>
-              <a:rPr lang="en-GB" dirty="0">
-                <a:latin typeface="Courier New" panose="02070309020205020404" pitchFamily="49" charset="0"/>
-                <a:cs typeface="Courier New" panose="02070309020205020404" pitchFamily="49" charset="0"/>
-              </a:rPr>
-              <a:t>. </a:t>
-            </a:r>
-            <a:r>
-              <a:rPr lang="en-GB" dirty="0" err="1">
-                <a:latin typeface="Courier New" panose="02070309020205020404" pitchFamily="49" charset="0"/>
-                <a:cs typeface="Courier New" panose="02070309020205020404" pitchFamily="49" charset="0"/>
-              </a:rPr>
-              <a:t>unix</a:t>
-            </a:r>
-            <a:r>
-              <a:rPr lang="en-GB" dirty="0">
-                <a:latin typeface="Courier New" panose="02070309020205020404" pitchFamily="49" charset="0"/>
-                <a:cs typeface="Courier New" panose="02070309020205020404" pitchFamily="49" charset="0"/>
-              </a:rPr>
-              <a:t> is opensource</a:t>
-            </a:r>
-          </a:p>
-          <a:p>
-            <a:r>
-              <a:rPr lang="en-GB" dirty="0">
-                <a:latin typeface="Courier New" panose="02070309020205020404" pitchFamily="49" charset="0"/>
-                <a:cs typeface="Courier New" panose="02070309020205020404" pitchFamily="49" charset="0"/>
-              </a:rPr>
-              <a:t>learn operating system. </a:t>
-            </a:r>
-          </a:p>
-          <a:p>
-            <a:r>
-              <a:rPr lang="en-GB" dirty="0" err="1">
-                <a:latin typeface="Courier New" panose="02070309020205020404" pitchFamily="49" charset="0"/>
-                <a:cs typeface="Courier New" panose="02070309020205020404" pitchFamily="49" charset="0"/>
-              </a:rPr>
-              <a:t>unix</a:t>
-            </a:r>
-            <a:r>
-              <a:rPr lang="en-GB" dirty="0">
-                <a:latin typeface="Courier New" panose="02070309020205020404" pitchFamily="49" charset="0"/>
-                <a:cs typeface="Courier New" panose="02070309020205020404" pitchFamily="49" charset="0"/>
-              </a:rPr>
-              <a:t> </a:t>
-            </a:r>
-            <a:r>
-              <a:rPr lang="en-GB" dirty="0" err="1">
-                <a:latin typeface="Courier New" panose="02070309020205020404" pitchFamily="49" charset="0"/>
-                <a:cs typeface="Courier New" panose="02070309020205020404" pitchFamily="49" charset="0"/>
-              </a:rPr>
-              <a:t>linux</a:t>
-            </a:r>
-            <a:r>
-              <a:rPr lang="en-GB" dirty="0">
-                <a:latin typeface="Courier New" panose="02070309020205020404" pitchFamily="49" charset="0"/>
-                <a:cs typeface="Courier New" panose="02070309020205020404" pitchFamily="49" charset="0"/>
-              </a:rPr>
-              <a:t> which one you choose. </a:t>
-            </a:r>
-          </a:p>
-          <a:p>
-            <a:r>
-              <a:rPr lang="en-GB" dirty="0" err="1">
-                <a:latin typeface="Courier New" panose="02070309020205020404" pitchFamily="49" charset="0"/>
-                <a:cs typeface="Courier New" panose="02070309020205020404" pitchFamily="49" charset="0"/>
-              </a:rPr>
-              <a:t>unix</a:t>
-            </a:r>
-            <a:r>
-              <a:rPr lang="en-GB" dirty="0">
-                <a:latin typeface="Courier New" panose="02070309020205020404" pitchFamily="49" charset="0"/>
-                <a:cs typeface="Courier New" panose="02070309020205020404" pitchFamily="49" charset="0"/>
-              </a:rPr>
-              <a:t> is easy to </a:t>
-            </a:r>
-            <a:r>
-              <a:rPr lang="en-GB" dirty="0" err="1">
-                <a:latin typeface="Courier New" panose="02070309020205020404" pitchFamily="49" charset="0"/>
-                <a:cs typeface="Courier New" panose="02070309020205020404" pitchFamily="49" charset="0"/>
-              </a:rPr>
-              <a:t>learn.unix</a:t>
-            </a:r>
-            <a:r>
-              <a:rPr lang="en-GB" dirty="0">
-                <a:latin typeface="Courier New" panose="02070309020205020404" pitchFamily="49" charset="0"/>
-                <a:cs typeface="Courier New" panose="02070309020205020404" pitchFamily="49" charset="0"/>
-              </a:rPr>
-              <a:t> is a powerful.</a:t>
-            </a:r>
-            <a:endParaRPr lang="en-US" dirty="0">
-              <a:latin typeface="Courier New" panose="02070309020205020404" pitchFamily="49" charset="0"/>
-              <a:cs typeface="Courier New" panose="02070309020205020404" pitchFamily="49" charset="0"/>
-            </a:endParaRPr>
-          </a:p>
-        </p:txBody>
-      </p:sp>
-      <p:sp>
-        <p:nvSpPr>
-          <p:cNvPr id="4" name="TextBox 3">
-            <a:extLst>
-              <a:ext uri="{FF2B5EF4-FFF2-40B4-BE49-F238E27FC236}">
-                <a16:creationId xmlns:a16="http://schemas.microsoft.com/office/drawing/2014/main" id="{2E0484DB-26FD-329C-E246-38E8382B53E4}"/>
-              </a:ext>
-            </a:extLst>
-          </p:cNvPr>
-          <p:cNvSpPr txBox="1"/>
-          <p:nvPr/>
-        </p:nvSpPr>
-        <p:spPr>
-          <a:xfrm>
-            <a:off x="0" y="3429000"/>
-            <a:ext cx="10306373" cy="3139321"/>
-          </a:xfrm>
-          <a:prstGeom prst="rect">
-            <a:avLst/>
-          </a:prstGeom>
-          <a:noFill/>
-        </p:spPr>
-        <p:txBody>
-          <a:bodyPr wrap="square">
-            <a:spAutoFit/>
-          </a:bodyPr>
-          <a:lstStyle/>
-          <a:p>
-            <a:r>
-              <a:rPr lang="en-US" dirty="0">
-                <a:latin typeface="Arial" panose="020B0604020202020204" pitchFamily="34" charset="0"/>
-                <a:cs typeface="Arial" panose="020B0604020202020204" pitchFamily="34" charset="0"/>
-              </a:rPr>
-              <a:t>View contents of </a:t>
-            </a:r>
-            <a:r>
-              <a:rPr lang="en-US" dirty="0" err="1">
-                <a:latin typeface="Arial" panose="020B0604020202020204" pitchFamily="34" charset="0"/>
-                <a:cs typeface="Arial" panose="020B0604020202020204" pitchFamily="34" charset="0"/>
-              </a:rPr>
-              <a:t>geekfile.txt</a:t>
-            </a:r>
+              <a:t>head –n 3 file1.txt</a:t>
+            </a:r>
+          </a:p>
+          <a:p>
             <a:endParaRPr lang="en-US" dirty="0">
               <a:latin typeface="Arial" panose="020B0604020202020204" pitchFamily="34" charset="0"/>
               <a:cs typeface="Arial" panose="020B0604020202020204" pitchFamily="34" charset="0"/>
@@ -11997,22 +12050,11 @@
           <a:p>
             <a:r>
               <a:rPr lang="en-US" dirty="0">
-                <a:latin typeface="Courier New" panose="02070309020205020404" pitchFamily="49" charset="0"/>
-                <a:cs typeface="Courier New" panose="02070309020205020404" pitchFamily="49" charset="0"/>
-              </a:rPr>
-              <a:t>cat </a:t>
-            </a:r>
-            <a:r>
-              <a:rPr lang="en-US" dirty="0" err="1">
-                <a:latin typeface="Courier New" panose="02070309020205020404" pitchFamily="49" charset="0"/>
-                <a:cs typeface="Courier New" panose="02070309020205020404" pitchFamily="49" charset="0"/>
-              </a:rPr>
-              <a:t>geekfile.txt</a:t>
-            </a:r>
-            <a:endParaRPr lang="en-US" dirty="0">
-              <a:latin typeface="Courier New" panose="02070309020205020404" pitchFamily="49" charset="0"/>
-              <a:cs typeface="Courier New" panose="02070309020205020404" pitchFamily="49" charset="0"/>
-            </a:endParaRPr>
+                <a:latin typeface="Arial" panose="020B0604020202020204" pitchFamily="34" charset="0"/>
+                <a:cs typeface="Arial" panose="020B0604020202020204" pitchFamily="34" charset="0"/>
+              </a:rPr>
+              <a:t>Exercise: </a:t>
+            </a:r>
           </a:p>
           <a:p>
             <a:endParaRPr lang="en-US" dirty="0">
@@ -12021,209 +12063,87 @@
             </a:endParaRPr>
           </a:p>
           <a:p>
+            <a:pPr marL="342900" indent="-342900">
+              <a:buAutoNum type="arabicPeriod"/>
+            </a:pPr>
             <a:r>
               <a:rPr lang="en-US" dirty="0">
                 <a:latin typeface="Arial" panose="020B0604020202020204" pitchFamily="34" charset="0"/>
                 <a:cs typeface="Arial" panose="020B0604020202020204" pitchFamily="34" charset="0"/>
               </a:rPr>
-              <a:t>Count the lines in </a:t>
-            </a:r>
-            <a:r>
-              <a:rPr lang="en-US" dirty="0" err="1">
-                <a:latin typeface="Arial" panose="020B0604020202020204" pitchFamily="34" charset="0"/>
-                <a:cs typeface="Arial" panose="020B0604020202020204" pitchFamily="34" charset="0"/>
-              </a:rPr>
-              <a:t>geekfile.txt</a:t>
-            </a:r>
+              <a:t>Create a file names file2.txt and use nano to edit this file with 20 lines of random text</a:t>
+            </a:r>
+          </a:p>
+          <a:p>
+            <a:pPr marL="342900" indent="-342900">
+              <a:buAutoNum type="arabicPeriod"/>
+            </a:pPr>
             <a:r>
               <a:rPr lang="en-US" dirty="0">
                 <a:latin typeface="Arial" panose="020B0604020202020204" pitchFamily="34" charset="0"/>
                 <a:cs typeface="Arial" panose="020B0604020202020204" pitchFamily="34" charset="0"/>
               </a:rPr>
-              <a:t> (-l flag counts lines)</a:t>
-            </a:r>
-          </a:p>
-          <a:p>
-            <a:r>
-              <a:rPr lang="en-US" dirty="0" err="1">
-                <a:latin typeface="Courier New" panose="02070309020205020404" pitchFamily="49" charset="0"/>
-                <a:cs typeface="Courier New" panose="02070309020205020404" pitchFamily="49" charset="0"/>
-              </a:rPr>
-              <a:t>wc</a:t>
+              <a:t>Use the head command to print the top lines (</a:t>
             </a:r>
             <a:r>
               <a:rPr lang="en-US" dirty="0">
                 <a:latin typeface="Courier New" panose="02070309020205020404" pitchFamily="49" charset="0"/>
                 <a:cs typeface="Courier New" panose="02070309020205020404" pitchFamily="49" charset="0"/>
               </a:rPr>
-              <a:t> -l </a:t>
-            </a:r>
-            <a:r>
-              <a:rPr lang="en-US" dirty="0" err="1">
-                <a:latin typeface="Courier New" panose="02070309020205020404" pitchFamily="49" charset="0"/>
-                <a:cs typeface="Courier New" panose="02070309020205020404" pitchFamily="49" charset="0"/>
-              </a:rPr>
-              <a:t>geekfile.txt</a:t>
-            </a:r>
-            <a:endParaRPr lang="en-US" dirty="0">
-              <a:latin typeface="Courier New" panose="02070309020205020404" pitchFamily="49" charset="0"/>
-              <a:cs typeface="Courier New" panose="02070309020205020404" pitchFamily="49" charset="0"/>
-            </a:endParaRPr>
-          </a:p>
-          <a:p>
-            <a:endParaRPr lang="en-US" dirty="0">
-              <a:latin typeface="Arial" panose="020B0604020202020204" pitchFamily="34" charset="0"/>
-              <a:cs typeface="Arial" panose="020B0604020202020204" pitchFamily="34" charset="0"/>
-            </a:endParaRPr>
-          </a:p>
-          <a:p>
+              <a:t>head file2.txt</a:t>
+            </a:r>
             <a:r>
               <a:rPr lang="en-US" dirty="0">
                 <a:latin typeface="Arial" panose="020B0604020202020204" pitchFamily="34" charset="0"/>
                 <a:cs typeface="Arial" panose="020B0604020202020204" pitchFamily="34" charset="0"/>
               </a:rPr>
-              <a:t>Search for the text ”</a:t>
-            </a:r>
-            <a:r>
-              <a:rPr lang="en-US" dirty="0" err="1">
-                <a:latin typeface="Arial" panose="020B0604020202020204" pitchFamily="34" charset="0"/>
-                <a:cs typeface="Arial" panose="020B0604020202020204" pitchFamily="34" charset="0"/>
-              </a:rPr>
-              <a:t>unix</a:t>
-            </a:r>
+              <a:t>)</a:t>
+            </a:r>
+          </a:p>
+          <a:p>
+            <a:pPr marL="800100" lvl="1" indent="-342900">
+              <a:buAutoNum type="arabicPeriod"/>
+            </a:pPr>
             <a:r>
               <a:rPr lang="en-US" dirty="0">
                 <a:latin typeface="Arial" panose="020B0604020202020204" pitchFamily="34" charset="0"/>
                 <a:cs typeface="Arial" panose="020B0604020202020204" pitchFamily="34" charset="0"/>
               </a:rPr>
-              <a:t>” in </a:t>
-            </a:r>
-            <a:r>
-              <a:rPr lang="en-US" dirty="0" err="1">
-                <a:latin typeface="Arial" panose="020B0604020202020204" pitchFamily="34" charset="0"/>
-                <a:cs typeface="Arial" panose="020B0604020202020204" pitchFamily="34" charset="0"/>
-              </a:rPr>
-              <a:t>geekfile.txt</a:t>
-            </a:r>
-            <a:endParaRPr lang="en-US" dirty="0">
-              <a:latin typeface="Arial" panose="020B0604020202020204" pitchFamily="34" charset="0"/>
-              <a:cs typeface="Arial" panose="020B0604020202020204" pitchFamily="34" charset="0"/>
-            </a:endParaRPr>
-          </a:p>
-          <a:p>
+              <a:t>How many lines are printed on the command line?</a:t>
+            </a:r>
+          </a:p>
+          <a:p>
+            <a:pPr marL="342900" indent="-342900">
+              <a:buAutoNum type="arabicPeriod"/>
+            </a:pPr>
             <a:r>
               <a:rPr lang="en-US" dirty="0">
-                <a:latin typeface="Courier New" panose="02070309020205020404" pitchFamily="49" charset="0"/>
-                <a:cs typeface="Courier New" panose="02070309020205020404" pitchFamily="49" charset="0"/>
-              </a:rPr>
-              <a:t>grep </a:t>
-            </a:r>
-            <a:r>
-              <a:rPr lang="en-US" dirty="0" err="1">
-                <a:latin typeface="Courier New" panose="02070309020205020404" pitchFamily="49" charset="0"/>
-                <a:cs typeface="Courier New" panose="02070309020205020404" pitchFamily="49" charset="0"/>
-              </a:rPr>
-              <a:t>unix</a:t>
+                <a:latin typeface="Arial" panose="020B0604020202020204" pitchFamily="34" charset="0"/>
+                <a:cs typeface="Arial" panose="020B0604020202020204" pitchFamily="34" charset="0"/>
+              </a:rPr>
+              <a:t>Bonus: print the </a:t>
+            </a:r>
+            <a:r>
+              <a:rPr lang="en-US" b="1" u="sng" dirty="0">
+                <a:latin typeface="Arial" panose="020B0604020202020204" pitchFamily="34" charset="0"/>
+                <a:cs typeface="Arial" panose="020B0604020202020204" pitchFamily="34" charset="0"/>
+              </a:rPr>
+              <a:t>last</a:t>
             </a:r>
             <a:r>
               <a:rPr lang="en-US" dirty="0">
-                <a:latin typeface="Courier New" panose="02070309020205020404" pitchFamily="49" charset="0"/>
-                <a:cs typeface="Courier New" panose="02070309020205020404" pitchFamily="49" charset="0"/>
-              </a:rPr>
-              <a:t> </a:t>
-            </a:r>
-            <a:r>
-              <a:rPr lang="en-US" dirty="0" err="1">
-                <a:latin typeface="Courier New" panose="02070309020205020404" pitchFamily="49" charset="0"/>
-                <a:cs typeface="Courier New" panose="02070309020205020404" pitchFamily="49" charset="0"/>
-              </a:rPr>
-              <a:t>geekfile.txt</a:t>
-            </a:r>
-            <a:endParaRPr lang="en-US" dirty="0">
-              <a:latin typeface="Courier New" panose="02070309020205020404" pitchFamily="49" charset="0"/>
-              <a:cs typeface="Courier New" panose="02070309020205020404" pitchFamily="49" charset="0"/>
-            </a:endParaRPr>
-          </a:p>
-          <a:p>
-            <a:endParaRPr lang="en-US" dirty="0">
-              <a:latin typeface="Arial" panose="020B0604020202020204" pitchFamily="34" charset="0"/>
-              <a:cs typeface="Arial" panose="020B0604020202020204" pitchFamily="34" charset="0"/>
-            </a:endParaRPr>
-          </a:p>
-          <a:p>
-            <a:r>
-              <a:rPr lang="en-US" dirty="0">
-                <a:latin typeface="Arial" panose="020B0604020202020204" pitchFamily="34" charset="0"/>
-                <a:cs typeface="Arial" panose="020B0604020202020204" pitchFamily="34" charset="0"/>
-              </a:rPr>
-              <a:t>Search for the text “</a:t>
-            </a:r>
-            <a:r>
-              <a:rPr lang="en-US" dirty="0" err="1">
-                <a:latin typeface="Arial" panose="020B0604020202020204" pitchFamily="34" charset="0"/>
-                <a:cs typeface="Arial" panose="020B0604020202020204" pitchFamily="34" charset="0"/>
-              </a:rPr>
-              <a:t>unix</a:t>
-            </a:r>
-            <a:r>
-              <a:rPr lang="en-US" dirty="0">
-                <a:latin typeface="Arial" panose="020B0604020202020204" pitchFamily="34" charset="0"/>
-                <a:cs typeface="Arial" panose="020B0604020202020204" pitchFamily="34" charset="0"/>
-              </a:rPr>
-              <a:t> is” in </a:t>
-            </a:r>
-            <a:r>
-              <a:rPr lang="en-US" dirty="0" err="1">
-                <a:latin typeface="Arial" panose="020B0604020202020204" pitchFamily="34" charset="0"/>
-                <a:cs typeface="Arial" panose="020B0604020202020204" pitchFamily="34" charset="0"/>
-              </a:rPr>
-              <a:t>geekfile.txt</a:t>
-            </a:r>
-            <a:endParaRPr lang="en-US" dirty="0">
-              <a:latin typeface="Arial" panose="020B0604020202020204" pitchFamily="34" charset="0"/>
-              <a:cs typeface="Arial" panose="020B0604020202020204" pitchFamily="34" charset="0"/>
-            </a:endParaRPr>
-          </a:p>
-          <a:p>
-            <a:r>
-              <a:rPr lang="en-US" dirty="0">
-                <a:latin typeface="Courier New" panose="02070309020205020404" pitchFamily="49" charset="0"/>
-                <a:cs typeface="Courier New" panose="02070309020205020404" pitchFamily="49" charset="0"/>
-              </a:rPr>
-              <a:t>grep “</a:t>
-            </a:r>
-            <a:r>
-              <a:rPr lang="en-US" dirty="0" err="1">
-                <a:latin typeface="Courier New" panose="02070309020205020404" pitchFamily="49" charset="0"/>
-                <a:cs typeface="Courier New" panose="02070309020205020404" pitchFamily="49" charset="0"/>
-              </a:rPr>
-              <a:t>unix</a:t>
-            </a:r>
-            <a:r>
-              <a:rPr lang="en-US" dirty="0">
-                <a:latin typeface="Courier New" panose="02070309020205020404" pitchFamily="49" charset="0"/>
-                <a:cs typeface="Courier New" panose="02070309020205020404" pitchFamily="49" charset="0"/>
-              </a:rPr>
-              <a:t> is” </a:t>
-            </a:r>
-            <a:r>
-              <a:rPr lang="en-US" dirty="0" err="1">
-                <a:latin typeface="Courier New" panose="02070309020205020404" pitchFamily="49" charset="0"/>
-                <a:cs typeface="Courier New" panose="02070309020205020404" pitchFamily="49" charset="0"/>
-              </a:rPr>
-              <a:t>geekfile.txt</a:t>
-            </a:r>
-            <a:endParaRPr lang="en-US" dirty="0">
-              <a:latin typeface="Courier New" panose="02070309020205020404" pitchFamily="49" charset="0"/>
-              <a:cs typeface="Courier New" panose="02070309020205020404" pitchFamily="49" charset="0"/>
-            </a:endParaRPr>
+                <a:latin typeface="Arial" panose="020B0604020202020204" pitchFamily="34" charset="0"/>
+                <a:cs typeface="Arial" panose="020B0604020202020204" pitchFamily="34" charset="0"/>
+              </a:rPr>
+              <a:t> 5 lines of file2.txt (there is a command for that – look on the cheat sheet)</a:t>
+            </a:r>
           </a:p>
         </p:txBody>
       </p:sp>
     </p:spTree>
     <p:extLst>
       <p:ext uri="{BB962C8B-B14F-4D97-AF65-F5344CB8AC3E}">
-        <p14:creationId xmlns:p14="http://schemas.microsoft.com/office/powerpoint/2010/main" val="1014116364"/>
+        <p14:creationId xmlns:p14="http://schemas.microsoft.com/office/powerpoint/2010/main" val="1820400183"/>
       </p:ext>
     </p:extLst>
   </p:cSld>
@@ -12264,7 +12184,7 @@
         </p:nvSpPr>
         <p:spPr>
           <a:xfrm>
-            <a:off x="0" y="441"/>
+            <a:off x="0" y="2844225"/>
             <a:ext cx="12192000" cy="584775"/>
           </a:xfrm>
           <a:prstGeom prst="rect">
@@ -12284,604 +12204,15 @@
                 <a:latin typeface="Arial" panose="020B0604020202020204" pitchFamily="34" charset="0"/>
                 <a:cs typeface="Arial" panose="020B0604020202020204" pitchFamily="34" charset="0"/>
               </a:rPr>
-              <a:t>More advanced commands and using pipe</a:t>
-            </a:r>
-          </a:p>
-        </p:txBody>
-      </p:sp>
-      <p:sp>
-        <p:nvSpPr>
-          <p:cNvPr id="3" name="TextBox 2">
-            <a:extLst>
-              <a:ext uri="{FF2B5EF4-FFF2-40B4-BE49-F238E27FC236}">
-                <a16:creationId xmlns:a16="http://schemas.microsoft.com/office/drawing/2014/main" id="{FC672A2F-9DF5-1F29-F85F-5E8D148C0B95}"/>
-              </a:ext>
-            </a:extLst>
-          </p:cNvPr>
-          <p:cNvSpPr txBox="1"/>
-          <p:nvPr/>
-        </p:nvSpPr>
-        <p:spPr>
-          <a:xfrm>
-            <a:off x="0" y="889843"/>
-            <a:ext cx="12192000" cy="6463308"/>
-          </a:xfrm>
-          <a:prstGeom prst="rect">
-            <a:avLst/>
-          </a:prstGeom>
-          <a:noFill/>
-        </p:spPr>
-        <p:txBody>
-          <a:bodyPr wrap="square">
-            <a:spAutoFit/>
-          </a:bodyPr>
-          <a:lstStyle/>
-          <a:p>
-            <a:r>
-              <a:rPr lang="en-US" dirty="0">
-                <a:latin typeface="Arial" panose="020B0604020202020204" pitchFamily="34" charset="0"/>
-                <a:cs typeface="Arial" panose="020B0604020202020204" pitchFamily="34" charset="0"/>
-              </a:rPr>
-              <a:t>Count the number of lines that have the word </a:t>
-            </a:r>
-            <a:r>
-              <a:rPr lang="en-US" dirty="0" err="1">
-                <a:latin typeface="Arial" panose="020B0604020202020204" pitchFamily="34" charset="0"/>
-                <a:cs typeface="Arial" panose="020B0604020202020204" pitchFamily="34" charset="0"/>
-              </a:rPr>
-              <a:t>unix</a:t>
-            </a:r>
-            <a:r>
-              <a:rPr lang="en-US" dirty="0">
-                <a:latin typeface="Arial" panose="020B0604020202020204" pitchFamily="34" charset="0"/>
-                <a:cs typeface="Arial" panose="020B0604020202020204" pitchFamily="34" charset="0"/>
-              </a:rPr>
-              <a:t> in it:</a:t>
-            </a:r>
-          </a:p>
-          <a:p>
-            <a:r>
-              <a:rPr lang="en-GB" dirty="0">
-                <a:latin typeface="Courier New" panose="02070309020205020404" pitchFamily="49" charset="0"/>
-                <a:cs typeface="Courier New" panose="02070309020205020404" pitchFamily="49" charset="0"/>
-              </a:rPr>
-              <a:t>grep ”</a:t>
-            </a:r>
-            <a:r>
-              <a:rPr lang="en-GB" dirty="0" err="1">
-                <a:latin typeface="Courier New" panose="02070309020205020404" pitchFamily="49" charset="0"/>
-                <a:cs typeface="Courier New" panose="02070309020205020404" pitchFamily="49" charset="0"/>
-              </a:rPr>
-              <a:t>unix</a:t>
-            </a:r>
-            <a:r>
-              <a:rPr lang="en-GB" dirty="0">
-                <a:latin typeface="Courier New" panose="02070309020205020404" pitchFamily="49" charset="0"/>
-                <a:cs typeface="Courier New" panose="02070309020205020404" pitchFamily="49" charset="0"/>
-              </a:rPr>
-              <a:t>” </a:t>
-            </a:r>
-            <a:r>
-              <a:rPr lang="en-GB" dirty="0" err="1">
-                <a:latin typeface="Courier New" panose="02070309020205020404" pitchFamily="49" charset="0"/>
-                <a:cs typeface="Courier New" panose="02070309020205020404" pitchFamily="49" charset="0"/>
-              </a:rPr>
-              <a:t>geekfile.txt</a:t>
-            </a:r>
-            <a:r>
-              <a:rPr lang="en-GB" dirty="0">
-                <a:latin typeface="Courier New" panose="02070309020205020404" pitchFamily="49" charset="0"/>
-                <a:cs typeface="Courier New" panose="02070309020205020404" pitchFamily="49" charset="0"/>
-              </a:rPr>
-              <a:t> | </a:t>
-            </a:r>
-            <a:r>
-              <a:rPr lang="en-GB" dirty="0" err="1">
-                <a:latin typeface="Courier New" panose="02070309020205020404" pitchFamily="49" charset="0"/>
-                <a:cs typeface="Courier New" panose="02070309020205020404" pitchFamily="49" charset="0"/>
-              </a:rPr>
-              <a:t>wc</a:t>
-            </a:r>
-            <a:r>
-              <a:rPr lang="en-GB" dirty="0">
-                <a:latin typeface="Courier New" panose="02070309020205020404" pitchFamily="49" charset="0"/>
-                <a:cs typeface="Courier New" panose="02070309020205020404" pitchFamily="49" charset="0"/>
-              </a:rPr>
-              <a:t> –l</a:t>
-            </a:r>
-          </a:p>
-          <a:p>
-            <a:endParaRPr lang="en-GB" dirty="0">
-              <a:latin typeface="Courier New" panose="02070309020205020404" pitchFamily="49" charset="0"/>
-              <a:cs typeface="Courier New" panose="02070309020205020404" pitchFamily="49" charset="0"/>
-            </a:endParaRPr>
-          </a:p>
-          <a:p>
-            <a:r>
-              <a:rPr lang="en-GB" dirty="0">
-                <a:latin typeface="Arial" panose="020B0604020202020204" pitchFamily="34" charset="0"/>
-                <a:cs typeface="Arial" panose="020B0604020202020204" pitchFamily="34" charset="0"/>
-              </a:rPr>
-              <a:t>There are however five occurrences of the word </a:t>
-            </a:r>
-            <a:r>
-              <a:rPr lang="en-GB" dirty="0" err="1">
-                <a:latin typeface="Arial" panose="020B0604020202020204" pitchFamily="34" charset="0"/>
-                <a:cs typeface="Arial" panose="020B0604020202020204" pitchFamily="34" charset="0"/>
-              </a:rPr>
-              <a:t>unix</a:t>
-            </a:r>
-            <a:r>
-              <a:rPr lang="en-GB" dirty="0">
-                <a:latin typeface="Arial" panose="020B0604020202020204" pitchFamily="34" charset="0"/>
-                <a:cs typeface="Arial" panose="020B0604020202020204" pitchFamily="34" charset="0"/>
-              </a:rPr>
-              <a:t>. To count the number of occurrences run the following command</a:t>
-            </a:r>
-          </a:p>
-          <a:p>
-            <a:r>
-              <a:rPr lang="en-GB" dirty="0">
-                <a:latin typeface="Courier New" panose="02070309020205020404" pitchFamily="49" charset="0"/>
-                <a:cs typeface="Courier New" panose="02070309020205020404" pitchFamily="49" charset="0"/>
-              </a:rPr>
-              <a:t>grep –o ”</a:t>
-            </a:r>
-            <a:r>
-              <a:rPr lang="en-GB" dirty="0" err="1">
-                <a:latin typeface="Courier New" panose="02070309020205020404" pitchFamily="49" charset="0"/>
-                <a:cs typeface="Courier New" panose="02070309020205020404" pitchFamily="49" charset="0"/>
-              </a:rPr>
-              <a:t>unix</a:t>
-            </a:r>
-            <a:r>
-              <a:rPr lang="en-GB" dirty="0">
-                <a:latin typeface="Courier New" panose="02070309020205020404" pitchFamily="49" charset="0"/>
-                <a:cs typeface="Courier New" panose="02070309020205020404" pitchFamily="49" charset="0"/>
-              </a:rPr>
-              <a:t>” </a:t>
-            </a:r>
-            <a:r>
-              <a:rPr lang="en-GB" dirty="0" err="1">
-                <a:latin typeface="Courier New" panose="02070309020205020404" pitchFamily="49" charset="0"/>
-                <a:cs typeface="Courier New" panose="02070309020205020404" pitchFamily="49" charset="0"/>
-              </a:rPr>
-              <a:t>geekfile.txt</a:t>
-            </a:r>
-            <a:r>
-              <a:rPr lang="en-GB" dirty="0">
-                <a:latin typeface="Courier New" panose="02070309020205020404" pitchFamily="49" charset="0"/>
-                <a:cs typeface="Courier New" panose="02070309020205020404" pitchFamily="49" charset="0"/>
-              </a:rPr>
-              <a:t> | </a:t>
-            </a:r>
-            <a:r>
-              <a:rPr lang="en-GB" dirty="0" err="1">
-                <a:latin typeface="Courier New" panose="02070309020205020404" pitchFamily="49" charset="0"/>
-                <a:cs typeface="Courier New" panose="02070309020205020404" pitchFamily="49" charset="0"/>
-              </a:rPr>
-              <a:t>wc</a:t>
-            </a:r>
-            <a:r>
-              <a:rPr lang="en-GB" dirty="0">
-                <a:latin typeface="Courier New" panose="02070309020205020404" pitchFamily="49" charset="0"/>
-                <a:cs typeface="Courier New" panose="02070309020205020404" pitchFamily="49" charset="0"/>
-              </a:rPr>
-              <a:t> –l</a:t>
-            </a:r>
-          </a:p>
-          <a:p>
-            <a:endParaRPr lang="en-GB" dirty="0">
-              <a:latin typeface="Courier New" panose="02070309020205020404" pitchFamily="49" charset="0"/>
-              <a:cs typeface="Courier New" panose="02070309020205020404" pitchFamily="49" charset="0"/>
-            </a:endParaRPr>
-          </a:p>
-          <a:p>
-            <a:r>
-              <a:rPr lang="en-GB" dirty="0">
-                <a:latin typeface="Arial" panose="020B0604020202020204" pitchFamily="34" charset="0"/>
-                <a:cs typeface="Arial" panose="020B0604020202020204" pitchFamily="34" charset="0"/>
-              </a:rPr>
-              <a:t>Tip: deconstruct this command and first run the grep command to see the output and then run it together with the </a:t>
-            </a:r>
-            <a:r>
-              <a:rPr lang="en-GB" dirty="0" err="1">
-                <a:latin typeface="Arial" panose="020B0604020202020204" pitchFamily="34" charset="0"/>
-                <a:cs typeface="Arial" panose="020B0604020202020204" pitchFamily="34" charset="0"/>
-              </a:rPr>
-              <a:t>wc</a:t>
-            </a:r>
-            <a:r>
-              <a:rPr lang="en-GB" dirty="0">
-                <a:latin typeface="Arial" panose="020B0604020202020204" pitchFamily="34" charset="0"/>
-                <a:cs typeface="Arial" panose="020B0604020202020204" pitchFamily="34" charset="0"/>
-              </a:rPr>
-              <a:t> –l</a:t>
-            </a:r>
-          </a:p>
-          <a:p>
-            <a:endParaRPr lang="en-GB" dirty="0">
-              <a:latin typeface="Arial" panose="020B0604020202020204" pitchFamily="34" charset="0"/>
-              <a:cs typeface="Arial" panose="020B0604020202020204" pitchFamily="34" charset="0"/>
-            </a:endParaRPr>
-          </a:p>
-          <a:p>
-            <a:r>
-              <a:rPr lang="en-GB" dirty="0">
-                <a:latin typeface="Arial" panose="020B0604020202020204" pitchFamily="34" charset="0"/>
-                <a:cs typeface="Arial" panose="020B0604020202020204" pitchFamily="34" charset="0"/>
-              </a:rPr>
-              <a:t>Replace </a:t>
-            </a:r>
-            <a:r>
-              <a:rPr lang="en-GB" dirty="0" err="1">
-                <a:latin typeface="Arial" panose="020B0604020202020204" pitchFamily="34" charset="0"/>
-                <a:cs typeface="Arial" panose="020B0604020202020204" pitchFamily="34" charset="0"/>
-              </a:rPr>
-              <a:t>unix</a:t>
-            </a:r>
-            <a:r>
-              <a:rPr lang="en-GB" dirty="0">
-                <a:latin typeface="Arial" panose="020B0604020202020204" pitchFamily="34" charset="0"/>
-                <a:cs typeface="Arial" panose="020B0604020202020204" pitchFamily="34" charset="0"/>
-              </a:rPr>
-              <a:t> with </a:t>
-            </a:r>
-            <a:r>
-              <a:rPr lang="en-GB" dirty="0" err="1">
-                <a:latin typeface="Arial" panose="020B0604020202020204" pitchFamily="34" charset="0"/>
-                <a:cs typeface="Arial" panose="020B0604020202020204" pitchFamily="34" charset="0"/>
-              </a:rPr>
-              <a:t>linux</a:t>
-            </a:r>
-            <a:r>
-              <a:rPr lang="en-GB" dirty="0">
-                <a:latin typeface="Arial" panose="020B0604020202020204" pitchFamily="34" charset="0"/>
-                <a:cs typeface="Arial" panose="020B0604020202020204" pitchFamily="34" charset="0"/>
-              </a:rPr>
-              <a:t> using the command </a:t>
-            </a:r>
-            <a:r>
-              <a:rPr lang="en-GB" dirty="0" err="1">
-                <a:latin typeface="Arial" panose="020B0604020202020204" pitchFamily="34" charset="0"/>
-                <a:cs typeface="Arial" panose="020B0604020202020204" pitchFamily="34" charset="0"/>
-              </a:rPr>
-              <a:t>sed</a:t>
-            </a:r>
-            <a:r>
-              <a:rPr lang="en-GB" dirty="0">
-                <a:latin typeface="Arial" panose="020B0604020202020204" pitchFamily="34" charset="0"/>
-                <a:cs typeface="Arial" panose="020B0604020202020204" pitchFamily="34" charset="0"/>
-              </a:rPr>
-              <a:t> (s specified substitution)</a:t>
-            </a:r>
-          </a:p>
-          <a:p>
-            <a:r>
-              <a:rPr lang="en-GB" dirty="0" err="1">
-                <a:latin typeface="Courier New" panose="02070309020205020404" pitchFamily="49" charset="0"/>
-                <a:cs typeface="Courier New" panose="02070309020205020404" pitchFamily="49" charset="0"/>
-              </a:rPr>
-              <a:t>sed</a:t>
-            </a:r>
-            <a:r>
-              <a:rPr lang="en-GB" dirty="0">
-                <a:latin typeface="Courier New" panose="02070309020205020404" pitchFamily="49" charset="0"/>
-                <a:cs typeface="Courier New" panose="02070309020205020404" pitchFamily="49" charset="0"/>
-              </a:rPr>
-              <a:t> ‘s/</a:t>
-            </a:r>
-            <a:r>
-              <a:rPr lang="en-GB" dirty="0" err="1">
-                <a:latin typeface="Courier New" panose="02070309020205020404" pitchFamily="49" charset="0"/>
-                <a:cs typeface="Courier New" panose="02070309020205020404" pitchFamily="49" charset="0"/>
-              </a:rPr>
-              <a:t>unix</a:t>
-            </a:r>
-            <a:r>
-              <a:rPr lang="en-GB" dirty="0">
-                <a:latin typeface="Courier New" panose="02070309020205020404" pitchFamily="49" charset="0"/>
-                <a:cs typeface="Courier New" panose="02070309020205020404" pitchFamily="49" charset="0"/>
-              </a:rPr>
-              <a:t>/</a:t>
-            </a:r>
-            <a:r>
-              <a:rPr lang="en-GB" dirty="0" err="1">
-                <a:latin typeface="Courier New" panose="02070309020205020404" pitchFamily="49" charset="0"/>
-                <a:cs typeface="Courier New" panose="02070309020205020404" pitchFamily="49" charset="0"/>
-              </a:rPr>
-              <a:t>linux</a:t>
-            </a:r>
-            <a:r>
-              <a:rPr lang="en-GB" dirty="0">
-                <a:latin typeface="Courier New" panose="02070309020205020404" pitchFamily="49" charset="0"/>
-                <a:cs typeface="Courier New" panose="02070309020205020404" pitchFamily="49" charset="0"/>
-              </a:rPr>
-              <a:t>/’ </a:t>
-            </a:r>
-            <a:r>
-              <a:rPr lang="en-GB" dirty="0" err="1">
-                <a:latin typeface="Courier New" panose="02070309020205020404" pitchFamily="49" charset="0"/>
-                <a:cs typeface="Courier New" panose="02070309020205020404" pitchFamily="49" charset="0"/>
-              </a:rPr>
-              <a:t>geekfile.txt</a:t>
-            </a:r>
-            <a:endParaRPr lang="en-GB" dirty="0">
-              <a:latin typeface="Courier New" panose="02070309020205020404" pitchFamily="49" charset="0"/>
-              <a:cs typeface="Courier New" panose="02070309020205020404" pitchFamily="49" charset="0"/>
-            </a:endParaRPr>
-          </a:p>
-          <a:p>
-            <a:endParaRPr lang="en-GB" dirty="0">
-              <a:latin typeface="Courier New" panose="02070309020205020404" pitchFamily="49" charset="0"/>
-              <a:cs typeface="Courier New" panose="02070309020205020404" pitchFamily="49" charset="0"/>
-            </a:endParaRPr>
-          </a:p>
-          <a:p>
-            <a:r>
-              <a:rPr lang="en-GB" dirty="0">
-                <a:latin typeface="Arial" panose="020B0604020202020204" pitchFamily="34" charset="0"/>
-                <a:cs typeface="Arial" panose="020B0604020202020204" pitchFamily="34" charset="0"/>
-              </a:rPr>
-              <a:t>Note the output: it will only replace the first occurrence in each line</a:t>
-            </a:r>
-          </a:p>
-          <a:p>
-            <a:endParaRPr lang="en-GB" dirty="0">
-              <a:latin typeface="Arial" panose="020B0604020202020204" pitchFamily="34" charset="0"/>
-              <a:cs typeface="Arial" panose="020B0604020202020204" pitchFamily="34" charset="0"/>
-            </a:endParaRPr>
-          </a:p>
-          <a:p>
-            <a:r>
-              <a:rPr lang="en-GB" dirty="0">
-                <a:latin typeface="Arial" panose="020B0604020202020204" pitchFamily="34" charset="0"/>
-                <a:cs typeface="Arial" panose="020B0604020202020204" pitchFamily="34" charset="0"/>
-              </a:rPr>
-              <a:t>Save this to a new file:</a:t>
-            </a:r>
-          </a:p>
-          <a:p>
-            <a:r>
-              <a:rPr lang="en-GB" dirty="0" err="1">
-                <a:latin typeface="Courier New" panose="02070309020205020404" pitchFamily="49" charset="0"/>
-                <a:cs typeface="Courier New" panose="02070309020205020404" pitchFamily="49" charset="0"/>
-              </a:rPr>
-              <a:t>sed</a:t>
-            </a:r>
-            <a:r>
-              <a:rPr lang="en-GB" dirty="0">
-                <a:latin typeface="Courier New" panose="02070309020205020404" pitchFamily="49" charset="0"/>
-                <a:cs typeface="Courier New" panose="02070309020205020404" pitchFamily="49" charset="0"/>
-              </a:rPr>
-              <a:t> ‘s/</a:t>
-            </a:r>
-            <a:r>
-              <a:rPr lang="en-GB" dirty="0" err="1">
-                <a:latin typeface="Courier New" panose="02070309020205020404" pitchFamily="49" charset="0"/>
-                <a:cs typeface="Courier New" panose="02070309020205020404" pitchFamily="49" charset="0"/>
-              </a:rPr>
-              <a:t>unix</a:t>
-            </a:r>
-            <a:r>
-              <a:rPr lang="en-GB" dirty="0">
-                <a:latin typeface="Courier New" panose="02070309020205020404" pitchFamily="49" charset="0"/>
-                <a:cs typeface="Courier New" panose="02070309020205020404" pitchFamily="49" charset="0"/>
-              </a:rPr>
-              <a:t>/</a:t>
-            </a:r>
-            <a:r>
-              <a:rPr lang="en-GB" dirty="0" err="1">
-                <a:latin typeface="Courier New" panose="02070309020205020404" pitchFamily="49" charset="0"/>
-                <a:cs typeface="Courier New" panose="02070309020205020404" pitchFamily="49" charset="0"/>
-              </a:rPr>
-              <a:t>linux</a:t>
-            </a:r>
-            <a:r>
-              <a:rPr lang="en-GB" dirty="0">
-                <a:latin typeface="Courier New" panose="02070309020205020404" pitchFamily="49" charset="0"/>
-                <a:cs typeface="Courier New" panose="02070309020205020404" pitchFamily="49" charset="0"/>
-              </a:rPr>
-              <a:t>/’ </a:t>
-            </a:r>
-            <a:r>
-              <a:rPr lang="en-GB" dirty="0" err="1">
-                <a:latin typeface="Courier New" panose="02070309020205020404" pitchFamily="49" charset="0"/>
-                <a:cs typeface="Courier New" panose="02070309020205020404" pitchFamily="49" charset="0"/>
-              </a:rPr>
-              <a:t>geekfile.txt</a:t>
-            </a:r>
-            <a:r>
-              <a:rPr lang="en-GB" dirty="0">
-                <a:latin typeface="Courier New" panose="02070309020205020404" pitchFamily="49" charset="0"/>
-                <a:cs typeface="Courier New" panose="02070309020205020404" pitchFamily="49" charset="0"/>
-              </a:rPr>
-              <a:t> &gt; geekfile2.txt</a:t>
-            </a:r>
-          </a:p>
-          <a:p>
-            <a:endParaRPr lang="en-GB" dirty="0">
-              <a:latin typeface="Arial" panose="020B0604020202020204" pitchFamily="34" charset="0"/>
-              <a:cs typeface="Arial" panose="020B0604020202020204" pitchFamily="34" charset="0"/>
-            </a:endParaRPr>
-          </a:p>
-          <a:p>
-            <a:r>
-              <a:rPr lang="en-GB" dirty="0">
-                <a:latin typeface="Arial" panose="020B0604020202020204" pitchFamily="34" charset="0"/>
-                <a:cs typeface="Arial" panose="020B0604020202020204" pitchFamily="34" charset="0"/>
-              </a:rPr>
-              <a:t>Replace the second occurrence of </a:t>
-            </a:r>
-            <a:r>
-              <a:rPr lang="en-GB" dirty="0" err="1">
-                <a:latin typeface="Arial" panose="020B0604020202020204" pitchFamily="34" charset="0"/>
-                <a:cs typeface="Arial" panose="020B0604020202020204" pitchFamily="34" charset="0"/>
-              </a:rPr>
-              <a:t>unix</a:t>
-            </a:r>
-            <a:r>
-              <a:rPr lang="en-GB" dirty="0">
-                <a:latin typeface="Arial" panose="020B0604020202020204" pitchFamily="34" charset="0"/>
-                <a:cs typeface="Arial" panose="020B0604020202020204" pitchFamily="34" charset="0"/>
-              </a:rPr>
-              <a:t> in each line</a:t>
-            </a:r>
-          </a:p>
-          <a:p>
-            <a:r>
-              <a:rPr lang="en-GB" dirty="0" err="1">
-                <a:latin typeface="Courier New" panose="02070309020205020404" pitchFamily="49" charset="0"/>
-                <a:cs typeface="Courier New" panose="02070309020205020404" pitchFamily="49" charset="0"/>
-              </a:rPr>
-              <a:t>sed</a:t>
-            </a:r>
-            <a:r>
-              <a:rPr lang="en-GB" dirty="0">
-                <a:latin typeface="Courier New" panose="02070309020205020404" pitchFamily="49" charset="0"/>
-                <a:cs typeface="Courier New" panose="02070309020205020404" pitchFamily="49" charset="0"/>
-              </a:rPr>
-              <a:t> ‘s/</a:t>
-            </a:r>
-            <a:r>
-              <a:rPr lang="en-GB" dirty="0" err="1">
-                <a:latin typeface="Courier New" panose="02070309020205020404" pitchFamily="49" charset="0"/>
-                <a:cs typeface="Courier New" panose="02070309020205020404" pitchFamily="49" charset="0"/>
-              </a:rPr>
-              <a:t>unix</a:t>
-            </a:r>
-            <a:r>
-              <a:rPr lang="en-GB" dirty="0">
-                <a:latin typeface="Courier New" panose="02070309020205020404" pitchFamily="49" charset="0"/>
-                <a:cs typeface="Courier New" panose="02070309020205020404" pitchFamily="49" charset="0"/>
-              </a:rPr>
-              <a:t>/</a:t>
-            </a:r>
-            <a:r>
-              <a:rPr lang="en-GB" dirty="0" err="1">
-                <a:latin typeface="Courier New" panose="02070309020205020404" pitchFamily="49" charset="0"/>
-                <a:cs typeface="Courier New" panose="02070309020205020404" pitchFamily="49" charset="0"/>
-              </a:rPr>
-              <a:t>linux</a:t>
-            </a:r>
-            <a:r>
-              <a:rPr lang="en-GB" dirty="0">
-                <a:latin typeface="Courier New" panose="02070309020205020404" pitchFamily="49" charset="0"/>
-                <a:cs typeface="Courier New" panose="02070309020205020404" pitchFamily="49" charset="0"/>
-              </a:rPr>
-              <a:t>/2’ </a:t>
-            </a:r>
-            <a:r>
-              <a:rPr lang="en-GB" dirty="0" err="1">
-                <a:latin typeface="Courier New" panose="02070309020205020404" pitchFamily="49" charset="0"/>
-                <a:cs typeface="Courier New" panose="02070309020205020404" pitchFamily="49" charset="0"/>
-              </a:rPr>
-              <a:t>geekfile.txt</a:t>
-            </a:r>
-            <a:endParaRPr lang="en-GB" dirty="0">
-              <a:latin typeface="Courier New" panose="02070309020205020404" pitchFamily="49" charset="0"/>
-              <a:cs typeface="Courier New" panose="02070309020205020404" pitchFamily="49" charset="0"/>
-            </a:endParaRPr>
-          </a:p>
-          <a:p>
-            <a:endParaRPr lang="en-GB" dirty="0">
-              <a:latin typeface="Courier New" panose="02070309020205020404" pitchFamily="49" charset="0"/>
-              <a:cs typeface="Courier New" panose="02070309020205020404" pitchFamily="49" charset="0"/>
-            </a:endParaRPr>
-          </a:p>
-          <a:p>
-            <a:r>
-              <a:rPr lang="en-GB" dirty="0">
-                <a:latin typeface="Arial" panose="020B0604020202020204" pitchFamily="34" charset="0"/>
-                <a:cs typeface="Arial" panose="020B0604020202020204" pitchFamily="34" charset="0"/>
-              </a:rPr>
-              <a:t>Replace all occurrences of </a:t>
-            </a:r>
-            <a:r>
-              <a:rPr lang="en-GB" dirty="0" err="1">
-                <a:latin typeface="Arial" panose="020B0604020202020204" pitchFamily="34" charset="0"/>
-                <a:cs typeface="Arial" panose="020B0604020202020204" pitchFamily="34" charset="0"/>
-              </a:rPr>
-              <a:t>unix</a:t>
-            </a:r>
-            <a:endParaRPr lang="en-GB" dirty="0">
-              <a:latin typeface="Arial" panose="020B0604020202020204" pitchFamily="34" charset="0"/>
-              <a:cs typeface="Arial" panose="020B0604020202020204" pitchFamily="34" charset="0"/>
-            </a:endParaRPr>
-          </a:p>
-          <a:p>
-            <a:r>
-              <a:rPr lang="en-GB" dirty="0" err="1">
-                <a:latin typeface="Courier New" panose="02070309020205020404" pitchFamily="49" charset="0"/>
-                <a:cs typeface="Courier New" panose="02070309020205020404" pitchFamily="49" charset="0"/>
-              </a:rPr>
-              <a:t>sed</a:t>
-            </a:r>
-            <a:r>
-              <a:rPr lang="en-GB" dirty="0">
-                <a:latin typeface="Courier New" panose="02070309020205020404" pitchFamily="49" charset="0"/>
-                <a:cs typeface="Courier New" panose="02070309020205020404" pitchFamily="49" charset="0"/>
-              </a:rPr>
-              <a:t> ‘s/</a:t>
-            </a:r>
-            <a:r>
-              <a:rPr lang="en-GB" dirty="0" err="1">
-                <a:latin typeface="Courier New" panose="02070309020205020404" pitchFamily="49" charset="0"/>
-                <a:cs typeface="Courier New" panose="02070309020205020404" pitchFamily="49" charset="0"/>
-              </a:rPr>
-              <a:t>unix</a:t>
-            </a:r>
-            <a:r>
-              <a:rPr lang="en-GB" dirty="0">
-                <a:latin typeface="Courier New" panose="02070309020205020404" pitchFamily="49" charset="0"/>
-                <a:cs typeface="Courier New" panose="02070309020205020404" pitchFamily="49" charset="0"/>
-              </a:rPr>
-              <a:t>/</a:t>
-            </a:r>
-            <a:r>
-              <a:rPr lang="en-GB" dirty="0" err="1">
-                <a:latin typeface="Courier New" panose="02070309020205020404" pitchFamily="49" charset="0"/>
-                <a:cs typeface="Courier New" panose="02070309020205020404" pitchFamily="49" charset="0"/>
-              </a:rPr>
-              <a:t>linux</a:t>
-            </a:r>
-            <a:r>
-              <a:rPr lang="en-GB" dirty="0">
-                <a:latin typeface="Courier New" panose="02070309020205020404" pitchFamily="49" charset="0"/>
-                <a:cs typeface="Courier New" panose="02070309020205020404" pitchFamily="49" charset="0"/>
-              </a:rPr>
-              <a:t>/g’ </a:t>
-            </a:r>
-            <a:r>
-              <a:rPr lang="en-GB" dirty="0" err="1">
-                <a:latin typeface="Courier New" panose="02070309020205020404" pitchFamily="49" charset="0"/>
-                <a:cs typeface="Courier New" panose="02070309020205020404" pitchFamily="49" charset="0"/>
-              </a:rPr>
-              <a:t>geekfile.txt</a:t>
-            </a:r>
-            <a:endParaRPr lang="en-GB" dirty="0">
-              <a:latin typeface="Courier New" panose="02070309020205020404" pitchFamily="49" charset="0"/>
-              <a:cs typeface="Courier New" panose="02070309020205020404" pitchFamily="49" charset="0"/>
-            </a:endParaRPr>
-          </a:p>
-          <a:p>
-            <a:endParaRPr lang="en-GB" dirty="0">
-              <a:latin typeface="Courier New" panose="02070309020205020404" pitchFamily="49" charset="0"/>
-              <a:cs typeface="Courier New" panose="02070309020205020404" pitchFamily="49" charset="0"/>
-            </a:endParaRPr>
-          </a:p>
-          <a:p>
-            <a:endParaRPr lang="en-US" dirty="0">
-              <a:latin typeface="Arial" panose="020B0604020202020204" pitchFamily="34" charset="0"/>
-              <a:cs typeface="Arial" panose="020B0604020202020204" pitchFamily="34" charset="0"/>
-            </a:endParaRPr>
+              <a:t>Break</a:t>
+            </a:r>
           </a:p>
         </p:txBody>
       </p:sp>
     </p:spTree>
     <p:extLst>
       <p:ext uri="{BB962C8B-B14F-4D97-AF65-F5344CB8AC3E}">
-        <p14:creationId xmlns:p14="http://schemas.microsoft.com/office/powerpoint/2010/main" val="3735860344"/>
+        <p14:creationId xmlns:p14="http://schemas.microsoft.com/office/powerpoint/2010/main" val="14309175"/>
       </p:ext>
     </p:extLst>
   </p:cSld>
@@ -12962,7 +12293,7 @@
         <p:spPr>
           <a:xfrm>
             <a:off x="0" y="889843"/>
-            <a:ext cx="12192000" cy="4801314"/>
+            <a:ext cx="12192000" cy="2031325"/>
           </a:xfrm>
           <a:prstGeom prst="rect">
             <a:avLst/>
@@ -12980,7 +12311,30 @@
                 <a:latin typeface="Arial" panose="020B0604020202020204" pitchFamily="34" charset="0"/>
                 <a:cs typeface="Arial" panose="020B0604020202020204" pitchFamily="34" charset="0"/>
               </a:rPr>
-              <a:t>Like grep and sed, the awk command searches for patterns in a file line by line and performs some operations on each line. Specifically useful to split a document into columns.</a:t>
+              <a:t>Task 1:</a:t>
+            </a:r>
+          </a:p>
+          <a:p>
+            <a:r>
+              <a:rPr lang="en-US" dirty="0">
+                <a:latin typeface="Arial" panose="020B0604020202020204" pitchFamily="34" charset="0"/>
+                <a:cs typeface="Arial" panose="020B0604020202020204" pitchFamily="34" charset="0"/>
+              </a:rPr>
+              <a:t>Create a file called </a:t>
+            </a:r>
+            <a:r>
+              <a:rPr lang="en-US" dirty="0" err="1">
+                <a:latin typeface="Arial" panose="020B0604020202020204" pitchFamily="34" charset="0"/>
+                <a:cs typeface="Arial" panose="020B0604020202020204" pitchFamily="34" charset="0"/>
+              </a:rPr>
+              <a:t>geekfile.txt</a:t>
+            </a:r>
+            <a:r>
+              <a:rPr lang="en-US" dirty="0">
+                <a:latin typeface="Arial" panose="020B0604020202020204" pitchFamily="34" charset="0"/>
+                <a:cs typeface="Arial" panose="020B0604020202020204" pitchFamily="34" charset="0"/>
+              </a:rPr>
+              <a:t> that contains the following text:</a:t>
             </a:r>
           </a:p>
           <a:p>
@@ -12991,52 +12345,46 @@
           </a:p>
           <a:p>
             <a:r>
-              <a:rPr lang="en-US" dirty="0">
-                <a:latin typeface="Arial" panose="020B0604020202020204" pitchFamily="34" charset="0"/>
-                <a:cs typeface="Arial" panose="020B0604020202020204" pitchFamily="34" charset="0"/>
-              </a:rPr>
-              <a:t>Create a file called </a:t>
-            </a:r>
-            <a:r>
-              <a:rPr lang="en-US" dirty="0" err="1">
-                <a:latin typeface="Arial" panose="020B0604020202020204" pitchFamily="34" charset="0"/>
-                <a:cs typeface="Arial" panose="020B0604020202020204" pitchFamily="34" charset="0"/>
-              </a:rPr>
-              <a:t>gene_exp.txt</a:t>
-            </a:r>
-            <a:r>
-              <a:rPr lang="en-US" dirty="0">
-                <a:latin typeface="Arial" panose="020B0604020202020204" pitchFamily="34" charset="0"/>
-                <a:cs typeface="Arial" panose="020B0604020202020204" pitchFamily="34" charset="0"/>
-              </a:rPr>
-              <a:t> with the following text</a:t>
-            </a:r>
-          </a:p>
-          <a:p>
+              <a:rPr lang="en-GB" dirty="0" err="1">
+                <a:latin typeface="Courier New" panose="02070309020205020404" pitchFamily="49" charset="0"/>
+                <a:cs typeface="Courier New" panose="02070309020205020404" pitchFamily="49" charset="0"/>
+              </a:rPr>
+              <a:t>unix</a:t>
+            </a:r>
             <a:r>
               <a:rPr lang="en-GB" dirty="0">
                 <a:latin typeface="Courier New" panose="02070309020205020404" pitchFamily="49" charset="0"/>
                 <a:cs typeface="Courier New" panose="02070309020205020404" pitchFamily="49" charset="0"/>
               </a:rPr>
-              <a:t>gene sample1 sample2 sample3</a:t>
-            </a:r>
-          </a:p>
-          <a:p>
+              <a:t> is great </a:t>
+            </a:r>
+            <a:r>
+              <a:rPr lang="en-GB" dirty="0" err="1">
+                <a:latin typeface="Courier New" panose="02070309020205020404" pitchFamily="49" charset="0"/>
+                <a:cs typeface="Courier New" panose="02070309020205020404" pitchFamily="49" charset="0"/>
+              </a:rPr>
+              <a:t>os</a:t>
+            </a:r>
             <a:r>
               <a:rPr lang="en-GB" dirty="0">
                 <a:latin typeface="Courier New" panose="02070309020205020404" pitchFamily="49" charset="0"/>
                 <a:cs typeface="Courier New" panose="02070309020205020404" pitchFamily="49" charset="0"/>
               </a:rPr>
-              <a:t>gene1 4 5 1</a:t>
-            </a:r>
-          </a:p>
-          <a:p>
+              <a:t>. </a:t>
+            </a:r>
+            <a:r>
+              <a:rPr lang="en-GB" dirty="0" err="1">
+                <a:latin typeface="Courier New" panose="02070309020205020404" pitchFamily="49" charset="0"/>
+                <a:cs typeface="Courier New" panose="02070309020205020404" pitchFamily="49" charset="0"/>
+              </a:rPr>
+              <a:t>unix</a:t>
+            </a:r>
             <a:r>
               <a:rPr lang="en-GB" dirty="0">
                 <a:latin typeface="Courier New" panose="02070309020205020404" pitchFamily="49" charset="0"/>
                 <a:cs typeface="Courier New" panose="02070309020205020404" pitchFamily="49" charset="0"/>
               </a:rPr>
-              <a:t>gene2 10 70 100</a:t>
+              <a:t> is opensource</a:t>
             </a:r>
           </a:p>
           <a:p>
@@ -13045,118 +12393,342 @@
                 <a:latin typeface="Courier New" panose="02070309020205020404" pitchFamily="49" charset="0"/>
                 <a:cs typeface="Courier New" panose="02070309020205020404" pitchFamily="49" charset="0"/>
               </a:rPr>
-              <a:t>gene3 0 0 5</a:t>
-            </a:r>
-          </a:p>
-          <a:p>
-            <a:endParaRPr lang="en-GB" dirty="0">
+              <a:t>learn operating system. </a:t>
+            </a:r>
+          </a:p>
+          <a:p>
+            <a:r>
+              <a:rPr lang="en-GB" dirty="0" err="1">
+                <a:latin typeface="Courier New" panose="02070309020205020404" pitchFamily="49" charset="0"/>
+                <a:cs typeface="Courier New" panose="02070309020205020404" pitchFamily="49" charset="0"/>
+              </a:rPr>
+              <a:t>unix</a:t>
+            </a:r>
+            <a:r>
+              <a:rPr lang="en-GB" dirty="0">
+                <a:latin typeface="Courier New" panose="02070309020205020404" pitchFamily="49" charset="0"/>
+                <a:cs typeface="Courier New" panose="02070309020205020404" pitchFamily="49" charset="0"/>
+              </a:rPr>
+              <a:t> </a:t>
+            </a:r>
+            <a:r>
+              <a:rPr lang="en-GB" dirty="0" err="1">
+                <a:latin typeface="Courier New" panose="02070309020205020404" pitchFamily="49" charset="0"/>
+                <a:cs typeface="Courier New" panose="02070309020205020404" pitchFamily="49" charset="0"/>
+              </a:rPr>
+              <a:t>linux</a:t>
+            </a:r>
+            <a:r>
+              <a:rPr lang="en-GB" dirty="0">
+                <a:latin typeface="Courier New" panose="02070309020205020404" pitchFamily="49" charset="0"/>
+                <a:cs typeface="Courier New" panose="02070309020205020404" pitchFamily="49" charset="0"/>
+              </a:rPr>
+              <a:t> which one you choose. </a:t>
+            </a:r>
+          </a:p>
+          <a:p>
+            <a:r>
+              <a:rPr lang="en-GB" dirty="0" err="1">
+                <a:latin typeface="Courier New" panose="02070309020205020404" pitchFamily="49" charset="0"/>
+                <a:cs typeface="Courier New" panose="02070309020205020404" pitchFamily="49" charset="0"/>
+              </a:rPr>
+              <a:t>unix</a:t>
+            </a:r>
+            <a:r>
+              <a:rPr lang="en-GB" dirty="0">
+                <a:latin typeface="Courier New" panose="02070309020205020404" pitchFamily="49" charset="0"/>
+                <a:cs typeface="Courier New" panose="02070309020205020404" pitchFamily="49" charset="0"/>
+              </a:rPr>
+              <a:t> is easy to </a:t>
+            </a:r>
+            <a:r>
+              <a:rPr lang="en-GB" dirty="0" err="1">
+                <a:latin typeface="Courier New" panose="02070309020205020404" pitchFamily="49" charset="0"/>
+                <a:cs typeface="Courier New" panose="02070309020205020404" pitchFamily="49" charset="0"/>
+              </a:rPr>
+              <a:t>learn.unix</a:t>
+            </a:r>
+            <a:r>
+              <a:rPr lang="en-GB" dirty="0">
+                <a:latin typeface="Courier New" panose="02070309020205020404" pitchFamily="49" charset="0"/>
+                <a:cs typeface="Courier New" panose="02070309020205020404" pitchFamily="49" charset="0"/>
+              </a:rPr>
+              <a:t> is a powerful.</a:t>
+            </a:r>
+            <a:endParaRPr lang="en-US" dirty="0">
               <a:latin typeface="Courier New" panose="02070309020205020404" pitchFamily="49" charset="0"/>
               <a:cs typeface="Courier New" panose="02070309020205020404" pitchFamily="49" charset="0"/>
             </a:endParaRPr>
           </a:p>
-          <a:p>
-            <a:r>
-              <a:rPr lang="en-GB" dirty="0">
-                <a:latin typeface="Arial" panose="020B0604020202020204" pitchFamily="34" charset="0"/>
-                <a:cs typeface="Arial" panose="020B0604020202020204" pitchFamily="34" charset="0"/>
-              </a:rPr>
-              <a:t>Print the first column of the file </a:t>
-            </a:r>
-            <a:r>
-              <a:rPr lang="en-GB" dirty="0" err="1">
-                <a:latin typeface="Arial" panose="020B0604020202020204" pitchFamily="34" charset="0"/>
-                <a:cs typeface="Arial" panose="020B0604020202020204" pitchFamily="34" charset="0"/>
-              </a:rPr>
-              <a:t>gene_exp.txt</a:t>
-            </a:r>
-            <a:endParaRPr lang="en-GB" dirty="0">
+        </p:txBody>
+      </p:sp>
+      <p:sp>
+        <p:nvSpPr>
+          <p:cNvPr id="4" name="TextBox 3">
+            <a:extLst>
+              <a:ext uri="{FF2B5EF4-FFF2-40B4-BE49-F238E27FC236}">
+                <a16:creationId xmlns:a16="http://schemas.microsoft.com/office/drawing/2014/main" id="{2E0484DB-26FD-329C-E246-38E8382B53E4}"/>
+              </a:ext>
+            </a:extLst>
+          </p:cNvPr>
+          <p:cNvSpPr txBox="1"/>
+          <p:nvPr/>
+        </p:nvSpPr>
+        <p:spPr>
+          <a:xfrm>
+            <a:off x="0" y="3429000"/>
+            <a:ext cx="10306373" cy="3139321"/>
+          </a:xfrm>
+          <a:prstGeom prst="rect">
+            <a:avLst/>
+          </a:prstGeom>
+          <a:noFill/>
+        </p:spPr>
+        <p:txBody>
+          <a:bodyPr wrap="square">
+            <a:spAutoFit/>
+          </a:bodyPr>
+          <a:lstStyle/>
+          <a:p>
+            <a:r>
+              <a:rPr lang="en-US" dirty="0">
+                <a:latin typeface="Arial" panose="020B0604020202020204" pitchFamily="34" charset="0"/>
+                <a:cs typeface="Arial" panose="020B0604020202020204" pitchFamily="34" charset="0"/>
+              </a:rPr>
+              <a:t>View contents of </a:t>
+            </a:r>
+            <a:r>
+              <a:rPr lang="en-US" dirty="0" err="1">
+                <a:latin typeface="Arial" panose="020B0604020202020204" pitchFamily="34" charset="0"/>
+                <a:cs typeface="Arial" panose="020B0604020202020204" pitchFamily="34" charset="0"/>
+              </a:rPr>
+              <a:t>geekfile.txt</a:t>
+            </a:r>
+            <a:endParaRPr lang="en-US" dirty="0">
               <a:latin typeface="Arial" panose="020B0604020202020204" pitchFamily="34" charset="0"/>
               <a:cs typeface="Arial" panose="020B0604020202020204" pitchFamily="34" charset="0"/>
             </a:endParaRPr>
           </a:p>
           <a:p>
             <a:r>
-              <a:rPr lang="en-GB" dirty="0">
+              <a:rPr lang="en-US" dirty="0">
                 <a:latin typeface="Courier New" panose="02070309020205020404" pitchFamily="49" charset="0"/>
                 <a:cs typeface="Courier New" panose="02070309020205020404" pitchFamily="49" charset="0"/>
               </a:rPr>
-              <a:t>awk ‘{print $1}’ </a:t>
-            </a:r>
-            <a:r>
-              <a:rPr lang="en-GB" dirty="0" err="1">
+              <a:t>cat </a:t>
+            </a:r>
+            <a:r>
+              <a:rPr lang="en-US" dirty="0" err="1">
                 <a:latin typeface="Courier New" panose="02070309020205020404" pitchFamily="49" charset="0"/>
                 <a:cs typeface="Courier New" panose="02070309020205020404" pitchFamily="49" charset="0"/>
               </a:rPr>
-              <a:t>gene_exp.txt</a:t>
-            </a:r>
-            <a:endParaRPr lang="en-GB" dirty="0">
+              <a:t>geekfile.txt</a:t>
+            </a:r>
+            <a:endParaRPr lang="en-US" dirty="0">
               <a:latin typeface="Courier New" panose="02070309020205020404" pitchFamily="49" charset="0"/>
               <a:cs typeface="Courier New" panose="02070309020205020404" pitchFamily="49" charset="0"/>
             </a:endParaRPr>
           </a:p>
           <a:p>
-            <a:endParaRPr lang="en-GB" dirty="0">
+            <a:endParaRPr lang="en-US" dirty="0">
+              <a:latin typeface="Arial" panose="020B0604020202020204" pitchFamily="34" charset="0"/>
+              <a:cs typeface="Arial" panose="020B0604020202020204" pitchFamily="34" charset="0"/>
+            </a:endParaRPr>
+          </a:p>
+          <a:p>
+            <a:r>
+              <a:rPr lang="en-US" dirty="0">
+                <a:latin typeface="Arial" panose="020B0604020202020204" pitchFamily="34" charset="0"/>
+                <a:cs typeface="Arial" panose="020B0604020202020204" pitchFamily="34" charset="0"/>
+              </a:rPr>
+              <a:t>Count the lines in </a:t>
+            </a:r>
+            <a:r>
+              <a:rPr lang="en-US" dirty="0" err="1">
+                <a:latin typeface="Arial" panose="020B0604020202020204" pitchFamily="34" charset="0"/>
+                <a:cs typeface="Arial" panose="020B0604020202020204" pitchFamily="34" charset="0"/>
+              </a:rPr>
+              <a:t>geekfile.txt</a:t>
+            </a:r>
+            <a:r>
+              <a:rPr lang="en-US" dirty="0">
+                <a:latin typeface="Arial" panose="020B0604020202020204" pitchFamily="34" charset="0"/>
+                <a:cs typeface="Arial" panose="020B0604020202020204" pitchFamily="34" charset="0"/>
+              </a:rPr>
+              <a:t> (-l flag counts lines)</a:t>
+            </a:r>
+          </a:p>
+          <a:p>
+            <a:r>
+              <a:rPr lang="en-US" dirty="0" err="1">
+                <a:latin typeface="Courier New" panose="02070309020205020404" pitchFamily="49" charset="0"/>
+                <a:cs typeface="Courier New" panose="02070309020205020404" pitchFamily="49" charset="0"/>
+              </a:rPr>
+              <a:t>wc</a:t>
+            </a:r>
+            <a:r>
+              <a:rPr lang="en-US" dirty="0">
+                <a:latin typeface="Courier New" panose="02070309020205020404" pitchFamily="49" charset="0"/>
+                <a:cs typeface="Courier New" panose="02070309020205020404" pitchFamily="49" charset="0"/>
+              </a:rPr>
+              <a:t> -l </a:t>
+            </a:r>
+            <a:r>
+              <a:rPr lang="en-US" dirty="0" err="1">
+                <a:latin typeface="Courier New" panose="02070309020205020404" pitchFamily="49" charset="0"/>
+                <a:cs typeface="Courier New" panose="02070309020205020404" pitchFamily="49" charset="0"/>
+              </a:rPr>
+              <a:t>geekfile.txt</a:t>
+            </a:r>
+            <a:endParaRPr lang="en-US" dirty="0">
               <a:latin typeface="Courier New" panose="02070309020205020404" pitchFamily="49" charset="0"/>
               <a:cs typeface="Courier New" panose="02070309020205020404" pitchFamily="49" charset="0"/>
             </a:endParaRPr>
           </a:p>
           <a:p>
-            <a:r>
-              <a:rPr lang="en-GB" dirty="0">
-                <a:latin typeface="Arial" panose="020B0604020202020204" pitchFamily="34" charset="0"/>
-                <a:cs typeface="Arial" panose="020B0604020202020204" pitchFamily="34" charset="0"/>
-              </a:rPr>
-              <a:t>Print the first and second column of the file </a:t>
-            </a:r>
-            <a:r>
-              <a:rPr lang="en-GB" dirty="0" err="1">
-                <a:latin typeface="Arial" panose="020B0604020202020204" pitchFamily="34" charset="0"/>
-                <a:cs typeface="Arial" panose="020B0604020202020204" pitchFamily="34" charset="0"/>
-              </a:rPr>
-              <a:t>gene_exp.txt</a:t>
-            </a:r>
-            <a:endParaRPr lang="en-GB" dirty="0">
+            <a:endParaRPr lang="en-US" dirty="0">
               <a:latin typeface="Arial" panose="020B0604020202020204" pitchFamily="34" charset="0"/>
               <a:cs typeface="Arial" panose="020B0604020202020204" pitchFamily="34" charset="0"/>
             </a:endParaRPr>
           </a:p>
           <a:p>
             <a:r>
-              <a:rPr lang="en-GB" dirty="0">
+              <a:rPr lang="en-US" dirty="0">
+                <a:latin typeface="Arial" panose="020B0604020202020204" pitchFamily="34" charset="0"/>
+                <a:cs typeface="Arial" panose="020B0604020202020204" pitchFamily="34" charset="0"/>
+              </a:rPr>
+              <a:t>Search for the text ”</a:t>
+            </a:r>
+            <a:r>
+              <a:rPr lang="en-US" dirty="0" err="1">
+                <a:latin typeface="Arial" panose="020B0604020202020204" pitchFamily="34" charset="0"/>
+                <a:cs typeface="Arial" panose="020B0604020202020204" pitchFamily="34" charset="0"/>
+              </a:rPr>
+              <a:t>unix</a:t>
+            </a:r>
+            <a:r>
+              <a:rPr lang="en-US" dirty="0">
+                <a:latin typeface="Arial" panose="020B0604020202020204" pitchFamily="34" charset="0"/>
+                <a:cs typeface="Arial" panose="020B0604020202020204" pitchFamily="34" charset="0"/>
+              </a:rPr>
+              <a:t>” in </a:t>
+            </a:r>
+            <a:r>
+              <a:rPr lang="en-US" dirty="0" err="1">
+                <a:latin typeface="Arial" panose="020B0604020202020204" pitchFamily="34" charset="0"/>
+                <a:cs typeface="Arial" panose="020B0604020202020204" pitchFamily="34" charset="0"/>
+              </a:rPr>
+              <a:t>geekfile.txt</a:t>
+            </a:r>
+            <a:endParaRPr lang="en-US" dirty="0">
+              <a:latin typeface="Arial" panose="020B0604020202020204" pitchFamily="34" charset="0"/>
+              <a:cs typeface="Arial" panose="020B0604020202020204" pitchFamily="34" charset="0"/>
+            </a:endParaRPr>
+          </a:p>
+          <a:p>
+            <a:r>
+              <a:rPr lang="en-US" dirty="0">
                 <a:latin typeface="Courier New" panose="02070309020205020404" pitchFamily="49" charset="0"/>
                 <a:cs typeface="Courier New" panose="02070309020205020404" pitchFamily="49" charset="0"/>
               </a:rPr>
-              <a:t>awk ‘{print $1,S2}’ </a:t>
-            </a:r>
-            <a:r>
-              <a:rPr lang="en-GB" dirty="0" err="1">
+              <a:t>grep </a:t>
+            </a:r>
+            <a:r>
+              <a:rPr lang="en-US" dirty="0" err="1">
                 <a:latin typeface="Courier New" panose="02070309020205020404" pitchFamily="49" charset="0"/>
                 <a:cs typeface="Courier New" panose="02070309020205020404" pitchFamily="49" charset="0"/>
               </a:rPr>
-              <a:t>gene_exp.txt</a:t>
-            </a:r>
-            <a:endParaRPr lang="en-GB" dirty="0">
+              <a:t>unix</a:t>
+            </a:r>
+            <a:r>
+              <a:rPr lang="en-US" dirty="0">
+                <a:latin typeface="Courier New" panose="02070309020205020404" pitchFamily="49" charset="0"/>
+                <a:cs typeface="Courier New" panose="02070309020205020404" pitchFamily="49" charset="0"/>
+              </a:rPr>
+              <a:t> </a:t>
+            </a:r>
+            <a:r>
+              <a:rPr lang="en-US" dirty="0" err="1">
+                <a:latin typeface="Courier New" panose="02070309020205020404" pitchFamily="49" charset="0"/>
+                <a:cs typeface="Courier New" panose="02070309020205020404" pitchFamily="49" charset="0"/>
+              </a:rPr>
+              <a:t>geekfile.txt</a:t>
+            </a:r>
+            <a:endParaRPr lang="en-US" dirty="0">
               <a:latin typeface="Courier New" panose="02070309020205020404" pitchFamily="49" charset="0"/>
               <a:cs typeface="Courier New" panose="02070309020205020404" pitchFamily="49" charset="0"/>
             </a:endParaRPr>
           </a:p>
           <a:p>
-            <a:endParaRPr lang="en-GB" dirty="0">
-              <a:latin typeface="Courier New" panose="02070309020205020404" pitchFamily="49" charset="0"/>
-              <a:cs typeface="Courier New" panose="02070309020205020404" pitchFamily="49" charset="0"/>
+            <a:endParaRPr lang="en-US" dirty="0">
+              <a:latin typeface="Arial" panose="020B0604020202020204" pitchFamily="34" charset="0"/>
+              <a:cs typeface="Arial" panose="020B0604020202020204" pitchFamily="34" charset="0"/>
             </a:endParaRPr>
           </a:p>
           <a:p>
             <a:r>
-              <a:rPr lang="en-GB" dirty="0">
-                <a:latin typeface="Arial" panose="020B0604020202020204" pitchFamily="34" charset="0"/>
-                <a:cs typeface="Arial" panose="020B0604020202020204" pitchFamily="34" charset="0"/>
-              </a:rPr>
-              <a:t>Exercise: use awk and grep to get the expression of gene2 for sample 3</a:t>
-            </a:r>
-          </a:p>
-          <a:p>
-            <a:endParaRPr lang="en-GB" dirty="0">
+              <a:rPr lang="en-US" dirty="0">
+                <a:latin typeface="Arial" panose="020B0604020202020204" pitchFamily="34" charset="0"/>
+                <a:cs typeface="Arial" panose="020B0604020202020204" pitchFamily="34" charset="0"/>
+              </a:rPr>
+              <a:t>Search for the text “</a:t>
+            </a:r>
+            <a:r>
+              <a:rPr lang="en-US" dirty="0" err="1">
+                <a:latin typeface="Arial" panose="020B0604020202020204" pitchFamily="34" charset="0"/>
+                <a:cs typeface="Arial" panose="020B0604020202020204" pitchFamily="34" charset="0"/>
+              </a:rPr>
+              <a:t>unix</a:t>
+            </a:r>
+            <a:r>
+              <a:rPr lang="en-US" dirty="0">
+                <a:latin typeface="Arial" panose="020B0604020202020204" pitchFamily="34" charset="0"/>
+                <a:cs typeface="Arial" panose="020B0604020202020204" pitchFamily="34" charset="0"/>
+              </a:rPr>
+              <a:t> is” in </a:t>
+            </a:r>
+            <a:r>
+              <a:rPr lang="en-US" dirty="0" err="1">
+                <a:latin typeface="Arial" panose="020B0604020202020204" pitchFamily="34" charset="0"/>
+                <a:cs typeface="Arial" panose="020B0604020202020204" pitchFamily="34" charset="0"/>
+              </a:rPr>
+              <a:t>geekfile.txt</a:t>
+            </a:r>
+            <a:endParaRPr lang="en-US" dirty="0">
+              <a:latin typeface="Arial" panose="020B0604020202020204" pitchFamily="34" charset="0"/>
+              <a:cs typeface="Arial" panose="020B0604020202020204" pitchFamily="34" charset="0"/>
+            </a:endParaRPr>
+          </a:p>
+          <a:p>
+            <a:r>
+              <a:rPr lang="en-US" dirty="0">
+                <a:latin typeface="Courier New" panose="02070309020205020404" pitchFamily="49" charset="0"/>
+                <a:cs typeface="Courier New" panose="02070309020205020404" pitchFamily="49" charset="0"/>
+              </a:rPr>
+              <a:t>grep “</a:t>
+            </a:r>
+            <a:r>
+              <a:rPr lang="en-US" dirty="0" err="1">
+                <a:latin typeface="Courier New" panose="02070309020205020404" pitchFamily="49" charset="0"/>
+                <a:cs typeface="Courier New" panose="02070309020205020404" pitchFamily="49" charset="0"/>
+              </a:rPr>
+              <a:t>unix</a:t>
+            </a:r>
+            <a:r>
+              <a:rPr lang="en-US" dirty="0">
+                <a:latin typeface="Courier New" panose="02070309020205020404" pitchFamily="49" charset="0"/>
+                <a:cs typeface="Courier New" panose="02070309020205020404" pitchFamily="49" charset="0"/>
+              </a:rPr>
+              <a:t> is” </a:t>
+            </a:r>
+            <a:r>
+              <a:rPr lang="en-US" dirty="0" err="1">
+                <a:latin typeface="Courier New" panose="02070309020205020404" pitchFamily="49" charset="0"/>
+                <a:cs typeface="Courier New" panose="02070309020205020404" pitchFamily="49" charset="0"/>
+              </a:rPr>
+              <a:t>geekfile.txt</a:t>
+            </a:r>
+            <a:endParaRPr lang="en-US" dirty="0">
               <a:latin typeface="Courier New" panose="02070309020205020404" pitchFamily="49" charset="0"/>
               <a:cs typeface="Courier New" panose="02070309020205020404" pitchFamily="49" charset="0"/>
             </a:endParaRPr>
@@ -13166,7 +12738,7 @@
     </p:spTree>
     <p:extLst>
       <p:ext uri="{BB962C8B-B14F-4D97-AF65-F5344CB8AC3E}">
-        <p14:creationId xmlns:p14="http://schemas.microsoft.com/office/powerpoint/2010/main" val="3300844367"/>
+        <p14:creationId xmlns:p14="http://schemas.microsoft.com/office/powerpoint/2010/main" val="1014116364"/>
       </p:ext>
     </p:extLst>
   </p:cSld>
@@ -13207,7 +12779,7 @@
         </p:nvSpPr>
         <p:spPr>
           <a:xfrm>
-            <a:off x="0" y="2844225"/>
+            <a:off x="0" y="441"/>
             <a:ext cx="12192000" cy="584775"/>
           </a:xfrm>
           <a:prstGeom prst="rect">
@@ -13227,15 +12799,604 @@
                 <a:latin typeface="Arial" panose="020B0604020202020204" pitchFamily="34" charset="0"/>
                 <a:cs typeface="Arial" panose="020B0604020202020204" pitchFamily="34" charset="0"/>
               </a:rPr>
-              <a:t>Break</a:t>
-            </a:r>
+              <a:t>More advanced commands and using pipe</a:t>
+            </a:r>
+          </a:p>
+        </p:txBody>
+      </p:sp>
+      <p:sp>
+        <p:nvSpPr>
+          <p:cNvPr id="3" name="TextBox 2">
+            <a:extLst>
+              <a:ext uri="{FF2B5EF4-FFF2-40B4-BE49-F238E27FC236}">
+                <a16:creationId xmlns:a16="http://schemas.microsoft.com/office/drawing/2014/main" id="{FC672A2F-9DF5-1F29-F85F-5E8D148C0B95}"/>
+              </a:ext>
+            </a:extLst>
+          </p:cNvPr>
+          <p:cNvSpPr txBox="1"/>
+          <p:nvPr/>
+        </p:nvSpPr>
+        <p:spPr>
+          <a:xfrm>
+            <a:off x="0" y="889843"/>
+            <a:ext cx="12192000" cy="6463308"/>
+          </a:xfrm>
+          <a:prstGeom prst="rect">
+            <a:avLst/>
+          </a:prstGeom>
+          <a:noFill/>
+        </p:spPr>
+        <p:txBody>
+          <a:bodyPr wrap="square">
+            <a:spAutoFit/>
+          </a:bodyPr>
+          <a:lstStyle/>
+          <a:p>
+            <a:r>
+              <a:rPr lang="en-US" dirty="0">
+                <a:latin typeface="Arial" panose="020B0604020202020204" pitchFamily="34" charset="0"/>
+                <a:cs typeface="Arial" panose="020B0604020202020204" pitchFamily="34" charset="0"/>
+              </a:rPr>
+              <a:t>Count the number of lines that have the word </a:t>
+            </a:r>
+            <a:r>
+              <a:rPr lang="en-US" dirty="0" err="1">
+                <a:latin typeface="Arial" panose="020B0604020202020204" pitchFamily="34" charset="0"/>
+                <a:cs typeface="Arial" panose="020B0604020202020204" pitchFamily="34" charset="0"/>
+              </a:rPr>
+              <a:t>unix</a:t>
+            </a:r>
+            <a:r>
+              <a:rPr lang="en-US" dirty="0">
+                <a:latin typeface="Arial" panose="020B0604020202020204" pitchFamily="34" charset="0"/>
+                <a:cs typeface="Arial" panose="020B0604020202020204" pitchFamily="34" charset="0"/>
+              </a:rPr>
+              <a:t> in it:</a:t>
+            </a:r>
+          </a:p>
+          <a:p>
+            <a:r>
+              <a:rPr lang="en-GB" dirty="0">
+                <a:latin typeface="Courier New" panose="02070309020205020404" pitchFamily="49" charset="0"/>
+                <a:cs typeface="Courier New" panose="02070309020205020404" pitchFamily="49" charset="0"/>
+              </a:rPr>
+              <a:t>grep ”</a:t>
+            </a:r>
+            <a:r>
+              <a:rPr lang="en-GB" dirty="0" err="1">
+                <a:latin typeface="Courier New" panose="02070309020205020404" pitchFamily="49" charset="0"/>
+                <a:cs typeface="Courier New" panose="02070309020205020404" pitchFamily="49" charset="0"/>
+              </a:rPr>
+              <a:t>unix</a:t>
+            </a:r>
+            <a:r>
+              <a:rPr lang="en-GB" dirty="0">
+                <a:latin typeface="Courier New" panose="02070309020205020404" pitchFamily="49" charset="0"/>
+                <a:cs typeface="Courier New" panose="02070309020205020404" pitchFamily="49" charset="0"/>
+              </a:rPr>
+              <a:t>” </a:t>
+            </a:r>
+            <a:r>
+              <a:rPr lang="en-GB" dirty="0" err="1">
+                <a:latin typeface="Courier New" panose="02070309020205020404" pitchFamily="49" charset="0"/>
+                <a:cs typeface="Courier New" panose="02070309020205020404" pitchFamily="49" charset="0"/>
+              </a:rPr>
+              <a:t>geekfile.txt</a:t>
+            </a:r>
+            <a:r>
+              <a:rPr lang="en-GB" dirty="0">
+                <a:latin typeface="Courier New" panose="02070309020205020404" pitchFamily="49" charset="0"/>
+                <a:cs typeface="Courier New" panose="02070309020205020404" pitchFamily="49" charset="0"/>
+              </a:rPr>
+              <a:t> | </a:t>
+            </a:r>
+            <a:r>
+              <a:rPr lang="en-GB" dirty="0" err="1">
+                <a:latin typeface="Courier New" panose="02070309020205020404" pitchFamily="49" charset="0"/>
+                <a:cs typeface="Courier New" panose="02070309020205020404" pitchFamily="49" charset="0"/>
+              </a:rPr>
+              <a:t>wc</a:t>
+            </a:r>
+            <a:r>
+              <a:rPr lang="en-GB" dirty="0">
+                <a:latin typeface="Courier New" panose="02070309020205020404" pitchFamily="49" charset="0"/>
+                <a:cs typeface="Courier New" panose="02070309020205020404" pitchFamily="49" charset="0"/>
+              </a:rPr>
+              <a:t> –l</a:t>
+            </a:r>
+          </a:p>
+          <a:p>
+            <a:endParaRPr lang="en-GB" dirty="0">
+              <a:latin typeface="Courier New" panose="02070309020205020404" pitchFamily="49" charset="0"/>
+              <a:cs typeface="Courier New" panose="02070309020205020404" pitchFamily="49" charset="0"/>
+            </a:endParaRPr>
+          </a:p>
+          <a:p>
+            <a:r>
+              <a:rPr lang="en-GB" dirty="0">
+                <a:latin typeface="Arial" panose="020B0604020202020204" pitchFamily="34" charset="0"/>
+                <a:cs typeface="Arial" panose="020B0604020202020204" pitchFamily="34" charset="0"/>
+              </a:rPr>
+              <a:t>There are however five occurrences of the word </a:t>
+            </a:r>
+            <a:r>
+              <a:rPr lang="en-GB" dirty="0" err="1">
+                <a:latin typeface="Arial" panose="020B0604020202020204" pitchFamily="34" charset="0"/>
+                <a:cs typeface="Arial" panose="020B0604020202020204" pitchFamily="34" charset="0"/>
+              </a:rPr>
+              <a:t>unix</a:t>
+            </a:r>
+            <a:r>
+              <a:rPr lang="en-GB" dirty="0">
+                <a:latin typeface="Arial" panose="020B0604020202020204" pitchFamily="34" charset="0"/>
+                <a:cs typeface="Arial" panose="020B0604020202020204" pitchFamily="34" charset="0"/>
+              </a:rPr>
+              <a:t>. To count the number of occurrences run the following command</a:t>
+            </a:r>
+          </a:p>
+          <a:p>
+            <a:r>
+              <a:rPr lang="en-GB" dirty="0">
+                <a:latin typeface="Courier New" panose="02070309020205020404" pitchFamily="49" charset="0"/>
+                <a:cs typeface="Courier New" panose="02070309020205020404" pitchFamily="49" charset="0"/>
+              </a:rPr>
+              <a:t>grep –o ”</a:t>
+            </a:r>
+            <a:r>
+              <a:rPr lang="en-GB" dirty="0" err="1">
+                <a:latin typeface="Courier New" panose="02070309020205020404" pitchFamily="49" charset="0"/>
+                <a:cs typeface="Courier New" panose="02070309020205020404" pitchFamily="49" charset="0"/>
+              </a:rPr>
+              <a:t>unix</a:t>
+            </a:r>
+            <a:r>
+              <a:rPr lang="en-GB" dirty="0">
+                <a:latin typeface="Courier New" panose="02070309020205020404" pitchFamily="49" charset="0"/>
+                <a:cs typeface="Courier New" panose="02070309020205020404" pitchFamily="49" charset="0"/>
+              </a:rPr>
+              <a:t>” </a:t>
+            </a:r>
+            <a:r>
+              <a:rPr lang="en-GB" dirty="0" err="1">
+                <a:latin typeface="Courier New" panose="02070309020205020404" pitchFamily="49" charset="0"/>
+                <a:cs typeface="Courier New" panose="02070309020205020404" pitchFamily="49" charset="0"/>
+              </a:rPr>
+              <a:t>geekfile.txt</a:t>
+            </a:r>
+            <a:r>
+              <a:rPr lang="en-GB" dirty="0">
+                <a:latin typeface="Courier New" panose="02070309020205020404" pitchFamily="49" charset="0"/>
+                <a:cs typeface="Courier New" panose="02070309020205020404" pitchFamily="49" charset="0"/>
+              </a:rPr>
+              <a:t> | </a:t>
+            </a:r>
+            <a:r>
+              <a:rPr lang="en-GB" dirty="0" err="1">
+                <a:latin typeface="Courier New" panose="02070309020205020404" pitchFamily="49" charset="0"/>
+                <a:cs typeface="Courier New" panose="02070309020205020404" pitchFamily="49" charset="0"/>
+              </a:rPr>
+              <a:t>wc</a:t>
+            </a:r>
+            <a:r>
+              <a:rPr lang="en-GB" dirty="0">
+                <a:latin typeface="Courier New" panose="02070309020205020404" pitchFamily="49" charset="0"/>
+                <a:cs typeface="Courier New" panose="02070309020205020404" pitchFamily="49" charset="0"/>
+              </a:rPr>
+              <a:t> –l</a:t>
+            </a:r>
+          </a:p>
+          <a:p>
+            <a:endParaRPr lang="en-GB" dirty="0">
+              <a:latin typeface="Courier New" panose="02070309020205020404" pitchFamily="49" charset="0"/>
+              <a:cs typeface="Courier New" panose="02070309020205020404" pitchFamily="49" charset="0"/>
+            </a:endParaRPr>
+          </a:p>
+          <a:p>
+            <a:r>
+              <a:rPr lang="en-GB" dirty="0">
+                <a:latin typeface="Arial" panose="020B0604020202020204" pitchFamily="34" charset="0"/>
+                <a:cs typeface="Arial" panose="020B0604020202020204" pitchFamily="34" charset="0"/>
+              </a:rPr>
+              <a:t>Tip: deconstruct this command and first run the grep command to see the output and then run it together with the </a:t>
+            </a:r>
+            <a:r>
+              <a:rPr lang="en-GB" dirty="0" err="1">
+                <a:latin typeface="Arial" panose="020B0604020202020204" pitchFamily="34" charset="0"/>
+                <a:cs typeface="Arial" panose="020B0604020202020204" pitchFamily="34" charset="0"/>
+              </a:rPr>
+              <a:t>wc</a:t>
+            </a:r>
+            <a:r>
+              <a:rPr lang="en-GB" dirty="0">
+                <a:latin typeface="Arial" panose="020B0604020202020204" pitchFamily="34" charset="0"/>
+                <a:cs typeface="Arial" panose="020B0604020202020204" pitchFamily="34" charset="0"/>
+              </a:rPr>
+              <a:t> –l</a:t>
+            </a:r>
+          </a:p>
+          <a:p>
+            <a:endParaRPr lang="en-GB" dirty="0">
+              <a:latin typeface="Arial" panose="020B0604020202020204" pitchFamily="34" charset="0"/>
+              <a:cs typeface="Arial" panose="020B0604020202020204" pitchFamily="34" charset="0"/>
+            </a:endParaRPr>
+          </a:p>
+          <a:p>
+            <a:r>
+              <a:rPr lang="en-GB" dirty="0">
+                <a:latin typeface="Arial" panose="020B0604020202020204" pitchFamily="34" charset="0"/>
+                <a:cs typeface="Arial" panose="020B0604020202020204" pitchFamily="34" charset="0"/>
+              </a:rPr>
+              <a:t>Replace </a:t>
+            </a:r>
+            <a:r>
+              <a:rPr lang="en-GB" dirty="0" err="1">
+                <a:latin typeface="Arial" panose="020B0604020202020204" pitchFamily="34" charset="0"/>
+                <a:cs typeface="Arial" panose="020B0604020202020204" pitchFamily="34" charset="0"/>
+              </a:rPr>
+              <a:t>unix</a:t>
+            </a:r>
+            <a:r>
+              <a:rPr lang="en-GB" dirty="0">
+                <a:latin typeface="Arial" panose="020B0604020202020204" pitchFamily="34" charset="0"/>
+                <a:cs typeface="Arial" panose="020B0604020202020204" pitchFamily="34" charset="0"/>
+              </a:rPr>
+              <a:t> with </a:t>
+            </a:r>
+            <a:r>
+              <a:rPr lang="en-GB" dirty="0" err="1">
+                <a:latin typeface="Arial" panose="020B0604020202020204" pitchFamily="34" charset="0"/>
+                <a:cs typeface="Arial" panose="020B0604020202020204" pitchFamily="34" charset="0"/>
+              </a:rPr>
+              <a:t>linux</a:t>
+            </a:r>
+            <a:r>
+              <a:rPr lang="en-GB" dirty="0">
+                <a:latin typeface="Arial" panose="020B0604020202020204" pitchFamily="34" charset="0"/>
+                <a:cs typeface="Arial" panose="020B0604020202020204" pitchFamily="34" charset="0"/>
+              </a:rPr>
+              <a:t> using the command </a:t>
+            </a:r>
+            <a:r>
+              <a:rPr lang="en-GB" dirty="0" err="1">
+                <a:latin typeface="Arial" panose="020B0604020202020204" pitchFamily="34" charset="0"/>
+                <a:cs typeface="Arial" panose="020B0604020202020204" pitchFamily="34" charset="0"/>
+              </a:rPr>
+              <a:t>sed</a:t>
+            </a:r>
+            <a:r>
+              <a:rPr lang="en-GB" dirty="0">
+                <a:latin typeface="Arial" panose="020B0604020202020204" pitchFamily="34" charset="0"/>
+                <a:cs typeface="Arial" panose="020B0604020202020204" pitchFamily="34" charset="0"/>
+              </a:rPr>
+              <a:t> (s specified substitution)</a:t>
+            </a:r>
+          </a:p>
+          <a:p>
+            <a:r>
+              <a:rPr lang="en-GB" dirty="0" err="1">
+                <a:latin typeface="Courier New" panose="02070309020205020404" pitchFamily="49" charset="0"/>
+                <a:cs typeface="Courier New" panose="02070309020205020404" pitchFamily="49" charset="0"/>
+              </a:rPr>
+              <a:t>sed</a:t>
+            </a:r>
+            <a:r>
+              <a:rPr lang="en-GB" dirty="0">
+                <a:latin typeface="Courier New" panose="02070309020205020404" pitchFamily="49" charset="0"/>
+                <a:cs typeface="Courier New" panose="02070309020205020404" pitchFamily="49" charset="0"/>
+              </a:rPr>
+              <a:t> ‘s/</a:t>
+            </a:r>
+            <a:r>
+              <a:rPr lang="en-GB" dirty="0" err="1">
+                <a:latin typeface="Courier New" panose="02070309020205020404" pitchFamily="49" charset="0"/>
+                <a:cs typeface="Courier New" panose="02070309020205020404" pitchFamily="49" charset="0"/>
+              </a:rPr>
+              <a:t>unix</a:t>
+            </a:r>
+            <a:r>
+              <a:rPr lang="en-GB" dirty="0">
+                <a:latin typeface="Courier New" panose="02070309020205020404" pitchFamily="49" charset="0"/>
+                <a:cs typeface="Courier New" panose="02070309020205020404" pitchFamily="49" charset="0"/>
+              </a:rPr>
+              <a:t>/</a:t>
+            </a:r>
+            <a:r>
+              <a:rPr lang="en-GB" dirty="0" err="1">
+                <a:latin typeface="Courier New" panose="02070309020205020404" pitchFamily="49" charset="0"/>
+                <a:cs typeface="Courier New" panose="02070309020205020404" pitchFamily="49" charset="0"/>
+              </a:rPr>
+              <a:t>linux</a:t>
+            </a:r>
+            <a:r>
+              <a:rPr lang="en-GB" dirty="0">
+                <a:latin typeface="Courier New" panose="02070309020205020404" pitchFamily="49" charset="0"/>
+                <a:cs typeface="Courier New" panose="02070309020205020404" pitchFamily="49" charset="0"/>
+              </a:rPr>
+              <a:t>/’ </a:t>
+            </a:r>
+            <a:r>
+              <a:rPr lang="en-GB" dirty="0" err="1">
+                <a:latin typeface="Courier New" panose="02070309020205020404" pitchFamily="49" charset="0"/>
+                <a:cs typeface="Courier New" panose="02070309020205020404" pitchFamily="49" charset="0"/>
+              </a:rPr>
+              <a:t>geekfile.txt</a:t>
+            </a:r>
+            <a:endParaRPr lang="en-GB" dirty="0">
+              <a:latin typeface="Courier New" panose="02070309020205020404" pitchFamily="49" charset="0"/>
+              <a:cs typeface="Courier New" panose="02070309020205020404" pitchFamily="49" charset="0"/>
+            </a:endParaRPr>
+          </a:p>
+          <a:p>
+            <a:endParaRPr lang="en-GB" dirty="0">
+              <a:latin typeface="Courier New" panose="02070309020205020404" pitchFamily="49" charset="0"/>
+              <a:cs typeface="Courier New" panose="02070309020205020404" pitchFamily="49" charset="0"/>
+            </a:endParaRPr>
+          </a:p>
+          <a:p>
+            <a:r>
+              <a:rPr lang="en-GB" dirty="0">
+                <a:latin typeface="Arial" panose="020B0604020202020204" pitchFamily="34" charset="0"/>
+                <a:cs typeface="Arial" panose="020B0604020202020204" pitchFamily="34" charset="0"/>
+              </a:rPr>
+              <a:t>Note the output: it will only replace the first occurrence in each line</a:t>
+            </a:r>
+          </a:p>
+          <a:p>
+            <a:endParaRPr lang="en-GB" dirty="0">
+              <a:latin typeface="Arial" panose="020B0604020202020204" pitchFamily="34" charset="0"/>
+              <a:cs typeface="Arial" panose="020B0604020202020204" pitchFamily="34" charset="0"/>
+            </a:endParaRPr>
+          </a:p>
+          <a:p>
+            <a:r>
+              <a:rPr lang="en-GB" dirty="0">
+                <a:latin typeface="Arial" panose="020B0604020202020204" pitchFamily="34" charset="0"/>
+                <a:cs typeface="Arial" panose="020B0604020202020204" pitchFamily="34" charset="0"/>
+              </a:rPr>
+              <a:t>Save this to a new file:</a:t>
+            </a:r>
+          </a:p>
+          <a:p>
+            <a:r>
+              <a:rPr lang="en-GB" dirty="0" err="1">
+                <a:latin typeface="Courier New" panose="02070309020205020404" pitchFamily="49" charset="0"/>
+                <a:cs typeface="Courier New" panose="02070309020205020404" pitchFamily="49" charset="0"/>
+              </a:rPr>
+              <a:t>sed</a:t>
+            </a:r>
+            <a:r>
+              <a:rPr lang="en-GB" dirty="0">
+                <a:latin typeface="Courier New" panose="02070309020205020404" pitchFamily="49" charset="0"/>
+                <a:cs typeface="Courier New" panose="02070309020205020404" pitchFamily="49" charset="0"/>
+              </a:rPr>
+              <a:t> ‘s/</a:t>
+            </a:r>
+            <a:r>
+              <a:rPr lang="en-GB" dirty="0" err="1">
+                <a:latin typeface="Courier New" panose="02070309020205020404" pitchFamily="49" charset="0"/>
+                <a:cs typeface="Courier New" panose="02070309020205020404" pitchFamily="49" charset="0"/>
+              </a:rPr>
+              <a:t>unix</a:t>
+            </a:r>
+            <a:r>
+              <a:rPr lang="en-GB" dirty="0">
+                <a:latin typeface="Courier New" panose="02070309020205020404" pitchFamily="49" charset="0"/>
+                <a:cs typeface="Courier New" panose="02070309020205020404" pitchFamily="49" charset="0"/>
+              </a:rPr>
+              <a:t>/</a:t>
+            </a:r>
+            <a:r>
+              <a:rPr lang="en-GB" dirty="0" err="1">
+                <a:latin typeface="Courier New" panose="02070309020205020404" pitchFamily="49" charset="0"/>
+                <a:cs typeface="Courier New" panose="02070309020205020404" pitchFamily="49" charset="0"/>
+              </a:rPr>
+              <a:t>linux</a:t>
+            </a:r>
+            <a:r>
+              <a:rPr lang="en-GB" dirty="0">
+                <a:latin typeface="Courier New" panose="02070309020205020404" pitchFamily="49" charset="0"/>
+                <a:cs typeface="Courier New" panose="02070309020205020404" pitchFamily="49" charset="0"/>
+              </a:rPr>
+              <a:t>/’ </a:t>
+            </a:r>
+            <a:r>
+              <a:rPr lang="en-GB" dirty="0" err="1">
+                <a:latin typeface="Courier New" panose="02070309020205020404" pitchFamily="49" charset="0"/>
+                <a:cs typeface="Courier New" panose="02070309020205020404" pitchFamily="49" charset="0"/>
+              </a:rPr>
+              <a:t>geekfile.txt</a:t>
+            </a:r>
+            <a:r>
+              <a:rPr lang="en-GB" dirty="0">
+                <a:latin typeface="Courier New" panose="02070309020205020404" pitchFamily="49" charset="0"/>
+                <a:cs typeface="Courier New" panose="02070309020205020404" pitchFamily="49" charset="0"/>
+              </a:rPr>
+              <a:t> &gt; geekfile2.txt</a:t>
+            </a:r>
+          </a:p>
+          <a:p>
+            <a:endParaRPr lang="en-GB" dirty="0">
+              <a:latin typeface="Arial" panose="020B0604020202020204" pitchFamily="34" charset="0"/>
+              <a:cs typeface="Arial" panose="020B0604020202020204" pitchFamily="34" charset="0"/>
+            </a:endParaRPr>
+          </a:p>
+          <a:p>
+            <a:r>
+              <a:rPr lang="en-GB" dirty="0">
+                <a:latin typeface="Arial" panose="020B0604020202020204" pitchFamily="34" charset="0"/>
+                <a:cs typeface="Arial" panose="020B0604020202020204" pitchFamily="34" charset="0"/>
+              </a:rPr>
+              <a:t>Replace the second occurrence of </a:t>
+            </a:r>
+            <a:r>
+              <a:rPr lang="en-GB" dirty="0" err="1">
+                <a:latin typeface="Arial" panose="020B0604020202020204" pitchFamily="34" charset="0"/>
+                <a:cs typeface="Arial" panose="020B0604020202020204" pitchFamily="34" charset="0"/>
+              </a:rPr>
+              <a:t>unix</a:t>
+            </a:r>
+            <a:r>
+              <a:rPr lang="en-GB" dirty="0">
+                <a:latin typeface="Arial" panose="020B0604020202020204" pitchFamily="34" charset="0"/>
+                <a:cs typeface="Arial" panose="020B0604020202020204" pitchFamily="34" charset="0"/>
+              </a:rPr>
+              <a:t> in each line</a:t>
+            </a:r>
+          </a:p>
+          <a:p>
+            <a:r>
+              <a:rPr lang="en-GB" dirty="0" err="1">
+                <a:latin typeface="Courier New" panose="02070309020205020404" pitchFamily="49" charset="0"/>
+                <a:cs typeface="Courier New" panose="02070309020205020404" pitchFamily="49" charset="0"/>
+              </a:rPr>
+              <a:t>sed</a:t>
+            </a:r>
+            <a:r>
+              <a:rPr lang="en-GB" dirty="0">
+                <a:latin typeface="Courier New" panose="02070309020205020404" pitchFamily="49" charset="0"/>
+                <a:cs typeface="Courier New" panose="02070309020205020404" pitchFamily="49" charset="0"/>
+              </a:rPr>
+              <a:t> ‘s/</a:t>
+            </a:r>
+            <a:r>
+              <a:rPr lang="en-GB" dirty="0" err="1">
+                <a:latin typeface="Courier New" panose="02070309020205020404" pitchFamily="49" charset="0"/>
+                <a:cs typeface="Courier New" panose="02070309020205020404" pitchFamily="49" charset="0"/>
+              </a:rPr>
+              <a:t>unix</a:t>
+            </a:r>
+            <a:r>
+              <a:rPr lang="en-GB" dirty="0">
+                <a:latin typeface="Courier New" panose="02070309020205020404" pitchFamily="49" charset="0"/>
+                <a:cs typeface="Courier New" panose="02070309020205020404" pitchFamily="49" charset="0"/>
+              </a:rPr>
+              <a:t>/</a:t>
+            </a:r>
+            <a:r>
+              <a:rPr lang="en-GB" dirty="0" err="1">
+                <a:latin typeface="Courier New" panose="02070309020205020404" pitchFamily="49" charset="0"/>
+                <a:cs typeface="Courier New" panose="02070309020205020404" pitchFamily="49" charset="0"/>
+              </a:rPr>
+              <a:t>linux</a:t>
+            </a:r>
+            <a:r>
+              <a:rPr lang="en-GB" dirty="0">
+                <a:latin typeface="Courier New" panose="02070309020205020404" pitchFamily="49" charset="0"/>
+                <a:cs typeface="Courier New" panose="02070309020205020404" pitchFamily="49" charset="0"/>
+              </a:rPr>
+              <a:t>/2’ </a:t>
+            </a:r>
+            <a:r>
+              <a:rPr lang="en-GB" dirty="0" err="1">
+                <a:latin typeface="Courier New" panose="02070309020205020404" pitchFamily="49" charset="0"/>
+                <a:cs typeface="Courier New" panose="02070309020205020404" pitchFamily="49" charset="0"/>
+              </a:rPr>
+              <a:t>geekfile.txt</a:t>
+            </a:r>
+            <a:endParaRPr lang="en-GB" dirty="0">
+              <a:latin typeface="Courier New" panose="02070309020205020404" pitchFamily="49" charset="0"/>
+              <a:cs typeface="Courier New" panose="02070309020205020404" pitchFamily="49" charset="0"/>
+            </a:endParaRPr>
+          </a:p>
+          <a:p>
+            <a:endParaRPr lang="en-GB" dirty="0">
+              <a:latin typeface="Courier New" panose="02070309020205020404" pitchFamily="49" charset="0"/>
+              <a:cs typeface="Courier New" panose="02070309020205020404" pitchFamily="49" charset="0"/>
+            </a:endParaRPr>
+          </a:p>
+          <a:p>
+            <a:r>
+              <a:rPr lang="en-GB" dirty="0">
+                <a:latin typeface="Arial" panose="020B0604020202020204" pitchFamily="34" charset="0"/>
+                <a:cs typeface="Arial" panose="020B0604020202020204" pitchFamily="34" charset="0"/>
+              </a:rPr>
+              <a:t>Replace all occurrences of </a:t>
+            </a:r>
+            <a:r>
+              <a:rPr lang="en-GB" dirty="0" err="1">
+                <a:latin typeface="Arial" panose="020B0604020202020204" pitchFamily="34" charset="0"/>
+                <a:cs typeface="Arial" panose="020B0604020202020204" pitchFamily="34" charset="0"/>
+              </a:rPr>
+              <a:t>unix</a:t>
+            </a:r>
+            <a:endParaRPr lang="en-GB" dirty="0">
+              <a:latin typeface="Arial" panose="020B0604020202020204" pitchFamily="34" charset="0"/>
+              <a:cs typeface="Arial" panose="020B0604020202020204" pitchFamily="34" charset="0"/>
+            </a:endParaRPr>
+          </a:p>
+          <a:p>
+            <a:r>
+              <a:rPr lang="en-GB" dirty="0" err="1">
+                <a:latin typeface="Courier New" panose="02070309020205020404" pitchFamily="49" charset="0"/>
+                <a:cs typeface="Courier New" panose="02070309020205020404" pitchFamily="49" charset="0"/>
+              </a:rPr>
+              <a:t>sed</a:t>
+            </a:r>
+            <a:r>
+              <a:rPr lang="en-GB" dirty="0">
+                <a:latin typeface="Courier New" panose="02070309020205020404" pitchFamily="49" charset="0"/>
+                <a:cs typeface="Courier New" panose="02070309020205020404" pitchFamily="49" charset="0"/>
+              </a:rPr>
+              <a:t> ‘s/</a:t>
+            </a:r>
+            <a:r>
+              <a:rPr lang="en-GB" dirty="0" err="1">
+                <a:latin typeface="Courier New" panose="02070309020205020404" pitchFamily="49" charset="0"/>
+                <a:cs typeface="Courier New" panose="02070309020205020404" pitchFamily="49" charset="0"/>
+              </a:rPr>
+              <a:t>unix</a:t>
+            </a:r>
+            <a:r>
+              <a:rPr lang="en-GB" dirty="0">
+                <a:latin typeface="Courier New" panose="02070309020205020404" pitchFamily="49" charset="0"/>
+                <a:cs typeface="Courier New" panose="02070309020205020404" pitchFamily="49" charset="0"/>
+              </a:rPr>
+              <a:t>/</a:t>
+            </a:r>
+            <a:r>
+              <a:rPr lang="en-GB" dirty="0" err="1">
+                <a:latin typeface="Courier New" panose="02070309020205020404" pitchFamily="49" charset="0"/>
+                <a:cs typeface="Courier New" panose="02070309020205020404" pitchFamily="49" charset="0"/>
+              </a:rPr>
+              <a:t>linux</a:t>
+            </a:r>
+            <a:r>
+              <a:rPr lang="en-GB" dirty="0">
+                <a:latin typeface="Courier New" panose="02070309020205020404" pitchFamily="49" charset="0"/>
+                <a:cs typeface="Courier New" panose="02070309020205020404" pitchFamily="49" charset="0"/>
+              </a:rPr>
+              <a:t>/g’ </a:t>
+            </a:r>
+            <a:r>
+              <a:rPr lang="en-GB" dirty="0" err="1">
+                <a:latin typeface="Courier New" panose="02070309020205020404" pitchFamily="49" charset="0"/>
+                <a:cs typeface="Courier New" panose="02070309020205020404" pitchFamily="49" charset="0"/>
+              </a:rPr>
+              <a:t>geekfile.txt</a:t>
+            </a:r>
+            <a:endParaRPr lang="en-GB" dirty="0">
+              <a:latin typeface="Courier New" panose="02070309020205020404" pitchFamily="49" charset="0"/>
+              <a:cs typeface="Courier New" panose="02070309020205020404" pitchFamily="49" charset="0"/>
+            </a:endParaRPr>
+          </a:p>
+          <a:p>
+            <a:endParaRPr lang="en-GB" dirty="0">
+              <a:latin typeface="Courier New" panose="02070309020205020404" pitchFamily="49" charset="0"/>
+              <a:cs typeface="Courier New" panose="02070309020205020404" pitchFamily="49" charset="0"/>
+            </a:endParaRPr>
+          </a:p>
+          <a:p>
+            <a:endParaRPr lang="en-US" dirty="0">
+              <a:latin typeface="Arial" panose="020B0604020202020204" pitchFamily="34" charset="0"/>
+              <a:cs typeface="Arial" panose="020B0604020202020204" pitchFamily="34" charset="0"/>
+            </a:endParaRPr>
           </a:p>
         </p:txBody>
       </p:sp>
     </p:spTree>
     <p:extLst>
       <p:ext uri="{BB962C8B-B14F-4D97-AF65-F5344CB8AC3E}">
-        <p14:creationId xmlns:p14="http://schemas.microsoft.com/office/powerpoint/2010/main" val="3643708538"/>
+        <p14:creationId xmlns:p14="http://schemas.microsoft.com/office/powerpoint/2010/main" val="3735860344"/>
       </p:ext>
     </p:extLst>
   </p:cSld>
@@ -13725,7 +13886,7 @@
                 <a:latin typeface="Arial" panose="020B0604020202020204" pitchFamily="34" charset="0"/>
                 <a:cs typeface="Arial" panose="020B0604020202020204" pitchFamily="34" charset="0"/>
               </a:rPr>
-              <a:t>A short introduction to Bash scripting</a:t>
+              <a:t>More advanced commands and using pipe</a:t>
             </a:r>
           </a:p>
         </p:txBody>
@@ -13745,7 +13906,7 @@
         <p:spPr>
           <a:xfrm>
             <a:off x="0" y="889843"/>
-            <a:ext cx="12192000" cy="5078313"/>
+            <a:ext cx="12192000" cy="4801314"/>
           </a:xfrm>
           <a:prstGeom prst="rect">
             <a:avLst/>
@@ -13763,16 +13924,7 @@
                 <a:latin typeface="Arial" panose="020B0604020202020204" pitchFamily="34" charset="0"/>
                 <a:cs typeface="Arial" panose="020B0604020202020204" pitchFamily="34" charset="0"/>
               </a:rPr>
-              <a:t>All the commands use up to now is called Bash commands.</a:t>
-            </a:r>
-          </a:p>
-          <a:p>
-            <a:r>
-              <a:rPr lang="en-US" dirty="0">
-                <a:latin typeface="Arial" panose="020B0604020202020204" pitchFamily="34" charset="0"/>
-                <a:cs typeface="Arial" panose="020B0604020202020204" pitchFamily="34" charset="0"/>
-              </a:rPr>
-              <a:t>Bash is a Unix shell and command language that is used as the default login shell for most Linux distros</a:t>
+              <a:t>Like grep and sed, the awk command searches for patterns in a file line by line and performs some operations on each line. Specifically useful to split a document into columns.</a:t>
             </a:r>
           </a:p>
           <a:p>
@@ -13787,130 +13939,168 @@
                 <a:latin typeface="Arial" panose="020B0604020202020204" pitchFamily="34" charset="0"/>
                 <a:cs typeface="Arial" panose="020B0604020202020204" pitchFamily="34" charset="0"/>
               </a:rPr>
-              <a:t>All the commands used (and MUCH MUCH more) can be used in Bash scripts like a programming language</a:t>
-            </a:r>
-          </a:p>
-          <a:p>
-            <a:endParaRPr lang="en-US" dirty="0">
+              <a:t>Create a file called </a:t>
+            </a:r>
+            <a:r>
+              <a:rPr lang="en-US" dirty="0" err="1">
+                <a:latin typeface="Arial" panose="020B0604020202020204" pitchFamily="34" charset="0"/>
+                <a:cs typeface="Arial" panose="020B0604020202020204" pitchFamily="34" charset="0"/>
+              </a:rPr>
+              <a:t>gene_exp.txt</a:t>
+            </a:r>
+            <a:r>
+              <a:rPr lang="en-US" dirty="0">
+                <a:latin typeface="Arial" panose="020B0604020202020204" pitchFamily="34" charset="0"/>
+                <a:cs typeface="Arial" panose="020B0604020202020204" pitchFamily="34" charset="0"/>
+              </a:rPr>
+              <a:t> with the following text</a:t>
+            </a:r>
+          </a:p>
+          <a:p>
+            <a:r>
+              <a:rPr lang="en-GB" dirty="0">
+                <a:latin typeface="Courier New" panose="02070309020205020404" pitchFamily="49" charset="0"/>
+                <a:cs typeface="Courier New" panose="02070309020205020404" pitchFamily="49" charset="0"/>
+              </a:rPr>
+              <a:t>gene sample1 sample2 sample3</a:t>
+            </a:r>
+          </a:p>
+          <a:p>
+            <a:r>
+              <a:rPr lang="en-GB" dirty="0">
+                <a:latin typeface="Courier New" panose="02070309020205020404" pitchFamily="49" charset="0"/>
+                <a:cs typeface="Courier New" panose="02070309020205020404" pitchFamily="49" charset="0"/>
+              </a:rPr>
+              <a:t>gene1 4 5 1</a:t>
+            </a:r>
+          </a:p>
+          <a:p>
+            <a:r>
+              <a:rPr lang="en-GB" dirty="0">
+                <a:latin typeface="Courier New" panose="02070309020205020404" pitchFamily="49" charset="0"/>
+                <a:cs typeface="Courier New" panose="02070309020205020404" pitchFamily="49" charset="0"/>
+              </a:rPr>
+              <a:t>gene2 10 70 100</a:t>
+            </a:r>
+          </a:p>
+          <a:p>
+            <a:r>
+              <a:rPr lang="en-GB" dirty="0">
+                <a:latin typeface="Courier New" panose="02070309020205020404" pitchFamily="49" charset="0"/>
+                <a:cs typeface="Courier New" panose="02070309020205020404" pitchFamily="49" charset="0"/>
+              </a:rPr>
+              <a:t>gene3 0 0 5</a:t>
+            </a:r>
+          </a:p>
+          <a:p>
+            <a:endParaRPr lang="en-GB" dirty="0">
+              <a:latin typeface="Courier New" panose="02070309020205020404" pitchFamily="49" charset="0"/>
+              <a:cs typeface="Courier New" panose="02070309020205020404" pitchFamily="49" charset="0"/>
+            </a:endParaRPr>
+          </a:p>
+          <a:p>
+            <a:r>
+              <a:rPr lang="en-GB" dirty="0">
+                <a:latin typeface="Arial" panose="020B0604020202020204" pitchFamily="34" charset="0"/>
+                <a:cs typeface="Arial" panose="020B0604020202020204" pitchFamily="34" charset="0"/>
+              </a:rPr>
+              <a:t>Print the first column of the file </a:t>
+            </a:r>
+            <a:r>
+              <a:rPr lang="en-GB" dirty="0" err="1">
+                <a:latin typeface="Arial" panose="020B0604020202020204" pitchFamily="34" charset="0"/>
+                <a:cs typeface="Arial" panose="020B0604020202020204" pitchFamily="34" charset="0"/>
+              </a:rPr>
+              <a:t>gene_exp.txt</a:t>
+            </a:r>
+            <a:endParaRPr lang="en-GB" dirty="0">
               <a:latin typeface="Arial" panose="020B0604020202020204" pitchFamily="34" charset="0"/>
               <a:cs typeface="Arial" panose="020B0604020202020204" pitchFamily="34" charset="0"/>
             </a:endParaRPr>
           </a:p>
           <a:p>
             <a:r>
-              <a:rPr lang="en-US" dirty="0">
-                <a:latin typeface="Arial" panose="020B0604020202020204" pitchFamily="34" charset="0"/>
-                <a:cs typeface="Arial" panose="020B0604020202020204" pitchFamily="34" charset="0"/>
-              </a:rPr>
-              <a:t>We are only going to do one or two simple things to illustrate it.</a:t>
-            </a:r>
-          </a:p>
-          <a:p>
-            <a:endParaRPr lang="en-US" dirty="0">
+              <a:rPr lang="en-GB" dirty="0">
+                <a:latin typeface="Courier New" panose="02070309020205020404" pitchFamily="49" charset="0"/>
+                <a:cs typeface="Courier New" panose="02070309020205020404" pitchFamily="49" charset="0"/>
+              </a:rPr>
+              <a:t>awk ‘{print $1}’ </a:t>
+            </a:r>
+            <a:r>
+              <a:rPr lang="en-GB" dirty="0" err="1">
+                <a:latin typeface="Courier New" panose="02070309020205020404" pitchFamily="49" charset="0"/>
+                <a:cs typeface="Courier New" panose="02070309020205020404" pitchFamily="49" charset="0"/>
+              </a:rPr>
+              <a:t>gene_exp.txt</a:t>
+            </a:r>
+            <a:endParaRPr lang="en-GB" dirty="0">
+              <a:latin typeface="Courier New" panose="02070309020205020404" pitchFamily="49" charset="0"/>
+              <a:cs typeface="Courier New" panose="02070309020205020404" pitchFamily="49" charset="0"/>
+            </a:endParaRPr>
+          </a:p>
+          <a:p>
+            <a:endParaRPr lang="en-GB" dirty="0">
+              <a:latin typeface="Courier New" panose="02070309020205020404" pitchFamily="49" charset="0"/>
+              <a:cs typeface="Courier New" panose="02070309020205020404" pitchFamily="49" charset="0"/>
+            </a:endParaRPr>
+          </a:p>
+          <a:p>
+            <a:r>
+              <a:rPr lang="en-GB" dirty="0">
+                <a:latin typeface="Arial" panose="020B0604020202020204" pitchFamily="34" charset="0"/>
+                <a:cs typeface="Arial" panose="020B0604020202020204" pitchFamily="34" charset="0"/>
+              </a:rPr>
+              <a:t>Print the first and second column of the file </a:t>
+            </a:r>
+            <a:r>
+              <a:rPr lang="en-GB" dirty="0" err="1">
+                <a:latin typeface="Arial" panose="020B0604020202020204" pitchFamily="34" charset="0"/>
+                <a:cs typeface="Arial" panose="020B0604020202020204" pitchFamily="34" charset="0"/>
+              </a:rPr>
+              <a:t>gene_exp.txt</a:t>
+            </a:r>
+            <a:endParaRPr lang="en-GB" dirty="0">
               <a:latin typeface="Arial" panose="020B0604020202020204" pitchFamily="34" charset="0"/>
               <a:cs typeface="Arial" panose="020B0604020202020204" pitchFamily="34" charset="0"/>
             </a:endParaRPr>
           </a:p>
           <a:p>
             <a:r>
-              <a:rPr lang="en-US" dirty="0">
-                <a:latin typeface="Arial" panose="020B0604020202020204" pitchFamily="34" charset="0"/>
-                <a:cs typeface="Arial" panose="020B0604020202020204" pitchFamily="34" charset="0"/>
-              </a:rPr>
-              <a:t>Create a file called </a:t>
-            </a:r>
-            <a:r>
-              <a:rPr lang="en-US" dirty="0" err="1">
-                <a:latin typeface="Arial" panose="020B0604020202020204" pitchFamily="34" charset="0"/>
-                <a:cs typeface="Arial" panose="020B0604020202020204" pitchFamily="34" charset="0"/>
-              </a:rPr>
-              <a:t>test_bash.sh</a:t>
-            </a:r>
-            <a:r>
-              <a:rPr lang="en-US" dirty="0">
-                <a:latin typeface="Arial" panose="020B0604020202020204" pitchFamily="34" charset="0"/>
-                <a:cs typeface="Arial" panose="020B0604020202020204" pitchFamily="34" charset="0"/>
-              </a:rPr>
-              <a:t> and open it in an editor (nano)</a:t>
-            </a:r>
-          </a:p>
-          <a:p>
-            <a:endParaRPr lang="en-US" dirty="0">
-              <a:latin typeface="Arial" panose="020B0604020202020204" pitchFamily="34" charset="0"/>
-              <a:cs typeface="Arial" panose="020B0604020202020204" pitchFamily="34" charset="0"/>
-            </a:endParaRPr>
-          </a:p>
-          <a:p>
-            <a:r>
-              <a:rPr lang="en-US" dirty="0">
-                <a:latin typeface="Arial" panose="020B0604020202020204" pitchFamily="34" charset="0"/>
-                <a:cs typeface="Arial" panose="020B0604020202020204" pitchFamily="34" charset="0"/>
-              </a:rPr>
-              <a:t>Write the following commands in the file:</a:t>
-            </a:r>
-          </a:p>
-          <a:p>
-            <a:r>
-              <a:rPr lang="en-US" dirty="0">
+              <a:rPr lang="en-GB" dirty="0">
                 <a:latin typeface="Courier New" panose="02070309020205020404" pitchFamily="49" charset="0"/>
                 <a:cs typeface="Courier New" panose="02070309020205020404" pitchFamily="49" charset="0"/>
               </a:rPr>
-              <a:t>#!/bin/bash</a:t>
-            </a:r>
-          </a:p>
-          <a:p>
-            <a:r>
-              <a:rPr lang="en-US" dirty="0">
+              <a:t>awk ‘{print $1,$2}’ </a:t>
+            </a:r>
+            <a:r>
+              <a:rPr lang="en-GB" dirty="0" err="1">
                 <a:latin typeface="Courier New" panose="02070309020205020404" pitchFamily="49" charset="0"/>
                 <a:cs typeface="Courier New" panose="02070309020205020404" pitchFamily="49" charset="0"/>
               </a:rPr>
-              <a:t># declare STRING variable</a:t>
-            </a:r>
-          </a:p>
-          <a:p>
-            <a:r>
-              <a:rPr lang="en-US" dirty="0">
-                <a:latin typeface="Courier New" panose="02070309020205020404" pitchFamily="49" charset="0"/>
-                <a:cs typeface="Courier New" panose="02070309020205020404" pitchFamily="49" charset="0"/>
-              </a:rPr>
-              <a:t>STRING="Hello World"</a:t>
-            </a:r>
-          </a:p>
-          <a:p>
-            <a:r>
-              <a:rPr lang="en-US" dirty="0">
-                <a:latin typeface="Courier New" panose="02070309020205020404" pitchFamily="49" charset="0"/>
-                <a:cs typeface="Courier New" panose="02070309020205020404" pitchFamily="49" charset="0"/>
-              </a:rPr>
-              <a:t># print variable on a screen</a:t>
-            </a:r>
-          </a:p>
-          <a:p>
-            <a:r>
-              <a:rPr lang="en-US" dirty="0">
-                <a:latin typeface="Courier New" panose="02070309020205020404" pitchFamily="49" charset="0"/>
-                <a:cs typeface="Courier New" panose="02070309020205020404" pitchFamily="49" charset="0"/>
-              </a:rPr>
-              <a:t>echo $STRING</a:t>
-            </a:r>
-          </a:p>
-          <a:p>
-            <a:endParaRPr lang="en-US" dirty="0">
+              <a:t>gene_exp.txt</a:t>
+            </a:r>
+            <a:endParaRPr lang="en-GB" dirty="0">
               <a:latin typeface="Courier New" panose="02070309020205020404" pitchFamily="49" charset="0"/>
               <a:cs typeface="Courier New" panose="02070309020205020404" pitchFamily="49" charset="0"/>
             </a:endParaRPr>
           </a:p>
           <a:p>
-            <a:r>
-              <a:rPr lang="en-US" dirty="0">
-                <a:latin typeface="Arial" panose="020B0604020202020204" pitchFamily="34" charset="0"/>
-                <a:cs typeface="Arial" panose="020B0604020202020204" pitchFamily="34" charset="0"/>
-              </a:rPr>
-              <a:t>The same two commands can instead be run in the command line itself</a:t>
-            </a:r>
-          </a:p>
-          <a:p>
-            <a:endParaRPr lang="en-US" dirty="0">
+            <a:endParaRPr lang="en-GB" dirty="0">
+              <a:latin typeface="Courier New" panose="02070309020205020404" pitchFamily="49" charset="0"/>
+              <a:cs typeface="Courier New" panose="02070309020205020404" pitchFamily="49" charset="0"/>
+            </a:endParaRPr>
+          </a:p>
+          <a:p>
+            <a:r>
+              <a:rPr lang="en-GB" dirty="0">
+                <a:latin typeface="Arial" panose="020B0604020202020204" pitchFamily="34" charset="0"/>
+                <a:cs typeface="Arial" panose="020B0604020202020204" pitchFamily="34" charset="0"/>
+              </a:rPr>
+              <a:t>Exercise: use awk and grep to get the expression of gene2 for sample 3</a:t>
+            </a:r>
+          </a:p>
+          <a:p>
+            <a:endParaRPr lang="en-GB" dirty="0">
               <a:latin typeface="Courier New" panose="02070309020205020404" pitchFamily="49" charset="0"/>
               <a:cs typeface="Courier New" panose="02070309020205020404" pitchFamily="49" charset="0"/>
             </a:endParaRPr>
@@ -13920,7 +14110,7 @@
     </p:spTree>
     <p:extLst>
       <p:ext uri="{BB962C8B-B14F-4D97-AF65-F5344CB8AC3E}">
-        <p14:creationId xmlns:p14="http://schemas.microsoft.com/office/powerpoint/2010/main" val="549666251"/>
+        <p14:creationId xmlns:p14="http://schemas.microsoft.com/office/powerpoint/2010/main" val="3300844367"/>
       </p:ext>
     </p:extLst>
   </p:cSld>
@@ -13961,6 +14151,366 @@
         </p:nvSpPr>
         <p:spPr>
           <a:xfrm>
+            <a:off x="0" y="2844225"/>
+            <a:ext cx="12192000" cy="584775"/>
+          </a:xfrm>
+          <a:prstGeom prst="rect">
+            <a:avLst/>
+          </a:prstGeom>
+          <a:noFill/>
+        </p:spPr>
+        <p:txBody>
+          <a:bodyPr wrap="square" rtlCol="0">
+            <a:spAutoFit/>
+          </a:bodyPr>
+          <a:lstStyle/>
+          <a:p>
+            <a:pPr algn="ctr"/>
+            <a:r>
+              <a:rPr lang="en-US" sz="3200" u="sng" dirty="0">
+                <a:latin typeface="Arial" panose="020B0604020202020204" pitchFamily="34" charset="0"/>
+                <a:cs typeface="Arial" panose="020B0604020202020204" pitchFamily="34" charset="0"/>
+              </a:rPr>
+              <a:t>Break</a:t>
+            </a:r>
+          </a:p>
+        </p:txBody>
+      </p:sp>
+    </p:spTree>
+    <p:extLst>
+      <p:ext uri="{BB962C8B-B14F-4D97-AF65-F5344CB8AC3E}">
+        <p14:creationId xmlns:p14="http://schemas.microsoft.com/office/powerpoint/2010/main" val="3643708538"/>
+      </p:ext>
+    </p:extLst>
+  </p:cSld>
+  <p:clrMapOvr>
+    <a:masterClrMapping/>
+  </p:clrMapOvr>
+</p:sld>
+</file>
+
+<file path=ppt/slides/slide42.xml><?xml version="1.0" encoding="utf-8"?>
+<p:sld xmlns:a="http://schemas.openxmlformats.org/drawingml/2006/main" xmlns:r="http://schemas.openxmlformats.org/officeDocument/2006/relationships" xmlns:p="http://schemas.openxmlformats.org/presentationml/2006/main">
+  <p:cSld>
+    <p:spTree>
+      <p:nvGrpSpPr>
+        <p:cNvPr id="1" name=""/>
+        <p:cNvGrpSpPr/>
+        <p:nvPr/>
+      </p:nvGrpSpPr>
+      <p:grpSpPr>
+        <a:xfrm>
+          <a:off x="0" y="0"/>
+          <a:ext cx="0" cy="0"/>
+          <a:chOff x="0" y="0"/>
+          <a:chExt cx="0" cy="0"/>
+        </a:xfrm>
+      </p:grpSpPr>
+      <p:sp>
+        <p:nvSpPr>
+          <p:cNvPr id="2" name="TextBox 1">
+            <a:extLst>
+              <a:ext uri="{FF2B5EF4-FFF2-40B4-BE49-F238E27FC236}">
+                <a16:creationId xmlns:a16="http://schemas.microsoft.com/office/drawing/2014/main" id="{30DFB4F8-02E9-3172-BBD6-CA79A76EC796}"/>
+              </a:ext>
+            </a:extLst>
+          </p:cNvPr>
+          <p:cNvSpPr txBox="1"/>
+          <p:nvPr/>
+        </p:nvSpPr>
+        <p:spPr>
+          <a:xfrm>
+            <a:off x="0" y="441"/>
+            <a:ext cx="12192000" cy="584775"/>
+          </a:xfrm>
+          <a:prstGeom prst="rect">
+            <a:avLst/>
+          </a:prstGeom>
+          <a:noFill/>
+        </p:spPr>
+        <p:txBody>
+          <a:bodyPr wrap="square" rtlCol="0">
+            <a:spAutoFit/>
+          </a:bodyPr>
+          <a:lstStyle/>
+          <a:p>
+            <a:pPr algn="ctr"/>
+            <a:r>
+              <a:rPr lang="en-US" sz="3200" u="sng" dirty="0">
+                <a:latin typeface="Arial" panose="020B0604020202020204" pitchFamily="34" charset="0"/>
+                <a:cs typeface="Arial" panose="020B0604020202020204" pitchFamily="34" charset="0"/>
+              </a:rPr>
+              <a:t>A short introduction to Bash scripting</a:t>
+            </a:r>
+          </a:p>
+        </p:txBody>
+      </p:sp>
+      <p:sp>
+        <p:nvSpPr>
+          <p:cNvPr id="3" name="TextBox 2">
+            <a:extLst>
+              <a:ext uri="{FF2B5EF4-FFF2-40B4-BE49-F238E27FC236}">
+                <a16:creationId xmlns:a16="http://schemas.microsoft.com/office/drawing/2014/main" id="{FC672A2F-9DF5-1F29-F85F-5E8D148C0B95}"/>
+              </a:ext>
+            </a:extLst>
+          </p:cNvPr>
+          <p:cNvSpPr txBox="1"/>
+          <p:nvPr/>
+        </p:nvSpPr>
+        <p:spPr>
+          <a:xfrm>
+            <a:off x="0" y="889843"/>
+            <a:ext cx="12192000" cy="5909310"/>
+          </a:xfrm>
+          <a:prstGeom prst="rect">
+            <a:avLst/>
+          </a:prstGeom>
+          <a:noFill/>
+        </p:spPr>
+        <p:txBody>
+          <a:bodyPr wrap="square">
+            <a:spAutoFit/>
+          </a:bodyPr>
+          <a:lstStyle/>
+          <a:p>
+            <a:r>
+              <a:rPr lang="en-US" dirty="0">
+                <a:latin typeface="Arial" panose="020B0604020202020204" pitchFamily="34" charset="0"/>
+                <a:cs typeface="Arial" panose="020B0604020202020204" pitchFamily="34" charset="0"/>
+              </a:rPr>
+              <a:t>All the commands use up to now is called Bash commands.</a:t>
+            </a:r>
+          </a:p>
+          <a:p>
+            <a:r>
+              <a:rPr lang="en-US" dirty="0">
+                <a:latin typeface="Arial" panose="020B0604020202020204" pitchFamily="34" charset="0"/>
+                <a:cs typeface="Arial" panose="020B0604020202020204" pitchFamily="34" charset="0"/>
+              </a:rPr>
+              <a:t>Bash is a Unix shell and command language that is used as the default login shell for most Linux distros</a:t>
+            </a:r>
+          </a:p>
+          <a:p>
+            <a:endParaRPr lang="en-US" dirty="0">
+              <a:latin typeface="Arial" panose="020B0604020202020204" pitchFamily="34" charset="0"/>
+              <a:cs typeface="Arial" panose="020B0604020202020204" pitchFamily="34" charset="0"/>
+            </a:endParaRPr>
+          </a:p>
+          <a:p>
+            <a:r>
+              <a:rPr lang="en-US" dirty="0">
+                <a:latin typeface="Arial" panose="020B0604020202020204" pitchFamily="34" charset="0"/>
+                <a:cs typeface="Arial" panose="020B0604020202020204" pitchFamily="34" charset="0"/>
+              </a:rPr>
+              <a:t>All the commands used (and MUCH MUCH more) can be used in Bash scripts like a programming language</a:t>
+            </a:r>
+          </a:p>
+          <a:p>
+            <a:endParaRPr lang="en-US" dirty="0">
+              <a:latin typeface="Arial" panose="020B0604020202020204" pitchFamily="34" charset="0"/>
+              <a:cs typeface="Arial" panose="020B0604020202020204" pitchFamily="34" charset="0"/>
+            </a:endParaRPr>
+          </a:p>
+          <a:p>
+            <a:r>
+              <a:rPr lang="en-US" dirty="0">
+                <a:latin typeface="Arial" panose="020B0604020202020204" pitchFamily="34" charset="0"/>
+                <a:cs typeface="Arial" panose="020B0604020202020204" pitchFamily="34" charset="0"/>
+              </a:rPr>
+              <a:t>We are only going to do one or two simple things to illustrate it.</a:t>
+            </a:r>
+          </a:p>
+          <a:p>
+            <a:endParaRPr lang="en-US" dirty="0">
+              <a:latin typeface="Arial" panose="020B0604020202020204" pitchFamily="34" charset="0"/>
+              <a:cs typeface="Arial" panose="020B0604020202020204" pitchFamily="34" charset="0"/>
+            </a:endParaRPr>
+          </a:p>
+          <a:p>
+            <a:r>
+              <a:rPr lang="en-US" dirty="0">
+                <a:latin typeface="Arial" panose="020B0604020202020204" pitchFamily="34" charset="0"/>
+                <a:cs typeface="Arial" panose="020B0604020202020204" pitchFamily="34" charset="0"/>
+              </a:rPr>
+              <a:t>Create a file called </a:t>
+            </a:r>
+            <a:r>
+              <a:rPr lang="en-US" dirty="0" err="1">
+                <a:latin typeface="Arial" panose="020B0604020202020204" pitchFamily="34" charset="0"/>
+                <a:cs typeface="Arial" panose="020B0604020202020204" pitchFamily="34" charset="0"/>
+              </a:rPr>
+              <a:t>test_bash.sh</a:t>
+            </a:r>
+            <a:r>
+              <a:rPr lang="en-US" dirty="0">
+                <a:latin typeface="Arial" panose="020B0604020202020204" pitchFamily="34" charset="0"/>
+                <a:cs typeface="Arial" panose="020B0604020202020204" pitchFamily="34" charset="0"/>
+              </a:rPr>
+              <a:t> and open it in an editor (nano)</a:t>
+            </a:r>
+          </a:p>
+          <a:p>
+            <a:endParaRPr lang="en-US" dirty="0">
+              <a:latin typeface="Arial" panose="020B0604020202020204" pitchFamily="34" charset="0"/>
+              <a:cs typeface="Arial" panose="020B0604020202020204" pitchFamily="34" charset="0"/>
+            </a:endParaRPr>
+          </a:p>
+          <a:p>
+            <a:r>
+              <a:rPr lang="en-US" dirty="0">
+                <a:latin typeface="Arial" panose="020B0604020202020204" pitchFamily="34" charset="0"/>
+                <a:cs typeface="Arial" panose="020B0604020202020204" pitchFamily="34" charset="0"/>
+              </a:rPr>
+              <a:t>Write the following commands in the file:</a:t>
+            </a:r>
+          </a:p>
+          <a:p>
+            <a:r>
+              <a:rPr lang="en-US" dirty="0">
+                <a:latin typeface="Courier New" panose="02070309020205020404" pitchFamily="49" charset="0"/>
+                <a:cs typeface="Courier New" panose="02070309020205020404" pitchFamily="49" charset="0"/>
+              </a:rPr>
+              <a:t>#!/bin/bash</a:t>
+            </a:r>
+          </a:p>
+          <a:p>
+            <a:r>
+              <a:rPr lang="en-US" dirty="0">
+                <a:latin typeface="Courier New" panose="02070309020205020404" pitchFamily="49" charset="0"/>
+                <a:cs typeface="Courier New" panose="02070309020205020404" pitchFamily="49" charset="0"/>
+              </a:rPr>
+              <a:t># declare STRING variable</a:t>
+            </a:r>
+          </a:p>
+          <a:p>
+            <a:r>
+              <a:rPr lang="en-US" dirty="0">
+                <a:latin typeface="Courier New" panose="02070309020205020404" pitchFamily="49" charset="0"/>
+                <a:cs typeface="Courier New" panose="02070309020205020404" pitchFamily="49" charset="0"/>
+              </a:rPr>
+              <a:t>STRING="Hello World"</a:t>
+            </a:r>
+          </a:p>
+          <a:p>
+            <a:r>
+              <a:rPr lang="en-US" dirty="0">
+                <a:latin typeface="Courier New" panose="02070309020205020404" pitchFamily="49" charset="0"/>
+                <a:cs typeface="Courier New" panose="02070309020205020404" pitchFamily="49" charset="0"/>
+              </a:rPr>
+              <a:t># print variable on a screen</a:t>
+            </a:r>
+          </a:p>
+          <a:p>
+            <a:r>
+              <a:rPr lang="en-US" dirty="0">
+                <a:latin typeface="Courier New" panose="02070309020205020404" pitchFamily="49" charset="0"/>
+                <a:cs typeface="Courier New" panose="02070309020205020404" pitchFamily="49" charset="0"/>
+              </a:rPr>
+              <a:t>echo $STRING</a:t>
+            </a:r>
+          </a:p>
+          <a:p>
+            <a:endParaRPr lang="en-US" dirty="0">
+              <a:latin typeface="Courier New" panose="02070309020205020404" pitchFamily="49" charset="0"/>
+              <a:cs typeface="Courier New" panose="02070309020205020404" pitchFamily="49" charset="0"/>
+            </a:endParaRPr>
+          </a:p>
+          <a:p>
+            <a:r>
+              <a:rPr lang="en-US" dirty="0">
+                <a:latin typeface="Arial" panose="020B0604020202020204" pitchFamily="34" charset="0"/>
+                <a:cs typeface="Arial" panose="020B0604020202020204" pitchFamily="34" charset="0"/>
+              </a:rPr>
+              <a:t>Run this file using</a:t>
+            </a:r>
+          </a:p>
+          <a:p>
+            <a:r>
+              <a:rPr lang="en-US" dirty="0">
+                <a:latin typeface="Courier New" panose="02070309020205020404" pitchFamily="49" charset="0"/>
+                <a:cs typeface="Courier New" panose="02070309020205020404" pitchFamily="49" charset="0"/>
+              </a:rPr>
+              <a:t>bash </a:t>
+            </a:r>
+            <a:r>
+              <a:rPr lang="en-US" dirty="0" err="1">
+                <a:latin typeface="Courier New" panose="02070309020205020404" pitchFamily="49" charset="0"/>
+                <a:cs typeface="Courier New" panose="02070309020205020404" pitchFamily="49" charset="0"/>
+              </a:rPr>
+              <a:t>test_bash.sh</a:t>
+            </a:r>
+            <a:endParaRPr lang="en-US" dirty="0">
+              <a:latin typeface="Courier New" panose="02070309020205020404" pitchFamily="49" charset="0"/>
+              <a:cs typeface="Courier New" panose="02070309020205020404" pitchFamily="49" charset="0"/>
+            </a:endParaRPr>
+          </a:p>
+          <a:p>
+            <a:endParaRPr lang="en-US" dirty="0">
+              <a:latin typeface="Arial" panose="020B0604020202020204" pitchFamily="34" charset="0"/>
+              <a:cs typeface="Arial" panose="020B0604020202020204" pitchFamily="34" charset="0"/>
+            </a:endParaRPr>
+          </a:p>
+          <a:p>
+            <a:r>
+              <a:rPr lang="en-US" dirty="0">
+                <a:latin typeface="Arial" panose="020B0604020202020204" pitchFamily="34" charset="0"/>
+                <a:cs typeface="Arial" panose="020B0604020202020204" pitchFamily="34" charset="0"/>
+              </a:rPr>
+              <a:t>The same two commands can instead be run in the command line itself</a:t>
+            </a:r>
+          </a:p>
+          <a:p>
+            <a:endParaRPr lang="en-US" dirty="0">
+              <a:latin typeface="Courier New" panose="02070309020205020404" pitchFamily="49" charset="0"/>
+              <a:cs typeface="Courier New" panose="02070309020205020404" pitchFamily="49" charset="0"/>
+            </a:endParaRPr>
+          </a:p>
+        </p:txBody>
+      </p:sp>
+    </p:spTree>
+    <p:extLst>
+      <p:ext uri="{BB962C8B-B14F-4D97-AF65-F5344CB8AC3E}">
+        <p14:creationId xmlns:p14="http://schemas.microsoft.com/office/powerpoint/2010/main" val="549666251"/>
+      </p:ext>
+    </p:extLst>
+  </p:cSld>
+  <p:clrMapOvr>
+    <a:masterClrMapping/>
+  </p:clrMapOvr>
+</p:sld>
+</file>
+
+<file path=ppt/slides/slide43.xml><?xml version="1.0" encoding="utf-8"?>
+<p:sld xmlns:a="http://schemas.openxmlformats.org/drawingml/2006/main" xmlns:r="http://schemas.openxmlformats.org/officeDocument/2006/relationships" xmlns:p="http://schemas.openxmlformats.org/presentationml/2006/main">
+  <p:cSld>
+    <p:spTree>
+      <p:nvGrpSpPr>
+        <p:cNvPr id="1" name=""/>
+        <p:cNvGrpSpPr/>
+        <p:nvPr/>
+      </p:nvGrpSpPr>
+      <p:grpSpPr>
+        <a:xfrm>
+          <a:off x="0" y="0"/>
+          <a:ext cx="0" cy="0"/>
+          <a:chOff x="0" y="0"/>
+          <a:chExt cx="0" cy="0"/>
+        </a:xfrm>
+      </p:grpSpPr>
+      <p:sp>
+        <p:nvSpPr>
+          <p:cNvPr id="2" name="TextBox 1">
+            <a:extLst>
+              <a:ext uri="{FF2B5EF4-FFF2-40B4-BE49-F238E27FC236}">
+                <a16:creationId xmlns:a16="http://schemas.microsoft.com/office/drawing/2014/main" id="{30DFB4F8-02E9-3172-BBD6-CA79A76EC796}"/>
+              </a:ext>
+            </a:extLst>
+          </p:cNvPr>
+          <p:cNvSpPr txBox="1"/>
+          <p:nvPr/>
+        </p:nvSpPr>
+        <p:spPr>
+          <a:xfrm>
             <a:off x="0" y="441"/>
             <a:ext cx="12192000" cy="584775"/>
           </a:xfrm>
@@ -14096,7 +14646,7 @@
 </p:sld>
 </file>
 
-<file path=ppt/slides/slide42.xml><?xml version="1.0" encoding="utf-8"?>
+<file path=ppt/slides/slide44.xml><?xml version="1.0" encoding="utf-8"?>
 <p:sld xmlns:a="http://schemas.openxmlformats.org/drawingml/2006/main" xmlns:r="http://schemas.openxmlformats.org/officeDocument/2006/relationships" xmlns:p="http://schemas.openxmlformats.org/presentationml/2006/main">
   <p:cSld>
     <p:spTree>

--- a/Introduction_to_Linux/M2-Introduction-to-linux.pptx
+++ b/Introduction_to_Linux/M2-Introduction-to-linux.pptx
@@ -5,7 +5,7 @@
     <p:sldMasterId id="2147483648" r:id="rId1"/>
   </p:sldMasterIdLst>
   <p:notesMasterIdLst>
-    <p:notesMasterId r:id="rId46"/>
+    <p:notesMasterId r:id="rId48"/>
   </p:notesMasterIdLst>
   <p:sldIdLst>
     <p:sldId id="256" r:id="rId2"/>
@@ -32,26 +32,28 @@
     <p:sldId id="300" r:id="rId23"/>
     <p:sldId id="301" r:id="rId24"/>
     <p:sldId id="323" r:id="rId25"/>
-    <p:sldId id="302" r:id="rId26"/>
-    <p:sldId id="303" r:id="rId27"/>
-    <p:sldId id="326" r:id="rId28"/>
-    <p:sldId id="304" r:id="rId29"/>
-    <p:sldId id="305" r:id="rId30"/>
-    <p:sldId id="306" r:id="rId31"/>
-    <p:sldId id="307" r:id="rId32"/>
-    <p:sldId id="308" r:id="rId33"/>
-    <p:sldId id="309" r:id="rId34"/>
-    <p:sldId id="310" r:id="rId35"/>
-    <p:sldId id="327" r:id="rId36"/>
-    <p:sldId id="314" r:id="rId37"/>
-    <p:sldId id="316" r:id="rId38"/>
-    <p:sldId id="315" r:id="rId39"/>
-    <p:sldId id="318" r:id="rId40"/>
-    <p:sldId id="319" r:id="rId41"/>
-    <p:sldId id="320" r:id="rId42"/>
-    <p:sldId id="321" r:id="rId43"/>
-    <p:sldId id="322" r:id="rId44"/>
-    <p:sldId id="324" r:id="rId45"/>
+    <p:sldId id="328" r:id="rId26"/>
+    <p:sldId id="302" r:id="rId27"/>
+    <p:sldId id="303" r:id="rId28"/>
+    <p:sldId id="326" r:id="rId29"/>
+    <p:sldId id="304" r:id="rId30"/>
+    <p:sldId id="329" r:id="rId31"/>
+    <p:sldId id="305" r:id="rId32"/>
+    <p:sldId id="306" r:id="rId33"/>
+    <p:sldId id="307" r:id="rId34"/>
+    <p:sldId id="308" r:id="rId35"/>
+    <p:sldId id="309" r:id="rId36"/>
+    <p:sldId id="310" r:id="rId37"/>
+    <p:sldId id="327" r:id="rId38"/>
+    <p:sldId id="314" r:id="rId39"/>
+    <p:sldId id="316" r:id="rId40"/>
+    <p:sldId id="315" r:id="rId41"/>
+    <p:sldId id="318" r:id="rId42"/>
+    <p:sldId id="319" r:id="rId43"/>
+    <p:sldId id="320" r:id="rId44"/>
+    <p:sldId id="321" r:id="rId45"/>
+    <p:sldId id="322" r:id="rId46"/>
+    <p:sldId id="324" r:id="rId47"/>
   </p:sldIdLst>
   <p:sldSz cx="12192000" cy="6858000"/>
   <p:notesSz cx="6858000" cy="9144000"/>
@@ -240,7 +242,7 @@
           <a:p>
             <a:fld id="{BF2779A9-4D8B-B243-8673-A727FAB74B19}" type="datetimeFigureOut">
               <a:rPr lang="en-US" smtClean="0"/>
-              <a:t>10/5/23</a:t>
+              <a:t>10/11/23</a:t>
             </a:fld>
             <a:endParaRPr lang="en-US"/>
           </a:p>
@@ -657,7 +659,7 @@
           <a:p>
             <a:fld id="{1EEB538C-FDA8-984E-84B8-B05C676A140B}" type="datetimeFigureOut">
               <a:rPr lang="en-US" smtClean="0"/>
-              <a:t>10/5/23</a:t>
+              <a:t>10/11/23</a:t>
             </a:fld>
             <a:endParaRPr lang="en-US"/>
           </a:p>
@@ -857,7 +859,7 @@
           <a:p>
             <a:fld id="{1EEB538C-FDA8-984E-84B8-B05C676A140B}" type="datetimeFigureOut">
               <a:rPr lang="en-US" smtClean="0"/>
-              <a:t>10/5/23</a:t>
+              <a:t>10/11/23</a:t>
             </a:fld>
             <a:endParaRPr lang="en-US"/>
           </a:p>
@@ -1067,7 +1069,7 @@
           <a:p>
             <a:fld id="{1EEB538C-FDA8-984E-84B8-B05C676A140B}" type="datetimeFigureOut">
               <a:rPr lang="en-US" smtClean="0"/>
-              <a:t>10/5/23</a:t>
+              <a:t>10/11/23</a:t>
             </a:fld>
             <a:endParaRPr lang="en-US"/>
           </a:p>
@@ -1267,7 +1269,7 @@
           <a:p>
             <a:fld id="{1EEB538C-FDA8-984E-84B8-B05C676A140B}" type="datetimeFigureOut">
               <a:rPr lang="en-US" smtClean="0"/>
-              <a:t>10/5/23</a:t>
+              <a:t>10/11/23</a:t>
             </a:fld>
             <a:endParaRPr lang="en-US"/>
           </a:p>
@@ -1543,7 +1545,7 @@
           <a:p>
             <a:fld id="{1EEB538C-FDA8-984E-84B8-B05C676A140B}" type="datetimeFigureOut">
               <a:rPr lang="en-US" smtClean="0"/>
-              <a:t>10/5/23</a:t>
+              <a:t>10/11/23</a:t>
             </a:fld>
             <a:endParaRPr lang="en-US"/>
           </a:p>
@@ -1811,7 +1813,7 @@
           <a:p>
             <a:fld id="{1EEB538C-FDA8-984E-84B8-B05C676A140B}" type="datetimeFigureOut">
               <a:rPr lang="en-US" smtClean="0"/>
-              <a:t>10/5/23</a:t>
+              <a:t>10/11/23</a:t>
             </a:fld>
             <a:endParaRPr lang="en-US"/>
           </a:p>
@@ -2226,7 +2228,7 @@
           <a:p>
             <a:fld id="{1EEB538C-FDA8-984E-84B8-B05C676A140B}" type="datetimeFigureOut">
               <a:rPr lang="en-US" smtClean="0"/>
-              <a:t>10/5/23</a:t>
+              <a:t>10/11/23</a:t>
             </a:fld>
             <a:endParaRPr lang="en-US"/>
           </a:p>
@@ -2368,7 +2370,7 @@
           <a:p>
             <a:fld id="{1EEB538C-FDA8-984E-84B8-B05C676A140B}" type="datetimeFigureOut">
               <a:rPr lang="en-US" smtClean="0"/>
-              <a:t>10/5/23</a:t>
+              <a:t>10/11/23</a:t>
             </a:fld>
             <a:endParaRPr lang="en-US"/>
           </a:p>
@@ -2481,7 +2483,7 @@
           <a:p>
             <a:fld id="{1EEB538C-FDA8-984E-84B8-B05C676A140B}" type="datetimeFigureOut">
               <a:rPr lang="en-US" smtClean="0"/>
-              <a:t>10/5/23</a:t>
+              <a:t>10/11/23</a:t>
             </a:fld>
             <a:endParaRPr lang="en-US"/>
           </a:p>
@@ -2794,7 +2796,7 @@
           <a:p>
             <a:fld id="{1EEB538C-FDA8-984E-84B8-B05C676A140B}" type="datetimeFigureOut">
               <a:rPr lang="en-US" smtClean="0"/>
-              <a:t>10/5/23</a:t>
+              <a:t>10/11/23</a:t>
             </a:fld>
             <a:endParaRPr lang="en-US"/>
           </a:p>
@@ -3083,7 +3085,7 @@
           <a:p>
             <a:fld id="{1EEB538C-FDA8-984E-84B8-B05C676A140B}" type="datetimeFigureOut">
               <a:rPr lang="en-US" smtClean="0"/>
-              <a:t>10/5/23</a:t>
+              <a:t>10/11/23</a:t>
             </a:fld>
             <a:endParaRPr lang="en-US"/>
           </a:p>
@@ -3326,7 +3328,7 @@
           <a:p>
             <a:fld id="{1EEB538C-FDA8-984E-84B8-B05C676A140B}" type="datetimeFigureOut">
               <a:rPr lang="en-US" smtClean="0"/>
-              <a:t>10/5/23</a:t>
+              <a:t>10/11/23</a:t>
             </a:fld>
             <a:endParaRPr lang="en-US"/>
           </a:p>
@@ -8408,6 +8410,215 @@
       </p:grpSpPr>
       <p:sp>
         <p:nvSpPr>
+          <p:cNvPr id="3" name="TextBox 2">
+            <a:extLst>
+              <a:ext uri="{FF2B5EF4-FFF2-40B4-BE49-F238E27FC236}">
+                <a16:creationId xmlns:a16="http://schemas.microsoft.com/office/drawing/2014/main" id="{311DB7D1-F179-F40F-2020-3B55AD0D72BF}"/>
+              </a:ext>
+            </a:extLst>
+          </p:cNvPr>
+          <p:cNvSpPr txBox="1"/>
+          <p:nvPr/>
+        </p:nvSpPr>
+        <p:spPr>
+          <a:xfrm>
+            <a:off x="0" y="441"/>
+            <a:ext cx="12192000" cy="584775"/>
+          </a:xfrm>
+          <a:prstGeom prst="rect">
+            <a:avLst/>
+          </a:prstGeom>
+          <a:noFill/>
+        </p:spPr>
+        <p:txBody>
+          <a:bodyPr wrap="square" rtlCol="0">
+            <a:spAutoFit/>
+          </a:bodyPr>
+          <a:lstStyle/>
+          <a:p>
+            <a:pPr algn="ctr"/>
+            <a:r>
+              <a:rPr lang="en-US" sz="3200" u="sng" dirty="0">
+                <a:latin typeface="Arial" panose="020B0604020202020204" pitchFamily="34" charset="0"/>
+                <a:cs typeface="Arial" panose="020B0604020202020204" pitchFamily="34" charset="0"/>
+              </a:rPr>
+              <a:t>Overview of yesterday</a:t>
+            </a:r>
+          </a:p>
+        </p:txBody>
+      </p:sp>
+      <p:sp>
+        <p:nvSpPr>
+          <p:cNvPr id="4" name="TextBox 3">
+            <a:extLst>
+              <a:ext uri="{FF2B5EF4-FFF2-40B4-BE49-F238E27FC236}">
+                <a16:creationId xmlns:a16="http://schemas.microsoft.com/office/drawing/2014/main" id="{312ABC93-0834-92A1-2A54-A2079BA2F8AC}"/>
+              </a:ext>
+            </a:extLst>
+          </p:cNvPr>
+          <p:cNvSpPr txBox="1"/>
+          <p:nvPr/>
+        </p:nvSpPr>
+        <p:spPr>
+          <a:xfrm>
+            <a:off x="0" y="1609200"/>
+            <a:ext cx="12192000" cy="3416320"/>
+          </a:xfrm>
+          <a:prstGeom prst="rect">
+            <a:avLst/>
+          </a:prstGeom>
+          <a:noFill/>
+        </p:spPr>
+        <p:txBody>
+          <a:bodyPr wrap="square">
+            <a:spAutoFit/>
+          </a:bodyPr>
+          <a:lstStyle/>
+          <a:p>
+            <a:pPr marL="285750" indent="-285750">
+              <a:buFont typeface="Arial" panose="020B0604020202020204" pitchFamily="34" charset="0"/>
+              <a:buChar char="•"/>
+            </a:pPr>
+            <a:r>
+              <a:rPr lang="en-US" dirty="0">
+                <a:latin typeface="Arial" panose="020B0604020202020204" pitchFamily="34" charset="0"/>
+                <a:cs typeface="Arial" panose="020B0604020202020204" pitchFamily="34" charset="0"/>
+              </a:rPr>
+              <a:t>Linux is a Unix-like operating system that allows easy communication with the kernel through Shell through the command line interface (CLI)</a:t>
+            </a:r>
+          </a:p>
+          <a:p>
+            <a:pPr marL="285750" indent="-285750">
+              <a:buFont typeface="Arial" panose="020B0604020202020204" pitchFamily="34" charset="0"/>
+              <a:buChar char="•"/>
+            </a:pPr>
+            <a:endParaRPr lang="en-US" dirty="0">
+              <a:latin typeface="Arial" panose="020B0604020202020204" pitchFamily="34" charset="0"/>
+              <a:cs typeface="Arial" panose="020B0604020202020204" pitchFamily="34" charset="0"/>
+            </a:endParaRPr>
+          </a:p>
+          <a:p>
+            <a:pPr marL="285750" indent="-285750">
+              <a:buFont typeface="Arial" panose="020B0604020202020204" pitchFamily="34" charset="0"/>
+              <a:buChar char="•"/>
+            </a:pPr>
+            <a:endParaRPr lang="en-US" dirty="0">
+              <a:latin typeface="Arial" panose="020B0604020202020204" pitchFamily="34" charset="0"/>
+              <a:cs typeface="Arial" panose="020B0604020202020204" pitchFamily="34" charset="0"/>
+            </a:endParaRPr>
+          </a:p>
+          <a:p>
+            <a:pPr marL="285750" indent="-285750">
+              <a:buFont typeface="Arial" panose="020B0604020202020204" pitchFamily="34" charset="0"/>
+              <a:buChar char="•"/>
+            </a:pPr>
+            <a:r>
+              <a:rPr lang="en-US" dirty="0">
+                <a:latin typeface="Arial" panose="020B0604020202020204" pitchFamily="34" charset="0"/>
+                <a:cs typeface="Arial" panose="020B0604020202020204" pitchFamily="34" charset="0"/>
+              </a:rPr>
+              <a:t>Several bioinformatics and systems biology tools are developed for the command line and the OS of most HPC systems are Linux</a:t>
+            </a:r>
+          </a:p>
+          <a:p>
+            <a:pPr marL="285750" indent="-285750">
+              <a:buFont typeface="Arial" panose="020B0604020202020204" pitchFamily="34" charset="0"/>
+              <a:buChar char="•"/>
+            </a:pPr>
+            <a:endParaRPr lang="en-US" dirty="0">
+              <a:latin typeface="Arial" panose="020B0604020202020204" pitchFamily="34" charset="0"/>
+              <a:cs typeface="Arial" panose="020B0604020202020204" pitchFamily="34" charset="0"/>
+            </a:endParaRPr>
+          </a:p>
+          <a:p>
+            <a:pPr marL="285750" indent="-285750">
+              <a:buFont typeface="Arial" panose="020B0604020202020204" pitchFamily="34" charset="0"/>
+              <a:buChar char="•"/>
+            </a:pPr>
+            <a:endParaRPr lang="en-US" dirty="0">
+              <a:latin typeface="Arial" panose="020B0604020202020204" pitchFamily="34" charset="0"/>
+              <a:cs typeface="Arial" panose="020B0604020202020204" pitchFamily="34" charset="0"/>
+            </a:endParaRPr>
+          </a:p>
+          <a:p>
+            <a:pPr marL="285750" indent="-285750">
+              <a:buFont typeface="Arial" panose="020B0604020202020204" pitchFamily="34" charset="0"/>
+              <a:buChar char="•"/>
+            </a:pPr>
+            <a:r>
+              <a:rPr lang="en-US" dirty="0">
+                <a:latin typeface="Arial" panose="020B0604020202020204" pitchFamily="34" charset="0"/>
+                <a:cs typeface="Arial" panose="020B0604020202020204" pitchFamily="34" charset="0"/>
+              </a:rPr>
+              <a:t>Set up your public keys (unique ID to your machine) so that you can access CREATE</a:t>
+            </a:r>
+          </a:p>
+          <a:p>
+            <a:pPr marL="742950" lvl="1" indent="-285750">
+              <a:buFont typeface="Arial" panose="020B0604020202020204" pitchFamily="34" charset="0"/>
+              <a:buChar char="•"/>
+            </a:pPr>
+            <a:endParaRPr lang="en-US" dirty="0">
+              <a:latin typeface="Arial" panose="020B0604020202020204" pitchFamily="34" charset="0"/>
+              <a:cs typeface="Arial" panose="020B0604020202020204" pitchFamily="34" charset="0"/>
+            </a:endParaRPr>
+          </a:p>
+          <a:p>
+            <a:pPr marL="742950" lvl="1" indent="-285750">
+              <a:buFont typeface="Arial" panose="020B0604020202020204" pitchFamily="34" charset="0"/>
+              <a:buChar char="•"/>
+            </a:pPr>
+            <a:r>
+              <a:rPr lang="en-US" dirty="0">
+                <a:latin typeface="Arial" panose="020B0604020202020204" pitchFamily="34" charset="0"/>
+                <a:cs typeface="Arial" panose="020B0604020202020204" pitchFamily="34" charset="0"/>
+              </a:rPr>
+              <a:t>Those that were not here – I will do this for you today individually</a:t>
+            </a:r>
+          </a:p>
+          <a:p>
+            <a:r>
+              <a:rPr lang="en-US" dirty="0">
+                <a:latin typeface="Arial" panose="020B0604020202020204" pitchFamily="34" charset="0"/>
+                <a:cs typeface="Arial" panose="020B0604020202020204" pitchFamily="34" charset="0"/>
+              </a:rPr>
+              <a:t> </a:t>
+            </a:r>
+          </a:p>
+        </p:txBody>
+      </p:sp>
+    </p:spTree>
+    <p:extLst>
+      <p:ext uri="{BB962C8B-B14F-4D97-AF65-F5344CB8AC3E}">
+        <p14:creationId xmlns:p14="http://schemas.microsoft.com/office/powerpoint/2010/main" val="3669217355"/>
+      </p:ext>
+    </p:extLst>
+  </p:cSld>
+  <p:clrMapOvr>
+    <a:masterClrMapping/>
+  </p:clrMapOvr>
+</p:sld>
+</file>
+
+<file path=ppt/slides/slide26.xml><?xml version="1.0" encoding="utf-8"?>
+<p:sld xmlns:a="http://schemas.openxmlformats.org/drawingml/2006/main" xmlns:r="http://schemas.openxmlformats.org/officeDocument/2006/relationships" xmlns:p="http://schemas.openxmlformats.org/presentationml/2006/main">
+  <p:cSld>
+    <p:spTree>
+      <p:nvGrpSpPr>
+        <p:cNvPr id="1" name=""/>
+        <p:cNvGrpSpPr/>
+        <p:nvPr/>
+      </p:nvGrpSpPr>
+      <p:grpSpPr>
+        <a:xfrm>
+          <a:off x="0" y="0"/>
+          <a:ext cx="0" cy="0"/>
+          <a:chOff x="0" y="0"/>
+          <a:chExt cx="0" cy="0"/>
+        </a:xfrm>
+      </p:grpSpPr>
+      <p:sp>
+        <p:nvSpPr>
           <p:cNvPr id="2" name="TextBox 1">
             <a:extLst>
               <a:ext uri="{FF2B5EF4-FFF2-40B4-BE49-F238E27FC236}">
@@ -8677,7 +8888,7 @@
 </p:sld>
 </file>
 
-<file path=ppt/slides/slide26.xml><?xml version="1.0" encoding="utf-8"?>
+<file path=ppt/slides/slide27.xml><?xml version="1.0" encoding="utf-8"?>
 <p:sld xmlns:a="http://schemas.openxmlformats.org/drawingml/2006/main" xmlns:r="http://schemas.openxmlformats.org/officeDocument/2006/relationships" xmlns:p="http://schemas.openxmlformats.org/presentationml/2006/main">
   <p:cSld>
     <p:spTree>
@@ -8812,7 +9023,7 @@
 </p:sld>
 </file>
 
-<file path=ppt/slides/slide27.xml><?xml version="1.0" encoding="utf-8"?>
+<file path=ppt/slides/slide28.xml><?xml version="1.0" encoding="utf-8"?>
 <p:sld xmlns:a="http://schemas.openxmlformats.org/drawingml/2006/main" xmlns:r="http://schemas.openxmlformats.org/officeDocument/2006/relationships" xmlns:p="http://schemas.openxmlformats.org/presentationml/2006/main">
   <p:cSld>
     <p:spTree>
@@ -9258,7 +9469,7 @@
 </p:sld>
 </file>
 
-<file path=ppt/slides/slide28.xml><?xml version="1.0" encoding="utf-8"?>
+<file path=ppt/slides/slide29.xml><?xml version="1.0" encoding="utf-8"?>
 <p:sld xmlns:a="http://schemas.openxmlformats.org/drawingml/2006/main" xmlns:r="http://schemas.openxmlformats.org/officeDocument/2006/relationships" xmlns:p="http://schemas.openxmlformats.org/presentationml/2006/main">
   <p:cSld>
     <p:spTree>
@@ -9737,398 +9948,6 @@
 </p:sld>
 </file>
 
-<file path=ppt/slides/slide29.xml><?xml version="1.0" encoding="utf-8"?>
-<p:sld xmlns:a="http://schemas.openxmlformats.org/drawingml/2006/main" xmlns:r="http://schemas.openxmlformats.org/officeDocument/2006/relationships" xmlns:p="http://schemas.openxmlformats.org/presentationml/2006/main">
-  <p:cSld>
-    <p:spTree>
-      <p:nvGrpSpPr>
-        <p:cNvPr id="1" name=""/>
-        <p:cNvGrpSpPr/>
-        <p:nvPr/>
-      </p:nvGrpSpPr>
-      <p:grpSpPr>
-        <a:xfrm>
-          <a:off x="0" y="0"/>
-          <a:ext cx="0" cy="0"/>
-          <a:chOff x="0" y="0"/>
-          <a:chExt cx="0" cy="0"/>
-        </a:xfrm>
-      </p:grpSpPr>
-      <p:sp>
-        <p:nvSpPr>
-          <p:cNvPr id="2" name="TextBox 1">
-            <a:extLst>
-              <a:ext uri="{FF2B5EF4-FFF2-40B4-BE49-F238E27FC236}">
-                <a16:creationId xmlns:a16="http://schemas.microsoft.com/office/drawing/2014/main" id="{30DFB4F8-02E9-3172-BBD6-CA79A76EC796}"/>
-              </a:ext>
-            </a:extLst>
-          </p:cNvPr>
-          <p:cNvSpPr txBox="1"/>
-          <p:nvPr/>
-        </p:nvSpPr>
-        <p:spPr>
-          <a:xfrm>
-            <a:off x="0" y="441"/>
-            <a:ext cx="12192000" cy="584775"/>
-          </a:xfrm>
-          <a:prstGeom prst="rect">
-            <a:avLst/>
-          </a:prstGeom>
-          <a:noFill/>
-        </p:spPr>
-        <p:txBody>
-          <a:bodyPr wrap="square" rtlCol="0">
-            <a:spAutoFit/>
-          </a:bodyPr>
-          <a:lstStyle/>
-          <a:p>
-            <a:pPr algn="ctr"/>
-            <a:r>
-              <a:rPr lang="en-US" sz="3200" u="sng" dirty="0">
-                <a:latin typeface="Arial" panose="020B0604020202020204" pitchFamily="34" charset="0"/>
-                <a:cs typeface="Arial" panose="020B0604020202020204" pitchFamily="34" charset="0"/>
-              </a:rPr>
-              <a:t>Check and create new files and directories</a:t>
-            </a:r>
-          </a:p>
-        </p:txBody>
-      </p:sp>
-      <p:sp>
-        <p:nvSpPr>
-          <p:cNvPr id="5" name="TextBox 4">
-            <a:extLst>
-              <a:ext uri="{FF2B5EF4-FFF2-40B4-BE49-F238E27FC236}">
-                <a16:creationId xmlns:a16="http://schemas.microsoft.com/office/drawing/2014/main" id="{0053786F-1429-8EE4-3D6F-B89AE583545A}"/>
-              </a:ext>
-            </a:extLst>
-          </p:cNvPr>
-          <p:cNvSpPr txBox="1"/>
-          <p:nvPr/>
-        </p:nvSpPr>
-        <p:spPr>
-          <a:xfrm>
-            <a:off x="0" y="1494122"/>
-            <a:ext cx="4347410" cy="5078313"/>
-          </a:xfrm>
-          <a:prstGeom prst="rect">
-            <a:avLst/>
-          </a:prstGeom>
-          <a:noFill/>
-        </p:spPr>
-        <p:txBody>
-          <a:bodyPr wrap="square">
-            <a:spAutoFit/>
-          </a:bodyPr>
-          <a:lstStyle/>
-          <a:p>
-            <a:r>
-              <a:rPr lang="en-US" dirty="0">
-                <a:latin typeface="Arial" panose="020B0604020202020204" pitchFamily="34" charset="0"/>
-                <a:cs typeface="Arial" panose="020B0604020202020204" pitchFamily="34" charset="0"/>
-              </a:rPr>
-              <a:t>List all files in current directory</a:t>
-            </a:r>
-          </a:p>
-          <a:p>
-            <a:r>
-              <a:rPr lang="en-US" dirty="0">
-                <a:latin typeface="Courier New" panose="02070309020205020404" pitchFamily="49" charset="0"/>
-                <a:cs typeface="Courier New" panose="02070309020205020404" pitchFamily="49" charset="0"/>
-              </a:rPr>
-              <a:t>ls</a:t>
-            </a:r>
-          </a:p>
-          <a:p>
-            <a:endParaRPr lang="en-US" dirty="0">
-              <a:latin typeface="Arial" panose="020B0604020202020204" pitchFamily="34" charset="0"/>
-              <a:cs typeface="Arial" panose="020B0604020202020204" pitchFamily="34" charset="0"/>
-            </a:endParaRPr>
-          </a:p>
-          <a:p>
-            <a:r>
-              <a:rPr lang="en-US" dirty="0">
-                <a:latin typeface="Arial" panose="020B0604020202020204" pitchFamily="34" charset="0"/>
-                <a:cs typeface="Arial" panose="020B0604020202020204" pitchFamily="34" charset="0"/>
-              </a:rPr>
-              <a:t>View all options for ls and use some options</a:t>
-            </a:r>
-          </a:p>
-          <a:p>
-            <a:r>
-              <a:rPr lang="en-US" dirty="0">
-                <a:latin typeface="Courier New" panose="02070309020205020404" pitchFamily="49" charset="0"/>
-                <a:cs typeface="Courier New" panose="02070309020205020404" pitchFamily="49" charset="0"/>
-              </a:rPr>
-              <a:t>ls –-help</a:t>
-            </a:r>
-          </a:p>
-          <a:p>
-            <a:r>
-              <a:rPr lang="en-US" dirty="0">
-                <a:latin typeface="Courier New" panose="02070309020205020404" pitchFamily="49" charset="0"/>
-                <a:cs typeface="Courier New" panose="02070309020205020404" pitchFamily="49" charset="0"/>
-              </a:rPr>
-              <a:t>ls -a</a:t>
-            </a:r>
-          </a:p>
-          <a:p>
-            <a:endParaRPr lang="en-US" dirty="0">
-              <a:latin typeface="Courier New" panose="02070309020205020404" pitchFamily="49" charset="0"/>
-              <a:cs typeface="Courier New" panose="02070309020205020404" pitchFamily="49" charset="0"/>
-            </a:endParaRPr>
-          </a:p>
-          <a:p>
-            <a:r>
-              <a:rPr lang="en-US" dirty="0">
-                <a:latin typeface="Arial" panose="020B0604020202020204" pitchFamily="34" charset="0"/>
-                <a:cs typeface="Arial" panose="020B0604020202020204" pitchFamily="34" charset="0"/>
-              </a:rPr>
-              <a:t>Create files</a:t>
-            </a:r>
-          </a:p>
-          <a:p>
-            <a:r>
-              <a:rPr lang="en-US" dirty="0">
-                <a:latin typeface="Courier New" panose="02070309020205020404" pitchFamily="49" charset="0"/>
-                <a:cs typeface="Courier New" panose="02070309020205020404" pitchFamily="49" charset="0"/>
-              </a:rPr>
-              <a:t>touch file1.txt</a:t>
-            </a:r>
-          </a:p>
-          <a:p>
-            <a:r>
-              <a:rPr lang="en-US" dirty="0">
-                <a:latin typeface="Courier New" panose="02070309020205020404" pitchFamily="49" charset="0"/>
-                <a:cs typeface="Courier New" panose="02070309020205020404" pitchFamily="49" charset="0"/>
-              </a:rPr>
-              <a:t>ls</a:t>
-            </a:r>
-          </a:p>
-          <a:p>
-            <a:r>
-              <a:rPr lang="en-US" dirty="0">
-                <a:latin typeface="Courier New" panose="02070309020205020404" pitchFamily="49" charset="0"/>
-                <a:cs typeface="Courier New" panose="02070309020205020404" pitchFamily="49" charset="0"/>
-              </a:rPr>
-              <a:t>touch file2.txt file3.txt</a:t>
-            </a:r>
-          </a:p>
-          <a:p>
-            <a:r>
-              <a:rPr lang="en-US" dirty="0">
-                <a:latin typeface="Courier New" panose="02070309020205020404" pitchFamily="49" charset="0"/>
-                <a:cs typeface="Courier New" panose="02070309020205020404" pitchFamily="49" charset="0"/>
-              </a:rPr>
-              <a:t>ls</a:t>
-            </a:r>
-          </a:p>
-          <a:p>
-            <a:endParaRPr lang="en-US" dirty="0">
-              <a:latin typeface="Courier New" panose="02070309020205020404" pitchFamily="49" charset="0"/>
-              <a:cs typeface="Courier New" panose="02070309020205020404" pitchFamily="49" charset="0"/>
-            </a:endParaRPr>
-          </a:p>
-          <a:p>
-            <a:r>
-              <a:rPr lang="en-US" dirty="0">
-                <a:latin typeface="Arial" panose="020B0604020202020204" pitchFamily="34" charset="0"/>
-                <a:cs typeface="Arial" panose="020B0604020202020204" pitchFamily="34" charset="0"/>
-              </a:rPr>
-              <a:t>Create new directory</a:t>
-            </a:r>
-          </a:p>
-          <a:p>
-            <a:r>
-              <a:rPr lang="en-US" dirty="0" err="1">
-                <a:latin typeface="Courier New" panose="02070309020205020404" pitchFamily="49" charset="0"/>
-                <a:cs typeface="Courier New" panose="02070309020205020404" pitchFamily="49" charset="0"/>
-              </a:rPr>
-              <a:t>mkdir</a:t>
-            </a:r>
-            <a:r>
-              <a:rPr lang="en-US" dirty="0">
-                <a:latin typeface="Courier New" panose="02070309020205020404" pitchFamily="49" charset="0"/>
-                <a:cs typeface="Courier New" panose="02070309020205020404" pitchFamily="49" charset="0"/>
-              </a:rPr>
-              <a:t> dir1</a:t>
-            </a:r>
-          </a:p>
-          <a:p>
-            <a:r>
-              <a:rPr lang="en-US" dirty="0">
-                <a:latin typeface="Courier New" panose="02070309020205020404" pitchFamily="49" charset="0"/>
-                <a:cs typeface="Courier New" panose="02070309020205020404" pitchFamily="49" charset="0"/>
-              </a:rPr>
-              <a:t>ls</a:t>
-            </a:r>
-          </a:p>
-          <a:p>
-            <a:r>
-              <a:rPr lang="en-US" dirty="0">
-                <a:latin typeface="Courier New" panose="02070309020205020404" pitchFamily="49" charset="0"/>
-                <a:cs typeface="Courier New" panose="02070309020205020404" pitchFamily="49" charset="0"/>
-              </a:rPr>
-              <a:t>ls -l</a:t>
-            </a:r>
-          </a:p>
-        </p:txBody>
-      </p:sp>
-      <p:sp>
-        <p:nvSpPr>
-          <p:cNvPr id="6" name="TextBox 5">
-            <a:extLst>
-              <a:ext uri="{FF2B5EF4-FFF2-40B4-BE49-F238E27FC236}">
-                <a16:creationId xmlns:a16="http://schemas.microsoft.com/office/drawing/2014/main" id="{3900ABC1-FF2B-1688-9DB2-CC057D9D7D30}"/>
-              </a:ext>
-            </a:extLst>
-          </p:cNvPr>
-          <p:cNvSpPr txBox="1"/>
-          <p:nvPr/>
-        </p:nvSpPr>
-        <p:spPr>
-          <a:xfrm>
-            <a:off x="4628148" y="1494122"/>
-            <a:ext cx="4347410" cy="3416320"/>
-          </a:xfrm>
-          <a:prstGeom prst="rect">
-            <a:avLst/>
-          </a:prstGeom>
-          <a:noFill/>
-        </p:spPr>
-        <p:txBody>
-          <a:bodyPr wrap="square">
-            <a:spAutoFit/>
-          </a:bodyPr>
-          <a:lstStyle/>
-          <a:p>
-            <a:r>
-              <a:rPr lang="en-US" dirty="0">
-                <a:latin typeface="Arial" panose="020B0604020202020204" pitchFamily="34" charset="0"/>
-                <a:cs typeface="Arial" panose="020B0604020202020204" pitchFamily="34" charset="0"/>
-              </a:rPr>
-              <a:t>View current path</a:t>
-            </a:r>
-          </a:p>
-          <a:p>
-            <a:r>
-              <a:rPr lang="en-US" dirty="0" err="1">
-                <a:latin typeface="Courier New" panose="02070309020205020404" pitchFamily="49" charset="0"/>
-                <a:cs typeface="Courier New" panose="02070309020205020404" pitchFamily="49" charset="0"/>
-              </a:rPr>
-              <a:t>pwd</a:t>
-            </a:r>
-            <a:endParaRPr lang="en-US" dirty="0">
-              <a:latin typeface="Courier New" panose="02070309020205020404" pitchFamily="49" charset="0"/>
-              <a:cs typeface="Courier New" panose="02070309020205020404" pitchFamily="49" charset="0"/>
-            </a:endParaRPr>
-          </a:p>
-          <a:p>
-            <a:endParaRPr lang="en-US" dirty="0">
-              <a:latin typeface="Arial" panose="020B0604020202020204" pitchFamily="34" charset="0"/>
-              <a:cs typeface="Arial" panose="020B0604020202020204" pitchFamily="34" charset="0"/>
-            </a:endParaRPr>
-          </a:p>
-          <a:p>
-            <a:r>
-              <a:rPr lang="en-US" dirty="0">
-                <a:latin typeface="Arial" panose="020B0604020202020204" pitchFamily="34" charset="0"/>
-                <a:cs typeface="Arial" panose="020B0604020202020204" pitchFamily="34" charset="0"/>
-              </a:rPr>
-              <a:t>Change into new directory</a:t>
-            </a:r>
-          </a:p>
-          <a:p>
-            <a:r>
-              <a:rPr lang="en-US" dirty="0">
-                <a:latin typeface="Courier New" panose="02070309020205020404" pitchFamily="49" charset="0"/>
-                <a:cs typeface="Courier New" panose="02070309020205020404" pitchFamily="49" charset="0"/>
-              </a:rPr>
-              <a:t>cd dir1</a:t>
-            </a:r>
-          </a:p>
-          <a:p>
-            <a:r>
-              <a:rPr lang="en-US" dirty="0">
-                <a:latin typeface="Courier New" panose="02070309020205020404" pitchFamily="49" charset="0"/>
-                <a:cs typeface="Courier New" panose="02070309020205020404" pitchFamily="49" charset="0"/>
-              </a:rPr>
-              <a:t>ls</a:t>
-            </a:r>
-          </a:p>
-          <a:p>
-            <a:r>
-              <a:rPr lang="en-US" dirty="0" err="1">
-                <a:latin typeface="Courier New" panose="02070309020205020404" pitchFamily="49" charset="0"/>
-                <a:cs typeface="Courier New" panose="02070309020205020404" pitchFamily="49" charset="0"/>
-              </a:rPr>
-              <a:t>pwd</a:t>
-            </a:r>
-            <a:endParaRPr lang="en-US" dirty="0">
-              <a:latin typeface="Courier New" panose="02070309020205020404" pitchFamily="49" charset="0"/>
-              <a:cs typeface="Courier New" panose="02070309020205020404" pitchFamily="49" charset="0"/>
-            </a:endParaRPr>
-          </a:p>
-          <a:p>
-            <a:endParaRPr lang="en-US" dirty="0">
-              <a:latin typeface="Arial" panose="020B0604020202020204" pitchFamily="34" charset="0"/>
-              <a:cs typeface="Arial" panose="020B0604020202020204" pitchFamily="34" charset="0"/>
-            </a:endParaRPr>
-          </a:p>
-          <a:p>
-            <a:r>
-              <a:rPr lang="en-US" dirty="0">
-                <a:latin typeface="Arial" panose="020B0604020202020204" pitchFamily="34" charset="0"/>
-                <a:cs typeface="Arial" panose="020B0604020202020204" pitchFamily="34" charset="0"/>
-              </a:rPr>
-              <a:t>Go back to previous directory</a:t>
-            </a:r>
-          </a:p>
-          <a:p>
-            <a:r>
-              <a:rPr lang="en-US" dirty="0">
-                <a:latin typeface="Courier New" panose="02070309020205020404" pitchFamily="49" charset="0"/>
-                <a:cs typeface="Courier New" panose="02070309020205020404" pitchFamily="49" charset="0"/>
-              </a:rPr>
-              <a:t>cd ..</a:t>
-            </a:r>
-          </a:p>
-          <a:p>
-            <a:r>
-              <a:rPr lang="en-US" dirty="0" err="1">
-                <a:latin typeface="Courier New" panose="02070309020205020404" pitchFamily="49" charset="0"/>
-                <a:cs typeface="Courier New" panose="02070309020205020404" pitchFamily="49" charset="0"/>
-              </a:rPr>
-              <a:t>pwd</a:t>
-            </a:r>
-            <a:endParaRPr lang="en-US" dirty="0">
-              <a:latin typeface="Courier New" panose="02070309020205020404" pitchFamily="49" charset="0"/>
-              <a:cs typeface="Courier New" panose="02070309020205020404" pitchFamily="49" charset="0"/>
-            </a:endParaRPr>
-          </a:p>
-          <a:p>
-            <a:r>
-              <a:rPr lang="en-US" dirty="0">
-                <a:latin typeface="Courier New" panose="02070309020205020404" pitchFamily="49" charset="0"/>
-                <a:cs typeface="Courier New" panose="02070309020205020404" pitchFamily="49" charset="0"/>
-              </a:rPr>
-              <a:t>ls</a:t>
-            </a:r>
-          </a:p>
-        </p:txBody>
-      </p:sp>
-    </p:spTree>
-    <p:extLst>
-      <p:ext uri="{BB962C8B-B14F-4D97-AF65-F5344CB8AC3E}">
-        <p14:creationId xmlns:p14="http://schemas.microsoft.com/office/powerpoint/2010/main" val="795640844"/>
-      </p:ext>
-    </p:extLst>
-  </p:cSld>
-  <p:clrMapOvr>
-    <a:masterClrMapping/>
-  </p:clrMapOvr>
-</p:sld>
-</file>
-
 <file path=ppt/slides/slide3.xml><?xml version="1.0" encoding="utf-8"?>
 <p:sld xmlns:a="http://schemas.openxmlformats.org/drawingml/2006/main" xmlns:r="http://schemas.openxmlformats.org/officeDocument/2006/relationships" xmlns:p="http://schemas.openxmlformats.org/presentationml/2006/main">
   <p:cSld>
@@ -10426,17 +10245,17 @@
                 <a:latin typeface="Arial" panose="020B0604020202020204" pitchFamily="34" charset="0"/>
                 <a:cs typeface="Arial" panose="020B0604020202020204" pitchFamily="34" charset="0"/>
               </a:rPr>
-              <a:t>Exercise</a:t>
+              <a:t>Linux workshop</a:t>
             </a:r>
           </a:p>
         </p:txBody>
       </p:sp>
       <p:sp>
         <p:nvSpPr>
-          <p:cNvPr id="5" name="TextBox 4">
-            <a:extLst>
-              <a:ext uri="{FF2B5EF4-FFF2-40B4-BE49-F238E27FC236}">
-                <a16:creationId xmlns:a16="http://schemas.microsoft.com/office/drawing/2014/main" id="{0053786F-1429-8EE4-3D6F-B89AE583545A}"/>
+          <p:cNvPr id="4" name="TextBox 3">
+            <a:extLst>
+              <a:ext uri="{FF2B5EF4-FFF2-40B4-BE49-F238E27FC236}">
+                <a16:creationId xmlns:a16="http://schemas.microsoft.com/office/drawing/2014/main" id="{248FC763-C18E-2F50-269A-6EC59B2E486E}"/>
               </a:ext>
             </a:extLst>
           </p:cNvPr>
@@ -10445,8 +10264,8 @@
         </p:nvSpPr>
         <p:spPr>
           <a:xfrm>
-            <a:off x="0" y="1253490"/>
-            <a:ext cx="11518232" cy="1754326"/>
+            <a:off x="0" y="1933665"/>
+            <a:ext cx="12192000" cy="369332"/>
           </a:xfrm>
           <a:prstGeom prst="rect">
             <a:avLst/>
@@ -10459,155 +10278,46 @@
           </a:bodyPr>
           <a:lstStyle/>
           <a:p>
+            <a:pPr algn="ctr"/>
             <a:r>
               <a:rPr lang="en-US" dirty="0">
                 <a:latin typeface="Arial" panose="020B0604020202020204" pitchFamily="34" charset="0"/>
                 <a:cs typeface="Arial" panose="020B0604020202020204" pitchFamily="34" charset="0"/>
               </a:rPr>
-              <a:t>Task 1: Create a new directory within </a:t>
-            </a:r>
-            <a:r>
-              <a:rPr lang="en-US" b="1" dirty="0">
-                <a:latin typeface="Arial" panose="020B0604020202020204" pitchFamily="34" charset="0"/>
-                <a:cs typeface="Arial" panose="020B0604020202020204" pitchFamily="34" charset="0"/>
-              </a:rPr>
-              <a:t>dir1</a:t>
+              <a:t>Please open </a:t>
+            </a:r>
+            <a:r>
+              <a:rPr lang="en-US" dirty="0" err="1">
+                <a:latin typeface="Arial" panose="020B0604020202020204" pitchFamily="34" charset="0"/>
+                <a:cs typeface="Arial" panose="020B0604020202020204" pitchFamily="34" charset="0"/>
+              </a:rPr>
+              <a:t>Cocalc</a:t>
             </a:r>
             <a:r>
               <a:rPr lang="en-US" dirty="0">
                 <a:latin typeface="Arial" panose="020B0604020202020204" pitchFamily="34" charset="0"/>
                 <a:cs typeface="Arial" panose="020B0604020202020204" pitchFamily="34" charset="0"/>
               </a:rPr>
-              <a:t> with the name </a:t>
-            </a:r>
-            <a:r>
-              <a:rPr lang="en-US" b="1" dirty="0">
-                <a:latin typeface="Arial" panose="020B0604020202020204" pitchFamily="34" charset="0"/>
-                <a:cs typeface="Arial" panose="020B0604020202020204" pitchFamily="34" charset="0"/>
-              </a:rPr>
-              <a:t>dir2</a:t>
-            </a:r>
-            <a:r>
-              <a:rPr lang="en-US" dirty="0">
-                <a:latin typeface="Arial" panose="020B0604020202020204" pitchFamily="34" charset="0"/>
-                <a:cs typeface="Arial" panose="020B0604020202020204" pitchFamily="34" charset="0"/>
-              </a:rPr>
-              <a:t> and then create a file named </a:t>
-            </a:r>
-            <a:r>
-              <a:rPr lang="en-US" b="1" dirty="0">
-                <a:latin typeface="Arial" panose="020B0604020202020204" pitchFamily="34" charset="0"/>
-                <a:cs typeface="Arial" panose="020B0604020202020204" pitchFamily="34" charset="0"/>
-              </a:rPr>
-              <a:t>file1.txt </a:t>
-            </a:r>
-            <a:r>
-              <a:rPr lang="en-US" dirty="0">
-                <a:latin typeface="Arial" panose="020B0604020202020204" pitchFamily="34" charset="0"/>
-                <a:cs typeface="Arial" panose="020B0604020202020204" pitchFamily="34" charset="0"/>
-              </a:rPr>
-              <a:t>within this new directory</a:t>
-            </a:r>
-          </a:p>
-          <a:p>
+              <a:t> and a terminal in </a:t>
+            </a:r>
+            <a:r>
+              <a:rPr lang="en-US" dirty="0" err="1">
+                <a:latin typeface="Arial" panose="020B0604020202020204" pitchFamily="34" charset="0"/>
+                <a:cs typeface="Arial" panose="020B0604020202020204" pitchFamily="34" charset="0"/>
+              </a:rPr>
+              <a:t>Cocal</a:t>
+            </a:r>
             <a:endParaRPr lang="en-US" dirty="0">
               <a:latin typeface="Arial" panose="020B0604020202020204" pitchFamily="34" charset="0"/>
               <a:cs typeface="Arial" panose="020B0604020202020204" pitchFamily="34" charset="0"/>
             </a:endParaRPr>
-          </a:p>
-          <a:p>
-            <a:r>
-              <a:rPr lang="en-US" dirty="0">
-                <a:latin typeface="Arial" panose="020B0604020202020204" pitchFamily="34" charset="0"/>
-                <a:cs typeface="Arial" panose="020B0604020202020204" pitchFamily="34" charset="0"/>
-              </a:rPr>
-              <a:t>Task 2: Navigate yourself back to </a:t>
-            </a:r>
-            <a:r>
-              <a:rPr lang="en-US" b="1" dirty="0">
-                <a:latin typeface="Arial" panose="020B0604020202020204" pitchFamily="34" charset="0"/>
-                <a:cs typeface="Arial" panose="020B0604020202020204" pitchFamily="34" charset="0"/>
-              </a:rPr>
-              <a:t>/home/user </a:t>
-            </a:r>
-            <a:r>
-              <a:rPr lang="en-US" dirty="0">
-                <a:latin typeface="Arial" panose="020B0604020202020204" pitchFamily="34" charset="0"/>
-                <a:cs typeface="Arial" panose="020B0604020202020204" pitchFamily="34" charset="0"/>
-              </a:rPr>
-              <a:t>and then use the command </a:t>
-            </a:r>
-            <a:r>
-              <a:rPr lang="en-US" b="1" dirty="0">
-                <a:latin typeface="Arial" panose="020B0604020202020204" pitchFamily="34" charset="0"/>
-                <a:cs typeface="Arial" panose="020B0604020202020204" pitchFamily="34" charset="0"/>
-              </a:rPr>
-              <a:t>tree</a:t>
-            </a:r>
-            <a:r>
-              <a:rPr lang="en-US" dirty="0">
-                <a:latin typeface="Arial" panose="020B0604020202020204" pitchFamily="34" charset="0"/>
-                <a:cs typeface="Arial" panose="020B0604020202020204" pitchFamily="34" charset="0"/>
-              </a:rPr>
-              <a:t> to view the directory structure</a:t>
-            </a:r>
-          </a:p>
-          <a:p>
-            <a:endParaRPr lang="en-US" dirty="0">
-              <a:latin typeface="Arial" panose="020B0604020202020204" pitchFamily="34" charset="0"/>
-              <a:cs typeface="Arial" panose="020B0604020202020204" pitchFamily="34" charset="0"/>
-            </a:endParaRPr>
-          </a:p>
-          <a:p>
-            <a:r>
-              <a:rPr lang="en-US" dirty="0">
-                <a:latin typeface="Arial" panose="020B0604020202020204" pitchFamily="34" charset="0"/>
-                <a:cs typeface="Arial" panose="020B0604020202020204" pitchFamily="34" charset="0"/>
-              </a:rPr>
-              <a:t>Bonus: Create a new directory within </a:t>
-            </a:r>
-            <a:r>
-              <a:rPr lang="en-US" b="1" dirty="0">
-                <a:latin typeface="Arial" panose="020B0604020202020204" pitchFamily="34" charset="0"/>
-                <a:cs typeface="Arial" panose="020B0604020202020204" pitchFamily="34" charset="0"/>
-              </a:rPr>
-              <a:t>dir1</a:t>
-            </a:r>
-            <a:r>
-              <a:rPr lang="en-US" dirty="0">
-                <a:latin typeface="Arial" panose="020B0604020202020204" pitchFamily="34" charset="0"/>
-                <a:cs typeface="Arial" panose="020B0604020202020204" pitchFamily="34" charset="0"/>
-              </a:rPr>
-              <a:t> called </a:t>
-            </a:r>
-            <a:r>
-              <a:rPr lang="en-US" b="1" dirty="0">
-                <a:latin typeface="Arial" panose="020B0604020202020204" pitchFamily="34" charset="0"/>
-                <a:cs typeface="Arial" panose="020B0604020202020204" pitchFamily="34" charset="0"/>
-              </a:rPr>
-              <a:t>dir3</a:t>
-            </a:r>
-            <a:r>
-              <a:rPr lang="en-US" dirty="0">
-                <a:latin typeface="Arial" panose="020B0604020202020204" pitchFamily="34" charset="0"/>
-                <a:cs typeface="Arial" panose="020B0604020202020204" pitchFamily="34" charset="0"/>
-              </a:rPr>
-              <a:t> while your working directory is </a:t>
-            </a:r>
-            <a:r>
-              <a:rPr lang="en-US" b="1" dirty="0">
-                <a:latin typeface="Arial" panose="020B0604020202020204" pitchFamily="34" charset="0"/>
-                <a:cs typeface="Arial" panose="020B0604020202020204" pitchFamily="34" charset="0"/>
-              </a:rPr>
-              <a:t>/home/user</a:t>
-            </a:r>
           </a:p>
         </p:txBody>
       </p:sp>
     </p:spTree>
     <p:extLst>
       <p:ext uri="{BB962C8B-B14F-4D97-AF65-F5344CB8AC3E}">
-        <p14:creationId xmlns:p14="http://schemas.microsoft.com/office/powerpoint/2010/main" val="1413544063"/>
+        <p14:creationId xmlns:p14="http://schemas.microsoft.com/office/powerpoint/2010/main" val="455589368"/>
       </p:ext>
     </p:extLst>
   </p:cSld>
@@ -10668,6 +10378,640 @@
                 <a:latin typeface="Arial" panose="020B0604020202020204" pitchFamily="34" charset="0"/>
                 <a:cs typeface="Arial" panose="020B0604020202020204" pitchFamily="34" charset="0"/>
               </a:rPr>
+              <a:t>Check and create new files and directories</a:t>
+            </a:r>
+          </a:p>
+        </p:txBody>
+      </p:sp>
+      <p:sp>
+        <p:nvSpPr>
+          <p:cNvPr id="5" name="TextBox 4">
+            <a:extLst>
+              <a:ext uri="{FF2B5EF4-FFF2-40B4-BE49-F238E27FC236}">
+                <a16:creationId xmlns:a16="http://schemas.microsoft.com/office/drawing/2014/main" id="{0053786F-1429-8EE4-3D6F-B89AE583545A}"/>
+              </a:ext>
+            </a:extLst>
+          </p:cNvPr>
+          <p:cNvSpPr txBox="1"/>
+          <p:nvPr/>
+        </p:nvSpPr>
+        <p:spPr>
+          <a:xfrm>
+            <a:off x="0" y="1494122"/>
+            <a:ext cx="4347410" cy="5078313"/>
+          </a:xfrm>
+          <a:prstGeom prst="rect">
+            <a:avLst/>
+          </a:prstGeom>
+          <a:noFill/>
+        </p:spPr>
+        <p:txBody>
+          <a:bodyPr wrap="square">
+            <a:spAutoFit/>
+          </a:bodyPr>
+          <a:lstStyle/>
+          <a:p>
+            <a:r>
+              <a:rPr lang="en-US" dirty="0">
+                <a:latin typeface="Arial" panose="020B0604020202020204" pitchFamily="34" charset="0"/>
+                <a:cs typeface="Arial" panose="020B0604020202020204" pitchFamily="34" charset="0"/>
+              </a:rPr>
+              <a:t>List all files in current directory</a:t>
+            </a:r>
+          </a:p>
+          <a:p>
+            <a:r>
+              <a:rPr lang="en-US" dirty="0">
+                <a:latin typeface="Courier New" panose="02070309020205020404" pitchFamily="49" charset="0"/>
+                <a:cs typeface="Courier New" panose="02070309020205020404" pitchFamily="49" charset="0"/>
+              </a:rPr>
+              <a:t>ls</a:t>
+            </a:r>
+          </a:p>
+          <a:p>
+            <a:endParaRPr lang="en-US" dirty="0">
+              <a:latin typeface="Arial" panose="020B0604020202020204" pitchFamily="34" charset="0"/>
+              <a:cs typeface="Arial" panose="020B0604020202020204" pitchFamily="34" charset="0"/>
+            </a:endParaRPr>
+          </a:p>
+          <a:p>
+            <a:r>
+              <a:rPr lang="en-US" dirty="0">
+                <a:latin typeface="Arial" panose="020B0604020202020204" pitchFamily="34" charset="0"/>
+                <a:cs typeface="Arial" panose="020B0604020202020204" pitchFamily="34" charset="0"/>
+              </a:rPr>
+              <a:t>View all options for ls and use some options</a:t>
+            </a:r>
+          </a:p>
+          <a:p>
+            <a:r>
+              <a:rPr lang="en-US" dirty="0">
+                <a:latin typeface="Courier New" panose="02070309020205020404" pitchFamily="49" charset="0"/>
+                <a:cs typeface="Courier New" panose="02070309020205020404" pitchFamily="49" charset="0"/>
+              </a:rPr>
+              <a:t>ls –-help</a:t>
+            </a:r>
+          </a:p>
+          <a:p>
+            <a:r>
+              <a:rPr lang="en-US" dirty="0">
+                <a:latin typeface="Courier New" panose="02070309020205020404" pitchFamily="49" charset="0"/>
+                <a:cs typeface="Courier New" panose="02070309020205020404" pitchFamily="49" charset="0"/>
+              </a:rPr>
+              <a:t>ls -a</a:t>
+            </a:r>
+          </a:p>
+          <a:p>
+            <a:endParaRPr lang="en-US" dirty="0">
+              <a:latin typeface="Courier New" panose="02070309020205020404" pitchFamily="49" charset="0"/>
+              <a:cs typeface="Courier New" panose="02070309020205020404" pitchFamily="49" charset="0"/>
+            </a:endParaRPr>
+          </a:p>
+          <a:p>
+            <a:r>
+              <a:rPr lang="en-US" dirty="0">
+                <a:latin typeface="Arial" panose="020B0604020202020204" pitchFamily="34" charset="0"/>
+                <a:cs typeface="Arial" panose="020B0604020202020204" pitchFamily="34" charset="0"/>
+              </a:rPr>
+              <a:t>Create files</a:t>
+            </a:r>
+          </a:p>
+          <a:p>
+            <a:r>
+              <a:rPr lang="en-US" dirty="0">
+                <a:latin typeface="Courier New" panose="02070309020205020404" pitchFamily="49" charset="0"/>
+                <a:cs typeface="Courier New" panose="02070309020205020404" pitchFamily="49" charset="0"/>
+              </a:rPr>
+              <a:t>touch file1.txt</a:t>
+            </a:r>
+          </a:p>
+          <a:p>
+            <a:r>
+              <a:rPr lang="en-US" dirty="0">
+                <a:latin typeface="Courier New" panose="02070309020205020404" pitchFamily="49" charset="0"/>
+                <a:cs typeface="Courier New" panose="02070309020205020404" pitchFamily="49" charset="0"/>
+              </a:rPr>
+              <a:t>ls</a:t>
+            </a:r>
+          </a:p>
+          <a:p>
+            <a:r>
+              <a:rPr lang="en-US" dirty="0">
+                <a:latin typeface="Courier New" panose="02070309020205020404" pitchFamily="49" charset="0"/>
+                <a:cs typeface="Courier New" panose="02070309020205020404" pitchFamily="49" charset="0"/>
+              </a:rPr>
+              <a:t>touch file2.txt file3.txt</a:t>
+            </a:r>
+          </a:p>
+          <a:p>
+            <a:r>
+              <a:rPr lang="en-US" dirty="0">
+                <a:latin typeface="Courier New" panose="02070309020205020404" pitchFamily="49" charset="0"/>
+                <a:cs typeface="Courier New" panose="02070309020205020404" pitchFamily="49" charset="0"/>
+              </a:rPr>
+              <a:t>ls</a:t>
+            </a:r>
+          </a:p>
+          <a:p>
+            <a:endParaRPr lang="en-US" dirty="0">
+              <a:latin typeface="Courier New" panose="02070309020205020404" pitchFamily="49" charset="0"/>
+              <a:cs typeface="Courier New" panose="02070309020205020404" pitchFamily="49" charset="0"/>
+            </a:endParaRPr>
+          </a:p>
+          <a:p>
+            <a:r>
+              <a:rPr lang="en-US" dirty="0">
+                <a:latin typeface="Arial" panose="020B0604020202020204" pitchFamily="34" charset="0"/>
+                <a:cs typeface="Arial" panose="020B0604020202020204" pitchFamily="34" charset="0"/>
+              </a:rPr>
+              <a:t>Create new directory</a:t>
+            </a:r>
+          </a:p>
+          <a:p>
+            <a:r>
+              <a:rPr lang="en-US" dirty="0" err="1">
+                <a:latin typeface="Courier New" panose="02070309020205020404" pitchFamily="49" charset="0"/>
+                <a:cs typeface="Courier New" panose="02070309020205020404" pitchFamily="49" charset="0"/>
+              </a:rPr>
+              <a:t>mkdir</a:t>
+            </a:r>
+            <a:r>
+              <a:rPr lang="en-US" dirty="0">
+                <a:latin typeface="Courier New" panose="02070309020205020404" pitchFamily="49" charset="0"/>
+                <a:cs typeface="Courier New" panose="02070309020205020404" pitchFamily="49" charset="0"/>
+              </a:rPr>
+              <a:t> dir1</a:t>
+            </a:r>
+          </a:p>
+          <a:p>
+            <a:r>
+              <a:rPr lang="en-US" dirty="0">
+                <a:latin typeface="Courier New" panose="02070309020205020404" pitchFamily="49" charset="0"/>
+                <a:cs typeface="Courier New" panose="02070309020205020404" pitchFamily="49" charset="0"/>
+              </a:rPr>
+              <a:t>ls</a:t>
+            </a:r>
+          </a:p>
+          <a:p>
+            <a:r>
+              <a:rPr lang="en-US" dirty="0">
+                <a:latin typeface="Courier New" panose="02070309020205020404" pitchFamily="49" charset="0"/>
+                <a:cs typeface="Courier New" panose="02070309020205020404" pitchFamily="49" charset="0"/>
+              </a:rPr>
+              <a:t>ls -l</a:t>
+            </a:r>
+          </a:p>
+        </p:txBody>
+      </p:sp>
+      <p:sp>
+        <p:nvSpPr>
+          <p:cNvPr id="6" name="TextBox 5">
+            <a:extLst>
+              <a:ext uri="{FF2B5EF4-FFF2-40B4-BE49-F238E27FC236}">
+                <a16:creationId xmlns:a16="http://schemas.microsoft.com/office/drawing/2014/main" id="{3900ABC1-FF2B-1688-9DB2-CC057D9D7D30}"/>
+              </a:ext>
+            </a:extLst>
+          </p:cNvPr>
+          <p:cNvSpPr txBox="1"/>
+          <p:nvPr/>
+        </p:nvSpPr>
+        <p:spPr>
+          <a:xfrm>
+            <a:off x="4628148" y="1494122"/>
+            <a:ext cx="4347410" cy="3416320"/>
+          </a:xfrm>
+          <a:prstGeom prst="rect">
+            <a:avLst/>
+          </a:prstGeom>
+          <a:noFill/>
+        </p:spPr>
+        <p:txBody>
+          <a:bodyPr wrap="square">
+            <a:spAutoFit/>
+          </a:bodyPr>
+          <a:lstStyle/>
+          <a:p>
+            <a:r>
+              <a:rPr lang="en-US" dirty="0">
+                <a:latin typeface="Arial" panose="020B0604020202020204" pitchFamily="34" charset="0"/>
+                <a:cs typeface="Arial" panose="020B0604020202020204" pitchFamily="34" charset="0"/>
+              </a:rPr>
+              <a:t>View current path</a:t>
+            </a:r>
+          </a:p>
+          <a:p>
+            <a:r>
+              <a:rPr lang="en-US" dirty="0" err="1">
+                <a:latin typeface="Courier New" panose="02070309020205020404" pitchFamily="49" charset="0"/>
+                <a:cs typeface="Courier New" panose="02070309020205020404" pitchFamily="49" charset="0"/>
+              </a:rPr>
+              <a:t>pwd</a:t>
+            </a:r>
+            <a:endParaRPr lang="en-US" dirty="0">
+              <a:latin typeface="Courier New" panose="02070309020205020404" pitchFamily="49" charset="0"/>
+              <a:cs typeface="Courier New" panose="02070309020205020404" pitchFamily="49" charset="0"/>
+            </a:endParaRPr>
+          </a:p>
+          <a:p>
+            <a:endParaRPr lang="en-US" dirty="0">
+              <a:latin typeface="Arial" panose="020B0604020202020204" pitchFamily="34" charset="0"/>
+              <a:cs typeface="Arial" panose="020B0604020202020204" pitchFamily="34" charset="0"/>
+            </a:endParaRPr>
+          </a:p>
+          <a:p>
+            <a:r>
+              <a:rPr lang="en-US" dirty="0">
+                <a:latin typeface="Arial" panose="020B0604020202020204" pitchFamily="34" charset="0"/>
+                <a:cs typeface="Arial" panose="020B0604020202020204" pitchFamily="34" charset="0"/>
+              </a:rPr>
+              <a:t>Change into new directory</a:t>
+            </a:r>
+          </a:p>
+          <a:p>
+            <a:r>
+              <a:rPr lang="en-US" dirty="0">
+                <a:latin typeface="Courier New" panose="02070309020205020404" pitchFamily="49" charset="0"/>
+                <a:cs typeface="Courier New" panose="02070309020205020404" pitchFamily="49" charset="0"/>
+              </a:rPr>
+              <a:t>cd dir1</a:t>
+            </a:r>
+          </a:p>
+          <a:p>
+            <a:r>
+              <a:rPr lang="en-US" dirty="0">
+                <a:latin typeface="Courier New" panose="02070309020205020404" pitchFamily="49" charset="0"/>
+                <a:cs typeface="Courier New" panose="02070309020205020404" pitchFamily="49" charset="0"/>
+              </a:rPr>
+              <a:t>ls</a:t>
+            </a:r>
+          </a:p>
+          <a:p>
+            <a:r>
+              <a:rPr lang="en-US" dirty="0" err="1">
+                <a:latin typeface="Courier New" panose="02070309020205020404" pitchFamily="49" charset="0"/>
+                <a:cs typeface="Courier New" panose="02070309020205020404" pitchFamily="49" charset="0"/>
+              </a:rPr>
+              <a:t>pwd</a:t>
+            </a:r>
+            <a:endParaRPr lang="en-US" dirty="0">
+              <a:latin typeface="Courier New" panose="02070309020205020404" pitchFamily="49" charset="0"/>
+              <a:cs typeface="Courier New" panose="02070309020205020404" pitchFamily="49" charset="0"/>
+            </a:endParaRPr>
+          </a:p>
+          <a:p>
+            <a:endParaRPr lang="en-US" dirty="0">
+              <a:latin typeface="Arial" panose="020B0604020202020204" pitchFamily="34" charset="0"/>
+              <a:cs typeface="Arial" panose="020B0604020202020204" pitchFamily="34" charset="0"/>
+            </a:endParaRPr>
+          </a:p>
+          <a:p>
+            <a:r>
+              <a:rPr lang="en-US" dirty="0">
+                <a:latin typeface="Arial" panose="020B0604020202020204" pitchFamily="34" charset="0"/>
+                <a:cs typeface="Arial" panose="020B0604020202020204" pitchFamily="34" charset="0"/>
+              </a:rPr>
+              <a:t>Go back to previous directory</a:t>
+            </a:r>
+          </a:p>
+          <a:p>
+            <a:r>
+              <a:rPr lang="en-US" dirty="0">
+                <a:latin typeface="Courier New" panose="02070309020205020404" pitchFamily="49" charset="0"/>
+                <a:cs typeface="Courier New" panose="02070309020205020404" pitchFamily="49" charset="0"/>
+              </a:rPr>
+              <a:t>cd ..</a:t>
+            </a:r>
+          </a:p>
+          <a:p>
+            <a:r>
+              <a:rPr lang="en-US" dirty="0" err="1">
+                <a:latin typeface="Courier New" panose="02070309020205020404" pitchFamily="49" charset="0"/>
+                <a:cs typeface="Courier New" panose="02070309020205020404" pitchFamily="49" charset="0"/>
+              </a:rPr>
+              <a:t>pwd</a:t>
+            </a:r>
+            <a:endParaRPr lang="en-US" dirty="0">
+              <a:latin typeface="Courier New" panose="02070309020205020404" pitchFamily="49" charset="0"/>
+              <a:cs typeface="Courier New" panose="02070309020205020404" pitchFamily="49" charset="0"/>
+            </a:endParaRPr>
+          </a:p>
+          <a:p>
+            <a:r>
+              <a:rPr lang="en-US" dirty="0">
+                <a:latin typeface="Courier New" panose="02070309020205020404" pitchFamily="49" charset="0"/>
+                <a:cs typeface="Courier New" panose="02070309020205020404" pitchFamily="49" charset="0"/>
+              </a:rPr>
+              <a:t>ls</a:t>
+            </a:r>
+          </a:p>
+        </p:txBody>
+      </p:sp>
+    </p:spTree>
+    <p:extLst>
+      <p:ext uri="{BB962C8B-B14F-4D97-AF65-F5344CB8AC3E}">
+        <p14:creationId xmlns:p14="http://schemas.microsoft.com/office/powerpoint/2010/main" val="795640844"/>
+      </p:ext>
+    </p:extLst>
+  </p:cSld>
+  <p:clrMapOvr>
+    <a:masterClrMapping/>
+  </p:clrMapOvr>
+</p:sld>
+</file>
+
+<file path=ppt/slides/slide32.xml><?xml version="1.0" encoding="utf-8"?>
+<p:sld xmlns:a="http://schemas.openxmlformats.org/drawingml/2006/main" xmlns:r="http://schemas.openxmlformats.org/officeDocument/2006/relationships" xmlns:p="http://schemas.openxmlformats.org/presentationml/2006/main">
+  <p:cSld>
+    <p:spTree>
+      <p:nvGrpSpPr>
+        <p:cNvPr id="1" name=""/>
+        <p:cNvGrpSpPr/>
+        <p:nvPr/>
+      </p:nvGrpSpPr>
+      <p:grpSpPr>
+        <a:xfrm>
+          <a:off x="0" y="0"/>
+          <a:ext cx="0" cy="0"/>
+          <a:chOff x="0" y="0"/>
+          <a:chExt cx="0" cy="0"/>
+        </a:xfrm>
+      </p:grpSpPr>
+      <p:sp>
+        <p:nvSpPr>
+          <p:cNvPr id="2" name="TextBox 1">
+            <a:extLst>
+              <a:ext uri="{FF2B5EF4-FFF2-40B4-BE49-F238E27FC236}">
+                <a16:creationId xmlns:a16="http://schemas.microsoft.com/office/drawing/2014/main" id="{30DFB4F8-02E9-3172-BBD6-CA79A76EC796}"/>
+              </a:ext>
+            </a:extLst>
+          </p:cNvPr>
+          <p:cNvSpPr txBox="1"/>
+          <p:nvPr/>
+        </p:nvSpPr>
+        <p:spPr>
+          <a:xfrm>
+            <a:off x="0" y="441"/>
+            <a:ext cx="12192000" cy="584775"/>
+          </a:xfrm>
+          <a:prstGeom prst="rect">
+            <a:avLst/>
+          </a:prstGeom>
+          <a:noFill/>
+        </p:spPr>
+        <p:txBody>
+          <a:bodyPr wrap="square" rtlCol="0">
+            <a:spAutoFit/>
+          </a:bodyPr>
+          <a:lstStyle/>
+          <a:p>
+            <a:pPr algn="ctr"/>
+            <a:r>
+              <a:rPr lang="en-US" sz="3200" u="sng" dirty="0">
+                <a:latin typeface="Arial" panose="020B0604020202020204" pitchFamily="34" charset="0"/>
+                <a:cs typeface="Arial" panose="020B0604020202020204" pitchFamily="34" charset="0"/>
+              </a:rPr>
+              <a:t>Exercise</a:t>
+            </a:r>
+          </a:p>
+        </p:txBody>
+      </p:sp>
+      <p:sp>
+        <p:nvSpPr>
+          <p:cNvPr id="5" name="TextBox 4">
+            <a:extLst>
+              <a:ext uri="{FF2B5EF4-FFF2-40B4-BE49-F238E27FC236}">
+                <a16:creationId xmlns:a16="http://schemas.microsoft.com/office/drawing/2014/main" id="{0053786F-1429-8EE4-3D6F-B89AE583545A}"/>
+              </a:ext>
+            </a:extLst>
+          </p:cNvPr>
+          <p:cNvSpPr txBox="1"/>
+          <p:nvPr/>
+        </p:nvSpPr>
+        <p:spPr>
+          <a:xfrm>
+            <a:off x="0" y="1253490"/>
+            <a:ext cx="11518232" cy="1754326"/>
+          </a:xfrm>
+          <a:prstGeom prst="rect">
+            <a:avLst/>
+          </a:prstGeom>
+          <a:noFill/>
+        </p:spPr>
+        <p:txBody>
+          <a:bodyPr wrap="square">
+            <a:spAutoFit/>
+          </a:bodyPr>
+          <a:lstStyle/>
+          <a:p>
+            <a:r>
+              <a:rPr lang="en-US" dirty="0">
+                <a:latin typeface="Arial" panose="020B0604020202020204" pitchFamily="34" charset="0"/>
+                <a:cs typeface="Arial" panose="020B0604020202020204" pitchFamily="34" charset="0"/>
+              </a:rPr>
+              <a:t>Task 1: Create a new directory within </a:t>
+            </a:r>
+            <a:r>
+              <a:rPr lang="en-US" b="1" dirty="0">
+                <a:latin typeface="Arial" panose="020B0604020202020204" pitchFamily="34" charset="0"/>
+                <a:cs typeface="Arial" panose="020B0604020202020204" pitchFamily="34" charset="0"/>
+              </a:rPr>
+              <a:t>dir1</a:t>
+            </a:r>
+            <a:r>
+              <a:rPr lang="en-US" dirty="0">
+                <a:latin typeface="Arial" panose="020B0604020202020204" pitchFamily="34" charset="0"/>
+                <a:cs typeface="Arial" panose="020B0604020202020204" pitchFamily="34" charset="0"/>
+              </a:rPr>
+              <a:t> with the name </a:t>
+            </a:r>
+            <a:r>
+              <a:rPr lang="en-US" b="1" dirty="0">
+                <a:latin typeface="Arial" panose="020B0604020202020204" pitchFamily="34" charset="0"/>
+                <a:cs typeface="Arial" panose="020B0604020202020204" pitchFamily="34" charset="0"/>
+              </a:rPr>
+              <a:t>dir2</a:t>
+            </a:r>
+            <a:r>
+              <a:rPr lang="en-US" dirty="0">
+                <a:latin typeface="Arial" panose="020B0604020202020204" pitchFamily="34" charset="0"/>
+                <a:cs typeface="Arial" panose="020B0604020202020204" pitchFamily="34" charset="0"/>
+              </a:rPr>
+              <a:t> and then create a file named </a:t>
+            </a:r>
+            <a:r>
+              <a:rPr lang="en-US" b="1" dirty="0">
+                <a:latin typeface="Arial" panose="020B0604020202020204" pitchFamily="34" charset="0"/>
+                <a:cs typeface="Arial" panose="020B0604020202020204" pitchFamily="34" charset="0"/>
+              </a:rPr>
+              <a:t>file1.txt </a:t>
+            </a:r>
+            <a:r>
+              <a:rPr lang="en-US" dirty="0">
+                <a:latin typeface="Arial" panose="020B0604020202020204" pitchFamily="34" charset="0"/>
+                <a:cs typeface="Arial" panose="020B0604020202020204" pitchFamily="34" charset="0"/>
+              </a:rPr>
+              <a:t>within this new directory</a:t>
+            </a:r>
+          </a:p>
+          <a:p>
+            <a:endParaRPr lang="en-US" dirty="0">
+              <a:latin typeface="Arial" panose="020B0604020202020204" pitchFamily="34" charset="0"/>
+              <a:cs typeface="Arial" panose="020B0604020202020204" pitchFamily="34" charset="0"/>
+            </a:endParaRPr>
+          </a:p>
+          <a:p>
+            <a:r>
+              <a:rPr lang="en-US" dirty="0">
+                <a:latin typeface="Arial" panose="020B0604020202020204" pitchFamily="34" charset="0"/>
+                <a:cs typeface="Arial" panose="020B0604020202020204" pitchFamily="34" charset="0"/>
+              </a:rPr>
+              <a:t>Task 2: Navigate yourself back to </a:t>
+            </a:r>
+            <a:r>
+              <a:rPr lang="en-US" b="1" dirty="0">
+                <a:latin typeface="Arial" panose="020B0604020202020204" pitchFamily="34" charset="0"/>
+                <a:cs typeface="Arial" panose="020B0604020202020204" pitchFamily="34" charset="0"/>
+              </a:rPr>
+              <a:t>/home/user </a:t>
+            </a:r>
+            <a:r>
+              <a:rPr lang="en-US" dirty="0">
+                <a:latin typeface="Arial" panose="020B0604020202020204" pitchFamily="34" charset="0"/>
+                <a:cs typeface="Arial" panose="020B0604020202020204" pitchFamily="34" charset="0"/>
+              </a:rPr>
+              <a:t>and then use the command </a:t>
+            </a:r>
+            <a:r>
+              <a:rPr lang="en-US" b="1" dirty="0">
+                <a:latin typeface="Arial" panose="020B0604020202020204" pitchFamily="34" charset="0"/>
+                <a:cs typeface="Arial" panose="020B0604020202020204" pitchFamily="34" charset="0"/>
+              </a:rPr>
+              <a:t>tree</a:t>
+            </a:r>
+            <a:r>
+              <a:rPr lang="en-US" dirty="0">
+                <a:latin typeface="Arial" panose="020B0604020202020204" pitchFamily="34" charset="0"/>
+                <a:cs typeface="Arial" panose="020B0604020202020204" pitchFamily="34" charset="0"/>
+              </a:rPr>
+              <a:t> to view the directory structure</a:t>
+            </a:r>
+          </a:p>
+          <a:p>
+            <a:endParaRPr lang="en-US" dirty="0">
+              <a:latin typeface="Arial" panose="020B0604020202020204" pitchFamily="34" charset="0"/>
+              <a:cs typeface="Arial" panose="020B0604020202020204" pitchFamily="34" charset="0"/>
+            </a:endParaRPr>
+          </a:p>
+          <a:p>
+            <a:r>
+              <a:rPr lang="en-US" dirty="0">
+                <a:latin typeface="Arial" panose="020B0604020202020204" pitchFamily="34" charset="0"/>
+                <a:cs typeface="Arial" panose="020B0604020202020204" pitchFamily="34" charset="0"/>
+              </a:rPr>
+              <a:t>Bonus: Create a new directory within </a:t>
+            </a:r>
+            <a:r>
+              <a:rPr lang="en-US" b="1" dirty="0">
+                <a:latin typeface="Arial" panose="020B0604020202020204" pitchFamily="34" charset="0"/>
+                <a:cs typeface="Arial" panose="020B0604020202020204" pitchFamily="34" charset="0"/>
+              </a:rPr>
+              <a:t>dir1</a:t>
+            </a:r>
+            <a:r>
+              <a:rPr lang="en-US" dirty="0">
+                <a:latin typeface="Arial" panose="020B0604020202020204" pitchFamily="34" charset="0"/>
+                <a:cs typeface="Arial" panose="020B0604020202020204" pitchFamily="34" charset="0"/>
+              </a:rPr>
+              <a:t> called </a:t>
+            </a:r>
+            <a:r>
+              <a:rPr lang="en-US" b="1" dirty="0">
+                <a:latin typeface="Arial" panose="020B0604020202020204" pitchFamily="34" charset="0"/>
+                <a:cs typeface="Arial" panose="020B0604020202020204" pitchFamily="34" charset="0"/>
+              </a:rPr>
+              <a:t>dir3</a:t>
+            </a:r>
+            <a:r>
+              <a:rPr lang="en-US" dirty="0">
+                <a:latin typeface="Arial" panose="020B0604020202020204" pitchFamily="34" charset="0"/>
+                <a:cs typeface="Arial" panose="020B0604020202020204" pitchFamily="34" charset="0"/>
+              </a:rPr>
+              <a:t> while your working directory is </a:t>
+            </a:r>
+            <a:r>
+              <a:rPr lang="en-US" b="1" dirty="0">
+                <a:latin typeface="Arial" panose="020B0604020202020204" pitchFamily="34" charset="0"/>
+                <a:cs typeface="Arial" panose="020B0604020202020204" pitchFamily="34" charset="0"/>
+              </a:rPr>
+              <a:t>/home/user</a:t>
+            </a:r>
+          </a:p>
+        </p:txBody>
+      </p:sp>
+    </p:spTree>
+    <p:extLst>
+      <p:ext uri="{BB962C8B-B14F-4D97-AF65-F5344CB8AC3E}">
+        <p14:creationId xmlns:p14="http://schemas.microsoft.com/office/powerpoint/2010/main" val="1413544063"/>
+      </p:ext>
+    </p:extLst>
+  </p:cSld>
+  <p:clrMapOvr>
+    <a:masterClrMapping/>
+  </p:clrMapOvr>
+</p:sld>
+</file>
+
+<file path=ppt/slides/slide33.xml><?xml version="1.0" encoding="utf-8"?>
+<p:sld xmlns:a="http://schemas.openxmlformats.org/drawingml/2006/main" xmlns:r="http://schemas.openxmlformats.org/officeDocument/2006/relationships" xmlns:p="http://schemas.openxmlformats.org/presentationml/2006/main">
+  <p:cSld>
+    <p:spTree>
+      <p:nvGrpSpPr>
+        <p:cNvPr id="1" name=""/>
+        <p:cNvGrpSpPr/>
+        <p:nvPr/>
+      </p:nvGrpSpPr>
+      <p:grpSpPr>
+        <a:xfrm>
+          <a:off x="0" y="0"/>
+          <a:ext cx="0" cy="0"/>
+          <a:chOff x="0" y="0"/>
+          <a:chExt cx="0" cy="0"/>
+        </a:xfrm>
+      </p:grpSpPr>
+      <p:sp>
+        <p:nvSpPr>
+          <p:cNvPr id="2" name="TextBox 1">
+            <a:extLst>
+              <a:ext uri="{FF2B5EF4-FFF2-40B4-BE49-F238E27FC236}">
+                <a16:creationId xmlns:a16="http://schemas.microsoft.com/office/drawing/2014/main" id="{30DFB4F8-02E9-3172-BBD6-CA79A76EC796}"/>
+              </a:ext>
+            </a:extLst>
+          </p:cNvPr>
+          <p:cNvSpPr txBox="1"/>
+          <p:nvPr/>
+        </p:nvSpPr>
+        <p:spPr>
+          <a:xfrm>
+            <a:off x="0" y="441"/>
+            <a:ext cx="12192000" cy="584775"/>
+          </a:xfrm>
+          <a:prstGeom prst="rect">
+            <a:avLst/>
+          </a:prstGeom>
+          <a:noFill/>
+        </p:spPr>
+        <p:txBody>
+          <a:bodyPr wrap="square" rtlCol="0">
+            <a:spAutoFit/>
+          </a:bodyPr>
+          <a:lstStyle/>
+          <a:p>
+            <a:pPr algn="ctr"/>
+            <a:r>
+              <a:rPr lang="en-US" sz="3200" u="sng" dirty="0">
+                <a:latin typeface="Arial" panose="020B0604020202020204" pitchFamily="34" charset="0"/>
+                <a:cs typeface="Arial" panose="020B0604020202020204" pitchFamily="34" charset="0"/>
+              </a:rPr>
               <a:t>Copying, moving and deleting files and directories</a:t>
             </a:r>
           </a:p>
@@ -11034,285 +11378,6 @@
 </p:sld>
 </file>
 
-<file path=ppt/slides/slide32.xml><?xml version="1.0" encoding="utf-8"?>
-<p:sld xmlns:a="http://schemas.openxmlformats.org/drawingml/2006/main" xmlns:r="http://schemas.openxmlformats.org/officeDocument/2006/relationships" xmlns:p="http://schemas.openxmlformats.org/presentationml/2006/main">
-  <p:cSld>
-    <p:spTree>
-      <p:nvGrpSpPr>
-        <p:cNvPr id="1" name=""/>
-        <p:cNvGrpSpPr/>
-        <p:nvPr/>
-      </p:nvGrpSpPr>
-      <p:grpSpPr>
-        <a:xfrm>
-          <a:off x="0" y="0"/>
-          <a:ext cx="0" cy="0"/>
-          <a:chOff x="0" y="0"/>
-          <a:chExt cx="0" cy="0"/>
-        </a:xfrm>
-      </p:grpSpPr>
-      <p:sp>
-        <p:nvSpPr>
-          <p:cNvPr id="2" name="TextBox 1">
-            <a:extLst>
-              <a:ext uri="{FF2B5EF4-FFF2-40B4-BE49-F238E27FC236}">
-                <a16:creationId xmlns:a16="http://schemas.microsoft.com/office/drawing/2014/main" id="{30DFB4F8-02E9-3172-BBD6-CA79A76EC796}"/>
-              </a:ext>
-            </a:extLst>
-          </p:cNvPr>
-          <p:cNvSpPr txBox="1"/>
-          <p:nvPr/>
-        </p:nvSpPr>
-        <p:spPr>
-          <a:xfrm>
-            <a:off x="0" y="441"/>
-            <a:ext cx="12192000" cy="584775"/>
-          </a:xfrm>
-          <a:prstGeom prst="rect">
-            <a:avLst/>
-          </a:prstGeom>
-          <a:noFill/>
-        </p:spPr>
-        <p:txBody>
-          <a:bodyPr wrap="square" rtlCol="0">
-            <a:spAutoFit/>
-          </a:bodyPr>
-          <a:lstStyle/>
-          <a:p>
-            <a:pPr algn="ctr"/>
-            <a:r>
-              <a:rPr lang="en-US" sz="3200" u="sng" dirty="0">
-                <a:latin typeface="Arial" panose="020B0604020202020204" pitchFamily="34" charset="0"/>
-                <a:cs typeface="Arial" panose="020B0604020202020204" pitchFamily="34" charset="0"/>
-              </a:rPr>
-              <a:t>Using wildcards</a:t>
-            </a:r>
-          </a:p>
-        </p:txBody>
-      </p:sp>
-      <p:sp>
-        <p:nvSpPr>
-          <p:cNvPr id="8" name="TextBox 7">
-            <a:extLst>
-              <a:ext uri="{FF2B5EF4-FFF2-40B4-BE49-F238E27FC236}">
-                <a16:creationId xmlns:a16="http://schemas.microsoft.com/office/drawing/2014/main" id="{5470EBD9-6115-793F-BFF8-7A41483B2275}"/>
-              </a:ext>
-            </a:extLst>
-          </p:cNvPr>
-          <p:cNvSpPr txBox="1"/>
-          <p:nvPr/>
-        </p:nvSpPr>
-        <p:spPr>
-          <a:xfrm>
-            <a:off x="109303" y="888915"/>
-            <a:ext cx="8181474" cy="3631763"/>
-          </a:xfrm>
-          <a:prstGeom prst="rect">
-            <a:avLst/>
-          </a:prstGeom>
-          <a:noFill/>
-        </p:spPr>
-        <p:txBody>
-          <a:bodyPr wrap="square">
-            <a:spAutoFit/>
-          </a:bodyPr>
-          <a:lstStyle/>
-          <a:p>
-            <a:r>
-              <a:rPr lang="en-US" dirty="0">
-                <a:latin typeface="Arial" panose="020B0604020202020204" pitchFamily="34" charset="0"/>
-                <a:cs typeface="Arial" panose="020B0604020202020204" pitchFamily="34" charset="0"/>
-              </a:rPr>
-              <a:t>Create the following files</a:t>
-            </a:r>
-          </a:p>
-          <a:p>
-            <a:r>
-              <a:rPr lang="en-US" dirty="0">
-                <a:latin typeface="Courier New" panose="02070309020205020404" pitchFamily="49" charset="0"/>
-                <a:cs typeface="Courier New" panose="02070309020205020404" pitchFamily="49" charset="0"/>
-              </a:rPr>
-              <a:t>touch test1.txt test2.txt file5.csv file6.csv</a:t>
-            </a:r>
-          </a:p>
-          <a:p>
-            <a:r>
-              <a:rPr lang="en-US" dirty="0">
-                <a:latin typeface="Courier New" panose="02070309020205020404" pitchFamily="49" charset="0"/>
-                <a:cs typeface="Courier New" panose="02070309020205020404" pitchFamily="49" charset="0"/>
-              </a:rPr>
-              <a:t>ls</a:t>
-            </a:r>
-          </a:p>
-          <a:p>
-            <a:endParaRPr lang="en-US" dirty="0">
-              <a:latin typeface="Arial" panose="020B0604020202020204" pitchFamily="34" charset="0"/>
-              <a:cs typeface="Arial" panose="020B0604020202020204" pitchFamily="34" charset="0"/>
-            </a:endParaRPr>
-          </a:p>
-          <a:p>
-            <a:r>
-              <a:rPr lang="en-US" dirty="0">
-                <a:latin typeface="Arial" panose="020B0604020202020204" pitchFamily="34" charset="0"/>
-                <a:cs typeface="Arial" panose="020B0604020202020204" pitchFamily="34" charset="0"/>
-              </a:rPr>
-              <a:t>View all files that starts with test </a:t>
-            </a:r>
-          </a:p>
-          <a:p>
-            <a:r>
-              <a:rPr lang="en-US" dirty="0">
-                <a:latin typeface="Courier New" panose="02070309020205020404" pitchFamily="49" charset="0"/>
-                <a:cs typeface="Courier New" panose="02070309020205020404" pitchFamily="49" charset="0"/>
-              </a:rPr>
-              <a:t>ls test*</a:t>
-            </a:r>
-          </a:p>
-          <a:p>
-            <a:endParaRPr lang="en-US" sz="1400" dirty="0">
-              <a:latin typeface="Arial" panose="020B0604020202020204" pitchFamily="34" charset="0"/>
-              <a:cs typeface="Arial" panose="020B0604020202020204" pitchFamily="34" charset="0"/>
-            </a:endParaRPr>
-          </a:p>
-          <a:p>
-            <a:r>
-              <a:rPr lang="en-US" dirty="0">
-                <a:latin typeface="Arial" panose="020B0604020202020204" pitchFamily="34" charset="0"/>
-                <a:cs typeface="Arial" panose="020B0604020202020204" pitchFamily="34" charset="0"/>
-              </a:rPr>
-              <a:t>View all files that ends with csv</a:t>
-            </a:r>
-          </a:p>
-          <a:p>
-            <a:r>
-              <a:rPr lang="en-US" dirty="0">
-                <a:latin typeface="Courier New" panose="02070309020205020404" pitchFamily="49" charset="0"/>
-                <a:cs typeface="Courier New" panose="02070309020205020404" pitchFamily="49" charset="0"/>
-              </a:rPr>
-              <a:t>ls *csv</a:t>
-            </a:r>
-          </a:p>
-          <a:p>
-            <a:endParaRPr lang="en-US" dirty="0">
-              <a:latin typeface="Courier New" panose="02070309020205020404" pitchFamily="49" charset="0"/>
-              <a:cs typeface="Courier New" panose="02070309020205020404" pitchFamily="49" charset="0"/>
-            </a:endParaRPr>
-          </a:p>
-          <a:p>
-            <a:r>
-              <a:rPr lang="en-US" dirty="0">
-                <a:latin typeface="Arial" panose="020B0604020202020204" pitchFamily="34" charset="0"/>
-                <a:cs typeface="Arial" panose="020B0604020202020204" pitchFamily="34" charset="0"/>
-              </a:rPr>
-              <a:t>Remove all csv and text files</a:t>
-            </a:r>
-            <a:endParaRPr lang="en-US" sz="1800" dirty="0">
-              <a:latin typeface="Courier New" panose="02070309020205020404" pitchFamily="49" charset="0"/>
-              <a:cs typeface="Courier New" panose="02070309020205020404" pitchFamily="49" charset="0"/>
-            </a:endParaRPr>
-          </a:p>
-          <a:p>
-            <a:r>
-              <a:rPr lang="en-US" dirty="0">
-                <a:latin typeface="Courier New" panose="02070309020205020404" pitchFamily="49" charset="0"/>
-                <a:cs typeface="Courier New" panose="02070309020205020404" pitchFamily="49" charset="0"/>
-              </a:rPr>
-              <a:t>rm *.csv</a:t>
-            </a:r>
-          </a:p>
-          <a:p>
-            <a:r>
-              <a:rPr lang="en-US" dirty="0">
-                <a:latin typeface="Courier New" panose="02070309020205020404" pitchFamily="49" charset="0"/>
-                <a:cs typeface="Courier New" panose="02070309020205020404" pitchFamily="49" charset="0"/>
-              </a:rPr>
-              <a:t>rm *.txt</a:t>
-            </a:r>
-          </a:p>
-        </p:txBody>
-      </p:sp>
-    </p:spTree>
-    <p:extLst>
-      <p:ext uri="{BB962C8B-B14F-4D97-AF65-F5344CB8AC3E}">
-        <p14:creationId xmlns:p14="http://schemas.microsoft.com/office/powerpoint/2010/main" val="4119652442"/>
-      </p:ext>
-    </p:extLst>
-  </p:cSld>
-  <p:clrMapOvr>
-    <a:masterClrMapping/>
-  </p:clrMapOvr>
-</p:sld>
-</file>
-
-<file path=ppt/slides/slide33.xml><?xml version="1.0" encoding="utf-8"?>
-<p:sld xmlns:a="http://schemas.openxmlformats.org/drawingml/2006/main" xmlns:r="http://schemas.openxmlformats.org/officeDocument/2006/relationships" xmlns:p="http://schemas.openxmlformats.org/presentationml/2006/main">
-  <p:cSld>
-    <p:spTree>
-      <p:nvGrpSpPr>
-        <p:cNvPr id="1" name=""/>
-        <p:cNvGrpSpPr/>
-        <p:nvPr/>
-      </p:nvGrpSpPr>
-      <p:grpSpPr>
-        <a:xfrm>
-          <a:off x="0" y="0"/>
-          <a:ext cx="0" cy="0"/>
-          <a:chOff x="0" y="0"/>
-          <a:chExt cx="0" cy="0"/>
-        </a:xfrm>
-      </p:grpSpPr>
-      <p:sp>
-        <p:nvSpPr>
-          <p:cNvPr id="2" name="TextBox 1">
-            <a:extLst>
-              <a:ext uri="{FF2B5EF4-FFF2-40B4-BE49-F238E27FC236}">
-                <a16:creationId xmlns:a16="http://schemas.microsoft.com/office/drawing/2014/main" id="{30DFB4F8-02E9-3172-BBD6-CA79A76EC796}"/>
-              </a:ext>
-            </a:extLst>
-          </p:cNvPr>
-          <p:cNvSpPr txBox="1"/>
-          <p:nvPr/>
-        </p:nvSpPr>
-        <p:spPr>
-          <a:xfrm>
-            <a:off x="0" y="2844225"/>
-            <a:ext cx="12192000" cy="584775"/>
-          </a:xfrm>
-          <a:prstGeom prst="rect">
-            <a:avLst/>
-          </a:prstGeom>
-          <a:noFill/>
-        </p:spPr>
-        <p:txBody>
-          <a:bodyPr wrap="square" rtlCol="0">
-            <a:spAutoFit/>
-          </a:bodyPr>
-          <a:lstStyle/>
-          <a:p>
-            <a:pPr algn="ctr"/>
-            <a:r>
-              <a:rPr lang="en-US" sz="3200" u="sng" dirty="0">
-                <a:latin typeface="Arial" panose="020B0604020202020204" pitchFamily="34" charset="0"/>
-                <a:cs typeface="Arial" panose="020B0604020202020204" pitchFamily="34" charset="0"/>
-              </a:rPr>
-              <a:t>Break</a:t>
-            </a:r>
-          </a:p>
-        </p:txBody>
-      </p:sp>
-    </p:spTree>
-    <p:extLst>
-      <p:ext uri="{BB962C8B-B14F-4D97-AF65-F5344CB8AC3E}">
-        <p14:creationId xmlns:p14="http://schemas.microsoft.com/office/powerpoint/2010/main" val="4003820184"/>
-      </p:ext>
-    </p:extLst>
-  </p:cSld>
-  <p:clrMapOvr>
-    <a:masterClrMapping/>
-  </p:clrMapOvr>
-</p:sld>
-</file>
-
 <file path=ppt/slides/slide34.xml><?xml version="1.0" encoding="utf-8"?>
 <p:sld xmlns:a="http://schemas.openxmlformats.org/drawingml/2006/main" xmlns:r="http://schemas.openxmlformats.org/officeDocument/2006/relationships" xmlns:p="http://schemas.openxmlformats.org/presentationml/2006/main">
   <p:cSld>
@@ -11345,7 +11410,7 @@
         <p:spPr>
           <a:xfrm>
             <a:off x="0" y="441"/>
-            <a:ext cx="12192000" cy="954107"/>
+            <a:ext cx="12192000" cy="584775"/>
           </a:xfrm>
           <a:prstGeom prst="rect">
             <a:avLst/>
@@ -11364,27 +11429,17 @@
                 <a:latin typeface="Arial" panose="020B0604020202020204" pitchFamily="34" charset="0"/>
                 <a:cs typeface="Arial" panose="020B0604020202020204" pitchFamily="34" charset="0"/>
               </a:rPr>
-              <a:t>Viewing, editing and saving files</a:t>
-            </a:r>
-          </a:p>
-          <a:p>
-            <a:pPr algn="ctr"/>
-            <a:r>
-              <a:rPr lang="en-US" sz="2400" u="sng" dirty="0">
-                <a:latin typeface="Arial" panose="020B0604020202020204" pitchFamily="34" charset="0"/>
-                <a:cs typeface="Arial" panose="020B0604020202020204" pitchFamily="34" charset="0"/>
-              </a:rPr>
-              <a:t>Nano </a:t>
+              <a:t>Using wildcards</a:t>
             </a:r>
           </a:p>
         </p:txBody>
       </p:sp>
       <p:sp>
         <p:nvSpPr>
-          <p:cNvPr id="7" name="TextBox 6">
-            <a:extLst>
-              <a:ext uri="{FF2B5EF4-FFF2-40B4-BE49-F238E27FC236}">
-                <a16:creationId xmlns:a16="http://schemas.microsoft.com/office/drawing/2014/main" id="{BE2299B6-1856-2077-A93E-4E9BB2503EA5}"/>
+          <p:cNvPr id="8" name="TextBox 7">
+            <a:extLst>
+              <a:ext uri="{FF2B5EF4-FFF2-40B4-BE49-F238E27FC236}">
+                <a16:creationId xmlns:a16="http://schemas.microsoft.com/office/drawing/2014/main" id="{5470EBD9-6115-793F-BFF8-7A41483B2275}"/>
               </a:ext>
             </a:extLst>
           </p:cNvPr>
@@ -11393,8 +11448,8 @@
         </p:nvSpPr>
         <p:spPr>
           <a:xfrm>
-            <a:off x="0" y="994696"/>
-            <a:ext cx="12192000" cy="369332"/>
+            <a:off x="109303" y="888915"/>
+            <a:ext cx="8181474" cy="3631763"/>
           </a:xfrm>
           <a:prstGeom prst="rect">
             <a:avLst/>
@@ -11412,45 +11467,25 @@
                 <a:latin typeface="Arial" panose="020B0604020202020204" pitchFamily="34" charset="0"/>
                 <a:cs typeface="Arial" panose="020B0604020202020204" pitchFamily="34" charset="0"/>
               </a:rPr>
-              <a:t>Linux have different tools available to view and edit files. We will try and cover the most widely used programs</a:t>
-            </a:r>
-          </a:p>
-        </p:txBody>
-      </p:sp>
-      <p:sp>
-        <p:nvSpPr>
-          <p:cNvPr id="3" name="TextBox 2">
-            <a:extLst>
-              <a:ext uri="{FF2B5EF4-FFF2-40B4-BE49-F238E27FC236}">
-                <a16:creationId xmlns:a16="http://schemas.microsoft.com/office/drawing/2014/main" id="{FC672A2F-9DF5-1F29-F85F-5E8D148C0B95}"/>
-              </a:ext>
-            </a:extLst>
-          </p:cNvPr>
-          <p:cNvSpPr txBox="1"/>
-          <p:nvPr/>
-        </p:nvSpPr>
-        <p:spPr>
-          <a:xfrm>
-            <a:off x="0" y="1765927"/>
-            <a:ext cx="10306373" cy="5078313"/>
-          </a:xfrm>
-          <a:prstGeom prst="rect">
-            <a:avLst/>
-          </a:prstGeom>
-          <a:noFill/>
-        </p:spPr>
-        <p:txBody>
-          <a:bodyPr wrap="square">
-            <a:spAutoFit/>
-          </a:bodyPr>
-          <a:lstStyle/>
+              <a:t>Create the following files</a:t>
+            </a:r>
+          </a:p>
           <a:p>
             <a:r>
               <a:rPr lang="en-US" dirty="0">
-                <a:latin typeface="Arial" panose="020B0604020202020204" pitchFamily="34" charset="0"/>
-                <a:cs typeface="Arial" panose="020B0604020202020204" pitchFamily="34" charset="0"/>
-              </a:rPr>
-              <a:t>Task: clear everything in your /home/user directory except for the .term files</a:t>
+                <a:latin typeface="Courier New" panose="02070309020205020404" pitchFamily="49" charset="0"/>
+                <a:cs typeface="Courier New" panose="02070309020205020404" pitchFamily="49" charset="0"/>
+              </a:rPr>
+              <a:t>touch test1.txt test2.txt file5.csv file6.csv</a:t>
+            </a:r>
+          </a:p>
+          <a:p>
+            <a:r>
+              <a:rPr lang="en-US" dirty="0">
+                <a:latin typeface="Courier New" panose="02070309020205020404" pitchFamily="49" charset="0"/>
+                <a:cs typeface="Courier New" panose="02070309020205020404" pitchFamily="49" charset="0"/>
+              </a:rPr>
+              <a:t>ls</a:t>
             </a:r>
           </a:p>
           <a:p>
@@ -11465,7 +11500,7 @@
                 <a:latin typeface="Arial" panose="020B0604020202020204" pitchFamily="34" charset="0"/>
                 <a:cs typeface="Arial" panose="020B0604020202020204" pitchFamily="34" charset="0"/>
               </a:rPr>
-              <a:t>Create a new text file</a:t>
+              <a:t>View all files that starts with test </a:t>
             </a:r>
           </a:p>
           <a:p>
@@ -11474,11 +11509,11 @@
                 <a:latin typeface="Courier New" panose="02070309020205020404" pitchFamily="49" charset="0"/>
                 <a:cs typeface="Courier New" panose="02070309020205020404" pitchFamily="49" charset="0"/>
               </a:rPr>
-              <a:t>touch file1.txt</a:t>
-            </a:r>
-          </a:p>
-          <a:p>
-            <a:endParaRPr lang="en-US" dirty="0">
+              <a:t>ls test*</a:t>
+            </a:r>
+          </a:p>
+          <a:p>
+            <a:endParaRPr lang="en-US" sz="1400" dirty="0">
               <a:latin typeface="Arial" panose="020B0604020202020204" pitchFamily="34" charset="0"/>
               <a:cs typeface="Arial" panose="020B0604020202020204" pitchFamily="34" charset="0"/>
             </a:endParaRPr>
@@ -11489,7 +11524,7 @@
                 <a:latin typeface="Arial" panose="020B0604020202020204" pitchFamily="34" charset="0"/>
                 <a:cs typeface="Arial" panose="020B0604020202020204" pitchFamily="34" charset="0"/>
               </a:rPr>
-              <a:t>Print the contents of this file to the command line (should be nothing)</a:t>
+              <a:t>View all files that ends with csv</a:t>
             </a:r>
           </a:p>
           <a:p>
@@ -11498,73 +11533,7 @@
                 <a:latin typeface="Courier New" panose="02070309020205020404" pitchFamily="49" charset="0"/>
                 <a:cs typeface="Courier New" panose="02070309020205020404" pitchFamily="49" charset="0"/>
               </a:rPr>
-              <a:t>cat file1.txt</a:t>
-            </a:r>
-          </a:p>
-          <a:p>
-            <a:endParaRPr lang="en-US" dirty="0">
-              <a:latin typeface="Arial" panose="020B0604020202020204" pitchFamily="34" charset="0"/>
-              <a:cs typeface="Arial" panose="020B0604020202020204" pitchFamily="34" charset="0"/>
-            </a:endParaRPr>
-          </a:p>
-          <a:p>
-            <a:r>
-              <a:rPr lang="en-US" dirty="0">
-                <a:latin typeface="Arial" panose="020B0604020202020204" pitchFamily="34" charset="0"/>
-                <a:cs typeface="Arial" panose="020B0604020202020204" pitchFamily="34" charset="0"/>
-              </a:rPr>
-              <a:t>Open the file in nano and write 5 lines of random text</a:t>
-            </a:r>
-          </a:p>
-          <a:p>
-            <a:r>
-              <a:rPr lang="en-US" dirty="0">
-                <a:latin typeface="Courier New" panose="02070309020205020404" pitchFamily="49" charset="0"/>
-                <a:cs typeface="Courier New" panose="02070309020205020404" pitchFamily="49" charset="0"/>
-              </a:rPr>
-              <a:t>nano file1.txt</a:t>
-            </a:r>
-          </a:p>
-          <a:p>
-            <a:endParaRPr lang="en-US" dirty="0">
-              <a:latin typeface="Arial" panose="020B0604020202020204" pitchFamily="34" charset="0"/>
-              <a:cs typeface="Arial" panose="020B0604020202020204" pitchFamily="34" charset="0"/>
-            </a:endParaRPr>
-          </a:p>
-          <a:p>
-            <a:r>
-              <a:rPr lang="en-US" dirty="0">
-                <a:latin typeface="Arial" panose="020B0604020202020204" pitchFamily="34" charset="0"/>
-                <a:cs typeface="Arial" panose="020B0604020202020204" pitchFamily="34" charset="0"/>
-              </a:rPr>
-              <a:t>After you edited the file do the following to save and exit nano</a:t>
-            </a:r>
-          </a:p>
-          <a:p>
-            <a:r>
-              <a:rPr lang="en-US" dirty="0">
-                <a:latin typeface="Arial" panose="020B0604020202020204" pitchFamily="34" charset="0"/>
-                <a:cs typeface="Arial" panose="020B0604020202020204" pitchFamily="34" charset="0"/>
-              </a:rPr>
-              <a:t>Hit &lt;CONTROL&gt;+X</a:t>
-            </a:r>
-          </a:p>
-          <a:p>
-            <a:r>
-              <a:rPr lang="en-US" dirty="0">
-                <a:latin typeface="Arial" panose="020B0604020202020204" pitchFamily="34" charset="0"/>
-                <a:cs typeface="Arial" panose="020B0604020202020204" pitchFamily="34" charset="0"/>
-              </a:rPr>
-              <a:t>Type Y </a:t>
-            </a:r>
-          </a:p>
-          <a:p>
-            <a:r>
-              <a:rPr lang="en-US" dirty="0">
-                <a:latin typeface="Arial" panose="020B0604020202020204" pitchFamily="34" charset="0"/>
-                <a:cs typeface="Arial" panose="020B0604020202020204" pitchFamily="34" charset="0"/>
-              </a:rPr>
-              <a:t>Hit &lt;ENTER&gt;</a:t>
+              <a:t>ls *csv</a:t>
             </a:r>
           </a:p>
           <a:p>
@@ -11579,8 +11548,12 @@
                 <a:latin typeface="Arial" panose="020B0604020202020204" pitchFamily="34" charset="0"/>
                 <a:cs typeface="Arial" panose="020B0604020202020204" pitchFamily="34" charset="0"/>
               </a:rPr>
-              <a:t>Print the contents of this file to the command line</a:t>
-            </a:r>
+              <a:t>Remove all csv and text files</a:t>
+            </a:r>
+            <a:endParaRPr lang="en-US" sz="1800" dirty="0">
+              <a:latin typeface="Courier New" panose="02070309020205020404" pitchFamily="49" charset="0"/>
+              <a:cs typeface="Courier New" panose="02070309020205020404" pitchFamily="49" charset="0"/>
+            </a:endParaRPr>
           </a:p>
           <a:p>
             <a:r>
@@ -11588,7 +11561,16 @@
                 <a:latin typeface="Courier New" panose="02070309020205020404" pitchFamily="49" charset="0"/>
                 <a:cs typeface="Courier New" panose="02070309020205020404" pitchFamily="49" charset="0"/>
               </a:rPr>
-              <a:t>cat file1.txt</a:t>
+              <a:t>rm *.csv</a:t>
+            </a:r>
+          </a:p>
+          <a:p>
+            <a:r>
+              <a:rPr lang="en-US" dirty="0">
+                <a:latin typeface="Courier New" panose="02070309020205020404" pitchFamily="49" charset="0"/>
+                <a:cs typeface="Courier New" panose="02070309020205020404" pitchFamily="49" charset="0"/>
+              </a:rPr>
+              <a:t>rm *.txt</a:t>
             </a:r>
           </a:p>
         </p:txBody>
@@ -11596,7 +11578,7 @@
     </p:spTree>
     <p:extLst>
       <p:ext uri="{BB962C8B-B14F-4D97-AF65-F5344CB8AC3E}">
-        <p14:creationId xmlns:p14="http://schemas.microsoft.com/office/powerpoint/2010/main" val="2159630625"/>
+        <p14:creationId xmlns:p14="http://schemas.microsoft.com/office/powerpoint/2010/main" val="4119652442"/>
       </p:ext>
     </p:extLst>
   </p:cSld>
@@ -11637,8 +11619,8 @@
         </p:nvSpPr>
         <p:spPr>
           <a:xfrm>
-            <a:off x="0" y="441"/>
-            <a:ext cx="12192000" cy="954107"/>
+            <a:off x="0" y="2844225"/>
+            <a:ext cx="12192000" cy="584775"/>
           </a:xfrm>
           <a:prstGeom prst="rect">
             <a:avLst/>
@@ -11657,248 +11639,7 @@
                 <a:latin typeface="Arial" panose="020B0604020202020204" pitchFamily="34" charset="0"/>
                 <a:cs typeface="Arial" panose="020B0604020202020204" pitchFamily="34" charset="0"/>
               </a:rPr>
-              <a:t>Viewing, editing and saving files</a:t>
-            </a:r>
-          </a:p>
-          <a:p>
-            <a:pPr algn="ctr"/>
-            <a:r>
-              <a:rPr lang="en-US" sz="2400" u="sng" dirty="0">
-                <a:latin typeface="Arial" panose="020B0604020202020204" pitchFamily="34" charset="0"/>
-                <a:cs typeface="Arial" panose="020B0604020202020204" pitchFamily="34" charset="0"/>
-              </a:rPr>
-              <a:t>Vim </a:t>
-            </a:r>
-          </a:p>
-        </p:txBody>
-      </p:sp>
-      <p:sp>
-        <p:nvSpPr>
-          <p:cNvPr id="7" name="TextBox 6">
-            <a:extLst>
-              <a:ext uri="{FF2B5EF4-FFF2-40B4-BE49-F238E27FC236}">
-                <a16:creationId xmlns:a16="http://schemas.microsoft.com/office/drawing/2014/main" id="{BE2299B6-1856-2077-A93E-4E9BB2503EA5}"/>
-              </a:ext>
-            </a:extLst>
-          </p:cNvPr>
-          <p:cNvSpPr txBox="1"/>
-          <p:nvPr/>
-        </p:nvSpPr>
-        <p:spPr>
-          <a:xfrm>
-            <a:off x="0" y="994696"/>
-            <a:ext cx="12192000" cy="369332"/>
-          </a:xfrm>
-          <a:prstGeom prst="rect">
-            <a:avLst/>
-          </a:prstGeom>
-          <a:noFill/>
-        </p:spPr>
-        <p:txBody>
-          <a:bodyPr wrap="square">
-            <a:spAutoFit/>
-          </a:bodyPr>
-          <a:lstStyle/>
-          <a:p>
-            <a:r>
-              <a:rPr lang="en-US" dirty="0">
-                <a:latin typeface="Arial" panose="020B0604020202020204" pitchFamily="34" charset="0"/>
-                <a:cs typeface="Arial" panose="020B0604020202020204" pitchFamily="34" charset="0"/>
-              </a:rPr>
-              <a:t>Linux have different tools available to view and edit files. We will try and cover the most widely used programs</a:t>
-            </a:r>
-          </a:p>
-        </p:txBody>
-      </p:sp>
-      <p:sp>
-        <p:nvSpPr>
-          <p:cNvPr id="3" name="TextBox 2">
-            <a:extLst>
-              <a:ext uri="{FF2B5EF4-FFF2-40B4-BE49-F238E27FC236}">
-                <a16:creationId xmlns:a16="http://schemas.microsoft.com/office/drawing/2014/main" id="{FC672A2F-9DF5-1F29-F85F-5E8D148C0B95}"/>
-              </a:ext>
-            </a:extLst>
-          </p:cNvPr>
-          <p:cNvSpPr txBox="1"/>
-          <p:nvPr/>
-        </p:nvSpPr>
-        <p:spPr>
-          <a:xfrm>
-            <a:off x="0" y="1765927"/>
-            <a:ext cx="10306373" cy="4524315"/>
-          </a:xfrm>
-          <a:prstGeom prst="rect">
-            <a:avLst/>
-          </a:prstGeom>
-          <a:noFill/>
-        </p:spPr>
-        <p:txBody>
-          <a:bodyPr wrap="square">
-            <a:spAutoFit/>
-          </a:bodyPr>
-          <a:lstStyle/>
-          <a:p>
-            <a:r>
-              <a:rPr lang="en-US" dirty="0">
-                <a:latin typeface="Arial" panose="020B0604020202020204" pitchFamily="34" charset="0"/>
-                <a:cs typeface="Arial" panose="020B0604020202020204" pitchFamily="34" charset="0"/>
-              </a:rPr>
-              <a:t>Task: clear everything in your /home/user directory except for the .term files</a:t>
-            </a:r>
-          </a:p>
-          <a:p>
-            <a:endParaRPr lang="en-US" dirty="0">
-              <a:latin typeface="Arial" panose="020B0604020202020204" pitchFamily="34" charset="0"/>
-              <a:cs typeface="Arial" panose="020B0604020202020204" pitchFamily="34" charset="0"/>
-            </a:endParaRPr>
-          </a:p>
-          <a:p>
-            <a:r>
-              <a:rPr lang="en-US" dirty="0">
-                <a:latin typeface="Arial" panose="020B0604020202020204" pitchFamily="34" charset="0"/>
-                <a:cs typeface="Arial" panose="020B0604020202020204" pitchFamily="34" charset="0"/>
-              </a:rPr>
-              <a:t>Create a new text file</a:t>
-            </a:r>
-          </a:p>
-          <a:p>
-            <a:r>
-              <a:rPr lang="en-US" dirty="0">
-                <a:latin typeface="Courier New" panose="02070309020205020404" pitchFamily="49" charset="0"/>
-                <a:cs typeface="Courier New" panose="02070309020205020404" pitchFamily="49" charset="0"/>
-              </a:rPr>
-              <a:t>touch file1.txt</a:t>
-            </a:r>
-          </a:p>
-          <a:p>
-            <a:endParaRPr lang="en-US" dirty="0">
-              <a:latin typeface="Arial" panose="020B0604020202020204" pitchFamily="34" charset="0"/>
-              <a:cs typeface="Arial" panose="020B0604020202020204" pitchFamily="34" charset="0"/>
-            </a:endParaRPr>
-          </a:p>
-          <a:p>
-            <a:r>
-              <a:rPr lang="en-US" dirty="0">
-                <a:latin typeface="Arial" panose="020B0604020202020204" pitchFamily="34" charset="0"/>
-                <a:cs typeface="Arial" panose="020B0604020202020204" pitchFamily="34" charset="0"/>
-              </a:rPr>
-              <a:t>Print the contents of this file to the command line (should be nothing)</a:t>
-            </a:r>
-          </a:p>
-          <a:p>
-            <a:r>
-              <a:rPr lang="en-US" dirty="0">
-                <a:latin typeface="Courier New" panose="02070309020205020404" pitchFamily="49" charset="0"/>
-                <a:cs typeface="Courier New" panose="02070309020205020404" pitchFamily="49" charset="0"/>
-              </a:rPr>
-              <a:t>cat file1.txt</a:t>
-            </a:r>
-          </a:p>
-          <a:p>
-            <a:endParaRPr lang="en-US" dirty="0">
-              <a:latin typeface="Arial" panose="020B0604020202020204" pitchFamily="34" charset="0"/>
-              <a:cs typeface="Arial" panose="020B0604020202020204" pitchFamily="34" charset="0"/>
-            </a:endParaRPr>
-          </a:p>
-          <a:p>
-            <a:r>
-              <a:rPr lang="en-US" dirty="0">
-                <a:latin typeface="Arial" panose="020B0604020202020204" pitchFamily="34" charset="0"/>
-                <a:cs typeface="Arial" panose="020B0604020202020204" pitchFamily="34" charset="0"/>
-              </a:rPr>
-              <a:t>Open the file in vim </a:t>
-            </a:r>
-          </a:p>
-          <a:p>
-            <a:r>
-              <a:rPr lang="en-US" dirty="0">
-                <a:latin typeface="Courier New" panose="02070309020205020404" pitchFamily="49" charset="0"/>
-                <a:cs typeface="Courier New" panose="02070309020205020404" pitchFamily="49" charset="0"/>
-              </a:rPr>
-              <a:t>vi file1.txt</a:t>
-            </a:r>
-          </a:p>
-          <a:p>
-            <a:r>
-              <a:rPr lang="en-US" dirty="0">
-                <a:latin typeface="Arial" panose="020B0604020202020204" pitchFamily="34" charset="0"/>
-                <a:cs typeface="Arial" panose="020B0604020202020204" pitchFamily="34" charset="0"/>
-              </a:rPr>
-              <a:t>To edit either hit the INSERT button or &lt;SHIFT&gt;+I</a:t>
-            </a:r>
-            <a:endParaRPr lang="en-US" dirty="0">
-              <a:latin typeface="Courier New" panose="02070309020205020404" pitchFamily="49" charset="0"/>
-              <a:cs typeface="Courier New" panose="02070309020205020404" pitchFamily="49" charset="0"/>
-            </a:endParaRPr>
-          </a:p>
-          <a:p>
-            <a:r>
-              <a:rPr lang="en-US" dirty="0">
-                <a:latin typeface="Arial" panose="020B0604020202020204" pitchFamily="34" charset="0"/>
-                <a:cs typeface="Arial" panose="020B0604020202020204" pitchFamily="34" charset="0"/>
-              </a:rPr>
-              <a:t>Write five lines of random words</a:t>
-            </a:r>
-          </a:p>
-          <a:p>
-            <a:r>
-              <a:rPr lang="en-US" dirty="0">
-                <a:latin typeface="Arial" panose="020B0604020202020204" pitchFamily="34" charset="0"/>
-                <a:cs typeface="Arial" panose="020B0604020202020204" pitchFamily="34" charset="0"/>
-              </a:rPr>
-              <a:t>To close and save hit &lt;ESC&gt; and type </a:t>
-            </a:r>
-            <a:r>
-              <a:rPr lang="en-US" dirty="0">
-                <a:latin typeface="Courier New" panose="02070309020205020404" pitchFamily="49" charset="0"/>
-                <a:cs typeface="Courier New" panose="02070309020205020404" pitchFamily="49" charset="0"/>
-              </a:rPr>
-              <a:t>:</a:t>
-            </a:r>
-            <a:r>
-              <a:rPr lang="en-US" dirty="0" err="1">
-                <a:latin typeface="Courier New" panose="02070309020205020404" pitchFamily="49" charset="0"/>
-                <a:cs typeface="Courier New" panose="02070309020205020404" pitchFamily="49" charset="0"/>
-              </a:rPr>
-              <a:t>wq</a:t>
-            </a:r>
-            <a:r>
-              <a:rPr lang="en-US" dirty="0">
-                <a:latin typeface="Courier New" panose="02070309020205020404" pitchFamily="49" charset="0"/>
-                <a:cs typeface="Courier New" panose="02070309020205020404" pitchFamily="49" charset="0"/>
-              </a:rPr>
-              <a:t>! </a:t>
-            </a:r>
-            <a:r>
-              <a:rPr lang="en-US" dirty="0">
-                <a:latin typeface="Arial" panose="020B0604020202020204" pitchFamily="34" charset="0"/>
-                <a:cs typeface="Arial" panose="020B0604020202020204" pitchFamily="34" charset="0"/>
-              </a:rPr>
-              <a:t>and hit &lt;ENTER&gt;</a:t>
-            </a:r>
-          </a:p>
-          <a:p>
-            <a:endParaRPr lang="en-US" dirty="0">
-              <a:latin typeface="Courier New" panose="02070309020205020404" pitchFamily="49" charset="0"/>
-              <a:cs typeface="Courier New" panose="02070309020205020404" pitchFamily="49" charset="0"/>
-            </a:endParaRPr>
-          </a:p>
-          <a:p>
-            <a:r>
-              <a:rPr lang="en-US" dirty="0">
-                <a:latin typeface="Arial" panose="020B0604020202020204" pitchFamily="34" charset="0"/>
-                <a:cs typeface="Arial" panose="020B0604020202020204" pitchFamily="34" charset="0"/>
-              </a:rPr>
-              <a:t>Print the contents of this file to the command line</a:t>
-            </a:r>
-          </a:p>
-          <a:p>
-            <a:r>
-              <a:rPr lang="en-US" dirty="0">
-                <a:latin typeface="Courier New" panose="02070309020205020404" pitchFamily="49" charset="0"/>
-                <a:cs typeface="Courier New" panose="02070309020205020404" pitchFamily="49" charset="0"/>
-              </a:rPr>
-              <a:t>cat file1.txt</a:t>
+              <a:t>Break</a:t>
             </a:r>
           </a:p>
         </p:txBody>
@@ -11906,7 +11647,7 @@
     </p:spTree>
     <p:extLst>
       <p:ext uri="{BB962C8B-B14F-4D97-AF65-F5344CB8AC3E}">
-        <p14:creationId xmlns:p14="http://schemas.microsoft.com/office/powerpoint/2010/main" val="2546448992"/>
+        <p14:creationId xmlns:p14="http://schemas.microsoft.com/office/powerpoint/2010/main" val="4003820184"/>
       </p:ext>
     </p:extLst>
   </p:cSld>
@@ -11948,7 +11689,7 @@
         <p:spPr>
           <a:xfrm>
             <a:off x="0" y="441"/>
-            <a:ext cx="12192000" cy="584775"/>
+            <a:ext cx="12192000" cy="954107"/>
           </a:xfrm>
           <a:prstGeom prst="rect">
             <a:avLst/>
@@ -11967,17 +11708,27 @@
                 <a:latin typeface="Arial" panose="020B0604020202020204" pitchFamily="34" charset="0"/>
                 <a:cs typeface="Arial" panose="020B0604020202020204" pitchFamily="34" charset="0"/>
               </a:rPr>
-              <a:t>Viewing, editing and saving files </a:t>
+              <a:t>Viewing, editing and saving files</a:t>
+            </a:r>
+          </a:p>
+          <a:p>
+            <a:pPr algn="ctr"/>
+            <a:r>
+              <a:rPr lang="en-US" sz="2400" u="sng" dirty="0">
+                <a:latin typeface="Arial" panose="020B0604020202020204" pitchFamily="34" charset="0"/>
+                <a:cs typeface="Arial" panose="020B0604020202020204" pitchFamily="34" charset="0"/>
+              </a:rPr>
+              <a:t>Nano </a:t>
             </a:r>
           </a:p>
         </p:txBody>
       </p:sp>
       <p:sp>
         <p:nvSpPr>
-          <p:cNvPr id="3" name="TextBox 2">
-            <a:extLst>
-              <a:ext uri="{FF2B5EF4-FFF2-40B4-BE49-F238E27FC236}">
-                <a16:creationId xmlns:a16="http://schemas.microsoft.com/office/drawing/2014/main" id="{FC672A2F-9DF5-1F29-F85F-5E8D148C0B95}"/>
+          <p:cNvPr id="7" name="TextBox 6">
+            <a:extLst>
+              <a:ext uri="{FF2B5EF4-FFF2-40B4-BE49-F238E27FC236}">
+                <a16:creationId xmlns:a16="http://schemas.microsoft.com/office/drawing/2014/main" id="{BE2299B6-1856-2077-A93E-4E9BB2503EA5}"/>
               </a:ext>
             </a:extLst>
           </p:cNvPr>
@@ -11986,8 +11737,8 @@
         </p:nvSpPr>
         <p:spPr>
           <a:xfrm>
-            <a:off x="0" y="884494"/>
-            <a:ext cx="10848814" cy="3416320"/>
+            <a:off x="0" y="994696"/>
+            <a:ext cx="12192000" cy="369332"/>
           </a:xfrm>
           <a:prstGeom prst="rect">
             <a:avLst/>
@@ -12005,16 +11756,45 @@
                 <a:latin typeface="Arial" panose="020B0604020202020204" pitchFamily="34" charset="0"/>
                 <a:cs typeface="Arial" panose="020B0604020202020204" pitchFamily="34" charset="0"/>
               </a:rPr>
-              <a:t>View the contents of file1.txt with the less command (close by hitting ‘q’)</a:t>
-            </a:r>
-          </a:p>
+              <a:t>Linux have different tools available to view and edit files. We will try and cover the most widely used programs</a:t>
+            </a:r>
+          </a:p>
+        </p:txBody>
+      </p:sp>
+      <p:sp>
+        <p:nvSpPr>
+          <p:cNvPr id="3" name="TextBox 2">
+            <a:extLst>
+              <a:ext uri="{FF2B5EF4-FFF2-40B4-BE49-F238E27FC236}">
+                <a16:creationId xmlns:a16="http://schemas.microsoft.com/office/drawing/2014/main" id="{FC672A2F-9DF5-1F29-F85F-5E8D148C0B95}"/>
+              </a:ext>
+            </a:extLst>
+          </p:cNvPr>
+          <p:cNvSpPr txBox="1"/>
+          <p:nvPr/>
+        </p:nvSpPr>
+        <p:spPr>
+          <a:xfrm>
+            <a:off x="0" y="1765927"/>
+            <a:ext cx="10306373" cy="5078313"/>
+          </a:xfrm>
+          <a:prstGeom prst="rect">
+            <a:avLst/>
+          </a:prstGeom>
+          <a:noFill/>
+        </p:spPr>
+        <p:txBody>
+          <a:bodyPr wrap="square">
+            <a:spAutoFit/>
+          </a:bodyPr>
+          <a:lstStyle/>
           <a:p>
             <a:r>
               <a:rPr lang="en-US" dirty="0">
-                <a:latin typeface="Courier New" panose="02070309020205020404" pitchFamily="49" charset="0"/>
-                <a:cs typeface="Courier New" panose="02070309020205020404" pitchFamily="49" charset="0"/>
-              </a:rPr>
-              <a:t>less file1.txt</a:t>
+                <a:latin typeface="Arial" panose="020B0604020202020204" pitchFamily="34" charset="0"/>
+                <a:cs typeface="Arial" panose="020B0604020202020204" pitchFamily="34" charset="0"/>
+              </a:rPr>
+              <a:t>Task: clear everything in your /home/user directory except for the .term files</a:t>
             </a:r>
           </a:p>
           <a:p>
@@ -12029,7 +11809,7 @@
                 <a:latin typeface="Arial" panose="020B0604020202020204" pitchFamily="34" charset="0"/>
                 <a:cs typeface="Arial" panose="020B0604020202020204" pitchFamily="34" charset="0"/>
               </a:rPr>
-              <a:t>Use head to print the first three lines of file1.txt</a:t>
+              <a:t>Create a new text file</a:t>
             </a:r>
           </a:p>
           <a:p>
@@ -12038,7 +11818,7 @@
                 <a:latin typeface="Courier New" panose="02070309020205020404" pitchFamily="49" charset="0"/>
                 <a:cs typeface="Courier New" panose="02070309020205020404" pitchFamily="49" charset="0"/>
               </a:rPr>
-              <a:t>head –n 3 file1.txt</a:t>
+              <a:t>touch file1.txt</a:t>
             </a:r>
           </a:p>
           <a:p>
@@ -12053,7 +11833,16 @@
                 <a:latin typeface="Arial" panose="020B0604020202020204" pitchFamily="34" charset="0"/>
                 <a:cs typeface="Arial" panose="020B0604020202020204" pitchFamily="34" charset="0"/>
               </a:rPr>
-              <a:t>Exercise: </a:t>
+              <a:t>Print the contents of this file to the command line (should be nothing)</a:t>
+            </a:r>
+          </a:p>
+          <a:p>
+            <a:r>
+              <a:rPr lang="en-US" dirty="0">
+                <a:latin typeface="Courier New" panose="02070309020205020404" pitchFamily="49" charset="0"/>
+                <a:cs typeface="Courier New" panose="02070309020205020404" pitchFamily="49" charset="0"/>
+              </a:rPr>
+              <a:t>cat file1.txt</a:t>
             </a:r>
           </a:p>
           <a:p>
@@ -12063,79 +11852,87 @@
             </a:endParaRPr>
           </a:p>
           <a:p>
-            <a:pPr marL="342900" indent="-342900">
-              <a:buAutoNum type="arabicPeriod"/>
-            </a:pPr>
             <a:r>
               <a:rPr lang="en-US" dirty="0">
                 <a:latin typeface="Arial" panose="020B0604020202020204" pitchFamily="34" charset="0"/>
                 <a:cs typeface="Arial" panose="020B0604020202020204" pitchFamily="34" charset="0"/>
               </a:rPr>
-              <a:t>Create a file names file2.txt and use nano to edit this file with 20 lines of random text</a:t>
-            </a:r>
-          </a:p>
-          <a:p>
-            <a:pPr marL="342900" indent="-342900">
-              <a:buAutoNum type="arabicPeriod"/>
-            </a:pPr>
-            <a:r>
-              <a:rPr lang="en-US" dirty="0">
-                <a:latin typeface="Arial" panose="020B0604020202020204" pitchFamily="34" charset="0"/>
-                <a:cs typeface="Arial" panose="020B0604020202020204" pitchFamily="34" charset="0"/>
-              </a:rPr>
-              <a:t>Use the head command to print the top lines (</a:t>
-            </a:r>
+              <a:t>Open the file in nano and write 5 lines of random text</a:t>
+            </a:r>
+          </a:p>
+          <a:p>
             <a:r>
               <a:rPr lang="en-US" dirty="0">
                 <a:latin typeface="Courier New" panose="02070309020205020404" pitchFamily="49" charset="0"/>
                 <a:cs typeface="Courier New" panose="02070309020205020404" pitchFamily="49" charset="0"/>
               </a:rPr>
-              <a:t>head file2.txt</a:t>
-            </a:r>
+              <a:t>nano file1.txt</a:t>
+            </a:r>
+          </a:p>
+          <a:p>
+            <a:endParaRPr lang="en-US" dirty="0">
+              <a:latin typeface="Arial" panose="020B0604020202020204" pitchFamily="34" charset="0"/>
+              <a:cs typeface="Arial" panose="020B0604020202020204" pitchFamily="34" charset="0"/>
+            </a:endParaRPr>
+          </a:p>
+          <a:p>
             <a:r>
               <a:rPr lang="en-US" dirty="0">
                 <a:latin typeface="Arial" panose="020B0604020202020204" pitchFamily="34" charset="0"/>
                 <a:cs typeface="Arial" panose="020B0604020202020204" pitchFamily="34" charset="0"/>
               </a:rPr>
-              <a:t>)</a:t>
-            </a:r>
-          </a:p>
-          <a:p>
-            <a:pPr marL="800100" lvl="1" indent="-342900">
-              <a:buAutoNum type="arabicPeriod"/>
-            </a:pPr>
+              <a:t>After you edited the file do the following to save and exit nano</a:t>
+            </a:r>
+          </a:p>
+          <a:p>
             <a:r>
               <a:rPr lang="en-US" dirty="0">
                 <a:latin typeface="Arial" panose="020B0604020202020204" pitchFamily="34" charset="0"/>
                 <a:cs typeface="Arial" panose="020B0604020202020204" pitchFamily="34" charset="0"/>
               </a:rPr>
-              <a:t>How many lines are printed on the command line?</a:t>
-            </a:r>
-          </a:p>
-          <a:p>
-            <a:pPr marL="342900" indent="-342900">
-              <a:buAutoNum type="arabicPeriod"/>
-            </a:pPr>
+              <a:t>Hit &lt;CONTROL&gt;+X</a:t>
+            </a:r>
+          </a:p>
+          <a:p>
             <a:r>
               <a:rPr lang="en-US" dirty="0">
                 <a:latin typeface="Arial" panose="020B0604020202020204" pitchFamily="34" charset="0"/>
                 <a:cs typeface="Arial" panose="020B0604020202020204" pitchFamily="34" charset="0"/>
               </a:rPr>
-              <a:t>Bonus: print the </a:t>
-            </a:r>
-            <a:r>
-              <a:rPr lang="en-US" b="1" u="sng" dirty="0">
-                <a:latin typeface="Arial" panose="020B0604020202020204" pitchFamily="34" charset="0"/>
-                <a:cs typeface="Arial" panose="020B0604020202020204" pitchFamily="34" charset="0"/>
-              </a:rPr>
-              <a:t>last</a:t>
-            </a:r>
+              <a:t>Type Y </a:t>
+            </a:r>
+          </a:p>
+          <a:p>
             <a:r>
               <a:rPr lang="en-US" dirty="0">
                 <a:latin typeface="Arial" panose="020B0604020202020204" pitchFamily="34" charset="0"/>
                 <a:cs typeface="Arial" panose="020B0604020202020204" pitchFamily="34" charset="0"/>
               </a:rPr>
-              <a:t> 5 lines of file2.txt (there is a command for that – look on the cheat sheet)</a:t>
+              <a:t>Hit &lt;ENTER&gt;</a:t>
+            </a:r>
+          </a:p>
+          <a:p>
+            <a:endParaRPr lang="en-US" dirty="0">
+              <a:latin typeface="Courier New" panose="02070309020205020404" pitchFamily="49" charset="0"/>
+              <a:cs typeface="Courier New" panose="02070309020205020404" pitchFamily="49" charset="0"/>
+            </a:endParaRPr>
+          </a:p>
+          <a:p>
+            <a:r>
+              <a:rPr lang="en-US" dirty="0">
+                <a:latin typeface="Arial" panose="020B0604020202020204" pitchFamily="34" charset="0"/>
+                <a:cs typeface="Arial" panose="020B0604020202020204" pitchFamily="34" charset="0"/>
+              </a:rPr>
+              <a:t>Print the contents of this file to the command line</a:t>
+            </a:r>
+          </a:p>
+          <a:p>
+            <a:r>
+              <a:rPr lang="en-US" dirty="0">
+                <a:latin typeface="Courier New" panose="02070309020205020404" pitchFamily="49" charset="0"/>
+                <a:cs typeface="Courier New" panose="02070309020205020404" pitchFamily="49" charset="0"/>
+              </a:rPr>
+              <a:t>cat file1.txt</a:t>
             </a:r>
           </a:p>
         </p:txBody>
@@ -12143,7 +11940,7 @@
     </p:spTree>
     <p:extLst>
       <p:ext uri="{BB962C8B-B14F-4D97-AF65-F5344CB8AC3E}">
-        <p14:creationId xmlns:p14="http://schemas.microsoft.com/office/powerpoint/2010/main" val="1820400183"/>
+        <p14:creationId xmlns:p14="http://schemas.microsoft.com/office/powerpoint/2010/main" val="2159630625"/>
       </p:ext>
     </p:extLst>
   </p:cSld>
@@ -12184,8 +11981,8 @@
         </p:nvSpPr>
         <p:spPr>
           <a:xfrm>
-            <a:off x="0" y="2844225"/>
-            <a:ext cx="12192000" cy="584775"/>
+            <a:off x="0" y="441"/>
+            <a:ext cx="12192000" cy="954107"/>
           </a:xfrm>
           <a:prstGeom prst="rect">
             <a:avLst/>
@@ -12204,7 +12001,248 @@
                 <a:latin typeface="Arial" panose="020B0604020202020204" pitchFamily="34" charset="0"/>
                 <a:cs typeface="Arial" panose="020B0604020202020204" pitchFamily="34" charset="0"/>
               </a:rPr>
-              <a:t>Break</a:t>
+              <a:t>Viewing, editing and saving files</a:t>
+            </a:r>
+          </a:p>
+          <a:p>
+            <a:pPr algn="ctr"/>
+            <a:r>
+              <a:rPr lang="en-US" sz="2400" u="sng" dirty="0">
+                <a:latin typeface="Arial" panose="020B0604020202020204" pitchFamily="34" charset="0"/>
+                <a:cs typeface="Arial" panose="020B0604020202020204" pitchFamily="34" charset="0"/>
+              </a:rPr>
+              <a:t>Vim </a:t>
+            </a:r>
+          </a:p>
+        </p:txBody>
+      </p:sp>
+      <p:sp>
+        <p:nvSpPr>
+          <p:cNvPr id="7" name="TextBox 6">
+            <a:extLst>
+              <a:ext uri="{FF2B5EF4-FFF2-40B4-BE49-F238E27FC236}">
+                <a16:creationId xmlns:a16="http://schemas.microsoft.com/office/drawing/2014/main" id="{BE2299B6-1856-2077-A93E-4E9BB2503EA5}"/>
+              </a:ext>
+            </a:extLst>
+          </p:cNvPr>
+          <p:cNvSpPr txBox="1"/>
+          <p:nvPr/>
+        </p:nvSpPr>
+        <p:spPr>
+          <a:xfrm>
+            <a:off x="0" y="994696"/>
+            <a:ext cx="12192000" cy="369332"/>
+          </a:xfrm>
+          <a:prstGeom prst="rect">
+            <a:avLst/>
+          </a:prstGeom>
+          <a:noFill/>
+        </p:spPr>
+        <p:txBody>
+          <a:bodyPr wrap="square">
+            <a:spAutoFit/>
+          </a:bodyPr>
+          <a:lstStyle/>
+          <a:p>
+            <a:r>
+              <a:rPr lang="en-US" dirty="0">
+                <a:latin typeface="Arial" panose="020B0604020202020204" pitchFamily="34" charset="0"/>
+                <a:cs typeface="Arial" panose="020B0604020202020204" pitchFamily="34" charset="0"/>
+              </a:rPr>
+              <a:t>Linux have different tools available to view and edit files. We will try and cover the most widely used programs</a:t>
+            </a:r>
+          </a:p>
+        </p:txBody>
+      </p:sp>
+      <p:sp>
+        <p:nvSpPr>
+          <p:cNvPr id="3" name="TextBox 2">
+            <a:extLst>
+              <a:ext uri="{FF2B5EF4-FFF2-40B4-BE49-F238E27FC236}">
+                <a16:creationId xmlns:a16="http://schemas.microsoft.com/office/drawing/2014/main" id="{FC672A2F-9DF5-1F29-F85F-5E8D148C0B95}"/>
+              </a:ext>
+            </a:extLst>
+          </p:cNvPr>
+          <p:cNvSpPr txBox="1"/>
+          <p:nvPr/>
+        </p:nvSpPr>
+        <p:spPr>
+          <a:xfrm>
+            <a:off x="0" y="1765927"/>
+            <a:ext cx="10306373" cy="4524315"/>
+          </a:xfrm>
+          <a:prstGeom prst="rect">
+            <a:avLst/>
+          </a:prstGeom>
+          <a:noFill/>
+        </p:spPr>
+        <p:txBody>
+          <a:bodyPr wrap="square">
+            <a:spAutoFit/>
+          </a:bodyPr>
+          <a:lstStyle/>
+          <a:p>
+            <a:r>
+              <a:rPr lang="en-US" dirty="0">
+                <a:latin typeface="Arial" panose="020B0604020202020204" pitchFamily="34" charset="0"/>
+                <a:cs typeface="Arial" panose="020B0604020202020204" pitchFamily="34" charset="0"/>
+              </a:rPr>
+              <a:t>Task: clear everything in your /home/user directory except for the .term files</a:t>
+            </a:r>
+          </a:p>
+          <a:p>
+            <a:endParaRPr lang="en-US" dirty="0">
+              <a:latin typeface="Arial" panose="020B0604020202020204" pitchFamily="34" charset="0"/>
+              <a:cs typeface="Arial" panose="020B0604020202020204" pitchFamily="34" charset="0"/>
+            </a:endParaRPr>
+          </a:p>
+          <a:p>
+            <a:r>
+              <a:rPr lang="en-US" dirty="0">
+                <a:latin typeface="Arial" panose="020B0604020202020204" pitchFamily="34" charset="0"/>
+                <a:cs typeface="Arial" panose="020B0604020202020204" pitchFamily="34" charset="0"/>
+              </a:rPr>
+              <a:t>Create a new text file</a:t>
+            </a:r>
+          </a:p>
+          <a:p>
+            <a:r>
+              <a:rPr lang="en-US" dirty="0">
+                <a:latin typeface="Courier New" panose="02070309020205020404" pitchFamily="49" charset="0"/>
+                <a:cs typeface="Courier New" panose="02070309020205020404" pitchFamily="49" charset="0"/>
+              </a:rPr>
+              <a:t>touch file1.txt</a:t>
+            </a:r>
+          </a:p>
+          <a:p>
+            <a:endParaRPr lang="en-US" dirty="0">
+              <a:latin typeface="Arial" panose="020B0604020202020204" pitchFamily="34" charset="0"/>
+              <a:cs typeface="Arial" panose="020B0604020202020204" pitchFamily="34" charset="0"/>
+            </a:endParaRPr>
+          </a:p>
+          <a:p>
+            <a:r>
+              <a:rPr lang="en-US" dirty="0">
+                <a:latin typeface="Arial" panose="020B0604020202020204" pitchFamily="34" charset="0"/>
+                <a:cs typeface="Arial" panose="020B0604020202020204" pitchFamily="34" charset="0"/>
+              </a:rPr>
+              <a:t>Print the contents of this file to the command line (should be nothing)</a:t>
+            </a:r>
+          </a:p>
+          <a:p>
+            <a:r>
+              <a:rPr lang="en-US" dirty="0">
+                <a:latin typeface="Courier New" panose="02070309020205020404" pitchFamily="49" charset="0"/>
+                <a:cs typeface="Courier New" panose="02070309020205020404" pitchFamily="49" charset="0"/>
+              </a:rPr>
+              <a:t>cat file1.txt</a:t>
+            </a:r>
+          </a:p>
+          <a:p>
+            <a:endParaRPr lang="en-US" dirty="0">
+              <a:latin typeface="Arial" panose="020B0604020202020204" pitchFamily="34" charset="0"/>
+              <a:cs typeface="Arial" panose="020B0604020202020204" pitchFamily="34" charset="0"/>
+            </a:endParaRPr>
+          </a:p>
+          <a:p>
+            <a:r>
+              <a:rPr lang="en-US" dirty="0">
+                <a:latin typeface="Arial" panose="020B0604020202020204" pitchFamily="34" charset="0"/>
+                <a:cs typeface="Arial" panose="020B0604020202020204" pitchFamily="34" charset="0"/>
+              </a:rPr>
+              <a:t>Open the file in vim </a:t>
+            </a:r>
+          </a:p>
+          <a:p>
+            <a:r>
+              <a:rPr lang="en-US" dirty="0">
+                <a:latin typeface="Courier New" panose="02070309020205020404" pitchFamily="49" charset="0"/>
+                <a:cs typeface="Courier New" panose="02070309020205020404" pitchFamily="49" charset="0"/>
+              </a:rPr>
+              <a:t>vi file1.txt</a:t>
+            </a:r>
+          </a:p>
+          <a:p>
+            <a:r>
+              <a:rPr lang="en-US" dirty="0">
+                <a:latin typeface="Arial" panose="020B0604020202020204" pitchFamily="34" charset="0"/>
+                <a:cs typeface="Arial" panose="020B0604020202020204" pitchFamily="34" charset="0"/>
+              </a:rPr>
+              <a:t>To edit either hit the INSERT button or &lt;SHIFT&gt;+I</a:t>
+            </a:r>
+            <a:endParaRPr lang="en-US" dirty="0">
+              <a:latin typeface="Courier New" panose="02070309020205020404" pitchFamily="49" charset="0"/>
+              <a:cs typeface="Courier New" panose="02070309020205020404" pitchFamily="49" charset="0"/>
+            </a:endParaRPr>
+          </a:p>
+          <a:p>
+            <a:r>
+              <a:rPr lang="en-US" dirty="0">
+                <a:latin typeface="Arial" panose="020B0604020202020204" pitchFamily="34" charset="0"/>
+                <a:cs typeface="Arial" panose="020B0604020202020204" pitchFamily="34" charset="0"/>
+              </a:rPr>
+              <a:t>Write five lines of random words</a:t>
+            </a:r>
+          </a:p>
+          <a:p>
+            <a:r>
+              <a:rPr lang="en-US" dirty="0">
+                <a:latin typeface="Arial" panose="020B0604020202020204" pitchFamily="34" charset="0"/>
+                <a:cs typeface="Arial" panose="020B0604020202020204" pitchFamily="34" charset="0"/>
+              </a:rPr>
+              <a:t>To close and save hit &lt;ESC&gt; and type </a:t>
+            </a:r>
+            <a:r>
+              <a:rPr lang="en-US" dirty="0">
+                <a:latin typeface="Courier New" panose="02070309020205020404" pitchFamily="49" charset="0"/>
+                <a:cs typeface="Courier New" panose="02070309020205020404" pitchFamily="49" charset="0"/>
+              </a:rPr>
+              <a:t>:</a:t>
+            </a:r>
+            <a:r>
+              <a:rPr lang="en-US" dirty="0" err="1">
+                <a:latin typeface="Courier New" panose="02070309020205020404" pitchFamily="49" charset="0"/>
+                <a:cs typeface="Courier New" panose="02070309020205020404" pitchFamily="49" charset="0"/>
+              </a:rPr>
+              <a:t>wq</a:t>
+            </a:r>
+            <a:r>
+              <a:rPr lang="en-US" dirty="0">
+                <a:latin typeface="Courier New" panose="02070309020205020404" pitchFamily="49" charset="0"/>
+                <a:cs typeface="Courier New" panose="02070309020205020404" pitchFamily="49" charset="0"/>
+              </a:rPr>
+              <a:t>! </a:t>
+            </a:r>
+            <a:r>
+              <a:rPr lang="en-US" dirty="0">
+                <a:latin typeface="Arial" panose="020B0604020202020204" pitchFamily="34" charset="0"/>
+                <a:cs typeface="Arial" panose="020B0604020202020204" pitchFamily="34" charset="0"/>
+              </a:rPr>
+              <a:t>and hit &lt;ENTER&gt;</a:t>
+            </a:r>
+          </a:p>
+          <a:p>
+            <a:endParaRPr lang="en-US" dirty="0">
+              <a:latin typeface="Courier New" panose="02070309020205020404" pitchFamily="49" charset="0"/>
+              <a:cs typeface="Courier New" panose="02070309020205020404" pitchFamily="49" charset="0"/>
+            </a:endParaRPr>
+          </a:p>
+          <a:p>
+            <a:r>
+              <a:rPr lang="en-US" dirty="0">
+                <a:latin typeface="Arial" panose="020B0604020202020204" pitchFamily="34" charset="0"/>
+                <a:cs typeface="Arial" panose="020B0604020202020204" pitchFamily="34" charset="0"/>
+              </a:rPr>
+              <a:t>Print the contents of this file to the command line</a:t>
+            </a:r>
+          </a:p>
+          <a:p>
+            <a:r>
+              <a:rPr lang="en-US" dirty="0">
+                <a:latin typeface="Courier New" panose="02070309020205020404" pitchFamily="49" charset="0"/>
+                <a:cs typeface="Courier New" panose="02070309020205020404" pitchFamily="49" charset="0"/>
+              </a:rPr>
+              <a:t>cat file1.txt</a:t>
             </a:r>
           </a:p>
         </p:txBody>
@@ -12212,7 +12250,7 @@
     </p:spTree>
     <p:extLst>
       <p:ext uri="{BB962C8B-B14F-4D97-AF65-F5344CB8AC3E}">
-        <p14:creationId xmlns:p14="http://schemas.microsoft.com/office/powerpoint/2010/main" val="14309175"/>
+        <p14:creationId xmlns:p14="http://schemas.microsoft.com/office/powerpoint/2010/main" val="2546448992"/>
       </p:ext>
     </p:extLst>
   </p:cSld>
@@ -12273,7 +12311,7 @@
                 <a:latin typeface="Arial" panose="020B0604020202020204" pitchFamily="34" charset="0"/>
                 <a:cs typeface="Arial" panose="020B0604020202020204" pitchFamily="34" charset="0"/>
               </a:rPr>
-              <a:t>More advanced commands and using pipe</a:t>
+              <a:t>Viewing, editing and saving files </a:t>
             </a:r>
           </a:p>
         </p:txBody>
@@ -12292,8 +12330,8 @@
         </p:nvSpPr>
         <p:spPr>
           <a:xfrm>
-            <a:off x="0" y="889843"/>
-            <a:ext cx="12192000" cy="2031325"/>
+            <a:off x="0" y="884494"/>
+            <a:ext cx="10848814" cy="3416320"/>
           </a:xfrm>
           <a:prstGeom prst="rect">
             <a:avLst/>
@@ -12311,30 +12349,16 @@
                 <a:latin typeface="Arial" panose="020B0604020202020204" pitchFamily="34" charset="0"/>
                 <a:cs typeface="Arial" panose="020B0604020202020204" pitchFamily="34" charset="0"/>
               </a:rPr>
-              <a:t>Task 1:</a:t>
+              <a:t>View the contents of file1.txt with the less command (close by hitting ‘q’)</a:t>
             </a:r>
           </a:p>
           <a:p>
             <a:r>
               <a:rPr lang="en-US" dirty="0">
-                <a:latin typeface="Arial" panose="020B0604020202020204" pitchFamily="34" charset="0"/>
-                <a:cs typeface="Arial" panose="020B0604020202020204" pitchFamily="34" charset="0"/>
-              </a:rPr>
-              <a:t>Create a file called </a:t>
-            </a:r>
-            <a:r>
-              <a:rPr lang="en-US" dirty="0" err="1">
-                <a:latin typeface="Arial" panose="020B0604020202020204" pitchFamily="34" charset="0"/>
-                <a:cs typeface="Arial" panose="020B0604020202020204" pitchFamily="34" charset="0"/>
-              </a:rPr>
-              <a:t>geekfile.txt</a:t>
-            </a:r>
-            <a:r>
-              <a:rPr lang="en-US" dirty="0">
-                <a:latin typeface="Arial" panose="020B0604020202020204" pitchFamily="34" charset="0"/>
-                <a:cs typeface="Arial" panose="020B0604020202020204" pitchFamily="34" charset="0"/>
-              </a:rPr>
-              <a:t> that contains the following text:</a:t>
+                <a:latin typeface="Courier New" panose="02070309020205020404" pitchFamily="49" charset="0"/>
+                <a:cs typeface="Courier New" panose="02070309020205020404" pitchFamily="49" charset="0"/>
+              </a:rPr>
+              <a:t>less file1.txt</a:t>
             </a:r>
           </a:p>
           <a:p>
@@ -12345,165 +12369,23 @@
           </a:p>
           <a:p>
             <a:r>
-              <a:rPr lang="en-GB" dirty="0" err="1">
+              <a:rPr lang="en-US" dirty="0">
+                <a:latin typeface="Arial" panose="020B0604020202020204" pitchFamily="34" charset="0"/>
+                <a:cs typeface="Arial" panose="020B0604020202020204" pitchFamily="34" charset="0"/>
+              </a:rPr>
+              <a:t>Use head to print the first three lines of file1.txt</a:t>
+            </a:r>
+          </a:p>
+          <a:p>
+            <a:r>
+              <a:rPr lang="en-US" dirty="0">
                 <a:latin typeface="Courier New" panose="02070309020205020404" pitchFamily="49" charset="0"/>
                 <a:cs typeface="Courier New" panose="02070309020205020404" pitchFamily="49" charset="0"/>
               </a:rPr>
-              <a:t>unix</a:t>
-            </a:r>
-            <a:r>
-              <a:rPr lang="en-GB" dirty="0">
-                <a:latin typeface="Courier New" panose="02070309020205020404" pitchFamily="49" charset="0"/>
-                <a:cs typeface="Courier New" panose="02070309020205020404" pitchFamily="49" charset="0"/>
-              </a:rPr>
-              <a:t> is great </a:t>
-            </a:r>
-            <a:r>
-              <a:rPr lang="en-GB" dirty="0" err="1">
-                <a:latin typeface="Courier New" panose="02070309020205020404" pitchFamily="49" charset="0"/>
-                <a:cs typeface="Courier New" panose="02070309020205020404" pitchFamily="49" charset="0"/>
-              </a:rPr>
-              <a:t>os</a:t>
-            </a:r>
-            <a:r>
-              <a:rPr lang="en-GB" dirty="0">
-                <a:latin typeface="Courier New" panose="02070309020205020404" pitchFamily="49" charset="0"/>
-                <a:cs typeface="Courier New" panose="02070309020205020404" pitchFamily="49" charset="0"/>
-              </a:rPr>
-              <a:t>. </a:t>
-            </a:r>
-            <a:r>
-              <a:rPr lang="en-GB" dirty="0" err="1">
-                <a:latin typeface="Courier New" panose="02070309020205020404" pitchFamily="49" charset="0"/>
-                <a:cs typeface="Courier New" panose="02070309020205020404" pitchFamily="49" charset="0"/>
-              </a:rPr>
-              <a:t>unix</a:t>
-            </a:r>
-            <a:r>
-              <a:rPr lang="en-GB" dirty="0">
-                <a:latin typeface="Courier New" panose="02070309020205020404" pitchFamily="49" charset="0"/>
-                <a:cs typeface="Courier New" panose="02070309020205020404" pitchFamily="49" charset="0"/>
-              </a:rPr>
-              <a:t> is opensource</a:t>
-            </a:r>
-          </a:p>
-          <a:p>
-            <a:r>
-              <a:rPr lang="en-GB" dirty="0">
-                <a:latin typeface="Courier New" panose="02070309020205020404" pitchFamily="49" charset="0"/>
-                <a:cs typeface="Courier New" panose="02070309020205020404" pitchFamily="49" charset="0"/>
-              </a:rPr>
-              <a:t>learn operating system. </a:t>
-            </a:r>
-          </a:p>
-          <a:p>
-            <a:r>
-              <a:rPr lang="en-GB" dirty="0" err="1">
-                <a:latin typeface="Courier New" panose="02070309020205020404" pitchFamily="49" charset="0"/>
-                <a:cs typeface="Courier New" panose="02070309020205020404" pitchFamily="49" charset="0"/>
-              </a:rPr>
-              <a:t>unix</a:t>
-            </a:r>
-            <a:r>
-              <a:rPr lang="en-GB" dirty="0">
-                <a:latin typeface="Courier New" panose="02070309020205020404" pitchFamily="49" charset="0"/>
-                <a:cs typeface="Courier New" panose="02070309020205020404" pitchFamily="49" charset="0"/>
-              </a:rPr>
-              <a:t> </a:t>
-            </a:r>
-            <a:r>
-              <a:rPr lang="en-GB" dirty="0" err="1">
-                <a:latin typeface="Courier New" panose="02070309020205020404" pitchFamily="49" charset="0"/>
-                <a:cs typeface="Courier New" panose="02070309020205020404" pitchFamily="49" charset="0"/>
-              </a:rPr>
-              <a:t>linux</a:t>
-            </a:r>
-            <a:r>
-              <a:rPr lang="en-GB" dirty="0">
-                <a:latin typeface="Courier New" panose="02070309020205020404" pitchFamily="49" charset="0"/>
-                <a:cs typeface="Courier New" panose="02070309020205020404" pitchFamily="49" charset="0"/>
-              </a:rPr>
-              <a:t> which one you choose. </a:t>
-            </a:r>
-          </a:p>
-          <a:p>
-            <a:r>
-              <a:rPr lang="en-GB" dirty="0" err="1">
-                <a:latin typeface="Courier New" panose="02070309020205020404" pitchFamily="49" charset="0"/>
-                <a:cs typeface="Courier New" panose="02070309020205020404" pitchFamily="49" charset="0"/>
-              </a:rPr>
-              <a:t>unix</a:t>
-            </a:r>
-            <a:r>
-              <a:rPr lang="en-GB" dirty="0">
-                <a:latin typeface="Courier New" panose="02070309020205020404" pitchFamily="49" charset="0"/>
-                <a:cs typeface="Courier New" panose="02070309020205020404" pitchFamily="49" charset="0"/>
-              </a:rPr>
-              <a:t> is easy to </a:t>
-            </a:r>
-            <a:r>
-              <a:rPr lang="en-GB" dirty="0" err="1">
-                <a:latin typeface="Courier New" panose="02070309020205020404" pitchFamily="49" charset="0"/>
-                <a:cs typeface="Courier New" panose="02070309020205020404" pitchFamily="49" charset="0"/>
-              </a:rPr>
-              <a:t>learn.unix</a:t>
-            </a:r>
-            <a:r>
-              <a:rPr lang="en-GB" dirty="0">
-                <a:latin typeface="Courier New" panose="02070309020205020404" pitchFamily="49" charset="0"/>
-                <a:cs typeface="Courier New" panose="02070309020205020404" pitchFamily="49" charset="0"/>
-              </a:rPr>
-              <a:t> is a powerful.</a:t>
-            </a:r>
-            <a:endParaRPr lang="en-US" dirty="0">
-              <a:latin typeface="Courier New" panose="02070309020205020404" pitchFamily="49" charset="0"/>
-              <a:cs typeface="Courier New" panose="02070309020205020404" pitchFamily="49" charset="0"/>
-            </a:endParaRPr>
-          </a:p>
-        </p:txBody>
-      </p:sp>
-      <p:sp>
-        <p:nvSpPr>
-          <p:cNvPr id="4" name="TextBox 3">
-            <a:extLst>
-              <a:ext uri="{FF2B5EF4-FFF2-40B4-BE49-F238E27FC236}">
-                <a16:creationId xmlns:a16="http://schemas.microsoft.com/office/drawing/2014/main" id="{2E0484DB-26FD-329C-E246-38E8382B53E4}"/>
-              </a:ext>
-            </a:extLst>
-          </p:cNvPr>
-          <p:cNvSpPr txBox="1"/>
-          <p:nvPr/>
-        </p:nvSpPr>
-        <p:spPr>
-          <a:xfrm>
-            <a:off x="0" y="3429000"/>
-            <a:ext cx="10306373" cy="3139321"/>
-          </a:xfrm>
-          <a:prstGeom prst="rect">
-            <a:avLst/>
-          </a:prstGeom>
-          <a:noFill/>
-        </p:spPr>
-        <p:txBody>
-          <a:bodyPr wrap="square">
-            <a:spAutoFit/>
-          </a:bodyPr>
-          <a:lstStyle/>
-          <a:p>
-            <a:r>
-              <a:rPr lang="en-US" dirty="0">
-                <a:latin typeface="Arial" panose="020B0604020202020204" pitchFamily="34" charset="0"/>
-                <a:cs typeface="Arial" panose="020B0604020202020204" pitchFamily="34" charset="0"/>
-              </a:rPr>
-              <a:t>View contents of </a:t>
-            </a:r>
-            <a:r>
-              <a:rPr lang="en-US" dirty="0" err="1">
-                <a:latin typeface="Arial" panose="020B0604020202020204" pitchFamily="34" charset="0"/>
-                <a:cs typeface="Arial" panose="020B0604020202020204" pitchFamily="34" charset="0"/>
-              </a:rPr>
-              <a:t>geekfile.txt</a:t>
-            </a:r>
+              <a:t>head –n 3 file1.txt</a:t>
+            </a:r>
+          </a:p>
+          <a:p>
             <a:endParaRPr lang="en-US" dirty="0">
               <a:latin typeface="Arial" panose="020B0604020202020204" pitchFamily="34" charset="0"/>
               <a:cs typeface="Arial" panose="020B0604020202020204" pitchFamily="34" charset="0"/>
@@ -12512,22 +12394,11 @@
           <a:p>
             <a:r>
               <a:rPr lang="en-US" dirty="0">
-                <a:latin typeface="Courier New" panose="02070309020205020404" pitchFamily="49" charset="0"/>
-                <a:cs typeface="Courier New" panose="02070309020205020404" pitchFamily="49" charset="0"/>
-              </a:rPr>
-              <a:t>cat </a:t>
-            </a:r>
-            <a:r>
-              <a:rPr lang="en-US" dirty="0" err="1">
-                <a:latin typeface="Courier New" panose="02070309020205020404" pitchFamily="49" charset="0"/>
-                <a:cs typeface="Courier New" panose="02070309020205020404" pitchFamily="49" charset="0"/>
-              </a:rPr>
-              <a:t>geekfile.txt</a:t>
-            </a:r>
-            <a:endParaRPr lang="en-US" dirty="0">
-              <a:latin typeface="Courier New" panose="02070309020205020404" pitchFamily="49" charset="0"/>
-              <a:cs typeface="Courier New" panose="02070309020205020404" pitchFamily="49" charset="0"/>
-            </a:endParaRPr>
+                <a:latin typeface="Arial" panose="020B0604020202020204" pitchFamily="34" charset="0"/>
+                <a:cs typeface="Arial" panose="020B0604020202020204" pitchFamily="34" charset="0"/>
+              </a:rPr>
+              <a:t>Exercise: </a:t>
+            </a:r>
           </a:p>
           <a:p>
             <a:endParaRPr lang="en-US" dirty="0">
@@ -12536,209 +12407,87 @@
             </a:endParaRPr>
           </a:p>
           <a:p>
+            <a:pPr marL="342900" indent="-342900">
+              <a:buAutoNum type="arabicPeriod"/>
+            </a:pPr>
             <a:r>
               <a:rPr lang="en-US" dirty="0">
                 <a:latin typeface="Arial" panose="020B0604020202020204" pitchFamily="34" charset="0"/>
                 <a:cs typeface="Arial" panose="020B0604020202020204" pitchFamily="34" charset="0"/>
               </a:rPr>
-              <a:t>Count the lines in </a:t>
-            </a:r>
-            <a:r>
-              <a:rPr lang="en-US" dirty="0" err="1">
-                <a:latin typeface="Arial" panose="020B0604020202020204" pitchFamily="34" charset="0"/>
-                <a:cs typeface="Arial" panose="020B0604020202020204" pitchFamily="34" charset="0"/>
-              </a:rPr>
-              <a:t>geekfile.txt</a:t>
-            </a:r>
+              <a:t>Create a file names file2.txt and use nano to edit this file with 20 lines of random text</a:t>
+            </a:r>
+          </a:p>
+          <a:p>
+            <a:pPr marL="342900" indent="-342900">
+              <a:buAutoNum type="arabicPeriod"/>
+            </a:pPr>
             <a:r>
               <a:rPr lang="en-US" dirty="0">
                 <a:latin typeface="Arial" panose="020B0604020202020204" pitchFamily="34" charset="0"/>
                 <a:cs typeface="Arial" panose="020B0604020202020204" pitchFamily="34" charset="0"/>
               </a:rPr>
-              <a:t> (-l flag counts lines)</a:t>
-            </a:r>
-          </a:p>
-          <a:p>
-            <a:r>
-              <a:rPr lang="en-US" dirty="0" err="1">
-                <a:latin typeface="Courier New" panose="02070309020205020404" pitchFamily="49" charset="0"/>
-                <a:cs typeface="Courier New" panose="02070309020205020404" pitchFamily="49" charset="0"/>
-              </a:rPr>
-              <a:t>wc</a:t>
+              <a:t>Use the head command to print the top lines (</a:t>
             </a:r>
             <a:r>
               <a:rPr lang="en-US" dirty="0">
                 <a:latin typeface="Courier New" panose="02070309020205020404" pitchFamily="49" charset="0"/>
                 <a:cs typeface="Courier New" panose="02070309020205020404" pitchFamily="49" charset="0"/>
               </a:rPr>
-              <a:t> -l </a:t>
-            </a:r>
-            <a:r>
-              <a:rPr lang="en-US" dirty="0" err="1">
-                <a:latin typeface="Courier New" panose="02070309020205020404" pitchFamily="49" charset="0"/>
-                <a:cs typeface="Courier New" panose="02070309020205020404" pitchFamily="49" charset="0"/>
-              </a:rPr>
-              <a:t>geekfile.txt</a:t>
-            </a:r>
-            <a:endParaRPr lang="en-US" dirty="0">
-              <a:latin typeface="Courier New" panose="02070309020205020404" pitchFamily="49" charset="0"/>
-              <a:cs typeface="Courier New" panose="02070309020205020404" pitchFamily="49" charset="0"/>
-            </a:endParaRPr>
-          </a:p>
-          <a:p>
-            <a:endParaRPr lang="en-US" dirty="0">
-              <a:latin typeface="Arial" panose="020B0604020202020204" pitchFamily="34" charset="0"/>
-              <a:cs typeface="Arial" panose="020B0604020202020204" pitchFamily="34" charset="0"/>
-            </a:endParaRPr>
-          </a:p>
-          <a:p>
+              <a:t>head file2.txt</a:t>
+            </a:r>
             <a:r>
               <a:rPr lang="en-US" dirty="0">
                 <a:latin typeface="Arial" panose="020B0604020202020204" pitchFamily="34" charset="0"/>
                 <a:cs typeface="Arial" panose="020B0604020202020204" pitchFamily="34" charset="0"/>
               </a:rPr>
-              <a:t>Search for the text ”</a:t>
-            </a:r>
-            <a:r>
-              <a:rPr lang="en-US" dirty="0" err="1">
-                <a:latin typeface="Arial" panose="020B0604020202020204" pitchFamily="34" charset="0"/>
-                <a:cs typeface="Arial" panose="020B0604020202020204" pitchFamily="34" charset="0"/>
-              </a:rPr>
-              <a:t>unix</a:t>
-            </a:r>
+              <a:t>)</a:t>
+            </a:r>
+          </a:p>
+          <a:p>
+            <a:pPr marL="800100" lvl="1" indent="-342900">
+              <a:buAutoNum type="arabicPeriod"/>
+            </a:pPr>
             <a:r>
               <a:rPr lang="en-US" dirty="0">
                 <a:latin typeface="Arial" panose="020B0604020202020204" pitchFamily="34" charset="0"/>
                 <a:cs typeface="Arial" panose="020B0604020202020204" pitchFamily="34" charset="0"/>
               </a:rPr>
-              <a:t>” in </a:t>
-            </a:r>
-            <a:r>
-              <a:rPr lang="en-US" dirty="0" err="1">
-                <a:latin typeface="Arial" panose="020B0604020202020204" pitchFamily="34" charset="0"/>
-                <a:cs typeface="Arial" panose="020B0604020202020204" pitchFamily="34" charset="0"/>
-              </a:rPr>
-              <a:t>geekfile.txt</a:t>
-            </a:r>
-            <a:endParaRPr lang="en-US" dirty="0">
-              <a:latin typeface="Arial" panose="020B0604020202020204" pitchFamily="34" charset="0"/>
-              <a:cs typeface="Arial" panose="020B0604020202020204" pitchFamily="34" charset="0"/>
-            </a:endParaRPr>
-          </a:p>
-          <a:p>
+              <a:t>How many lines are printed on the command line?</a:t>
+            </a:r>
+          </a:p>
+          <a:p>
+            <a:pPr marL="342900" indent="-342900">
+              <a:buAutoNum type="arabicPeriod"/>
+            </a:pPr>
             <a:r>
               <a:rPr lang="en-US" dirty="0">
-                <a:latin typeface="Courier New" panose="02070309020205020404" pitchFamily="49" charset="0"/>
-                <a:cs typeface="Courier New" panose="02070309020205020404" pitchFamily="49" charset="0"/>
-              </a:rPr>
-              <a:t>grep </a:t>
-            </a:r>
-            <a:r>
-              <a:rPr lang="en-US" dirty="0" err="1">
-                <a:latin typeface="Courier New" panose="02070309020205020404" pitchFamily="49" charset="0"/>
-                <a:cs typeface="Courier New" panose="02070309020205020404" pitchFamily="49" charset="0"/>
-              </a:rPr>
-              <a:t>unix</a:t>
+                <a:latin typeface="Arial" panose="020B0604020202020204" pitchFamily="34" charset="0"/>
+                <a:cs typeface="Arial" panose="020B0604020202020204" pitchFamily="34" charset="0"/>
+              </a:rPr>
+              <a:t>Bonus: print the </a:t>
+            </a:r>
+            <a:r>
+              <a:rPr lang="en-US" b="1" u="sng" dirty="0">
+                <a:latin typeface="Arial" panose="020B0604020202020204" pitchFamily="34" charset="0"/>
+                <a:cs typeface="Arial" panose="020B0604020202020204" pitchFamily="34" charset="0"/>
+              </a:rPr>
+              <a:t>last</a:t>
             </a:r>
             <a:r>
               <a:rPr lang="en-US" dirty="0">
-                <a:latin typeface="Courier New" panose="02070309020205020404" pitchFamily="49" charset="0"/>
-                <a:cs typeface="Courier New" panose="02070309020205020404" pitchFamily="49" charset="0"/>
-              </a:rPr>
-              <a:t> </a:t>
-            </a:r>
-            <a:r>
-              <a:rPr lang="en-US" dirty="0" err="1">
-                <a:latin typeface="Courier New" panose="02070309020205020404" pitchFamily="49" charset="0"/>
-                <a:cs typeface="Courier New" panose="02070309020205020404" pitchFamily="49" charset="0"/>
-              </a:rPr>
-              <a:t>geekfile.txt</a:t>
-            </a:r>
-            <a:endParaRPr lang="en-US" dirty="0">
-              <a:latin typeface="Courier New" panose="02070309020205020404" pitchFamily="49" charset="0"/>
-              <a:cs typeface="Courier New" panose="02070309020205020404" pitchFamily="49" charset="0"/>
-            </a:endParaRPr>
-          </a:p>
-          <a:p>
-            <a:endParaRPr lang="en-US" dirty="0">
-              <a:latin typeface="Arial" panose="020B0604020202020204" pitchFamily="34" charset="0"/>
-              <a:cs typeface="Arial" panose="020B0604020202020204" pitchFamily="34" charset="0"/>
-            </a:endParaRPr>
-          </a:p>
-          <a:p>
-            <a:r>
-              <a:rPr lang="en-US" dirty="0">
-                <a:latin typeface="Arial" panose="020B0604020202020204" pitchFamily="34" charset="0"/>
-                <a:cs typeface="Arial" panose="020B0604020202020204" pitchFamily="34" charset="0"/>
-              </a:rPr>
-              <a:t>Search for the text “</a:t>
-            </a:r>
-            <a:r>
-              <a:rPr lang="en-US" dirty="0" err="1">
-                <a:latin typeface="Arial" panose="020B0604020202020204" pitchFamily="34" charset="0"/>
-                <a:cs typeface="Arial" panose="020B0604020202020204" pitchFamily="34" charset="0"/>
-              </a:rPr>
-              <a:t>unix</a:t>
-            </a:r>
-            <a:r>
-              <a:rPr lang="en-US" dirty="0">
-                <a:latin typeface="Arial" panose="020B0604020202020204" pitchFamily="34" charset="0"/>
-                <a:cs typeface="Arial" panose="020B0604020202020204" pitchFamily="34" charset="0"/>
-              </a:rPr>
-              <a:t> is” in </a:t>
-            </a:r>
-            <a:r>
-              <a:rPr lang="en-US" dirty="0" err="1">
-                <a:latin typeface="Arial" panose="020B0604020202020204" pitchFamily="34" charset="0"/>
-                <a:cs typeface="Arial" panose="020B0604020202020204" pitchFamily="34" charset="0"/>
-              </a:rPr>
-              <a:t>geekfile.txt</a:t>
-            </a:r>
-            <a:endParaRPr lang="en-US" dirty="0">
-              <a:latin typeface="Arial" panose="020B0604020202020204" pitchFamily="34" charset="0"/>
-              <a:cs typeface="Arial" panose="020B0604020202020204" pitchFamily="34" charset="0"/>
-            </a:endParaRPr>
-          </a:p>
-          <a:p>
-            <a:r>
-              <a:rPr lang="en-US" dirty="0">
-                <a:latin typeface="Courier New" panose="02070309020205020404" pitchFamily="49" charset="0"/>
-                <a:cs typeface="Courier New" panose="02070309020205020404" pitchFamily="49" charset="0"/>
-              </a:rPr>
-              <a:t>grep “</a:t>
-            </a:r>
-            <a:r>
-              <a:rPr lang="en-US" dirty="0" err="1">
-                <a:latin typeface="Courier New" panose="02070309020205020404" pitchFamily="49" charset="0"/>
-                <a:cs typeface="Courier New" panose="02070309020205020404" pitchFamily="49" charset="0"/>
-              </a:rPr>
-              <a:t>unix</a:t>
-            </a:r>
-            <a:r>
-              <a:rPr lang="en-US" dirty="0">
-                <a:latin typeface="Courier New" panose="02070309020205020404" pitchFamily="49" charset="0"/>
-                <a:cs typeface="Courier New" panose="02070309020205020404" pitchFamily="49" charset="0"/>
-              </a:rPr>
-              <a:t> is” </a:t>
-            </a:r>
-            <a:r>
-              <a:rPr lang="en-US" dirty="0" err="1">
-                <a:latin typeface="Courier New" panose="02070309020205020404" pitchFamily="49" charset="0"/>
-                <a:cs typeface="Courier New" panose="02070309020205020404" pitchFamily="49" charset="0"/>
-              </a:rPr>
-              <a:t>geekfile.txt</a:t>
-            </a:r>
-            <a:endParaRPr lang="en-US" dirty="0">
-              <a:latin typeface="Courier New" panose="02070309020205020404" pitchFamily="49" charset="0"/>
-              <a:cs typeface="Courier New" panose="02070309020205020404" pitchFamily="49" charset="0"/>
-            </a:endParaRPr>
+                <a:latin typeface="Arial" panose="020B0604020202020204" pitchFamily="34" charset="0"/>
+                <a:cs typeface="Arial" panose="020B0604020202020204" pitchFamily="34" charset="0"/>
+              </a:rPr>
+              <a:t> 5 lines of file2.txt (there is a command for that – look on the cheat sheet)</a:t>
+            </a:r>
           </a:p>
         </p:txBody>
       </p:sp>
     </p:spTree>
     <p:extLst>
       <p:ext uri="{BB962C8B-B14F-4D97-AF65-F5344CB8AC3E}">
-        <p14:creationId xmlns:p14="http://schemas.microsoft.com/office/powerpoint/2010/main" val="1014116364"/>
+        <p14:creationId xmlns:p14="http://schemas.microsoft.com/office/powerpoint/2010/main" val="1820400183"/>
       </p:ext>
     </p:extLst>
   </p:cSld>
@@ -12779,7 +12528,7 @@
         </p:nvSpPr>
         <p:spPr>
           <a:xfrm>
-            <a:off x="0" y="441"/>
+            <a:off x="0" y="2844225"/>
             <a:ext cx="12192000" cy="584775"/>
           </a:xfrm>
           <a:prstGeom prst="rect">
@@ -12799,604 +12548,15 @@
                 <a:latin typeface="Arial" panose="020B0604020202020204" pitchFamily="34" charset="0"/>
                 <a:cs typeface="Arial" panose="020B0604020202020204" pitchFamily="34" charset="0"/>
               </a:rPr>
-              <a:t>More advanced commands and using pipe</a:t>
-            </a:r>
-          </a:p>
-        </p:txBody>
-      </p:sp>
-      <p:sp>
-        <p:nvSpPr>
-          <p:cNvPr id="3" name="TextBox 2">
-            <a:extLst>
-              <a:ext uri="{FF2B5EF4-FFF2-40B4-BE49-F238E27FC236}">
-                <a16:creationId xmlns:a16="http://schemas.microsoft.com/office/drawing/2014/main" id="{FC672A2F-9DF5-1F29-F85F-5E8D148C0B95}"/>
-              </a:ext>
-            </a:extLst>
-          </p:cNvPr>
-          <p:cNvSpPr txBox="1"/>
-          <p:nvPr/>
-        </p:nvSpPr>
-        <p:spPr>
-          <a:xfrm>
-            <a:off x="0" y="889843"/>
-            <a:ext cx="12192000" cy="6463308"/>
-          </a:xfrm>
-          <a:prstGeom prst="rect">
-            <a:avLst/>
-          </a:prstGeom>
-          <a:noFill/>
-        </p:spPr>
-        <p:txBody>
-          <a:bodyPr wrap="square">
-            <a:spAutoFit/>
-          </a:bodyPr>
-          <a:lstStyle/>
-          <a:p>
-            <a:r>
-              <a:rPr lang="en-US" dirty="0">
-                <a:latin typeface="Arial" panose="020B0604020202020204" pitchFamily="34" charset="0"/>
-                <a:cs typeface="Arial" panose="020B0604020202020204" pitchFamily="34" charset="0"/>
-              </a:rPr>
-              <a:t>Count the number of lines that have the word </a:t>
-            </a:r>
-            <a:r>
-              <a:rPr lang="en-US" dirty="0" err="1">
-                <a:latin typeface="Arial" panose="020B0604020202020204" pitchFamily="34" charset="0"/>
-                <a:cs typeface="Arial" panose="020B0604020202020204" pitchFamily="34" charset="0"/>
-              </a:rPr>
-              <a:t>unix</a:t>
-            </a:r>
-            <a:r>
-              <a:rPr lang="en-US" dirty="0">
-                <a:latin typeface="Arial" panose="020B0604020202020204" pitchFamily="34" charset="0"/>
-                <a:cs typeface="Arial" panose="020B0604020202020204" pitchFamily="34" charset="0"/>
-              </a:rPr>
-              <a:t> in it:</a:t>
-            </a:r>
-          </a:p>
-          <a:p>
-            <a:r>
-              <a:rPr lang="en-GB" dirty="0">
-                <a:latin typeface="Courier New" panose="02070309020205020404" pitchFamily="49" charset="0"/>
-                <a:cs typeface="Courier New" panose="02070309020205020404" pitchFamily="49" charset="0"/>
-              </a:rPr>
-              <a:t>grep ”</a:t>
-            </a:r>
-            <a:r>
-              <a:rPr lang="en-GB" dirty="0" err="1">
-                <a:latin typeface="Courier New" panose="02070309020205020404" pitchFamily="49" charset="0"/>
-                <a:cs typeface="Courier New" panose="02070309020205020404" pitchFamily="49" charset="0"/>
-              </a:rPr>
-              <a:t>unix</a:t>
-            </a:r>
-            <a:r>
-              <a:rPr lang="en-GB" dirty="0">
-                <a:latin typeface="Courier New" panose="02070309020205020404" pitchFamily="49" charset="0"/>
-                <a:cs typeface="Courier New" panose="02070309020205020404" pitchFamily="49" charset="0"/>
-              </a:rPr>
-              <a:t>” </a:t>
-            </a:r>
-            <a:r>
-              <a:rPr lang="en-GB" dirty="0" err="1">
-                <a:latin typeface="Courier New" panose="02070309020205020404" pitchFamily="49" charset="0"/>
-                <a:cs typeface="Courier New" panose="02070309020205020404" pitchFamily="49" charset="0"/>
-              </a:rPr>
-              <a:t>geekfile.txt</a:t>
-            </a:r>
-            <a:r>
-              <a:rPr lang="en-GB" dirty="0">
-                <a:latin typeface="Courier New" panose="02070309020205020404" pitchFamily="49" charset="0"/>
-                <a:cs typeface="Courier New" panose="02070309020205020404" pitchFamily="49" charset="0"/>
-              </a:rPr>
-              <a:t> | </a:t>
-            </a:r>
-            <a:r>
-              <a:rPr lang="en-GB" dirty="0" err="1">
-                <a:latin typeface="Courier New" panose="02070309020205020404" pitchFamily="49" charset="0"/>
-                <a:cs typeface="Courier New" panose="02070309020205020404" pitchFamily="49" charset="0"/>
-              </a:rPr>
-              <a:t>wc</a:t>
-            </a:r>
-            <a:r>
-              <a:rPr lang="en-GB" dirty="0">
-                <a:latin typeface="Courier New" panose="02070309020205020404" pitchFamily="49" charset="0"/>
-                <a:cs typeface="Courier New" panose="02070309020205020404" pitchFamily="49" charset="0"/>
-              </a:rPr>
-              <a:t> –l</a:t>
-            </a:r>
-          </a:p>
-          <a:p>
-            <a:endParaRPr lang="en-GB" dirty="0">
-              <a:latin typeface="Courier New" panose="02070309020205020404" pitchFamily="49" charset="0"/>
-              <a:cs typeface="Courier New" panose="02070309020205020404" pitchFamily="49" charset="0"/>
-            </a:endParaRPr>
-          </a:p>
-          <a:p>
-            <a:r>
-              <a:rPr lang="en-GB" dirty="0">
-                <a:latin typeface="Arial" panose="020B0604020202020204" pitchFamily="34" charset="0"/>
-                <a:cs typeface="Arial" panose="020B0604020202020204" pitchFamily="34" charset="0"/>
-              </a:rPr>
-              <a:t>There are however five occurrences of the word </a:t>
-            </a:r>
-            <a:r>
-              <a:rPr lang="en-GB" dirty="0" err="1">
-                <a:latin typeface="Arial" panose="020B0604020202020204" pitchFamily="34" charset="0"/>
-                <a:cs typeface="Arial" panose="020B0604020202020204" pitchFamily="34" charset="0"/>
-              </a:rPr>
-              <a:t>unix</a:t>
-            </a:r>
-            <a:r>
-              <a:rPr lang="en-GB" dirty="0">
-                <a:latin typeface="Arial" panose="020B0604020202020204" pitchFamily="34" charset="0"/>
-                <a:cs typeface="Arial" panose="020B0604020202020204" pitchFamily="34" charset="0"/>
-              </a:rPr>
-              <a:t>. To count the number of occurrences run the following command</a:t>
-            </a:r>
-          </a:p>
-          <a:p>
-            <a:r>
-              <a:rPr lang="en-GB" dirty="0">
-                <a:latin typeface="Courier New" panose="02070309020205020404" pitchFamily="49" charset="0"/>
-                <a:cs typeface="Courier New" panose="02070309020205020404" pitchFamily="49" charset="0"/>
-              </a:rPr>
-              <a:t>grep –o ”</a:t>
-            </a:r>
-            <a:r>
-              <a:rPr lang="en-GB" dirty="0" err="1">
-                <a:latin typeface="Courier New" panose="02070309020205020404" pitchFamily="49" charset="0"/>
-                <a:cs typeface="Courier New" panose="02070309020205020404" pitchFamily="49" charset="0"/>
-              </a:rPr>
-              <a:t>unix</a:t>
-            </a:r>
-            <a:r>
-              <a:rPr lang="en-GB" dirty="0">
-                <a:latin typeface="Courier New" panose="02070309020205020404" pitchFamily="49" charset="0"/>
-                <a:cs typeface="Courier New" panose="02070309020205020404" pitchFamily="49" charset="0"/>
-              </a:rPr>
-              <a:t>” </a:t>
-            </a:r>
-            <a:r>
-              <a:rPr lang="en-GB" dirty="0" err="1">
-                <a:latin typeface="Courier New" panose="02070309020205020404" pitchFamily="49" charset="0"/>
-                <a:cs typeface="Courier New" panose="02070309020205020404" pitchFamily="49" charset="0"/>
-              </a:rPr>
-              <a:t>geekfile.txt</a:t>
-            </a:r>
-            <a:r>
-              <a:rPr lang="en-GB" dirty="0">
-                <a:latin typeface="Courier New" panose="02070309020205020404" pitchFamily="49" charset="0"/>
-                <a:cs typeface="Courier New" panose="02070309020205020404" pitchFamily="49" charset="0"/>
-              </a:rPr>
-              <a:t> | </a:t>
-            </a:r>
-            <a:r>
-              <a:rPr lang="en-GB" dirty="0" err="1">
-                <a:latin typeface="Courier New" panose="02070309020205020404" pitchFamily="49" charset="0"/>
-                <a:cs typeface="Courier New" panose="02070309020205020404" pitchFamily="49" charset="0"/>
-              </a:rPr>
-              <a:t>wc</a:t>
-            </a:r>
-            <a:r>
-              <a:rPr lang="en-GB" dirty="0">
-                <a:latin typeface="Courier New" panose="02070309020205020404" pitchFamily="49" charset="0"/>
-                <a:cs typeface="Courier New" panose="02070309020205020404" pitchFamily="49" charset="0"/>
-              </a:rPr>
-              <a:t> –l</a:t>
-            </a:r>
-          </a:p>
-          <a:p>
-            <a:endParaRPr lang="en-GB" dirty="0">
-              <a:latin typeface="Courier New" panose="02070309020205020404" pitchFamily="49" charset="0"/>
-              <a:cs typeface="Courier New" panose="02070309020205020404" pitchFamily="49" charset="0"/>
-            </a:endParaRPr>
-          </a:p>
-          <a:p>
-            <a:r>
-              <a:rPr lang="en-GB" dirty="0">
-                <a:latin typeface="Arial" panose="020B0604020202020204" pitchFamily="34" charset="0"/>
-                <a:cs typeface="Arial" panose="020B0604020202020204" pitchFamily="34" charset="0"/>
-              </a:rPr>
-              <a:t>Tip: deconstruct this command and first run the grep command to see the output and then run it together with the </a:t>
-            </a:r>
-            <a:r>
-              <a:rPr lang="en-GB" dirty="0" err="1">
-                <a:latin typeface="Arial" panose="020B0604020202020204" pitchFamily="34" charset="0"/>
-                <a:cs typeface="Arial" panose="020B0604020202020204" pitchFamily="34" charset="0"/>
-              </a:rPr>
-              <a:t>wc</a:t>
-            </a:r>
-            <a:r>
-              <a:rPr lang="en-GB" dirty="0">
-                <a:latin typeface="Arial" panose="020B0604020202020204" pitchFamily="34" charset="0"/>
-                <a:cs typeface="Arial" panose="020B0604020202020204" pitchFamily="34" charset="0"/>
-              </a:rPr>
-              <a:t> –l</a:t>
-            </a:r>
-          </a:p>
-          <a:p>
-            <a:endParaRPr lang="en-GB" dirty="0">
-              <a:latin typeface="Arial" panose="020B0604020202020204" pitchFamily="34" charset="0"/>
-              <a:cs typeface="Arial" panose="020B0604020202020204" pitchFamily="34" charset="0"/>
-            </a:endParaRPr>
-          </a:p>
-          <a:p>
-            <a:r>
-              <a:rPr lang="en-GB" dirty="0">
-                <a:latin typeface="Arial" panose="020B0604020202020204" pitchFamily="34" charset="0"/>
-                <a:cs typeface="Arial" panose="020B0604020202020204" pitchFamily="34" charset="0"/>
-              </a:rPr>
-              <a:t>Replace </a:t>
-            </a:r>
-            <a:r>
-              <a:rPr lang="en-GB" dirty="0" err="1">
-                <a:latin typeface="Arial" panose="020B0604020202020204" pitchFamily="34" charset="0"/>
-                <a:cs typeface="Arial" panose="020B0604020202020204" pitchFamily="34" charset="0"/>
-              </a:rPr>
-              <a:t>unix</a:t>
-            </a:r>
-            <a:r>
-              <a:rPr lang="en-GB" dirty="0">
-                <a:latin typeface="Arial" panose="020B0604020202020204" pitchFamily="34" charset="0"/>
-                <a:cs typeface="Arial" panose="020B0604020202020204" pitchFamily="34" charset="0"/>
-              </a:rPr>
-              <a:t> with </a:t>
-            </a:r>
-            <a:r>
-              <a:rPr lang="en-GB" dirty="0" err="1">
-                <a:latin typeface="Arial" panose="020B0604020202020204" pitchFamily="34" charset="0"/>
-                <a:cs typeface="Arial" panose="020B0604020202020204" pitchFamily="34" charset="0"/>
-              </a:rPr>
-              <a:t>linux</a:t>
-            </a:r>
-            <a:r>
-              <a:rPr lang="en-GB" dirty="0">
-                <a:latin typeface="Arial" panose="020B0604020202020204" pitchFamily="34" charset="0"/>
-                <a:cs typeface="Arial" panose="020B0604020202020204" pitchFamily="34" charset="0"/>
-              </a:rPr>
-              <a:t> using the command </a:t>
-            </a:r>
-            <a:r>
-              <a:rPr lang="en-GB" dirty="0" err="1">
-                <a:latin typeface="Arial" panose="020B0604020202020204" pitchFamily="34" charset="0"/>
-                <a:cs typeface="Arial" panose="020B0604020202020204" pitchFamily="34" charset="0"/>
-              </a:rPr>
-              <a:t>sed</a:t>
-            </a:r>
-            <a:r>
-              <a:rPr lang="en-GB" dirty="0">
-                <a:latin typeface="Arial" panose="020B0604020202020204" pitchFamily="34" charset="0"/>
-                <a:cs typeface="Arial" panose="020B0604020202020204" pitchFamily="34" charset="0"/>
-              </a:rPr>
-              <a:t> (s specified substitution)</a:t>
-            </a:r>
-          </a:p>
-          <a:p>
-            <a:r>
-              <a:rPr lang="en-GB" dirty="0" err="1">
-                <a:latin typeface="Courier New" panose="02070309020205020404" pitchFamily="49" charset="0"/>
-                <a:cs typeface="Courier New" panose="02070309020205020404" pitchFamily="49" charset="0"/>
-              </a:rPr>
-              <a:t>sed</a:t>
-            </a:r>
-            <a:r>
-              <a:rPr lang="en-GB" dirty="0">
-                <a:latin typeface="Courier New" panose="02070309020205020404" pitchFamily="49" charset="0"/>
-                <a:cs typeface="Courier New" panose="02070309020205020404" pitchFamily="49" charset="0"/>
-              </a:rPr>
-              <a:t> ‘s/</a:t>
-            </a:r>
-            <a:r>
-              <a:rPr lang="en-GB" dirty="0" err="1">
-                <a:latin typeface="Courier New" panose="02070309020205020404" pitchFamily="49" charset="0"/>
-                <a:cs typeface="Courier New" panose="02070309020205020404" pitchFamily="49" charset="0"/>
-              </a:rPr>
-              <a:t>unix</a:t>
-            </a:r>
-            <a:r>
-              <a:rPr lang="en-GB" dirty="0">
-                <a:latin typeface="Courier New" panose="02070309020205020404" pitchFamily="49" charset="0"/>
-                <a:cs typeface="Courier New" panose="02070309020205020404" pitchFamily="49" charset="0"/>
-              </a:rPr>
-              <a:t>/</a:t>
-            </a:r>
-            <a:r>
-              <a:rPr lang="en-GB" dirty="0" err="1">
-                <a:latin typeface="Courier New" panose="02070309020205020404" pitchFamily="49" charset="0"/>
-                <a:cs typeface="Courier New" panose="02070309020205020404" pitchFamily="49" charset="0"/>
-              </a:rPr>
-              <a:t>linux</a:t>
-            </a:r>
-            <a:r>
-              <a:rPr lang="en-GB" dirty="0">
-                <a:latin typeface="Courier New" panose="02070309020205020404" pitchFamily="49" charset="0"/>
-                <a:cs typeface="Courier New" panose="02070309020205020404" pitchFamily="49" charset="0"/>
-              </a:rPr>
-              <a:t>/’ </a:t>
-            </a:r>
-            <a:r>
-              <a:rPr lang="en-GB" dirty="0" err="1">
-                <a:latin typeface="Courier New" panose="02070309020205020404" pitchFamily="49" charset="0"/>
-                <a:cs typeface="Courier New" panose="02070309020205020404" pitchFamily="49" charset="0"/>
-              </a:rPr>
-              <a:t>geekfile.txt</a:t>
-            </a:r>
-            <a:endParaRPr lang="en-GB" dirty="0">
-              <a:latin typeface="Courier New" panose="02070309020205020404" pitchFamily="49" charset="0"/>
-              <a:cs typeface="Courier New" panose="02070309020205020404" pitchFamily="49" charset="0"/>
-            </a:endParaRPr>
-          </a:p>
-          <a:p>
-            <a:endParaRPr lang="en-GB" dirty="0">
-              <a:latin typeface="Courier New" panose="02070309020205020404" pitchFamily="49" charset="0"/>
-              <a:cs typeface="Courier New" panose="02070309020205020404" pitchFamily="49" charset="0"/>
-            </a:endParaRPr>
-          </a:p>
-          <a:p>
-            <a:r>
-              <a:rPr lang="en-GB" dirty="0">
-                <a:latin typeface="Arial" panose="020B0604020202020204" pitchFamily="34" charset="0"/>
-                <a:cs typeface="Arial" panose="020B0604020202020204" pitchFamily="34" charset="0"/>
-              </a:rPr>
-              <a:t>Note the output: it will only replace the first occurrence in each line</a:t>
-            </a:r>
-          </a:p>
-          <a:p>
-            <a:endParaRPr lang="en-GB" dirty="0">
-              <a:latin typeface="Arial" panose="020B0604020202020204" pitchFamily="34" charset="0"/>
-              <a:cs typeface="Arial" panose="020B0604020202020204" pitchFamily="34" charset="0"/>
-            </a:endParaRPr>
-          </a:p>
-          <a:p>
-            <a:r>
-              <a:rPr lang="en-GB" dirty="0">
-                <a:latin typeface="Arial" panose="020B0604020202020204" pitchFamily="34" charset="0"/>
-                <a:cs typeface="Arial" panose="020B0604020202020204" pitchFamily="34" charset="0"/>
-              </a:rPr>
-              <a:t>Save this to a new file:</a:t>
-            </a:r>
-          </a:p>
-          <a:p>
-            <a:r>
-              <a:rPr lang="en-GB" dirty="0" err="1">
-                <a:latin typeface="Courier New" panose="02070309020205020404" pitchFamily="49" charset="0"/>
-                <a:cs typeface="Courier New" panose="02070309020205020404" pitchFamily="49" charset="0"/>
-              </a:rPr>
-              <a:t>sed</a:t>
-            </a:r>
-            <a:r>
-              <a:rPr lang="en-GB" dirty="0">
-                <a:latin typeface="Courier New" panose="02070309020205020404" pitchFamily="49" charset="0"/>
-                <a:cs typeface="Courier New" panose="02070309020205020404" pitchFamily="49" charset="0"/>
-              </a:rPr>
-              <a:t> ‘s/</a:t>
-            </a:r>
-            <a:r>
-              <a:rPr lang="en-GB" dirty="0" err="1">
-                <a:latin typeface="Courier New" panose="02070309020205020404" pitchFamily="49" charset="0"/>
-                <a:cs typeface="Courier New" panose="02070309020205020404" pitchFamily="49" charset="0"/>
-              </a:rPr>
-              <a:t>unix</a:t>
-            </a:r>
-            <a:r>
-              <a:rPr lang="en-GB" dirty="0">
-                <a:latin typeface="Courier New" panose="02070309020205020404" pitchFamily="49" charset="0"/>
-                <a:cs typeface="Courier New" panose="02070309020205020404" pitchFamily="49" charset="0"/>
-              </a:rPr>
-              <a:t>/</a:t>
-            </a:r>
-            <a:r>
-              <a:rPr lang="en-GB" dirty="0" err="1">
-                <a:latin typeface="Courier New" panose="02070309020205020404" pitchFamily="49" charset="0"/>
-                <a:cs typeface="Courier New" panose="02070309020205020404" pitchFamily="49" charset="0"/>
-              </a:rPr>
-              <a:t>linux</a:t>
-            </a:r>
-            <a:r>
-              <a:rPr lang="en-GB" dirty="0">
-                <a:latin typeface="Courier New" panose="02070309020205020404" pitchFamily="49" charset="0"/>
-                <a:cs typeface="Courier New" panose="02070309020205020404" pitchFamily="49" charset="0"/>
-              </a:rPr>
-              <a:t>/’ </a:t>
-            </a:r>
-            <a:r>
-              <a:rPr lang="en-GB" dirty="0" err="1">
-                <a:latin typeface="Courier New" panose="02070309020205020404" pitchFamily="49" charset="0"/>
-                <a:cs typeface="Courier New" panose="02070309020205020404" pitchFamily="49" charset="0"/>
-              </a:rPr>
-              <a:t>geekfile.txt</a:t>
-            </a:r>
-            <a:r>
-              <a:rPr lang="en-GB" dirty="0">
-                <a:latin typeface="Courier New" panose="02070309020205020404" pitchFamily="49" charset="0"/>
-                <a:cs typeface="Courier New" panose="02070309020205020404" pitchFamily="49" charset="0"/>
-              </a:rPr>
-              <a:t> &gt; geekfile2.txt</a:t>
-            </a:r>
-          </a:p>
-          <a:p>
-            <a:endParaRPr lang="en-GB" dirty="0">
-              <a:latin typeface="Arial" panose="020B0604020202020204" pitchFamily="34" charset="0"/>
-              <a:cs typeface="Arial" panose="020B0604020202020204" pitchFamily="34" charset="0"/>
-            </a:endParaRPr>
-          </a:p>
-          <a:p>
-            <a:r>
-              <a:rPr lang="en-GB" dirty="0">
-                <a:latin typeface="Arial" panose="020B0604020202020204" pitchFamily="34" charset="0"/>
-                <a:cs typeface="Arial" panose="020B0604020202020204" pitchFamily="34" charset="0"/>
-              </a:rPr>
-              <a:t>Replace the second occurrence of </a:t>
-            </a:r>
-            <a:r>
-              <a:rPr lang="en-GB" dirty="0" err="1">
-                <a:latin typeface="Arial" panose="020B0604020202020204" pitchFamily="34" charset="0"/>
-                <a:cs typeface="Arial" panose="020B0604020202020204" pitchFamily="34" charset="0"/>
-              </a:rPr>
-              <a:t>unix</a:t>
-            </a:r>
-            <a:r>
-              <a:rPr lang="en-GB" dirty="0">
-                <a:latin typeface="Arial" panose="020B0604020202020204" pitchFamily="34" charset="0"/>
-                <a:cs typeface="Arial" panose="020B0604020202020204" pitchFamily="34" charset="0"/>
-              </a:rPr>
-              <a:t> in each line</a:t>
-            </a:r>
-          </a:p>
-          <a:p>
-            <a:r>
-              <a:rPr lang="en-GB" dirty="0" err="1">
-                <a:latin typeface="Courier New" panose="02070309020205020404" pitchFamily="49" charset="0"/>
-                <a:cs typeface="Courier New" panose="02070309020205020404" pitchFamily="49" charset="0"/>
-              </a:rPr>
-              <a:t>sed</a:t>
-            </a:r>
-            <a:r>
-              <a:rPr lang="en-GB" dirty="0">
-                <a:latin typeface="Courier New" panose="02070309020205020404" pitchFamily="49" charset="0"/>
-                <a:cs typeface="Courier New" panose="02070309020205020404" pitchFamily="49" charset="0"/>
-              </a:rPr>
-              <a:t> ‘s/</a:t>
-            </a:r>
-            <a:r>
-              <a:rPr lang="en-GB" dirty="0" err="1">
-                <a:latin typeface="Courier New" panose="02070309020205020404" pitchFamily="49" charset="0"/>
-                <a:cs typeface="Courier New" panose="02070309020205020404" pitchFamily="49" charset="0"/>
-              </a:rPr>
-              <a:t>unix</a:t>
-            </a:r>
-            <a:r>
-              <a:rPr lang="en-GB" dirty="0">
-                <a:latin typeface="Courier New" panose="02070309020205020404" pitchFamily="49" charset="0"/>
-                <a:cs typeface="Courier New" panose="02070309020205020404" pitchFamily="49" charset="0"/>
-              </a:rPr>
-              <a:t>/</a:t>
-            </a:r>
-            <a:r>
-              <a:rPr lang="en-GB" dirty="0" err="1">
-                <a:latin typeface="Courier New" panose="02070309020205020404" pitchFamily="49" charset="0"/>
-                <a:cs typeface="Courier New" panose="02070309020205020404" pitchFamily="49" charset="0"/>
-              </a:rPr>
-              <a:t>linux</a:t>
-            </a:r>
-            <a:r>
-              <a:rPr lang="en-GB" dirty="0">
-                <a:latin typeface="Courier New" panose="02070309020205020404" pitchFamily="49" charset="0"/>
-                <a:cs typeface="Courier New" panose="02070309020205020404" pitchFamily="49" charset="0"/>
-              </a:rPr>
-              <a:t>/2’ </a:t>
-            </a:r>
-            <a:r>
-              <a:rPr lang="en-GB" dirty="0" err="1">
-                <a:latin typeface="Courier New" panose="02070309020205020404" pitchFamily="49" charset="0"/>
-                <a:cs typeface="Courier New" panose="02070309020205020404" pitchFamily="49" charset="0"/>
-              </a:rPr>
-              <a:t>geekfile.txt</a:t>
-            </a:r>
-            <a:endParaRPr lang="en-GB" dirty="0">
-              <a:latin typeface="Courier New" panose="02070309020205020404" pitchFamily="49" charset="0"/>
-              <a:cs typeface="Courier New" panose="02070309020205020404" pitchFamily="49" charset="0"/>
-            </a:endParaRPr>
-          </a:p>
-          <a:p>
-            <a:endParaRPr lang="en-GB" dirty="0">
-              <a:latin typeface="Courier New" panose="02070309020205020404" pitchFamily="49" charset="0"/>
-              <a:cs typeface="Courier New" panose="02070309020205020404" pitchFamily="49" charset="0"/>
-            </a:endParaRPr>
-          </a:p>
-          <a:p>
-            <a:r>
-              <a:rPr lang="en-GB" dirty="0">
-                <a:latin typeface="Arial" panose="020B0604020202020204" pitchFamily="34" charset="0"/>
-                <a:cs typeface="Arial" panose="020B0604020202020204" pitchFamily="34" charset="0"/>
-              </a:rPr>
-              <a:t>Replace all occurrences of </a:t>
-            </a:r>
-            <a:r>
-              <a:rPr lang="en-GB" dirty="0" err="1">
-                <a:latin typeface="Arial" panose="020B0604020202020204" pitchFamily="34" charset="0"/>
-                <a:cs typeface="Arial" panose="020B0604020202020204" pitchFamily="34" charset="0"/>
-              </a:rPr>
-              <a:t>unix</a:t>
-            </a:r>
-            <a:endParaRPr lang="en-GB" dirty="0">
-              <a:latin typeface="Arial" panose="020B0604020202020204" pitchFamily="34" charset="0"/>
-              <a:cs typeface="Arial" panose="020B0604020202020204" pitchFamily="34" charset="0"/>
-            </a:endParaRPr>
-          </a:p>
-          <a:p>
-            <a:r>
-              <a:rPr lang="en-GB" dirty="0" err="1">
-                <a:latin typeface="Courier New" panose="02070309020205020404" pitchFamily="49" charset="0"/>
-                <a:cs typeface="Courier New" panose="02070309020205020404" pitchFamily="49" charset="0"/>
-              </a:rPr>
-              <a:t>sed</a:t>
-            </a:r>
-            <a:r>
-              <a:rPr lang="en-GB" dirty="0">
-                <a:latin typeface="Courier New" panose="02070309020205020404" pitchFamily="49" charset="0"/>
-                <a:cs typeface="Courier New" panose="02070309020205020404" pitchFamily="49" charset="0"/>
-              </a:rPr>
-              <a:t> ‘s/</a:t>
-            </a:r>
-            <a:r>
-              <a:rPr lang="en-GB" dirty="0" err="1">
-                <a:latin typeface="Courier New" panose="02070309020205020404" pitchFamily="49" charset="0"/>
-                <a:cs typeface="Courier New" panose="02070309020205020404" pitchFamily="49" charset="0"/>
-              </a:rPr>
-              <a:t>unix</a:t>
-            </a:r>
-            <a:r>
-              <a:rPr lang="en-GB" dirty="0">
-                <a:latin typeface="Courier New" panose="02070309020205020404" pitchFamily="49" charset="0"/>
-                <a:cs typeface="Courier New" panose="02070309020205020404" pitchFamily="49" charset="0"/>
-              </a:rPr>
-              <a:t>/</a:t>
-            </a:r>
-            <a:r>
-              <a:rPr lang="en-GB" dirty="0" err="1">
-                <a:latin typeface="Courier New" panose="02070309020205020404" pitchFamily="49" charset="0"/>
-                <a:cs typeface="Courier New" panose="02070309020205020404" pitchFamily="49" charset="0"/>
-              </a:rPr>
-              <a:t>linux</a:t>
-            </a:r>
-            <a:r>
-              <a:rPr lang="en-GB" dirty="0">
-                <a:latin typeface="Courier New" panose="02070309020205020404" pitchFamily="49" charset="0"/>
-                <a:cs typeface="Courier New" panose="02070309020205020404" pitchFamily="49" charset="0"/>
-              </a:rPr>
-              <a:t>/g’ </a:t>
-            </a:r>
-            <a:r>
-              <a:rPr lang="en-GB" dirty="0" err="1">
-                <a:latin typeface="Courier New" panose="02070309020205020404" pitchFamily="49" charset="0"/>
-                <a:cs typeface="Courier New" panose="02070309020205020404" pitchFamily="49" charset="0"/>
-              </a:rPr>
-              <a:t>geekfile.txt</a:t>
-            </a:r>
-            <a:endParaRPr lang="en-GB" dirty="0">
-              <a:latin typeface="Courier New" panose="02070309020205020404" pitchFamily="49" charset="0"/>
-              <a:cs typeface="Courier New" panose="02070309020205020404" pitchFamily="49" charset="0"/>
-            </a:endParaRPr>
-          </a:p>
-          <a:p>
-            <a:endParaRPr lang="en-GB" dirty="0">
-              <a:latin typeface="Courier New" panose="02070309020205020404" pitchFamily="49" charset="0"/>
-              <a:cs typeface="Courier New" panose="02070309020205020404" pitchFamily="49" charset="0"/>
-            </a:endParaRPr>
-          </a:p>
-          <a:p>
-            <a:endParaRPr lang="en-US" dirty="0">
-              <a:latin typeface="Arial" panose="020B0604020202020204" pitchFamily="34" charset="0"/>
-              <a:cs typeface="Arial" panose="020B0604020202020204" pitchFamily="34" charset="0"/>
-            </a:endParaRPr>
+              <a:t>Break</a:t>
+            </a:r>
           </a:p>
         </p:txBody>
       </p:sp>
     </p:spTree>
     <p:extLst>
       <p:ext uri="{BB962C8B-B14F-4D97-AF65-F5344CB8AC3E}">
-        <p14:creationId xmlns:p14="http://schemas.microsoft.com/office/powerpoint/2010/main" val="3735860344"/>
+        <p14:creationId xmlns:p14="http://schemas.microsoft.com/office/powerpoint/2010/main" val="14309175"/>
       </p:ext>
     </p:extLst>
   </p:cSld>
@@ -13906,7 +13066,7 @@
         <p:spPr>
           <a:xfrm>
             <a:off x="0" y="889843"/>
-            <a:ext cx="12192000" cy="4801314"/>
+            <a:ext cx="12192000" cy="2031325"/>
           </a:xfrm>
           <a:prstGeom prst="rect">
             <a:avLst/>
@@ -13924,7 +13084,30 @@
                 <a:latin typeface="Arial" panose="020B0604020202020204" pitchFamily="34" charset="0"/>
                 <a:cs typeface="Arial" panose="020B0604020202020204" pitchFamily="34" charset="0"/>
               </a:rPr>
-              <a:t>Like grep and sed, the awk command searches for patterns in a file line by line and performs some operations on each line. Specifically useful to split a document into columns.</a:t>
+              <a:t>Task 1:</a:t>
+            </a:r>
+          </a:p>
+          <a:p>
+            <a:r>
+              <a:rPr lang="en-US" dirty="0">
+                <a:latin typeface="Arial" panose="020B0604020202020204" pitchFamily="34" charset="0"/>
+                <a:cs typeface="Arial" panose="020B0604020202020204" pitchFamily="34" charset="0"/>
+              </a:rPr>
+              <a:t>Create a file called </a:t>
+            </a:r>
+            <a:r>
+              <a:rPr lang="en-US" dirty="0" err="1">
+                <a:latin typeface="Arial" panose="020B0604020202020204" pitchFamily="34" charset="0"/>
+                <a:cs typeface="Arial" panose="020B0604020202020204" pitchFamily="34" charset="0"/>
+              </a:rPr>
+              <a:t>geekfile.txt</a:t>
+            </a:r>
+            <a:r>
+              <a:rPr lang="en-US" dirty="0">
+                <a:latin typeface="Arial" panose="020B0604020202020204" pitchFamily="34" charset="0"/>
+                <a:cs typeface="Arial" panose="020B0604020202020204" pitchFamily="34" charset="0"/>
+              </a:rPr>
+              <a:t> that contains the following text:</a:t>
             </a:r>
           </a:p>
           <a:p>
@@ -13935,52 +13118,46 @@
           </a:p>
           <a:p>
             <a:r>
-              <a:rPr lang="en-US" dirty="0">
-                <a:latin typeface="Arial" panose="020B0604020202020204" pitchFamily="34" charset="0"/>
-                <a:cs typeface="Arial" panose="020B0604020202020204" pitchFamily="34" charset="0"/>
-              </a:rPr>
-              <a:t>Create a file called </a:t>
-            </a:r>
-            <a:r>
-              <a:rPr lang="en-US" dirty="0" err="1">
-                <a:latin typeface="Arial" panose="020B0604020202020204" pitchFamily="34" charset="0"/>
-                <a:cs typeface="Arial" panose="020B0604020202020204" pitchFamily="34" charset="0"/>
-              </a:rPr>
-              <a:t>gene_exp.txt</a:t>
-            </a:r>
-            <a:r>
-              <a:rPr lang="en-US" dirty="0">
-                <a:latin typeface="Arial" panose="020B0604020202020204" pitchFamily="34" charset="0"/>
-                <a:cs typeface="Arial" panose="020B0604020202020204" pitchFamily="34" charset="0"/>
-              </a:rPr>
-              <a:t> with the following text</a:t>
-            </a:r>
-          </a:p>
-          <a:p>
+              <a:rPr lang="en-GB" dirty="0" err="1">
+                <a:latin typeface="Courier New" panose="02070309020205020404" pitchFamily="49" charset="0"/>
+                <a:cs typeface="Courier New" panose="02070309020205020404" pitchFamily="49" charset="0"/>
+              </a:rPr>
+              <a:t>unix</a:t>
+            </a:r>
             <a:r>
               <a:rPr lang="en-GB" dirty="0">
                 <a:latin typeface="Courier New" panose="02070309020205020404" pitchFamily="49" charset="0"/>
                 <a:cs typeface="Courier New" panose="02070309020205020404" pitchFamily="49" charset="0"/>
               </a:rPr>
-              <a:t>gene sample1 sample2 sample3</a:t>
-            </a:r>
-          </a:p>
-          <a:p>
+              <a:t> is great </a:t>
+            </a:r>
+            <a:r>
+              <a:rPr lang="en-GB" dirty="0" err="1">
+                <a:latin typeface="Courier New" panose="02070309020205020404" pitchFamily="49" charset="0"/>
+                <a:cs typeface="Courier New" panose="02070309020205020404" pitchFamily="49" charset="0"/>
+              </a:rPr>
+              <a:t>os</a:t>
+            </a:r>
             <a:r>
               <a:rPr lang="en-GB" dirty="0">
                 <a:latin typeface="Courier New" panose="02070309020205020404" pitchFamily="49" charset="0"/>
                 <a:cs typeface="Courier New" panose="02070309020205020404" pitchFamily="49" charset="0"/>
               </a:rPr>
-              <a:t>gene1 4 5 1</a:t>
-            </a:r>
-          </a:p>
-          <a:p>
+              <a:t>. </a:t>
+            </a:r>
+            <a:r>
+              <a:rPr lang="en-GB" dirty="0" err="1">
+                <a:latin typeface="Courier New" panose="02070309020205020404" pitchFamily="49" charset="0"/>
+                <a:cs typeface="Courier New" panose="02070309020205020404" pitchFamily="49" charset="0"/>
+              </a:rPr>
+              <a:t>unix</a:t>
+            </a:r>
             <a:r>
               <a:rPr lang="en-GB" dirty="0">
                 <a:latin typeface="Courier New" panose="02070309020205020404" pitchFamily="49" charset="0"/>
                 <a:cs typeface="Courier New" panose="02070309020205020404" pitchFamily="49" charset="0"/>
               </a:rPr>
-              <a:t>gene2 10 70 100</a:t>
+              <a:t> is opensource</a:t>
             </a:r>
           </a:p>
           <a:p>
@@ -13989,118 +13166,342 @@
                 <a:latin typeface="Courier New" panose="02070309020205020404" pitchFamily="49" charset="0"/>
                 <a:cs typeface="Courier New" panose="02070309020205020404" pitchFamily="49" charset="0"/>
               </a:rPr>
-              <a:t>gene3 0 0 5</a:t>
-            </a:r>
-          </a:p>
-          <a:p>
-            <a:endParaRPr lang="en-GB" dirty="0">
+              <a:t>learn operating system. </a:t>
+            </a:r>
+          </a:p>
+          <a:p>
+            <a:r>
+              <a:rPr lang="en-GB" dirty="0" err="1">
+                <a:latin typeface="Courier New" panose="02070309020205020404" pitchFamily="49" charset="0"/>
+                <a:cs typeface="Courier New" panose="02070309020205020404" pitchFamily="49" charset="0"/>
+              </a:rPr>
+              <a:t>unix</a:t>
+            </a:r>
+            <a:r>
+              <a:rPr lang="en-GB" dirty="0">
+                <a:latin typeface="Courier New" panose="02070309020205020404" pitchFamily="49" charset="0"/>
+                <a:cs typeface="Courier New" panose="02070309020205020404" pitchFamily="49" charset="0"/>
+              </a:rPr>
+              <a:t> </a:t>
+            </a:r>
+            <a:r>
+              <a:rPr lang="en-GB" dirty="0" err="1">
+                <a:latin typeface="Courier New" panose="02070309020205020404" pitchFamily="49" charset="0"/>
+                <a:cs typeface="Courier New" panose="02070309020205020404" pitchFamily="49" charset="0"/>
+              </a:rPr>
+              <a:t>linux</a:t>
+            </a:r>
+            <a:r>
+              <a:rPr lang="en-GB" dirty="0">
+                <a:latin typeface="Courier New" panose="02070309020205020404" pitchFamily="49" charset="0"/>
+                <a:cs typeface="Courier New" panose="02070309020205020404" pitchFamily="49" charset="0"/>
+              </a:rPr>
+              <a:t> which one you choose. </a:t>
+            </a:r>
+          </a:p>
+          <a:p>
+            <a:r>
+              <a:rPr lang="en-GB" dirty="0" err="1">
+                <a:latin typeface="Courier New" panose="02070309020205020404" pitchFamily="49" charset="0"/>
+                <a:cs typeface="Courier New" panose="02070309020205020404" pitchFamily="49" charset="0"/>
+              </a:rPr>
+              <a:t>unix</a:t>
+            </a:r>
+            <a:r>
+              <a:rPr lang="en-GB" dirty="0">
+                <a:latin typeface="Courier New" panose="02070309020205020404" pitchFamily="49" charset="0"/>
+                <a:cs typeface="Courier New" panose="02070309020205020404" pitchFamily="49" charset="0"/>
+              </a:rPr>
+              <a:t> is easy to </a:t>
+            </a:r>
+            <a:r>
+              <a:rPr lang="en-GB" dirty="0" err="1">
+                <a:latin typeface="Courier New" panose="02070309020205020404" pitchFamily="49" charset="0"/>
+                <a:cs typeface="Courier New" panose="02070309020205020404" pitchFamily="49" charset="0"/>
+              </a:rPr>
+              <a:t>learn.unix</a:t>
+            </a:r>
+            <a:r>
+              <a:rPr lang="en-GB" dirty="0">
+                <a:latin typeface="Courier New" panose="02070309020205020404" pitchFamily="49" charset="0"/>
+                <a:cs typeface="Courier New" panose="02070309020205020404" pitchFamily="49" charset="0"/>
+              </a:rPr>
+              <a:t> is a powerful.</a:t>
+            </a:r>
+            <a:endParaRPr lang="en-US" dirty="0">
               <a:latin typeface="Courier New" panose="02070309020205020404" pitchFamily="49" charset="0"/>
               <a:cs typeface="Courier New" panose="02070309020205020404" pitchFamily="49" charset="0"/>
             </a:endParaRPr>
           </a:p>
-          <a:p>
-            <a:r>
-              <a:rPr lang="en-GB" dirty="0">
-                <a:latin typeface="Arial" panose="020B0604020202020204" pitchFamily="34" charset="0"/>
-                <a:cs typeface="Arial" panose="020B0604020202020204" pitchFamily="34" charset="0"/>
-              </a:rPr>
-              <a:t>Print the first column of the file </a:t>
-            </a:r>
-            <a:r>
-              <a:rPr lang="en-GB" dirty="0" err="1">
-                <a:latin typeface="Arial" panose="020B0604020202020204" pitchFamily="34" charset="0"/>
-                <a:cs typeface="Arial" panose="020B0604020202020204" pitchFamily="34" charset="0"/>
-              </a:rPr>
-              <a:t>gene_exp.txt</a:t>
-            </a:r>
-            <a:endParaRPr lang="en-GB" dirty="0">
+        </p:txBody>
+      </p:sp>
+      <p:sp>
+        <p:nvSpPr>
+          <p:cNvPr id="4" name="TextBox 3">
+            <a:extLst>
+              <a:ext uri="{FF2B5EF4-FFF2-40B4-BE49-F238E27FC236}">
+                <a16:creationId xmlns:a16="http://schemas.microsoft.com/office/drawing/2014/main" id="{2E0484DB-26FD-329C-E246-38E8382B53E4}"/>
+              </a:ext>
+            </a:extLst>
+          </p:cNvPr>
+          <p:cNvSpPr txBox="1"/>
+          <p:nvPr/>
+        </p:nvSpPr>
+        <p:spPr>
+          <a:xfrm>
+            <a:off x="0" y="3429000"/>
+            <a:ext cx="10306373" cy="3139321"/>
+          </a:xfrm>
+          <a:prstGeom prst="rect">
+            <a:avLst/>
+          </a:prstGeom>
+          <a:noFill/>
+        </p:spPr>
+        <p:txBody>
+          <a:bodyPr wrap="square">
+            <a:spAutoFit/>
+          </a:bodyPr>
+          <a:lstStyle/>
+          <a:p>
+            <a:r>
+              <a:rPr lang="en-US" dirty="0">
+                <a:latin typeface="Arial" panose="020B0604020202020204" pitchFamily="34" charset="0"/>
+                <a:cs typeface="Arial" panose="020B0604020202020204" pitchFamily="34" charset="0"/>
+              </a:rPr>
+              <a:t>View contents of </a:t>
+            </a:r>
+            <a:r>
+              <a:rPr lang="en-US" dirty="0" err="1">
+                <a:latin typeface="Arial" panose="020B0604020202020204" pitchFamily="34" charset="0"/>
+                <a:cs typeface="Arial" panose="020B0604020202020204" pitchFamily="34" charset="0"/>
+              </a:rPr>
+              <a:t>geekfile.txt</a:t>
+            </a:r>
+            <a:endParaRPr lang="en-US" dirty="0">
               <a:latin typeface="Arial" panose="020B0604020202020204" pitchFamily="34" charset="0"/>
               <a:cs typeface="Arial" panose="020B0604020202020204" pitchFamily="34" charset="0"/>
             </a:endParaRPr>
           </a:p>
           <a:p>
             <a:r>
-              <a:rPr lang="en-GB" dirty="0">
+              <a:rPr lang="en-US" dirty="0">
                 <a:latin typeface="Courier New" panose="02070309020205020404" pitchFamily="49" charset="0"/>
                 <a:cs typeface="Courier New" panose="02070309020205020404" pitchFamily="49" charset="0"/>
               </a:rPr>
-              <a:t>awk ‘{print $1}’ </a:t>
-            </a:r>
-            <a:r>
-              <a:rPr lang="en-GB" dirty="0" err="1">
+              <a:t>cat </a:t>
+            </a:r>
+            <a:r>
+              <a:rPr lang="en-US" dirty="0" err="1">
                 <a:latin typeface="Courier New" panose="02070309020205020404" pitchFamily="49" charset="0"/>
                 <a:cs typeface="Courier New" panose="02070309020205020404" pitchFamily="49" charset="0"/>
               </a:rPr>
-              <a:t>gene_exp.txt</a:t>
-            </a:r>
-            <a:endParaRPr lang="en-GB" dirty="0">
+              <a:t>geekfile.txt</a:t>
+            </a:r>
+            <a:endParaRPr lang="en-US" dirty="0">
               <a:latin typeface="Courier New" panose="02070309020205020404" pitchFamily="49" charset="0"/>
               <a:cs typeface="Courier New" panose="02070309020205020404" pitchFamily="49" charset="0"/>
             </a:endParaRPr>
           </a:p>
           <a:p>
-            <a:endParaRPr lang="en-GB" dirty="0">
+            <a:endParaRPr lang="en-US" dirty="0">
+              <a:latin typeface="Arial" panose="020B0604020202020204" pitchFamily="34" charset="0"/>
+              <a:cs typeface="Arial" panose="020B0604020202020204" pitchFamily="34" charset="0"/>
+            </a:endParaRPr>
+          </a:p>
+          <a:p>
+            <a:r>
+              <a:rPr lang="en-US" dirty="0">
+                <a:latin typeface="Arial" panose="020B0604020202020204" pitchFamily="34" charset="0"/>
+                <a:cs typeface="Arial" panose="020B0604020202020204" pitchFamily="34" charset="0"/>
+              </a:rPr>
+              <a:t>Count the lines in </a:t>
+            </a:r>
+            <a:r>
+              <a:rPr lang="en-US" dirty="0" err="1">
+                <a:latin typeface="Arial" panose="020B0604020202020204" pitchFamily="34" charset="0"/>
+                <a:cs typeface="Arial" panose="020B0604020202020204" pitchFamily="34" charset="0"/>
+              </a:rPr>
+              <a:t>geekfile.txt</a:t>
+            </a:r>
+            <a:r>
+              <a:rPr lang="en-US" dirty="0">
+                <a:latin typeface="Arial" panose="020B0604020202020204" pitchFamily="34" charset="0"/>
+                <a:cs typeface="Arial" panose="020B0604020202020204" pitchFamily="34" charset="0"/>
+              </a:rPr>
+              <a:t> (-l flag counts lines)</a:t>
+            </a:r>
+          </a:p>
+          <a:p>
+            <a:r>
+              <a:rPr lang="en-US" dirty="0" err="1">
+                <a:latin typeface="Courier New" panose="02070309020205020404" pitchFamily="49" charset="0"/>
+                <a:cs typeface="Courier New" panose="02070309020205020404" pitchFamily="49" charset="0"/>
+              </a:rPr>
+              <a:t>wc</a:t>
+            </a:r>
+            <a:r>
+              <a:rPr lang="en-US" dirty="0">
+                <a:latin typeface="Courier New" panose="02070309020205020404" pitchFamily="49" charset="0"/>
+                <a:cs typeface="Courier New" panose="02070309020205020404" pitchFamily="49" charset="0"/>
+              </a:rPr>
+              <a:t> -l </a:t>
+            </a:r>
+            <a:r>
+              <a:rPr lang="en-US" dirty="0" err="1">
+                <a:latin typeface="Courier New" panose="02070309020205020404" pitchFamily="49" charset="0"/>
+                <a:cs typeface="Courier New" panose="02070309020205020404" pitchFamily="49" charset="0"/>
+              </a:rPr>
+              <a:t>geekfile.txt</a:t>
+            </a:r>
+            <a:endParaRPr lang="en-US" dirty="0">
               <a:latin typeface="Courier New" panose="02070309020205020404" pitchFamily="49" charset="0"/>
               <a:cs typeface="Courier New" panose="02070309020205020404" pitchFamily="49" charset="0"/>
             </a:endParaRPr>
           </a:p>
           <a:p>
-            <a:r>
-              <a:rPr lang="en-GB" dirty="0">
-                <a:latin typeface="Arial" panose="020B0604020202020204" pitchFamily="34" charset="0"/>
-                <a:cs typeface="Arial" panose="020B0604020202020204" pitchFamily="34" charset="0"/>
-              </a:rPr>
-              <a:t>Print the first and second column of the file </a:t>
-            </a:r>
-            <a:r>
-              <a:rPr lang="en-GB" dirty="0" err="1">
-                <a:latin typeface="Arial" panose="020B0604020202020204" pitchFamily="34" charset="0"/>
-                <a:cs typeface="Arial" panose="020B0604020202020204" pitchFamily="34" charset="0"/>
-              </a:rPr>
-              <a:t>gene_exp.txt</a:t>
-            </a:r>
-            <a:endParaRPr lang="en-GB" dirty="0">
+            <a:endParaRPr lang="en-US" dirty="0">
               <a:latin typeface="Arial" panose="020B0604020202020204" pitchFamily="34" charset="0"/>
               <a:cs typeface="Arial" panose="020B0604020202020204" pitchFamily="34" charset="0"/>
             </a:endParaRPr>
           </a:p>
           <a:p>
             <a:r>
-              <a:rPr lang="en-GB" dirty="0">
+              <a:rPr lang="en-US" dirty="0">
+                <a:latin typeface="Arial" panose="020B0604020202020204" pitchFamily="34" charset="0"/>
+                <a:cs typeface="Arial" panose="020B0604020202020204" pitchFamily="34" charset="0"/>
+              </a:rPr>
+              <a:t>Search for the text ”</a:t>
+            </a:r>
+            <a:r>
+              <a:rPr lang="en-US" dirty="0" err="1">
+                <a:latin typeface="Arial" panose="020B0604020202020204" pitchFamily="34" charset="0"/>
+                <a:cs typeface="Arial" panose="020B0604020202020204" pitchFamily="34" charset="0"/>
+              </a:rPr>
+              <a:t>unix</a:t>
+            </a:r>
+            <a:r>
+              <a:rPr lang="en-US" dirty="0">
+                <a:latin typeface="Arial" panose="020B0604020202020204" pitchFamily="34" charset="0"/>
+                <a:cs typeface="Arial" panose="020B0604020202020204" pitchFamily="34" charset="0"/>
+              </a:rPr>
+              <a:t>” in </a:t>
+            </a:r>
+            <a:r>
+              <a:rPr lang="en-US" dirty="0" err="1">
+                <a:latin typeface="Arial" panose="020B0604020202020204" pitchFamily="34" charset="0"/>
+                <a:cs typeface="Arial" panose="020B0604020202020204" pitchFamily="34" charset="0"/>
+              </a:rPr>
+              <a:t>geekfile.txt</a:t>
+            </a:r>
+            <a:endParaRPr lang="en-US" dirty="0">
+              <a:latin typeface="Arial" panose="020B0604020202020204" pitchFamily="34" charset="0"/>
+              <a:cs typeface="Arial" panose="020B0604020202020204" pitchFamily="34" charset="0"/>
+            </a:endParaRPr>
+          </a:p>
+          <a:p>
+            <a:r>
+              <a:rPr lang="en-US" dirty="0">
                 <a:latin typeface="Courier New" panose="02070309020205020404" pitchFamily="49" charset="0"/>
                 <a:cs typeface="Courier New" panose="02070309020205020404" pitchFamily="49" charset="0"/>
               </a:rPr>
-              <a:t>awk ‘{print $1,$2}’ </a:t>
-            </a:r>
-            <a:r>
-              <a:rPr lang="en-GB" dirty="0" err="1">
+              <a:t>grep </a:t>
+            </a:r>
+            <a:r>
+              <a:rPr lang="en-US" dirty="0" err="1">
                 <a:latin typeface="Courier New" panose="02070309020205020404" pitchFamily="49" charset="0"/>
                 <a:cs typeface="Courier New" panose="02070309020205020404" pitchFamily="49" charset="0"/>
               </a:rPr>
-              <a:t>gene_exp.txt</a:t>
-            </a:r>
-            <a:endParaRPr lang="en-GB" dirty="0">
+              <a:t>unix</a:t>
+            </a:r>
+            <a:r>
+              <a:rPr lang="en-US" dirty="0">
+                <a:latin typeface="Courier New" panose="02070309020205020404" pitchFamily="49" charset="0"/>
+                <a:cs typeface="Courier New" panose="02070309020205020404" pitchFamily="49" charset="0"/>
+              </a:rPr>
+              <a:t> </a:t>
+            </a:r>
+            <a:r>
+              <a:rPr lang="en-US" dirty="0" err="1">
+                <a:latin typeface="Courier New" panose="02070309020205020404" pitchFamily="49" charset="0"/>
+                <a:cs typeface="Courier New" panose="02070309020205020404" pitchFamily="49" charset="0"/>
+              </a:rPr>
+              <a:t>geekfile.txt</a:t>
+            </a:r>
+            <a:endParaRPr lang="en-US" dirty="0">
               <a:latin typeface="Courier New" panose="02070309020205020404" pitchFamily="49" charset="0"/>
               <a:cs typeface="Courier New" panose="02070309020205020404" pitchFamily="49" charset="0"/>
             </a:endParaRPr>
           </a:p>
           <a:p>
-            <a:endParaRPr lang="en-GB" dirty="0">
-              <a:latin typeface="Courier New" panose="02070309020205020404" pitchFamily="49" charset="0"/>
-              <a:cs typeface="Courier New" panose="02070309020205020404" pitchFamily="49" charset="0"/>
+            <a:endParaRPr lang="en-US" dirty="0">
+              <a:latin typeface="Arial" panose="020B0604020202020204" pitchFamily="34" charset="0"/>
+              <a:cs typeface="Arial" panose="020B0604020202020204" pitchFamily="34" charset="0"/>
             </a:endParaRPr>
           </a:p>
           <a:p>
             <a:r>
-              <a:rPr lang="en-GB" dirty="0">
-                <a:latin typeface="Arial" panose="020B0604020202020204" pitchFamily="34" charset="0"/>
-                <a:cs typeface="Arial" panose="020B0604020202020204" pitchFamily="34" charset="0"/>
-              </a:rPr>
-              <a:t>Exercise: use awk and grep to get the expression of gene2 for sample 3</a:t>
-            </a:r>
-          </a:p>
-          <a:p>
-            <a:endParaRPr lang="en-GB" dirty="0">
+              <a:rPr lang="en-US" dirty="0">
+                <a:latin typeface="Arial" panose="020B0604020202020204" pitchFamily="34" charset="0"/>
+                <a:cs typeface="Arial" panose="020B0604020202020204" pitchFamily="34" charset="0"/>
+              </a:rPr>
+              <a:t>Search for the text “</a:t>
+            </a:r>
+            <a:r>
+              <a:rPr lang="en-US" dirty="0" err="1">
+                <a:latin typeface="Arial" panose="020B0604020202020204" pitchFamily="34" charset="0"/>
+                <a:cs typeface="Arial" panose="020B0604020202020204" pitchFamily="34" charset="0"/>
+              </a:rPr>
+              <a:t>unix</a:t>
+            </a:r>
+            <a:r>
+              <a:rPr lang="en-US" dirty="0">
+                <a:latin typeface="Arial" panose="020B0604020202020204" pitchFamily="34" charset="0"/>
+                <a:cs typeface="Arial" panose="020B0604020202020204" pitchFamily="34" charset="0"/>
+              </a:rPr>
+              <a:t> is” in </a:t>
+            </a:r>
+            <a:r>
+              <a:rPr lang="en-US" dirty="0" err="1">
+                <a:latin typeface="Arial" panose="020B0604020202020204" pitchFamily="34" charset="0"/>
+                <a:cs typeface="Arial" panose="020B0604020202020204" pitchFamily="34" charset="0"/>
+              </a:rPr>
+              <a:t>geekfile.txt</a:t>
+            </a:r>
+            <a:endParaRPr lang="en-US" dirty="0">
+              <a:latin typeface="Arial" panose="020B0604020202020204" pitchFamily="34" charset="0"/>
+              <a:cs typeface="Arial" panose="020B0604020202020204" pitchFamily="34" charset="0"/>
+            </a:endParaRPr>
+          </a:p>
+          <a:p>
+            <a:r>
+              <a:rPr lang="en-US" dirty="0">
+                <a:latin typeface="Courier New" panose="02070309020205020404" pitchFamily="49" charset="0"/>
+                <a:cs typeface="Courier New" panose="02070309020205020404" pitchFamily="49" charset="0"/>
+              </a:rPr>
+              <a:t>grep “</a:t>
+            </a:r>
+            <a:r>
+              <a:rPr lang="en-US" dirty="0" err="1">
+                <a:latin typeface="Courier New" panose="02070309020205020404" pitchFamily="49" charset="0"/>
+                <a:cs typeface="Courier New" panose="02070309020205020404" pitchFamily="49" charset="0"/>
+              </a:rPr>
+              <a:t>unix</a:t>
+            </a:r>
+            <a:r>
+              <a:rPr lang="en-US" dirty="0">
+                <a:latin typeface="Courier New" panose="02070309020205020404" pitchFamily="49" charset="0"/>
+                <a:cs typeface="Courier New" panose="02070309020205020404" pitchFamily="49" charset="0"/>
+              </a:rPr>
+              <a:t> is” </a:t>
+            </a:r>
+            <a:r>
+              <a:rPr lang="en-US" dirty="0" err="1">
+                <a:latin typeface="Courier New" panose="02070309020205020404" pitchFamily="49" charset="0"/>
+                <a:cs typeface="Courier New" panose="02070309020205020404" pitchFamily="49" charset="0"/>
+              </a:rPr>
+              <a:t>geekfile.txt</a:t>
+            </a:r>
+            <a:endParaRPr lang="en-US" dirty="0">
               <a:latin typeface="Courier New" panose="02070309020205020404" pitchFamily="49" charset="0"/>
               <a:cs typeface="Courier New" panose="02070309020205020404" pitchFamily="49" charset="0"/>
             </a:endParaRPr>
@@ -14110,7 +13511,7 @@
     </p:spTree>
     <p:extLst>
       <p:ext uri="{BB962C8B-B14F-4D97-AF65-F5344CB8AC3E}">
-        <p14:creationId xmlns:p14="http://schemas.microsoft.com/office/powerpoint/2010/main" val="3300844367"/>
+        <p14:creationId xmlns:p14="http://schemas.microsoft.com/office/powerpoint/2010/main" val="1014116364"/>
       </p:ext>
     </p:extLst>
   </p:cSld>
@@ -14151,7 +13552,7 @@
         </p:nvSpPr>
         <p:spPr>
           <a:xfrm>
-            <a:off x="0" y="2844225"/>
+            <a:off x="0" y="441"/>
             <a:ext cx="12192000" cy="584775"/>
           </a:xfrm>
           <a:prstGeom prst="rect">
@@ -14171,15 +13572,604 @@
                 <a:latin typeface="Arial" panose="020B0604020202020204" pitchFamily="34" charset="0"/>
                 <a:cs typeface="Arial" panose="020B0604020202020204" pitchFamily="34" charset="0"/>
               </a:rPr>
-              <a:t>Break</a:t>
-            </a:r>
+              <a:t>More advanced commands and using pipe</a:t>
+            </a:r>
+          </a:p>
+        </p:txBody>
+      </p:sp>
+      <p:sp>
+        <p:nvSpPr>
+          <p:cNvPr id="3" name="TextBox 2">
+            <a:extLst>
+              <a:ext uri="{FF2B5EF4-FFF2-40B4-BE49-F238E27FC236}">
+                <a16:creationId xmlns:a16="http://schemas.microsoft.com/office/drawing/2014/main" id="{FC672A2F-9DF5-1F29-F85F-5E8D148C0B95}"/>
+              </a:ext>
+            </a:extLst>
+          </p:cNvPr>
+          <p:cNvSpPr txBox="1"/>
+          <p:nvPr/>
+        </p:nvSpPr>
+        <p:spPr>
+          <a:xfrm>
+            <a:off x="0" y="889843"/>
+            <a:ext cx="12192000" cy="6463308"/>
+          </a:xfrm>
+          <a:prstGeom prst="rect">
+            <a:avLst/>
+          </a:prstGeom>
+          <a:noFill/>
+        </p:spPr>
+        <p:txBody>
+          <a:bodyPr wrap="square">
+            <a:spAutoFit/>
+          </a:bodyPr>
+          <a:lstStyle/>
+          <a:p>
+            <a:r>
+              <a:rPr lang="en-US" dirty="0">
+                <a:latin typeface="Arial" panose="020B0604020202020204" pitchFamily="34" charset="0"/>
+                <a:cs typeface="Arial" panose="020B0604020202020204" pitchFamily="34" charset="0"/>
+              </a:rPr>
+              <a:t>Count the number of lines that have the word </a:t>
+            </a:r>
+            <a:r>
+              <a:rPr lang="en-US" dirty="0" err="1">
+                <a:latin typeface="Arial" panose="020B0604020202020204" pitchFamily="34" charset="0"/>
+                <a:cs typeface="Arial" panose="020B0604020202020204" pitchFamily="34" charset="0"/>
+              </a:rPr>
+              <a:t>unix</a:t>
+            </a:r>
+            <a:r>
+              <a:rPr lang="en-US" dirty="0">
+                <a:latin typeface="Arial" panose="020B0604020202020204" pitchFamily="34" charset="0"/>
+                <a:cs typeface="Arial" panose="020B0604020202020204" pitchFamily="34" charset="0"/>
+              </a:rPr>
+              <a:t> in it:</a:t>
+            </a:r>
+          </a:p>
+          <a:p>
+            <a:r>
+              <a:rPr lang="en-GB" dirty="0">
+                <a:latin typeface="Courier New" panose="02070309020205020404" pitchFamily="49" charset="0"/>
+                <a:cs typeface="Courier New" panose="02070309020205020404" pitchFamily="49" charset="0"/>
+              </a:rPr>
+              <a:t>grep ”</a:t>
+            </a:r>
+            <a:r>
+              <a:rPr lang="en-GB" dirty="0" err="1">
+                <a:latin typeface="Courier New" panose="02070309020205020404" pitchFamily="49" charset="0"/>
+                <a:cs typeface="Courier New" panose="02070309020205020404" pitchFamily="49" charset="0"/>
+              </a:rPr>
+              <a:t>unix</a:t>
+            </a:r>
+            <a:r>
+              <a:rPr lang="en-GB" dirty="0">
+                <a:latin typeface="Courier New" panose="02070309020205020404" pitchFamily="49" charset="0"/>
+                <a:cs typeface="Courier New" panose="02070309020205020404" pitchFamily="49" charset="0"/>
+              </a:rPr>
+              <a:t>” </a:t>
+            </a:r>
+            <a:r>
+              <a:rPr lang="en-GB" dirty="0" err="1">
+                <a:latin typeface="Courier New" panose="02070309020205020404" pitchFamily="49" charset="0"/>
+                <a:cs typeface="Courier New" panose="02070309020205020404" pitchFamily="49" charset="0"/>
+              </a:rPr>
+              <a:t>geekfile.txt</a:t>
+            </a:r>
+            <a:r>
+              <a:rPr lang="en-GB" dirty="0">
+                <a:latin typeface="Courier New" panose="02070309020205020404" pitchFamily="49" charset="0"/>
+                <a:cs typeface="Courier New" panose="02070309020205020404" pitchFamily="49" charset="0"/>
+              </a:rPr>
+              <a:t> | </a:t>
+            </a:r>
+            <a:r>
+              <a:rPr lang="en-GB" dirty="0" err="1">
+                <a:latin typeface="Courier New" panose="02070309020205020404" pitchFamily="49" charset="0"/>
+                <a:cs typeface="Courier New" panose="02070309020205020404" pitchFamily="49" charset="0"/>
+              </a:rPr>
+              <a:t>wc</a:t>
+            </a:r>
+            <a:r>
+              <a:rPr lang="en-GB" dirty="0">
+                <a:latin typeface="Courier New" panose="02070309020205020404" pitchFamily="49" charset="0"/>
+                <a:cs typeface="Courier New" panose="02070309020205020404" pitchFamily="49" charset="0"/>
+              </a:rPr>
+              <a:t> –l</a:t>
+            </a:r>
+          </a:p>
+          <a:p>
+            <a:endParaRPr lang="en-GB" dirty="0">
+              <a:latin typeface="Courier New" panose="02070309020205020404" pitchFamily="49" charset="0"/>
+              <a:cs typeface="Courier New" panose="02070309020205020404" pitchFamily="49" charset="0"/>
+            </a:endParaRPr>
+          </a:p>
+          <a:p>
+            <a:r>
+              <a:rPr lang="en-GB" dirty="0">
+                <a:latin typeface="Arial" panose="020B0604020202020204" pitchFamily="34" charset="0"/>
+                <a:cs typeface="Arial" panose="020B0604020202020204" pitchFamily="34" charset="0"/>
+              </a:rPr>
+              <a:t>There are however five occurrences of the word </a:t>
+            </a:r>
+            <a:r>
+              <a:rPr lang="en-GB" dirty="0" err="1">
+                <a:latin typeface="Arial" panose="020B0604020202020204" pitchFamily="34" charset="0"/>
+                <a:cs typeface="Arial" panose="020B0604020202020204" pitchFamily="34" charset="0"/>
+              </a:rPr>
+              <a:t>unix</a:t>
+            </a:r>
+            <a:r>
+              <a:rPr lang="en-GB" dirty="0">
+                <a:latin typeface="Arial" panose="020B0604020202020204" pitchFamily="34" charset="0"/>
+                <a:cs typeface="Arial" panose="020B0604020202020204" pitchFamily="34" charset="0"/>
+              </a:rPr>
+              <a:t>. To count the number of occurrences run the following command</a:t>
+            </a:r>
+          </a:p>
+          <a:p>
+            <a:r>
+              <a:rPr lang="en-GB" dirty="0">
+                <a:latin typeface="Courier New" panose="02070309020205020404" pitchFamily="49" charset="0"/>
+                <a:cs typeface="Courier New" panose="02070309020205020404" pitchFamily="49" charset="0"/>
+              </a:rPr>
+              <a:t>grep –o ”</a:t>
+            </a:r>
+            <a:r>
+              <a:rPr lang="en-GB" dirty="0" err="1">
+                <a:latin typeface="Courier New" panose="02070309020205020404" pitchFamily="49" charset="0"/>
+                <a:cs typeface="Courier New" panose="02070309020205020404" pitchFamily="49" charset="0"/>
+              </a:rPr>
+              <a:t>unix</a:t>
+            </a:r>
+            <a:r>
+              <a:rPr lang="en-GB" dirty="0">
+                <a:latin typeface="Courier New" panose="02070309020205020404" pitchFamily="49" charset="0"/>
+                <a:cs typeface="Courier New" panose="02070309020205020404" pitchFamily="49" charset="0"/>
+              </a:rPr>
+              <a:t>” </a:t>
+            </a:r>
+            <a:r>
+              <a:rPr lang="en-GB" dirty="0" err="1">
+                <a:latin typeface="Courier New" panose="02070309020205020404" pitchFamily="49" charset="0"/>
+                <a:cs typeface="Courier New" panose="02070309020205020404" pitchFamily="49" charset="0"/>
+              </a:rPr>
+              <a:t>geekfile.txt</a:t>
+            </a:r>
+            <a:r>
+              <a:rPr lang="en-GB" dirty="0">
+                <a:latin typeface="Courier New" panose="02070309020205020404" pitchFamily="49" charset="0"/>
+                <a:cs typeface="Courier New" panose="02070309020205020404" pitchFamily="49" charset="0"/>
+              </a:rPr>
+              <a:t> | </a:t>
+            </a:r>
+            <a:r>
+              <a:rPr lang="en-GB" dirty="0" err="1">
+                <a:latin typeface="Courier New" panose="02070309020205020404" pitchFamily="49" charset="0"/>
+                <a:cs typeface="Courier New" panose="02070309020205020404" pitchFamily="49" charset="0"/>
+              </a:rPr>
+              <a:t>wc</a:t>
+            </a:r>
+            <a:r>
+              <a:rPr lang="en-GB" dirty="0">
+                <a:latin typeface="Courier New" panose="02070309020205020404" pitchFamily="49" charset="0"/>
+                <a:cs typeface="Courier New" panose="02070309020205020404" pitchFamily="49" charset="0"/>
+              </a:rPr>
+              <a:t> –l</a:t>
+            </a:r>
+          </a:p>
+          <a:p>
+            <a:endParaRPr lang="en-GB" dirty="0">
+              <a:latin typeface="Courier New" panose="02070309020205020404" pitchFamily="49" charset="0"/>
+              <a:cs typeface="Courier New" panose="02070309020205020404" pitchFamily="49" charset="0"/>
+            </a:endParaRPr>
+          </a:p>
+          <a:p>
+            <a:r>
+              <a:rPr lang="en-GB" dirty="0">
+                <a:latin typeface="Arial" panose="020B0604020202020204" pitchFamily="34" charset="0"/>
+                <a:cs typeface="Arial" panose="020B0604020202020204" pitchFamily="34" charset="0"/>
+              </a:rPr>
+              <a:t>Tip: deconstruct this command and first run the grep command to see the output and then run it together with the </a:t>
+            </a:r>
+            <a:r>
+              <a:rPr lang="en-GB" dirty="0" err="1">
+                <a:latin typeface="Arial" panose="020B0604020202020204" pitchFamily="34" charset="0"/>
+                <a:cs typeface="Arial" panose="020B0604020202020204" pitchFamily="34" charset="0"/>
+              </a:rPr>
+              <a:t>wc</a:t>
+            </a:r>
+            <a:r>
+              <a:rPr lang="en-GB" dirty="0">
+                <a:latin typeface="Arial" panose="020B0604020202020204" pitchFamily="34" charset="0"/>
+                <a:cs typeface="Arial" panose="020B0604020202020204" pitchFamily="34" charset="0"/>
+              </a:rPr>
+              <a:t> –l</a:t>
+            </a:r>
+          </a:p>
+          <a:p>
+            <a:endParaRPr lang="en-GB" dirty="0">
+              <a:latin typeface="Arial" panose="020B0604020202020204" pitchFamily="34" charset="0"/>
+              <a:cs typeface="Arial" panose="020B0604020202020204" pitchFamily="34" charset="0"/>
+            </a:endParaRPr>
+          </a:p>
+          <a:p>
+            <a:r>
+              <a:rPr lang="en-GB" dirty="0">
+                <a:latin typeface="Arial" panose="020B0604020202020204" pitchFamily="34" charset="0"/>
+                <a:cs typeface="Arial" panose="020B0604020202020204" pitchFamily="34" charset="0"/>
+              </a:rPr>
+              <a:t>Replace </a:t>
+            </a:r>
+            <a:r>
+              <a:rPr lang="en-GB" dirty="0" err="1">
+                <a:latin typeface="Arial" panose="020B0604020202020204" pitchFamily="34" charset="0"/>
+                <a:cs typeface="Arial" panose="020B0604020202020204" pitchFamily="34" charset="0"/>
+              </a:rPr>
+              <a:t>unix</a:t>
+            </a:r>
+            <a:r>
+              <a:rPr lang="en-GB" dirty="0">
+                <a:latin typeface="Arial" panose="020B0604020202020204" pitchFamily="34" charset="0"/>
+                <a:cs typeface="Arial" panose="020B0604020202020204" pitchFamily="34" charset="0"/>
+              </a:rPr>
+              <a:t> with </a:t>
+            </a:r>
+            <a:r>
+              <a:rPr lang="en-GB" dirty="0" err="1">
+                <a:latin typeface="Arial" panose="020B0604020202020204" pitchFamily="34" charset="0"/>
+                <a:cs typeface="Arial" panose="020B0604020202020204" pitchFamily="34" charset="0"/>
+              </a:rPr>
+              <a:t>linux</a:t>
+            </a:r>
+            <a:r>
+              <a:rPr lang="en-GB" dirty="0">
+                <a:latin typeface="Arial" panose="020B0604020202020204" pitchFamily="34" charset="0"/>
+                <a:cs typeface="Arial" panose="020B0604020202020204" pitchFamily="34" charset="0"/>
+              </a:rPr>
+              <a:t> using the command </a:t>
+            </a:r>
+            <a:r>
+              <a:rPr lang="en-GB" dirty="0" err="1">
+                <a:latin typeface="Arial" panose="020B0604020202020204" pitchFamily="34" charset="0"/>
+                <a:cs typeface="Arial" panose="020B0604020202020204" pitchFamily="34" charset="0"/>
+              </a:rPr>
+              <a:t>sed</a:t>
+            </a:r>
+            <a:r>
+              <a:rPr lang="en-GB" dirty="0">
+                <a:latin typeface="Arial" panose="020B0604020202020204" pitchFamily="34" charset="0"/>
+                <a:cs typeface="Arial" panose="020B0604020202020204" pitchFamily="34" charset="0"/>
+              </a:rPr>
+              <a:t> (s specified substitution)</a:t>
+            </a:r>
+          </a:p>
+          <a:p>
+            <a:r>
+              <a:rPr lang="en-GB" dirty="0" err="1">
+                <a:latin typeface="Courier New" panose="02070309020205020404" pitchFamily="49" charset="0"/>
+                <a:cs typeface="Courier New" panose="02070309020205020404" pitchFamily="49" charset="0"/>
+              </a:rPr>
+              <a:t>sed</a:t>
+            </a:r>
+            <a:r>
+              <a:rPr lang="en-GB" dirty="0">
+                <a:latin typeface="Courier New" panose="02070309020205020404" pitchFamily="49" charset="0"/>
+                <a:cs typeface="Courier New" panose="02070309020205020404" pitchFamily="49" charset="0"/>
+              </a:rPr>
+              <a:t> ‘s/</a:t>
+            </a:r>
+            <a:r>
+              <a:rPr lang="en-GB" dirty="0" err="1">
+                <a:latin typeface="Courier New" panose="02070309020205020404" pitchFamily="49" charset="0"/>
+                <a:cs typeface="Courier New" panose="02070309020205020404" pitchFamily="49" charset="0"/>
+              </a:rPr>
+              <a:t>unix</a:t>
+            </a:r>
+            <a:r>
+              <a:rPr lang="en-GB" dirty="0">
+                <a:latin typeface="Courier New" panose="02070309020205020404" pitchFamily="49" charset="0"/>
+                <a:cs typeface="Courier New" panose="02070309020205020404" pitchFamily="49" charset="0"/>
+              </a:rPr>
+              <a:t>/</a:t>
+            </a:r>
+            <a:r>
+              <a:rPr lang="en-GB" dirty="0" err="1">
+                <a:latin typeface="Courier New" panose="02070309020205020404" pitchFamily="49" charset="0"/>
+                <a:cs typeface="Courier New" panose="02070309020205020404" pitchFamily="49" charset="0"/>
+              </a:rPr>
+              <a:t>linux</a:t>
+            </a:r>
+            <a:r>
+              <a:rPr lang="en-GB" dirty="0">
+                <a:latin typeface="Courier New" panose="02070309020205020404" pitchFamily="49" charset="0"/>
+                <a:cs typeface="Courier New" panose="02070309020205020404" pitchFamily="49" charset="0"/>
+              </a:rPr>
+              <a:t>/’ </a:t>
+            </a:r>
+            <a:r>
+              <a:rPr lang="en-GB" dirty="0" err="1">
+                <a:latin typeface="Courier New" panose="02070309020205020404" pitchFamily="49" charset="0"/>
+                <a:cs typeface="Courier New" panose="02070309020205020404" pitchFamily="49" charset="0"/>
+              </a:rPr>
+              <a:t>geekfile.txt</a:t>
+            </a:r>
+            <a:endParaRPr lang="en-GB" dirty="0">
+              <a:latin typeface="Courier New" panose="02070309020205020404" pitchFamily="49" charset="0"/>
+              <a:cs typeface="Courier New" panose="02070309020205020404" pitchFamily="49" charset="0"/>
+            </a:endParaRPr>
+          </a:p>
+          <a:p>
+            <a:endParaRPr lang="en-GB" dirty="0">
+              <a:latin typeface="Courier New" panose="02070309020205020404" pitchFamily="49" charset="0"/>
+              <a:cs typeface="Courier New" panose="02070309020205020404" pitchFamily="49" charset="0"/>
+            </a:endParaRPr>
+          </a:p>
+          <a:p>
+            <a:r>
+              <a:rPr lang="en-GB" dirty="0">
+                <a:latin typeface="Arial" panose="020B0604020202020204" pitchFamily="34" charset="0"/>
+                <a:cs typeface="Arial" panose="020B0604020202020204" pitchFamily="34" charset="0"/>
+              </a:rPr>
+              <a:t>Note the output: it will only replace the first occurrence in each line</a:t>
+            </a:r>
+          </a:p>
+          <a:p>
+            <a:endParaRPr lang="en-GB" dirty="0">
+              <a:latin typeface="Arial" panose="020B0604020202020204" pitchFamily="34" charset="0"/>
+              <a:cs typeface="Arial" panose="020B0604020202020204" pitchFamily="34" charset="0"/>
+            </a:endParaRPr>
+          </a:p>
+          <a:p>
+            <a:r>
+              <a:rPr lang="en-GB" dirty="0">
+                <a:latin typeface="Arial" panose="020B0604020202020204" pitchFamily="34" charset="0"/>
+                <a:cs typeface="Arial" panose="020B0604020202020204" pitchFamily="34" charset="0"/>
+              </a:rPr>
+              <a:t>Save this to a new file:</a:t>
+            </a:r>
+          </a:p>
+          <a:p>
+            <a:r>
+              <a:rPr lang="en-GB" dirty="0" err="1">
+                <a:latin typeface="Courier New" panose="02070309020205020404" pitchFamily="49" charset="0"/>
+                <a:cs typeface="Courier New" panose="02070309020205020404" pitchFamily="49" charset="0"/>
+              </a:rPr>
+              <a:t>sed</a:t>
+            </a:r>
+            <a:r>
+              <a:rPr lang="en-GB" dirty="0">
+                <a:latin typeface="Courier New" panose="02070309020205020404" pitchFamily="49" charset="0"/>
+                <a:cs typeface="Courier New" panose="02070309020205020404" pitchFamily="49" charset="0"/>
+              </a:rPr>
+              <a:t> ‘s/</a:t>
+            </a:r>
+            <a:r>
+              <a:rPr lang="en-GB" dirty="0" err="1">
+                <a:latin typeface="Courier New" panose="02070309020205020404" pitchFamily="49" charset="0"/>
+                <a:cs typeface="Courier New" panose="02070309020205020404" pitchFamily="49" charset="0"/>
+              </a:rPr>
+              <a:t>unix</a:t>
+            </a:r>
+            <a:r>
+              <a:rPr lang="en-GB" dirty="0">
+                <a:latin typeface="Courier New" panose="02070309020205020404" pitchFamily="49" charset="0"/>
+                <a:cs typeface="Courier New" panose="02070309020205020404" pitchFamily="49" charset="0"/>
+              </a:rPr>
+              <a:t>/</a:t>
+            </a:r>
+            <a:r>
+              <a:rPr lang="en-GB" dirty="0" err="1">
+                <a:latin typeface="Courier New" panose="02070309020205020404" pitchFamily="49" charset="0"/>
+                <a:cs typeface="Courier New" panose="02070309020205020404" pitchFamily="49" charset="0"/>
+              </a:rPr>
+              <a:t>linux</a:t>
+            </a:r>
+            <a:r>
+              <a:rPr lang="en-GB" dirty="0">
+                <a:latin typeface="Courier New" panose="02070309020205020404" pitchFamily="49" charset="0"/>
+                <a:cs typeface="Courier New" panose="02070309020205020404" pitchFamily="49" charset="0"/>
+              </a:rPr>
+              <a:t>/’ </a:t>
+            </a:r>
+            <a:r>
+              <a:rPr lang="en-GB" dirty="0" err="1">
+                <a:latin typeface="Courier New" panose="02070309020205020404" pitchFamily="49" charset="0"/>
+                <a:cs typeface="Courier New" panose="02070309020205020404" pitchFamily="49" charset="0"/>
+              </a:rPr>
+              <a:t>geekfile.txt</a:t>
+            </a:r>
+            <a:r>
+              <a:rPr lang="en-GB" dirty="0">
+                <a:latin typeface="Courier New" panose="02070309020205020404" pitchFamily="49" charset="0"/>
+                <a:cs typeface="Courier New" panose="02070309020205020404" pitchFamily="49" charset="0"/>
+              </a:rPr>
+              <a:t> &gt; geekfile2.txt</a:t>
+            </a:r>
+          </a:p>
+          <a:p>
+            <a:endParaRPr lang="en-GB" dirty="0">
+              <a:latin typeface="Arial" panose="020B0604020202020204" pitchFamily="34" charset="0"/>
+              <a:cs typeface="Arial" panose="020B0604020202020204" pitchFamily="34" charset="0"/>
+            </a:endParaRPr>
+          </a:p>
+          <a:p>
+            <a:r>
+              <a:rPr lang="en-GB" dirty="0">
+                <a:latin typeface="Arial" panose="020B0604020202020204" pitchFamily="34" charset="0"/>
+                <a:cs typeface="Arial" panose="020B0604020202020204" pitchFamily="34" charset="0"/>
+              </a:rPr>
+              <a:t>Replace the second occurrence of </a:t>
+            </a:r>
+            <a:r>
+              <a:rPr lang="en-GB" dirty="0" err="1">
+                <a:latin typeface="Arial" panose="020B0604020202020204" pitchFamily="34" charset="0"/>
+                <a:cs typeface="Arial" panose="020B0604020202020204" pitchFamily="34" charset="0"/>
+              </a:rPr>
+              <a:t>unix</a:t>
+            </a:r>
+            <a:r>
+              <a:rPr lang="en-GB" dirty="0">
+                <a:latin typeface="Arial" panose="020B0604020202020204" pitchFamily="34" charset="0"/>
+                <a:cs typeface="Arial" panose="020B0604020202020204" pitchFamily="34" charset="0"/>
+              </a:rPr>
+              <a:t> in each line</a:t>
+            </a:r>
+          </a:p>
+          <a:p>
+            <a:r>
+              <a:rPr lang="en-GB" dirty="0" err="1">
+                <a:latin typeface="Courier New" panose="02070309020205020404" pitchFamily="49" charset="0"/>
+                <a:cs typeface="Courier New" panose="02070309020205020404" pitchFamily="49" charset="0"/>
+              </a:rPr>
+              <a:t>sed</a:t>
+            </a:r>
+            <a:r>
+              <a:rPr lang="en-GB" dirty="0">
+                <a:latin typeface="Courier New" panose="02070309020205020404" pitchFamily="49" charset="0"/>
+                <a:cs typeface="Courier New" panose="02070309020205020404" pitchFamily="49" charset="0"/>
+              </a:rPr>
+              <a:t> ‘s/</a:t>
+            </a:r>
+            <a:r>
+              <a:rPr lang="en-GB" dirty="0" err="1">
+                <a:latin typeface="Courier New" panose="02070309020205020404" pitchFamily="49" charset="0"/>
+                <a:cs typeface="Courier New" panose="02070309020205020404" pitchFamily="49" charset="0"/>
+              </a:rPr>
+              <a:t>unix</a:t>
+            </a:r>
+            <a:r>
+              <a:rPr lang="en-GB" dirty="0">
+                <a:latin typeface="Courier New" panose="02070309020205020404" pitchFamily="49" charset="0"/>
+                <a:cs typeface="Courier New" panose="02070309020205020404" pitchFamily="49" charset="0"/>
+              </a:rPr>
+              <a:t>/</a:t>
+            </a:r>
+            <a:r>
+              <a:rPr lang="en-GB" dirty="0" err="1">
+                <a:latin typeface="Courier New" panose="02070309020205020404" pitchFamily="49" charset="0"/>
+                <a:cs typeface="Courier New" panose="02070309020205020404" pitchFamily="49" charset="0"/>
+              </a:rPr>
+              <a:t>linux</a:t>
+            </a:r>
+            <a:r>
+              <a:rPr lang="en-GB" dirty="0">
+                <a:latin typeface="Courier New" panose="02070309020205020404" pitchFamily="49" charset="0"/>
+                <a:cs typeface="Courier New" panose="02070309020205020404" pitchFamily="49" charset="0"/>
+              </a:rPr>
+              <a:t>/2’ </a:t>
+            </a:r>
+            <a:r>
+              <a:rPr lang="en-GB" dirty="0" err="1">
+                <a:latin typeface="Courier New" panose="02070309020205020404" pitchFamily="49" charset="0"/>
+                <a:cs typeface="Courier New" panose="02070309020205020404" pitchFamily="49" charset="0"/>
+              </a:rPr>
+              <a:t>geekfile.txt</a:t>
+            </a:r>
+            <a:endParaRPr lang="en-GB" dirty="0">
+              <a:latin typeface="Courier New" panose="02070309020205020404" pitchFamily="49" charset="0"/>
+              <a:cs typeface="Courier New" panose="02070309020205020404" pitchFamily="49" charset="0"/>
+            </a:endParaRPr>
+          </a:p>
+          <a:p>
+            <a:endParaRPr lang="en-GB" dirty="0">
+              <a:latin typeface="Courier New" panose="02070309020205020404" pitchFamily="49" charset="0"/>
+              <a:cs typeface="Courier New" panose="02070309020205020404" pitchFamily="49" charset="0"/>
+            </a:endParaRPr>
+          </a:p>
+          <a:p>
+            <a:r>
+              <a:rPr lang="en-GB" dirty="0">
+                <a:latin typeface="Arial" panose="020B0604020202020204" pitchFamily="34" charset="0"/>
+                <a:cs typeface="Arial" panose="020B0604020202020204" pitchFamily="34" charset="0"/>
+              </a:rPr>
+              <a:t>Replace all occurrences of </a:t>
+            </a:r>
+            <a:r>
+              <a:rPr lang="en-GB" dirty="0" err="1">
+                <a:latin typeface="Arial" panose="020B0604020202020204" pitchFamily="34" charset="0"/>
+                <a:cs typeface="Arial" panose="020B0604020202020204" pitchFamily="34" charset="0"/>
+              </a:rPr>
+              <a:t>unix</a:t>
+            </a:r>
+            <a:endParaRPr lang="en-GB" dirty="0">
+              <a:latin typeface="Arial" panose="020B0604020202020204" pitchFamily="34" charset="0"/>
+              <a:cs typeface="Arial" panose="020B0604020202020204" pitchFamily="34" charset="0"/>
+            </a:endParaRPr>
+          </a:p>
+          <a:p>
+            <a:r>
+              <a:rPr lang="en-GB" dirty="0" err="1">
+                <a:latin typeface="Courier New" panose="02070309020205020404" pitchFamily="49" charset="0"/>
+                <a:cs typeface="Courier New" panose="02070309020205020404" pitchFamily="49" charset="0"/>
+              </a:rPr>
+              <a:t>sed</a:t>
+            </a:r>
+            <a:r>
+              <a:rPr lang="en-GB" dirty="0">
+                <a:latin typeface="Courier New" panose="02070309020205020404" pitchFamily="49" charset="0"/>
+                <a:cs typeface="Courier New" panose="02070309020205020404" pitchFamily="49" charset="0"/>
+              </a:rPr>
+              <a:t> ‘s/</a:t>
+            </a:r>
+            <a:r>
+              <a:rPr lang="en-GB" dirty="0" err="1">
+                <a:latin typeface="Courier New" panose="02070309020205020404" pitchFamily="49" charset="0"/>
+                <a:cs typeface="Courier New" panose="02070309020205020404" pitchFamily="49" charset="0"/>
+              </a:rPr>
+              <a:t>unix</a:t>
+            </a:r>
+            <a:r>
+              <a:rPr lang="en-GB" dirty="0">
+                <a:latin typeface="Courier New" panose="02070309020205020404" pitchFamily="49" charset="0"/>
+                <a:cs typeface="Courier New" panose="02070309020205020404" pitchFamily="49" charset="0"/>
+              </a:rPr>
+              <a:t>/</a:t>
+            </a:r>
+            <a:r>
+              <a:rPr lang="en-GB" dirty="0" err="1">
+                <a:latin typeface="Courier New" panose="02070309020205020404" pitchFamily="49" charset="0"/>
+                <a:cs typeface="Courier New" panose="02070309020205020404" pitchFamily="49" charset="0"/>
+              </a:rPr>
+              <a:t>linux</a:t>
+            </a:r>
+            <a:r>
+              <a:rPr lang="en-GB" dirty="0">
+                <a:latin typeface="Courier New" panose="02070309020205020404" pitchFamily="49" charset="0"/>
+                <a:cs typeface="Courier New" panose="02070309020205020404" pitchFamily="49" charset="0"/>
+              </a:rPr>
+              <a:t>/g’ </a:t>
+            </a:r>
+            <a:r>
+              <a:rPr lang="en-GB" dirty="0" err="1">
+                <a:latin typeface="Courier New" panose="02070309020205020404" pitchFamily="49" charset="0"/>
+                <a:cs typeface="Courier New" panose="02070309020205020404" pitchFamily="49" charset="0"/>
+              </a:rPr>
+              <a:t>geekfile.txt</a:t>
+            </a:r>
+            <a:endParaRPr lang="en-GB" dirty="0">
+              <a:latin typeface="Courier New" panose="02070309020205020404" pitchFamily="49" charset="0"/>
+              <a:cs typeface="Courier New" panose="02070309020205020404" pitchFamily="49" charset="0"/>
+            </a:endParaRPr>
+          </a:p>
+          <a:p>
+            <a:endParaRPr lang="en-GB" dirty="0">
+              <a:latin typeface="Courier New" panose="02070309020205020404" pitchFamily="49" charset="0"/>
+              <a:cs typeface="Courier New" panose="02070309020205020404" pitchFamily="49" charset="0"/>
+            </a:endParaRPr>
+          </a:p>
+          <a:p>
+            <a:endParaRPr lang="en-US" dirty="0">
+              <a:latin typeface="Arial" panose="020B0604020202020204" pitchFamily="34" charset="0"/>
+              <a:cs typeface="Arial" panose="020B0604020202020204" pitchFamily="34" charset="0"/>
+            </a:endParaRPr>
           </a:p>
         </p:txBody>
       </p:sp>
     </p:spTree>
     <p:extLst>
       <p:ext uri="{BB962C8B-B14F-4D97-AF65-F5344CB8AC3E}">
-        <p14:creationId xmlns:p14="http://schemas.microsoft.com/office/powerpoint/2010/main" val="3643708538"/>
+        <p14:creationId xmlns:p14="http://schemas.microsoft.com/office/powerpoint/2010/main" val="3735860344"/>
       </p:ext>
     </p:extLst>
   </p:cSld>
@@ -14240,7 +14230,7 @@
                 <a:latin typeface="Arial" panose="020B0604020202020204" pitchFamily="34" charset="0"/>
                 <a:cs typeface="Arial" panose="020B0604020202020204" pitchFamily="34" charset="0"/>
               </a:rPr>
-              <a:t>A short introduction to Bash scripting</a:t>
+              <a:t>More advanced commands and using pipe</a:t>
             </a:r>
           </a:p>
         </p:txBody>
@@ -14260,7 +14250,7 @@
         <p:spPr>
           <a:xfrm>
             <a:off x="0" y="889843"/>
-            <a:ext cx="12192000" cy="5909310"/>
+            <a:ext cx="12192000" cy="4801314"/>
           </a:xfrm>
           <a:prstGeom prst="rect">
             <a:avLst/>
@@ -14278,16 +14268,7 @@
                 <a:latin typeface="Arial" panose="020B0604020202020204" pitchFamily="34" charset="0"/>
                 <a:cs typeface="Arial" panose="020B0604020202020204" pitchFamily="34" charset="0"/>
               </a:rPr>
-              <a:t>All the commands use up to now is called Bash commands.</a:t>
-            </a:r>
-          </a:p>
-          <a:p>
-            <a:r>
-              <a:rPr lang="en-US" dirty="0">
-                <a:latin typeface="Arial" panose="020B0604020202020204" pitchFamily="34" charset="0"/>
-                <a:cs typeface="Arial" panose="020B0604020202020204" pitchFamily="34" charset="0"/>
-              </a:rPr>
-              <a:t>Bash is a Unix shell and command language that is used as the default login shell for most Linux distros</a:t>
+              <a:t>Like grep and sed, the awk command searches for patterns in a file line by line and performs some operations on each line. Specifically useful to split a document into columns.</a:t>
             </a:r>
           </a:p>
           <a:p>
@@ -14302,165 +14283,168 @@
                 <a:latin typeface="Arial" panose="020B0604020202020204" pitchFamily="34" charset="0"/>
                 <a:cs typeface="Arial" panose="020B0604020202020204" pitchFamily="34" charset="0"/>
               </a:rPr>
-              <a:t>All the commands used (and MUCH MUCH more) can be used in Bash scripts like a programming language</a:t>
-            </a:r>
-          </a:p>
-          <a:p>
-            <a:endParaRPr lang="en-US" dirty="0">
+              <a:t>Create a file called </a:t>
+            </a:r>
+            <a:r>
+              <a:rPr lang="en-US" dirty="0" err="1">
+                <a:latin typeface="Arial" panose="020B0604020202020204" pitchFamily="34" charset="0"/>
+                <a:cs typeface="Arial" panose="020B0604020202020204" pitchFamily="34" charset="0"/>
+              </a:rPr>
+              <a:t>gene_exp.txt</a:t>
+            </a:r>
+            <a:r>
+              <a:rPr lang="en-US" dirty="0">
+                <a:latin typeface="Arial" panose="020B0604020202020204" pitchFamily="34" charset="0"/>
+                <a:cs typeface="Arial" panose="020B0604020202020204" pitchFamily="34" charset="0"/>
+              </a:rPr>
+              <a:t> with the following text</a:t>
+            </a:r>
+          </a:p>
+          <a:p>
+            <a:r>
+              <a:rPr lang="en-GB" dirty="0">
+                <a:latin typeface="Courier New" panose="02070309020205020404" pitchFamily="49" charset="0"/>
+                <a:cs typeface="Courier New" panose="02070309020205020404" pitchFamily="49" charset="0"/>
+              </a:rPr>
+              <a:t>gene sample1 sample2 sample3</a:t>
+            </a:r>
+          </a:p>
+          <a:p>
+            <a:r>
+              <a:rPr lang="en-GB" dirty="0">
+                <a:latin typeface="Courier New" panose="02070309020205020404" pitchFamily="49" charset="0"/>
+                <a:cs typeface="Courier New" panose="02070309020205020404" pitchFamily="49" charset="0"/>
+              </a:rPr>
+              <a:t>gene1 4 5 1</a:t>
+            </a:r>
+          </a:p>
+          <a:p>
+            <a:r>
+              <a:rPr lang="en-GB" dirty="0">
+                <a:latin typeface="Courier New" panose="02070309020205020404" pitchFamily="49" charset="0"/>
+                <a:cs typeface="Courier New" panose="02070309020205020404" pitchFamily="49" charset="0"/>
+              </a:rPr>
+              <a:t>gene2 10 70 100</a:t>
+            </a:r>
+          </a:p>
+          <a:p>
+            <a:r>
+              <a:rPr lang="en-GB" dirty="0">
+                <a:latin typeface="Courier New" panose="02070309020205020404" pitchFamily="49" charset="0"/>
+                <a:cs typeface="Courier New" panose="02070309020205020404" pitchFamily="49" charset="0"/>
+              </a:rPr>
+              <a:t>gene3 0 0 5</a:t>
+            </a:r>
+          </a:p>
+          <a:p>
+            <a:endParaRPr lang="en-GB" dirty="0">
+              <a:latin typeface="Courier New" panose="02070309020205020404" pitchFamily="49" charset="0"/>
+              <a:cs typeface="Courier New" panose="02070309020205020404" pitchFamily="49" charset="0"/>
+            </a:endParaRPr>
+          </a:p>
+          <a:p>
+            <a:r>
+              <a:rPr lang="en-GB" dirty="0">
+                <a:latin typeface="Arial" panose="020B0604020202020204" pitchFamily="34" charset="0"/>
+                <a:cs typeface="Arial" panose="020B0604020202020204" pitchFamily="34" charset="0"/>
+              </a:rPr>
+              <a:t>Print the first column of the file </a:t>
+            </a:r>
+            <a:r>
+              <a:rPr lang="en-GB" dirty="0" err="1">
+                <a:latin typeface="Arial" panose="020B0604020202020204" pitchFamily="34" charset="0"/>
+                <a:cs typeface="Arial" panose="020B0604020202020204" pitchFamily="34" charset="0"/>
+              </a:rPr>
+              <a:t>gene_exp.txt</a:t>
+            </a:r>
+            <a:endParaRPr lang="en-GB" dirty="0">
               <a:latin typeface="Arial" panose="020B0604020202020204" pitchFamily="34" charset="0"/>
               <a:cs typeface="Arial" panose="020B0604020202020204" pitchFamily="34" charset="0"/>
             </a:endParaRPr>
           </a:p>
           <a:p>
             <a:r>
-              <a:rPr lang="en-US" dirty="0">
-                <a:latin typeface="Arial" panose="020B0604020202020204" pitchFamily="34" charset="0"/>
-                <a:cs typeface="Arial" panose="020B0604020202020204" pitchFamily="34" charset="0"/>
-              </a:rPr>
-              <a:t>We are only going to do one or two simple things to illustrate it.</a:t>
-            </a:r>
-          </a:p>
-          <a:p>
-            <a:endParaRPr lang="en-US" dirty="0">
+              <a:rPr lang="en-GB" dirty="0">
+                <a:latin typeface="Courier New" panose="02070309020205020404" pitchFamily="49" charset="0"/>
+                <a:cs typeface="Courier New" panose="02070309020205020404" pitchFamily="49" charset="0"/>
+              </a:rPr>
+              <a:t>awk ‘{print $1}’ </a:t>
+            </a:r>
+            <a:r>
+              <a:rPr lang="en-GB" dirty="0" err="1">
+                <a:latin typeface="Courier New" panose="02070309020205020404" pitchFamily="49" charset="0"/>
+                <a:cs typeface="Courier New" panose="02070309020205020404" pitchFamily="49" charset="0"/>
+              </a:rPr>
+              <a:t>gene_exp.txt</a:t>
+            </a:r>
+            <a:endParaRPr lang="en-GB" dirty="0">
+              <a:latin typeface="Courier New" panose="02070309020205020404" pitchFamily="49" charset="0"/>
+              <a:cs typeface="Courier New" panose="02070309020205020404" pitchFamily="49" charset="0"/>
+            </a:endParaRPr>
+          </a:p>
+          <a:p>
+            <a:endParaRPr lang="en-GB" dirty="0">
+              <a:latin typeface="Courier New" panose="02070309020205020404" pitchFamily="49" charset="0"/>
+              <a:cs typeface="Courier New" panose="02070309020205020404" pitchFamily="49" charset="0"/>
+            </a:endParaRPr>
+          </a:p>
+          <a:p>
+            <a:r>
+              <a:rPr lang="en-GB" dirty="0">
+                <a:latin typeface="Arial" panose="020B0604020202020204" pitchFamily="34" charset="0"/>
+                <a:cs typeface="Arial" panose="020B0604020202020204" pitchFamily="34" charset="0"/>
+              </a:rPr>
+              <a:t>Print the first and second column of the file </a:t>
+            </a:r>
+            <a:r>
+              <a:rPr lang="en-GB" dirty="0" err="1">
+                <a:latin typeface="Arial" panose="020B0604020202020204" pitchFamily="34" charset="0"/>
+                <a:cs typeface="Arial" panose="020B0604020202020204" pitchFamily="34" charset="0"/>
+              </a:rPr>
+              <a:t>gene_exp.txt</a:t>
+            </a:r>
+            <a:endParaRPr lang="en-GB" dirty="0">
               <a:latin typeface="Arial" panose="020B0604020202020204" pitchFamily="34" charset="0"/>
               <a:cs typeface="Arial" panose="020B0604020202020204" pitchFamily="34" charset="0"/>
             </a:endParaRPr>
           </a:p>
           <a:p>
             <a:r>
-              <a:rPr lang="en-US" dirty="0">
-                <a:latin typeface="Arial" panose="020B0604020202020204" pitchFamily="34" charset="0"/>
-                <a:cs typeface="Arial" panose="020B0604020202020204" pitchFamily="34" charset="0"/>
-              </a:rPr>
-              <a:t>Create a file called </a:t>
-            </a:r>
-            <a:r>
-              <a:rPr lang="en-US" dirty="0" err="1">
-                <a:latin typeface="Arial" panose="020B0604020202020204" pitchFamily="34" charset="0"/>
-                <a:cs typeface="Arial" panose="020B0604020202020204" pitchFamily="34" charset="0"/>
-              </a:rPr>
-              <a:t>test_bash.sh</a:t>
-            </a:r>
-            <a:r>
-              <a:rPr lang="en-US" dirty="0">
-                <a:latin typeface="Arial" panose="020B0604020202020204" pitchFamily="34" charset="0"/>
-                <a:cs typeface="Arial" panose="020B0604020202020204" pitchFamily="34" charset="0"/>
-              </a:rPr>
-              <a:t> and open it in an editor (nano)</a:t>
-            </a:r>
-          </a:p>
-          <a:p>
-            <a:endParaRPr lang="en-US" dirty="0">
-              <a:latin typeface="Arial" panose="020B0604020202020204" pitchFamily="34" charset="0"/>
-              <a:cs typeface="Arial" panose="020B0604020202020204" pitchFamily="34" charset="0"/>
-            </a:endParaRPr>
-          </a:p>
-          <a:p>
-            <a:r>
-              <a:rPr lang="en-US" dirty="0">
-                <a:latin typeface="Arial" panose="020B0604020202020204" pitchFamily="34" charset="0"/>
-                <a:cs typeface="Arial" panose="020B0604020202020204" pitchFamily="34" charset="0"/>
-              </a:rPr>
-              <a:t>Write the following commands in the file:</a:t>
-            </a:r>
-          </a:p>
-          <a:p>
-            <a:r>
-              <a:rPr lang="en-US" dirty="0">
+              <a:rPr lang="en-GB" dirty="0">
                 <a:latin typeface="Courier New" panose="02070309020205020404" pitchFamily="49" charset="0"/>
                 <a:cs typeface="Courier New" panose="02070309020205020404" pitchFamily="49" charset="0"/>
               </a:rPr>
-              <a:t>#!/bin/bash</a:t>
-            </a:r>
-          </a:p>
-          <a:p>
-            <a:r>
-              <a:rPr lang="en-US" dirty="0">
+              <a:t>awk ‘{print $1,$2}’ </a:t>
+            </a:r>
+            <a:r>
+              <a:rPr lang="en-GB" dirty="0" err="1">
                 <a:latin typeface="Courier New" panose="02070309020205020404" pitchFamily="49" charset="0"/>
                 <a:cs typeface="Courier New" panose="02070309020205020404" pitchFamily="49" charset="0"/>
               </a:rPr>
-              <a:t># declare STRING variable</a:t>
-            </a:r>
-          </a:p>
-          <a:p>
-            <a:r>
-              <a:rPr lang="en-US" dirty="0">
-                <a:latin typeface="Courier New" panose="02070309020205020404" pitchFamily="49" charset="0"/>
-                <a:cs typeface="Courier New" panose="02070309020205020404" pitchFamily="49" charset="0"/>
-              </a:rPr>
-              <a:t>STRING="Hello World"</a:t>
-            </a:r>
-          </a:p>
-          <a:p>
-            <a:r>
-              <a:rPr lang="en-US" dirty="0">
-                <a:latin typeface="Courier New" panose="02070309020205020404" pitchFamily="49" charset="0"/>
-                <a:cs typeface="Courier New" panose="02070309020205020404" pitchFamily="49" charset="0"/>
-              </a:rPr>
-              <a:t># print variable on a screen</a:t>
-            </a:r>
-          </a:p>
-          <a:p>
-            <a:r>
-              <a:rPr lang="en-US" dirty="0">
-                <a:latin typeface="Courier New" panose="02070309020205020404" pitchFamily="49" charset="0"/>
-                <a:cs typeface="Courier New" panose="02070309020205020404" pitchFamily="49" charset="0"/>
-              </a:rPr>
-              <a:t>echo $STRING</a:t>
-            </a:r>
-          </a:p>
-          <a:p>
-            <a:endParaRPr lang="en-US" dirty="0">
+              <a:t>gene_exp.txt</a:t>
+            </a:r>
+            <a:endParaRPr lang="en-GB" dirty="0">
               <a:latin typeface="Courier New" panose="02070309020205020404" pitchFamily="49" charset="0"/>
               <a:cs typeface="Courier New" panose="02070309020205020404" pitchFamily="49" charset="0"/>
             </a:endParaRPr>
           </a:p>
           <a:p>
-            <a:r>
-              <a:rPr lang="en-US" dirty="0">
-                <a:latin typeface="Arial" panose="020B0604020202020204" pitchFamily="34" charset="0"/>
-                <a:cs typeface="Arial" panose="020B0604020202020204" pitchFamily="34" charset="0"/>
-              </a:rPr>
-              <a:t>Run this file using</a:t>
-            </a:r>
-          </a:p>
-          <a:p>
-            <a:r>
-              <a:rPr lang="en-US" dirty="0">
-                <a:latin typeface="Courier New" panose="02070309020205020404" pitchFamily="49" charset="0"/>
-                <a:cs typeface="Courier New" panose="02070309020205020404" pitchFamily="49" charset="0"/>
-              </a:rPr>
-              <a:t>bash </a:t>
-            </a:r>
-            <a:r>
-              <a:rPr lang="en-US" dirty="0" err="1">
-                <a:latin typeface="Courier New" panose="02070309020205020404" pitchFamily="49" charset="0"/>
-                <a:cs typeface="Courier New" panose="02070309020205020404" pitchFamily="49" charset="0"/>
-              </a:rPr>
-              <a:t>test_bash.sh</a:t>
-            </a:r>
-            <a:endParaRPr lang="en-US" dirty="0">
+            <a:endParaRPr lang="en-GB" dirty="0">
               <a:latin typeface="Courier New" panose="02070309020205020404" pitchFamily="49" charset="0"/>
               <a:cs typeface="Courier New" panose="02070309020205020404" pitchFamily="49" charset="0"/>
             </a:endParaRPr>
           </a:p>
           <a:p>
-            <a:endParaRPr lang="en-US" dirty="0">
-              <a:latin typeface="Arial" panose="020B0604020202020204" pitchFamily="34" charset="0"/>
-              <a:cs typeface="Arial" panose="020B0604020202020204" pitchFamily="34" charset="0"/>
-            </a:endParaRPr>
-          </a:p>
-          <a:p>
-            <a:r>
-              <a:rPr lang="en-US" dirty="0">
-                <a:latin typeface="Arial" panose="020B0604020202020204" pitchFamily="34" charset="0"/>
-                <a:cs typeface="Arial" panose="020B0604020202020204" pitchFamily="34" charset="0"/>
-              </a:rPr>
-              <a:t>The same two commands can instead be run in the command line itself</a:t>
-            </a:r>
-          </a:p>
-          <a:p>
-            <a:endParaRPr lang="en-US" dirty="0">
+            <a:r>
+              <a:rPr lang="en-GB" dirty="0">
+                <a:latin typeface="Arial" panose="020B0604020202020204" pitchFamily="34" charset="0"/>
+                <a:cs typeface="Arial" panose="020B0604020202020204" pitchFamily="34" charset="0"/>
+              </a:rPr>
+              <a:t>Exercise: use awk and grep to get the expression of gene2 for sample 3</a:t>
+            </a:r>
+          </a:p>
+          <a:p>
+            <a:endParaRPr lang="en-GB" dirty="0">
               <a:latin typeface="Courier New" panose="02070309020205020404" pitchFamily="49" charset="0"/>
               <a:cs typeface="Courier New" panose="02070309020205020404" pitchFamily="49" charset="0"/>
             </a:endParaRPr>
@@ -14470,7 +14454,7 @@
     </p:spTree>
     <p:extLst>
       <p:ext uri="{BB962C8B-B14F-4D97-AF65-F5344CB8AC3E}">
-        <p14:creationId xmlns:p14="http://schemas.microsoft.com/office/powerpoint/2010/main" val="549666251"/>
+        <p14:creationId xmlns:p14="http://schemas.microsoft.com/office/powerpoint/2010/main" val="3300844367"/>
       </p:ext>
     </p:extLst>
   </p:cSld>
@@ -14511,6 +14495,366 @@
         </p:nvSpPr>
         <p:spPr>
           <a:xfrm>
+            <a:off x="0" y="2844225"/>
+            <a:ext cx="12192000" cy="584775"/>
+          </a:xfrm>
+          <a:prstGeom prst="rect">
+            <a:avLst/>
+          </a:prstGeom>
+          <a:noFill/>
+        </p:spPr>
+        <p:txBody>
+          <a:bodyPr wrap="square" rtlCol="0">
+            <a:spAutoFit/>
+          </a:bodyPr>
+          <a:lstStyle/>
+          <a:p>
+            <a:pPr algn="ctr"/>
+            <a:r>
+              <a:rPr lang="en-US" sz="3200" u="sng" dirty="0">
+                <a:latin typeface="Arial" panose="020B0604020202020204" pitchFamily="34" charset="0"/>
+                <a:cs typeface="Arial" panose="020B0604020202020204" pitchFamily="34" charset="0"/>
+              </a:rPr>
+              <a:t>Break</a:t>
+            </a:r>
+          </a:p>
+        </p:txBody>
+      </p:sp>
+    </p:spTree>
+    <p:extLst>
+      <p:ext uri="{BB962C8B-B14F-4D97-AF65-F5344CB8AC3E}">
+        <p14:creationId xmlns:p14="http://schemas.microsoft.com/office/powerpoint/2010/main" val="3643708538"/>
+      </p:ext>
+    </p:extLst>
+  </p:cSld>
+  <p:clrMapOvr>
+    <a:masterClrMapping/>
+  </p:clrMapOvr>
+</p:sld>
+</file>
+
+<file path=ppt/slides/slide44.xml><?xml version="1.0" encoding="utf-8"?>
+<p:sld xmlns:a="http://schemas.openxmlformats.org/drawingml/2006/main" xmlns:r="http://schemas.openxmlformats.org/officeDocument/2006/relationships" xmlns:p="http://schemas.openxmlformats.org/presentationml/2006/main">
+  <p:cSld>
+    <p:spTree>
+      <p:nvGrpSpPr>
+        <p:cNvPr id="1" name=""/>
+        <p:cNvGrpSpPr/>
+        <p:nvPr/>
+      </p:nvGrpSpPr>
+      <p:grpSpPr>
+        <a:xfrm>
+          <a:off x="0" y="0"/>
+          <a:ext cx="0" cy="0"/>
+          <a:chOff x="0" y="0"/>
+          <a:chExt cx="0" cy="0"/>
+        </a:xfrm>
+      </p:grpSpPr>
+      <p:sp>
+        <p:nvSpPr>
+          <p:cNvPr id="2" name="TextBox 1">
+            <a:extLst>
+              <a:ext uri="{FF2B5EF4-FFF2-40B4-BE49-F238E27FC236}">
+                <a16:creationId xmlns:a16="http://schemas.microsoft.com/office/drawing/2014/main" id="{30DFB4F8-02E9-3172-BBD6-CA79A76EC796}"/>
+              </a:ext>
+            </a:extLst>
+          </p:cNvPr>
+          <p:cNvSpPr txBox="1"/>
+          <p:nvPr/>
+        </p:nvSpPr>
+        <p:spPr>
+          <a:xfrm>
+            <a:off x="0" y="441"/>
+            <a:ext cx="12192000" cy="584775"/>
+          </a:xfrm>
+          <a:prstGeom prst="rect">
+            <a:avLst/>
+          </a:prstGeom>
+          <a:noFill/>
+        </p:spPr>
+        <p:txBody>
+          <a:bodyPr wrap="square" rtlCol="0">
+            <a:spAutoFit/>
+          </a:bodyPr>
+          <a:lstStyle/>
+          <a:p>
+            <a:pPr algn="ctr"/>
+            <a:r>
+              <a:rPr lang="en-US" sz="3200" u="sng" dirty="0">
+                <a:latin typeface="Arial" panose="020B0604020202020204" pitchFamily="34" charset="0"/>
+                <a:cs typeface="Arial" panose="020B0604020202020204" pitchFamily="34" charset="0"/>
+              </a:rPr>
+              <a:t>A short introduction to Bash scripting</a:t>
+            </a:r>
+          </a:p>
+        </p:txBody>
+      </p:sp>
+      <p:sp>
+        <p:nvSpPr>
+          <p:cNvPr id="3" name="TextBox 2">
+            <a:extLst>
+              <a:ext uri="{FF2B5EF4-FFF2-40B4-BE49-F238E27FC236}">
+                <a16:creationId xmlns:a16="http://schemas.microsoft.com/office/drawing/2014/main" id="{FC672A2F-9DF5-1F29-F85F-5E8D148C0B95}"/>
+              </a:ext>
+            </a:extLst>
+          </p:cNvPr>
+          <p:cNvSpPr txBox="1"/>
+          <p:nvPr/>
+        </p:nvSpPr>
+        <p:spPr>
+          <a:xfrm>
+            <a:off x="0" y="889843"/>
+            <a:ext cx="12192000" cy="5909310"/>
+          </a:xfrm>
+          <a:prstGeom prst="rect">
+            <a:avLst/>
+          </a:prstGeom>
+          <a:noFill/>
+        </p:spPr>
+        <p:txBody>
+          <a:bodyPr wrap="square">
+            <a:spAutoFit/>
+          </a:bodyPr>
+          <a:lstStyle/>
+          <a:p>
+            <a:r>
+              <a:rPr lang="en-US" dirty="0">
+                <a:latin typeface="Arial" panose="020B0604020202020204" pitchFamily="34" charset="0"/>
+                <a:cs typeface="Arial" panose="020B0604020202020204" pitchFamily="34" charset="0"/>
+              </a:rPr>
+              <a:t>All the commands use up to now is called Bash commands.</a:t>
+            </a:r>
+          </a:p>
+          <a:p>
+            <a:r>
+              <a:rPr lang="en-US" dirty="0">
+                <a:latin typeface="Arial" panose="020B0604020202020204" pitchFamily="34" charset="0"/>
+                <a:cs typeface="Arial" panose="020B0604020202020204" pitchFamily="34" charset="0"/>
+              </a:rPr>
+              <a:t>Bash is a Unix shell and command language that is used as the default login shell for most Linux distros</a:t>
+            </a:r>
+          </a:p>
+          <a:p>
+            <a:endParaRPr lang="en-US" dirty="0">
+              <a:latin typeface="Arial" panose="020B0604020202020204" pitchFamily="34" charset="0"/>
+              <a:cs typeface="Arial" panose="020B0604020202020204" pitchFamily="34" charset="0"/>
+            </a:endParaRPr>
+          </a:p>
+          <a:p>
+            <a:r>
+              <a:rPr lang="en-US" dirty="0">
+                <a:latin typeface="Arial" panose="020B0604020202020204" pitchFamily="34" charset="0"/>
+                <a:cs typeface="Arial" panose="020B0604020202020204" pitchFamily="34" charset="0"/>
+              </a:rPr>
+              <a:t>All the commands used (and MUCH MUCH more) can be used in Bash scripts like a programming language</a:t>
+            </a:r>
+          </a:p>
+          <a:p>
+            <a:endParaRPr lang="en-US" dirty="0">
+              <a:latin typeface="Arial" panose="020B0604020202020204" pitchFamily="34" charset="0"/>
+              <a:cs typeface="Arial" panose="020B0604020202020204" pitchFamily="34" charset="0"/>
+            </a:endParaRPr>
+          </a:p>
+          <a:p>
+            <a:r>
+              <a:rPr lang="en-US" dirty="0">
+                <a:latin typeface="Arial" panose="020B0604020202020204" pitchFamily="34" charset="0"/>
+                <a:cs typeface="Arial" panose="020B0604020202020204" pitchFamily="34" charset="0"/>
+              </a:rPr>
+              <a:t>We are only going to do one or two simple things to illustrate it.</a:t>
+            </a:r>
+          </a:p>
+          <a:p>
+            <a:endParaRPr lang="en-US" dirty="0">
+              <a:latin typeface="Arial" panose="020B0604020202020204" pitchFamily="34" charset="0"/>
+              <a:cs typeface="Arial" panose="020B0604020202020204" pitchFamily="34" charset="0"/>
+            </a:endParaRPr>
+          </a:p>
+          <a:p>
+            <a:r>
+              <a:rPr lang="en-US" dirty="0">
+                <a:latin typeface="Arial" panose="020B0604020202020204" pitchFamily="34" charset="0"/>
+                <a:cs typeface="Arial" panose="020B0604020202020204" pitchFamily="34" charset="0"/>
+              </a:rPr>
+              <a:t>Create a file called </a:t>
+            </a:r>
+            <a:r>
+              <a:rPr lang="en-US" dirty="0" err="1">
+                <a:latin typeface="Arial" panose="020B0604020202020204" pitchFamily="34" charset="0"/>
+                <a:cs typeface="Arial" panose="020B0604020202020204" pitchFamily="34" charset="0"/>
+              </a:rPr>
+              <a:t>test_bash.sh</a:t>
+            </a:r>
+            <a:r>
+              <a:rPr lang="en-US" dirty="0">
+                <a:latin typeface="Arial" panose="020B0604020202020204" pitchFamily="34" charset="0"/>
+                <a:cs typeface="Arial" panose="020B0604020202020204" pitchFamily="34" charset="0"/>
+              </a:rPr>
+              <a:t> and open it in an editor (nano)</a:t>
+            </a:r>
+          </a:p>
+          <a:p>
+            <a:endParaRPr lang="en-US" dirty="0">
+              <a:latin typeface="Arial" panose="020B0604020202020204" pitchFamily="34" charset="0"/>
+              <a:cs typeface="Arial" panose="020B0604020202020204" pitchFamily="34" charset="0"/>
+            </a:endParaRPr>
+          </a:p>
+          <a:p>
+            <a:r>
+              <a:rPr lang="en-US" dirty="0">
+                <a:latin typeface="Arial" panose="020B0604020202020204" pitchFamily="34" charset="0"/>
+                <a:cs typeface="Arial" panose="020B0604020202020204" pitchFamily="34" charset="0"/>
+              </a:rPr>
+              <a:t>Write the following commands in the file:</a:t>
+            </a:r>
+          </a:p>
+          <a:p>
+            <a:r>
+              <a:rPr lang="en-US" dirty="0">
+                <a:latin typeface="Courier New" panose="02070309020205020404" pitchFamily="49" charset="0"/>
+                <a:cs typeface="Courier New" panose="02070309020205020404" pitchFamily="49" charset="0"/>
+              </a:rPr>
+              <a:t>#!/bin/bash</a:t>
+            </a:r>
+          </a:p>
+          <a:p>
+            <a:r>
+              <a:rPr lang="en-US" dirty="0">
+                <a:latin typeface="Courier New" panose="02070309020205020404" pitchFamily="49" charset="0"/>
+                <a:cs typeface="Courier New" panose="02070309020205020404" pitchFamily="49" charset="0"/>
+              </a:rPr>
+              <a:t># declare STRING variable</a:t>
+            </a:r>
+          </a:p>
+          <a:p>
+            <a:r>
+              <a:rPr lang="en-US" dirty="0">
+                <a:latin typeface="Courier New" panose="02070309020205020404" pitchFamily="49" charset="0"/>
+                <a:cs typeface="Courier New" panose="02070309020205020404" pitchFamily="49" charset="0"/>
+              </a:rPr>
+              <a:t>STRING="Hello World"</a:t>
+            </a:r>
+          </a:p>
+          <a:p>
+            <a:r>
+              <a:rPr lang="en-US" dirty="0">
+                <a:latin typeface="Courier New" panose="02070309020205020404" pitchFamily="49" charset="0"/>
+                <a:cs typeface="Courier New" panose="02070309020205020404" pitchFamily="49" charset="0"/>
+              </a:rPr>
+              <a:t># print variable on a screen</a:t>
+            </a:r>
+          </a:p>
+          <a:p>
+            <a:r>
+              <a:rPr lang="en-US" dirty="0">
+                <a:latin typeface="Courier New" panose="02070309020205020404" pitchFamily="49" charset="0"/>
+                <a:cs typeface="Courier New" panose="02070309020205020404" pitchFamily="49" charset="0"/>
+              </a:rPr>
+              <a:t>echo $STRING</a:t>
+            </a:r>
+          </a:p>
+          <a:p>
+            <a:endParaRPr lang="en-US" dirty="0">
+              <a:latin typeface="Courier New" panose="02070309020205020404" pitchFamily="49" charset="0"/>
+              <a:cs typeface="Courier New" panose="02070309020205020404" pitchFamily="49" charset="0"/>
+            </a:endParaRPr>
+          </a:p>
+          <a:p>
+            <a:r>
+              <a:rPr lang="en-US" dirty="0">
+                <a:latin typeface="Arial" panose="020B0604020202020204" pitchFamily="34" charset="0"/>
+                <a:cs typeface="Arial" panose="020B0604020202020204" pitchFamily="34" charset="0"/>
+              </a:rPr>
+              <a:t>Run this file using</a:t>
+            </a:r>
+          </a:p>
+          <a:p>
+            <a:r>
+              <a:rPr lang="en-US" dirty="0">
+                <a:latin typeface="Courier New" panose="02070309020205020404" pitchFamily="49" charset="0"/>
+                <a:cs typeface="Courier New" panose="02070309020205020404" pitchFamily="49" charset="0"/>
+              </a:rPr>
+              <a:t>bash </a:t>
+            </a:r>
+            <a:r>
+              <a:rPr lang="en-US" dirty="0" err="1">
+                <a:latin typeface="Courier New" panose="02070309020205020404" pitchFamily="49" charset="0"/>
+                <a:cs typeface="Courier New" panose="02070309020205020404" pitchFamily="49" charset="0"/>
+              </a:rPr>
+              <a:t>test_bash.sh</a:t>
+            </a:r>
+            <a:endParaRPr lang="en-US" dirty="0">
+              <a:latin typeface="Courier New" panose="02070309020205020404" pitchFamily="49" charset="0"/>
+              <a:cs typeface="Courier New" panose="02070309020205020404" pitchFamily="49" charset="0"/>
+            </a:endParaRPr>
+          </a:p>
+          <a:p>
+            <a:endParaRPr lang="en-US" dirty="0">
+              <a:latin typeface="Arial" panose="020B0604020202020204" pitchFamily="34" charset="0"/>
+              <a:cs typeface="Arial" panose="020B0604020202020204" pitchFamily="34" charset="0"/>
+            </a:endParaRPr>
+          </a:p>
+          <a:p>
+            <a:r>
+              <a:rPr lang="en-US" dirty="0">
+                <a:latin typeface="Arial" panose="020B0604020202020204" pitchFamily="34" charset="0"/>
+                <a:cs typeface="Arial" panose="020B0604020202020204" pitchFamily="34" charset="0"/>
+              </a:rPr>
+              <a:t>The same two commands can instead be run in the command line itself</a:t>
+            </a:r>
+          </a:p>
+          <a:p>
+            <a:endParaRPr lang="en-US" dirty="0">
+              <a:latin typeface="Courier New" panose="02070309020205020404" pitchFamily="49" charset="0"/>
+              <a:cs typeface="Courier New" panose="02070309020205020404" pitchFamily="49" charset="0"/>
+            </a:endParaRPr>
+          </a:p>
+        </p:txBody>
+      </p:sp>
+    </p:spTree>
+    <p:extLst>
+      <p:ext uri="{BB962C8B-B14F-4D97-AF65-F5344CB8AC3E}">
+        <p14:creationId xmlns:p14="http://schemas.microsoft.com/office/powerpoint/2010/main" val="549666251"/>
+      </p:ext>
+    </p:extLst>
+  </p:cSld>
+  <p:clrMapOvr>
+    <a:masterClrMapping/>
+  </p:clrMapOvr>
+</p:sld>
+</file>
+
+<file path=ppt/slides/slide45.xml><?xml version="1.0" encoding="utf-8"?>
+<p:sld xmlns:a="http://schemas.openxmlformats.org/drawingml/2006/main" xmlns:r="http://schemas.openxmlformats.org/officeDocument/2006/relationships" xmlns:p="http://schemas.openxmlformats.org/presentationml/2006/main">
+  <p:cSld>
+    <p:spTree>
+      <p:nvGrpSpPr>
+        <p:cNvPr id="1" name=""/>
+        <p:cNvGrpSpPr/>
+        <p:nvPr/>
+      </p:nvGrpSpPr>
+      <p:grpSpPr>
+        <a:xfrm>
+          <a:off x="0" y="0"/>
+          <a:ext cx="0" cy="0"/>
+          <a:chOff x="0" y="0"/>
+          <a:chExt cx="0" cy="0"/>
+        </a:xfrm>
+      </p:grpSpPr>
+      <p:sp>
+        <p:nvSpPr>
+          <p:cNvPr id="2" name="TextBox 1">
+            <a:extLst>
+              <a:ext uri="{FF2B5EF4-FFF2-40B4-BE49-F238E27FC236}">
+                <a16:creationId xmlns:a16="http://schemas.microsoft.com/office/drawing/2014/main" id="{30DFB4F8-02E9-3172-BBD6-CA79A76EC796}"/>
+              </a:ext>
+            </a:extLst>
+          </p:cNvPr>
+          <p:cNvSpPr txBox="1"/>
+          <p:nvPr/>
+        </p:nvSpPr>
+        <p:spPr>
+          <a:xfrm>
             <a:off x="0" y="441"/>
             <a:ext cx="12192000" cy="584775"/>
           </a:xfrm>
@@ -14646,7 +14990,7 @@
 </p:sld>
 </file>
 
-<file path=ppt/slides/slide44.xml><?xml version="1.0" encoding="utf-8"?>
+<file path=ppt/slides/slide46.xml><?xml version="1.0" encoding="utf-8"?>
 <p:sld xmlns:a="http://schemas.openxmlformats.org/drawingml/2006/main" xmlns:r="http://schemas.openxmlformats.org/officeDocument/2006/relationships" xmlns:p="http://schemas.openxmlformats.org/presentationml/2006/main">
   <p:cSld>
     <p:spTree>
